--- a/Project 3- World Data Population.pptx
+++ b/Project 3- World Data Population.pptx
@@ -1,35 +1,42 @@
 
 <file path=ppt/presentation.xml><?xml version="1.0" encoding="utf-8"?>
-<p:presentation xmlns:a="http://schemas.openxmlformats.org/drawingml/2006/main" xmlns:r="http://schemas.openxmlformats.org/officeDocument/2006/relationships" xmlns:mc="http://schemas.openxmlformats.org/markup-compatibility/2006" xmlns:mv="urn:schemas-microsoft-com:mac:vml" xmlns:p="http://schemas.openxmlformats.org/presentationml/2006/main" xmlns:c="http://schemas.openxmlformats.org/drawingml/2006/chart" xmlns:dgm="http://schemas.openxmlformats.org/drawingml/2006/diagram" xmlns:o="urn:schemas-microsoft-com:office:office" xmlns:v="urn:schemas-microsoft-com:vml" xmlns:pvml="urn:schemas-microsoft-com:office:powerpoint" xmlns:com="http://schemas.openxmlformats.org/drawingml/2006/compatibility" xmlns:p14="http://schemas.microsoft.com/office/powerpoint/2010/main" xmlns:p15="http://schemas.microsoft.com/office/powerpoint/2012/main" xmlns:ahyp="http://schemas.microsoft.com/office/drawing/2018/hyperlinkcolor" autoCompressPictures="0" embedTrueTypeFonts="1" strictFirstAndLastChars="0" saveSubsetFonts="1">
+<p:presentation xmlns:a="http://schemas.openxmlformats.org/drawingml/2006/main" xmlns:r="http://schemas.openxmlformats.org/officeDocument/2006/relationships" xmlns:p="http://schemas.openxmlformats.org/presentationml/2006/main" strictFirstAndLastChars="0" embedTrueTypeFonts="1" saveSubsetFonts="1" autoCompressPictures="0">
   <p:sldMasterIdLst>
-    <p:sldMasterId id="2147483659" r:id="rId4"/>
+    <p:sldMasterId id="2147483659" r:id="rId1"/>
   </p:sldMasterIdLst>
   <p:notesMasterIdLst>
-    <p:notesMasterId r:id="rId5"/>
+    <p:notesMasterId r:id="rId10"/>
   </p:notesMasterIdLst>
   <p:sldIdLst>
-    <p:sldId id="256" r:id="rId6"/>
-    <p:sldId id="257" r:id="rId7"/>
-    <p:sldId id="258" r:id="rId8"/>
-    <p:sldId id="259" r:id="rId9"/>
-    <p:sldId id="260" r:id="rId10"/>
-    <p:sldId id="261" r:id="rId11"/>
-    <p:sldId id="262" r:id="rId12"/>
-    <p:sldId id="263" r:id="rId13"/>
+    <p:sldId id="256" r:id="rId2"/>
+    <p:sldId id="257" r:id="rId3"/>
+    <p:sldId id="258" r:id="rId4"/>
+    <p:sldId id="259" r:id="rId5"/>
+    <p:sldId id="260" r:id="rId6"/>
+    <p:sldId id="261" r:id="rId7"/>
+    <p:sldId id="262" r:id="rId8"/>
+    <p:sldId id="263" r:id="rId9"/>
   </p:sldIdLst>
-  <p:sldSz cy="5143500" cx="9144000"/>
+  <p:sldSz cx="9144000" cy="5143500" type="screen16x9"/>
   <p:notesSz cx="6858000" cy="9144000"/>
   <p:embeddedFontLst>
     <p:embeddedFont>
-      <p:font typeface="Nunito"/>
-      <p:regular r:id="rId14"/>
-      <p:bold r:id="rId15"/>
-      <p:italic r:id="rId16"/>
-      <p:boldItalic r:id="rId17"/>
+      <p:font typeface="Calibri" panose="020F0502020204030204" pitchFamily="34" charset="0"/>
+      <p:regular r:id="rId11"/>
+      <p:bold r:id="rId12"/>
+      <p:italic r:id="rId13"/>
+      <p:boldItalic r:id="rId14"/>
+    </p:embeddedFont>
+    <p:embeddedFont>
+      <p:font typeface="Nunito" pitchFamily="2" charset="0"/>
+      <p:regular r:id="rId15"/>
+      <p:bold r:id="rId16"/>
+      <p:italic r:id="rId17"/>
+      <p:boldItalic r:id="rId18"/>
     </p:embeddedFont>
   </p:embeddedFontLst>
   <p:defaultTextStyle>
-    <a:defPPr lvl="0" marR="0" rtl="0" algn="l">
+    <a:defPPr marR="0" lvl="0" algn="l" rtl="0">
       <a:lnSpc>
         <a:spcPct val="100000"/>
       </a:lnSpc>
@@ -40,7 +47,7 @@
         <a:spcPts val="0"/>
       </a:spcAft>
     </a:defPPr>
-    <a:lvl1pPr lvl="0" marR="0" rtl="0" algn="l">
+    <a:lvl1pPr marR="0" lvl="0" algn="l" rtl="0">
       <a:lnSpc>
         <a:spcPct val="100000"/>
       </a:lnSpc>
@@ -54,7 +61,7 @@
         <a:srgbClr val="000000"/>
       </a:buClr>
       <a:buFont typeface="Arial"/>
-      <a:defRPr b="0" i="0" sz="1400" u="none" cap="none" strike="noStrike">
+      <a:defRPr sz="1400" b="0" i="0" u="none" strike="noStrike" cap="none">
         <a:solidFill>
           <a:srgbClr val="000000"/>
         </a:solidFill>
@@ -64,7 +71,7 @@
         <a:sym typeface="Arial"/>
       </a:defRPr>
     </a:lvl1pPr>
-    <a:lvl2pPr lvl="1" marR="0" rtl="0" algn="l">
+    <a:lvl2pPr marR="0" lvl="1" algn="l" rtl="0">
       <a:lnSpc>
         <a:spcPct val="100000"/>
       </a:lnSpc>
@@ -78,7 +85,7 @@
         <a:srgbClr val="000000"/>
       </a:buClr>
       <a:buFont typeface="Arial"/>
-      <a:defRPr b="0" i="0" sz="1400" u="none" cap="none" strike="noStrike">
+      <a:defRPr sz="1400" b="0" i="0" u="none" strike="noStrike" cap="none">
         <a:solidFill>
           <a:srgbClr val="000000"/>
         </a:solidFill>
@@ -88,7 +95,7 @@
         <a:sym typeface="Arial"/>
       </a:defRPr>
     </a:lvl2pPr>
-    <a:lvl3pPr lvl="2" marR="0" rtl="0" algn="l">
+    <a:lvl3pPr marR="0" lvl="2" algn="l" rtl="0">
       <a:lnSpc>
         <a:spcPct val="100000"/>
       </a:lnSpc>
@@ -102,7 +109,7 @@
         <a:srgbClr val="000000"/>
       </a:buClr>
       <a:buFont typeface="Arial"/>
-      <a:defRPr b="0" i="0" sz="1400" u="none" cap="none" strike="noStrike">
+      <a:defRPr sz="1400" b="0" i="0" u="none" strike="noStrike" cap="none">
         <a:solidFill>
           <a:srgbClr val="000000"/>
         </a:solidFill>
@@ -112,7 +119,7 @@
         <a:sym typeface="Arial"/>
       </a:defRPr>
     </a:lvl3pPr>
-    <a:lvl4pPr lvl="3" marR="0" rtl="0" algn="l">
+    <a:lvl4pPr marR="0" lvl="3" algn="l" rtl="0">
       <a:lnSpc>
         <a:spcPct val="100000"/>
       </a:lnSpc>
@@ -126,7 +133,7 @@
         <a:srgbClr val="000000"/>
       </a:buClr>
       <a:buFont typeface="Arial"/>
-      <a:defRPr b="0" i="0" sz="1400" u="none" cap="none" strike="noStrike">
+      <a:defRPr sz="1400" b="0" i="0" u="none" strike="noStrike" cap="none">
         <a:solidFill>
           <a:srgbClr val="000000"/>
         </a:solidFill>
@@ -136,7 +143,7 @@
         <a:sym typeface="Arial"/>
       </a:defRPr>
     </a:lvl4pPr>
-    <a:lvl5pPr lvl="4" marR="0" rtl="0" algn="l">
+    <a:lvl5pPr marR="0" lvl="4" algn="l" rtl="0">
       <a:lnSpc>
         <a:spcPct val="100000"/>
       </a:lnSpc>
@@ -150,7 +157,7 @@
         <a:srgbClr val="000000"/>
       </a:buClr>
       <a:buFont typeface="Arial"/>
-      <a:defRPr b="0" i="0" sz="1400" u="none" cap="none" strike="noStrike">
+      <a:defRPr sz="1400" b="0" i="0" u="none" strike="noStrike" cap="none">
         <a:solidFill>
           <a:srgbClr val="000000"/>
         </a:solidFill>
@@ -160,7 +167,7 @@
         <a:sym typeface="Arial"/>
       </a:defRPr>
     </a:lvl5pPr>
-    <a:lvl6pPr lvl="5" marR="0" rtl="0" algn="l">
+    <a:lvl6pPr marR="0" lvl="5" algn="l" rtl="0">
       <a:lnSpc>
         <a:spcPct val="100000"/>
       </a:lnSpc>
@@ -174,7 +181,7 @@
         <a:srgbClr val="000000"/>
       </a:buClr>
       <a:buFont typeface="Arial"/>
-      <a:defRPr b="0" i="0" sz="1400" u="none" cap="none" strike="noStrike">
+      <a:defRPr sz="1400" b="0" i="0" u="none" strike="noStrike" cap="none">
         <a:solidFill>
           <a:srgbClr val="000000"/>
         </a:solidFill>
@@ -184,7 +191,7 @@
         <a:sym typeface="Arial"/>
       </a:defRPr>
     </a:lvl6pPr>
-    <a:lvl7pPr lvl="6" marR="0" rtl="0" algn="l">
+    <a:lvl7pPr marR="0" lvl="6" algn="l" rtl="0">
       <a:lnSpc>
         <a:spcPct val="100000"/>
       </a:lnSpc>
@@ -198,7 +205,7 @@
         <a:srgbClr val="000000"/>
       </a:buClr>
       <a:buFont typeface="Arial"/>
-      <a:defRPr b="0" i="0" sz="1400" u="none" cap="none" strike="noStrike">
+      <a:defRPr sz="1400" b="0" i="0" u="none" strike="noStrike" cap="none">
         <a:solidFill>
           <a:srgbClr val="000000"/>
         </a:solidFill>
@@ -208,7 +215,7 @@
         <a:sym typeface="Arial"/>
       </a:defRPr>
     </a:lvl7pPr>
-    <a:lvl8pPr lvl="7" marR="0" rtl="0" algn="l">
+    <a:lvl8pPr marR="0" lvl="7" algn="l" rtl="0">
       <a:lnSpc>
         <a:spcPct val="100000"/>
       </a:lnSpc>
@@ -222,7 +229,7 @@
         <a:srgbClr val="000000"/>
       </a:buClr>
       <a:buFont typeface="Arial"/>
-      <a:defRPr b="0" i="0" sz="1400" u="none" cap="none" strike="noStrike">
+      <a:defRPr sz="1400" b="0" i="0" u="none" strike="noStrike" cap="none">
         <a:solidFill>
           <a:srgbClr val="000000"/>
         </a:solidFill>
@@ -232,7 +239,7 @@
         <a:sym typeface="Arial"/>
       </a:defRPr>
     </a:lvl8pPr>
-    <a:lvl9pPr lvl="8" marR="0" rtl="0" algn="l">
+    <a:lvl9pPr marR="0" lvl="8" algn="l" rtl="0">
       <a:lnSpc>
         <a:spcPct val="100000"/>
       </a:lnSpc>
@@ -246,7 +253,7 @@
         <a:srgbClr val="000000"/>
       </a:buClr>
       <a:buFont typeface="Arial"/>
-      <a:defRPr b="0" i="0" sz="1400" u="none" cap="none" strike="noStrike">
+      <a:defRPr sz="1400" b="0" i="0" u="none" strike="noStrike" cap="none">
         <a:solidFill>
           <a:srgbClr val="000000"/>
         </a:solidFill>
@@ -259,7 +266,7 @@
   </p:defaultTextStyle>
   <p:extLst>
     <p:ext uri="{EFAFB233-063F-42B5-8137-9DF3F51BA10A}">
-      <p15:sldGuideLst>
+      <p15:sldGuideLst xmlns:p15="http://schemas.microsoft.com/office/powerpoint/2012/main">
         <p15:guide id="1" orient="horz" pos="1620">
           <p15:clr>
             <a:srgbClr val="747775"/>
@@ -276,12 +283,77 @@
 </p:presentation>
 </file>
 
+<file path=ppt/changesInfos/changesInfo1.xml><?xml version="1.0" encoding="utf-8"?>
+<pc:chgInfo xmlns:a="http://schemas.openxmlformats.org/drawingml/2006/main" xmlns:r="http://schemas.openxmlformats.org/officeDocument/2006/relationships" xmlns:ac="http://schemas.microsoft.com/office/drawing/2013/main/command" xmlns:pc="http://schemas.microsoft.com/office/powerpoint/2013/main/command">
+  <pc:docChgLst>
+    <pc:chgData name="Nelson Linarez" userId="73a424aa0dbfbcb4" providerId="LiveId" clId="{181C7474-A5D7-4624-82D8-40158F6A7E7E}"/>
+    <pc:docChg chg="custSel modSld">
+      <pc:chgData name="Nelson Linarez" userId="73a424aa0dbfbcb4" providerId="LiveId" clId="{181C7474-A5D7-4624-82D8-40158F6A7E7E}" dt="2023-07-21T00:36:06.176" v="209" actId="20577"/>
+      <pc:docMkLst>
+        <pc:docMk/>
+      </pc:docMkLst>
+      <pc:sldChg chg="modSp mod">
+        <pc:chgData name="Nelson Linarez" userId="73a424aa0dbfbcb4" providerId="LiveId" clId="{181C7474-A5D7-4624-82D8-40158F6A7E7E}" dt="2023-07-21T00:05:31.190" v="58" actId="113"/>
+        <pc:sldMkLst>
+          <pc:docMk/>
+          <pc:sldMk cId="0" sldId="256"/>
+        </pc:sldMkLst>
+        <pc:spChg chg="mod">
+          <ac:chgData name="Nelson Linarez" userId="73a424aa0dbfbcb4" providerId="LiveId" clId="{181C7474-A5D7-4624-82D8-40158F6A7E7E}" dt="2023-07-21T00:05:31.190" v="58" actId="113"/>
+          <ac:spMkLst>
+            <pc:docMk/>
+            <pc:sldMk cId="0" sldId="256"/>
+            <ac:spMk id="129" creationId="{00000000-0000-0000-0000-000000000000}"/>
+          </ac:spMkLst>
+        </pc:spChg>
+      </pc:sldChg>
+      <pc:sldChg chg="addSp delSp modSp mod">
+        <pc:chgData name="Nelson Linarez" userId="73a424aa0dbfbcb4" providerId="LiveId" clId="{181C7474-A5D7-4624-82D8-40158F6A7E7E}" dt="2023-07-21T00:36:06.176" v="209" actId="20577"/>
+        <pc:sldMkLst>
+          <pc:docMk/>
+          <pc:sldMk cId="0" sldId="262"/>
+        </pc:sldMkLst>
+        <pc:spChg chg="mod">
+          <ac:chgData name="Nelson Linarez" userId="73a424aa0dbfbcb4" providerId="LiveId" clId="{181C7474-A5D7-4624-82D8-40158F6A7E7E}" dt="2023-07-21T00:36:06.176" v="209" actId="20577"/>
+          <ac:spMkLst>
+            <pc:docMk/>
+            <pc:sldMk cId="0" sldId="262"/>
+            <ac:spMk id="171" creationId="{00000000-0000-0000-0000-000000000000}"/>
+          </ac:spMkLst>
+        </pc:spChg>
+        <pc:picChg chg="add mod">
+          <ac:chgData name="Nelson Linarez" userId="73a424aa0dbfbcb4" providerId="LiveId" clId="{181C7474-A5D7-4624-82D8-40158F6A7E7E}" dt="2023-07-21T00:24:38.957" v="65" actId="1076"/>
+          <ac:picMkLst>
+            <pc:docMk/>
+            <pc:sldMk cId="0" sldId="262"/>
+            <ac:picMk id="3" creationId="{1882081E-F585-E6A1-9A4C-15B2863D5F1F}"/>
+          </ac:picMkLst>
+        </pc:picChg>
+        <pc:picChg chg="del">
+          <ac:chgData name="Nelson Linarez" userId="73a424aa0dbfbcb4" providerId="LiveId" clId="{181C7474-A5D7-4624-82D8-40158F6A7E7E}" dt="2023-07-21T00:24:16.072" v="59" actId="478"/>
+          <ac:picMkLst>
+            <pc:docMk/>
+            <pc:sldMk cId="0" sldId="262"/>
+            <ac:picMk id="172" creationId="{00000000-0000-0000-0000-000000000000}"/>
+          </ac:picMkLst>
+        </pc:picChg>
+      </pc:sldChg>
+    </pc:docChg>
+  </pc:docChgLst>
+</pc:chgInfo>
+</file>
+
 <file path=ppt/notesMasters/notesMaster1.xml><?xml version="1.0" encoding="utf-8"?>
-<p:notesMaster xmlns:a="http://schemas.openxmlformats.org/drawingml/2006/main" xmlns:r="http://schemas.openxmlformats.org/officeDocument/2006/relationships" xmlns:mc="http://schemas.openxmlformats.org/markup-compatibility/2006" xmlns:mv="urn:schemas-microsoft-com:mac:vml" xmlns:p="http://schemas.openxmlformats.org/presentationml/2006/main" xmlns:c="http://schemas.openxmlformats.org/drawingml/2006/chart" xmlns:dgm="http://schemas.openxmlformats.org/drawingml/2006/diagram" xmlns:o="urn:schemas-microsoft-com:office:office" xmlns:v="urn:schemas-microsoft-com:vml" xmlns:pvml="urn:schemas-microsoft-com:office:powerpoint" xmlns:com="http://schemas.openxmlformats.org/drawingml/2006/compatibility" xmlns:p14="http://schemas.microsoft.com/office/powerpoint/2010/main" xmlns:p15="http://schemas.microsoft.com/office/powerpoint/2012/main" xmlns:ahyp="http://schemas.microsoft.com/office/drawing/2018/hyperlinkcolor">
+<p:notesMaster xmlns:a="http://schemas.openxmlformats.org/drawingml/2006/main" xmlns:r="http://schemas.openxmlformats.org/officeDocument/2006/relationships" xmlns:p="http://schemas.openxmlformats.org/presentationml/2006/main">
   <p:cSld>
+    <p:bg>
+      <p:bgRef idx="1001">
+        <a:schemeClr val="bg1"/>
+      </p:bgRef>
+    </p:bg>
     <p:spTree>
       <p:nvGrpSpPr>
-        <p:cNvPr id="2" name="Shape 2"/>
+        <p:cNvPr id="1" name="Shape 2"/>
         <p:cNvGrpSpPr/>
         <p:nvPr/>
       </p:nvGrpSpPr>
@@ -296,9 +368,11 @@
       <p:sp>
         <p:nvSpPr>
           <p:cNvPr id="3" name="Google Shape;3;n"/>
-          <p:cNvSpPr/>
+          <p:cNvSpPr>
+            <a:spLocks noGrp="1" noRot="1" noChangeAspect="1"/>
+          </p:cNvSpPr>
           <p:nvPr>
-            <p:ph idx="2" type="sldImg"/>
+            <p:ph type="sldImg" idx="2"/>
           </p:nvPr>
         </p:nvSpPr>
         <p:spPr>
@@ -307,9 +381,13 @@
             <a:ext cx="6096075" cy="3429000"/>
           </a:xfrm>
           <a:custGeom>
-            <a:rect b="b" l="l" r="r" t="t"/>
+            <a:avLst/>
+            <a:gdLst/>
+            <a:ahLst/>
+            <a:cxnLst/>
+            <a:rect l="l" t="t" r="r" b="b"/>
             <a:pathLst>
-              <a:path extrusionOk="0" h="120000" w="120000">
+              <a:path w="120000" h="120000" extrusionOk="0">
                 <a:moveTo>
                   <a:pt x="0" y="0"/>
                 </a:moveTo>
@@ -327,23 +405,25 @@
             </a:pathLst>
           </a:custGeom>
           <a:noFill/>
-          <a:ln cap="flat" cmpd="sng" w="9525">
+          <a:ln w="9525" cap="flat" cmpd="sng">
             <a:solidFill>
               <a:srgbClr val="000000"/>
             </a:solidFill>
             <a:prstDash val="solid"/>
             <a:round/>
-            <a:headEnd len="sm" w="sm" type="none"/>
-            <a:tailEnd len="sm" w="sm" type="none"/>
+            <a:headEnd type="none" w="sm" len="sm"/>
+            <a:tailEnd type="none" w="sm" len="sm"/>
           </a:ln>
         </p:spPr>
       </p:sp>
       <p:sp>
         <p:nvSpPr>
           <p:cNvPr id="4" name="Google Shape;4;n"/>
-          <p:cNvSpPr txBox="1"/>
+          <p:cNvSpPr txBox="1">
+            <a:spLocks noGrp="1"/>
+          </p:cNvSpPr>
           <p:nvPr>
-            <p:ph idx="1" type="body"/>
+            <p:ph type="body" idx="1"/>
           </p:nvPr>
         </p:nvSpPr>
         <p:spPr>
@@ -360,11 +440,11 @@
           </a:ln>
         </p:spPr>
         <p:txBody>
-          <a:bodyPr anchorCtr="0" anchor="t" bIns="91425" lIns="91425" spcFirstLastPara="1" rIns="91425" wrap="square" tIns="91425">
+          <a:bodyPr spcFirstLastPara="1" wrap="square" lIns="91425" tIns="91425" rIns="91425" bIns="91425" anchor="t" anchorCtr="0">
             <a:noAutofit/>
           </a:bodyPr>
           <a:lstStyle>
-            <a:lvl1pPr indent="-298450" lvl="0" marL="457200">
+            <a:lvl1pPr marL="457200" lvl="0" indent="-298450">
               <a:spcBef>
                 <a:spcPts val="0"/>
               </a:spcBef>
@@ -375,7 +455,7 @@
               <a:buChar char="●"/>
               <a:defRPr sz="1100"/>
             </a:lvl1pPr>
-            <a:lvl2pPr indent="-298450" lvl="1" marL="914400">
+            <a:lvl2pPr marL="914400" lvl="1" indent="-298450">
               <a:spcBef>
                 <a:spcPts val="0"/>
               </a:spcBef>
@@ -386,7 +466,7 @@
               <a:buChar char="○"/>
               <a:defRPr sz="1100"/>
             </a:lvl2pPr>
-            <a:lvl3pPr indent="-298450" lvl="2" marL="1371600">
+            <a:lvl3pPr marL="1371600" lvl="2" indent="-298450">
               <a:spcBef>
                 <a:spcPts val="0"/>
               </a:spcBef>
@@ -397,7 +477,7 @@
               <a:buChar char="■"/>
               <a:defRPr sz="1100"/>
             </a:lvl3pPr>
-            <a:lvl4pPr indent="-298450" lvl="3" marL="1828800">
+            <a:lvl4pPr marL="1828800" lvl="3" indent="-298450">
               <a:spcBef>
                 <a:spcPts val="0"/>
               </a:spcBef>
@@ -408,7 +488,7 @@
               <a:buChar char="●"/>
               <a:defRPr sz="1100"/>
             </a:lvl4pPr>
-            <a:lvl5pPr indent="-298450" lvl="4" marL="2286000">
+            <a:lvl5pPr marL="2286000" lvl="4" indent="-298450">
               <a:spcBef>
                 <a:spcPts val="0"/>
               </a:spcBef>
@@ -419,7 +499,7 @@
               <a:buChar char="○"/>
               <a:defRPr sz="1100"/>
             </a:lvl5pPr>
-            <a:lvl6pPr indent="-298450" lvl="5" marL="2743200">
+            <a:lvl6pPr marL="2743200" lvl="5" indent="-298450">
               <a:spcBef>
                 <a:spcPts val="0"/>
               </a:spcBef>
@@ -430,7 +510,7 @@
               <a:buChar char="■"/>
               <a:defRPr sz="1100"/>
             </a:lvl6pPr>
-            <a:lvl7pPr indent="-298450" lvl="6" marL="3200400">
+            <a:lvl7pPr marL="3200400" lvl="6" indent="-298450">
               <a:spcBef>
                 <a:spcPts val="0"/>
               </a:spcBef>
@@ -441,7 +521,7 @@
               <a:buChar char="●"/>
               <a:defRPr sz="1100"/>
             </a:lvl7pPr>
-            <a:lvl8pPr indent="-298450" lvl="7" marL="3657600">
+            <a:lvl8pPr marL="3657600" lvl="7" indent="-298450">
               <a:spcBef>
                 <a:spcPts val="0"/>
               </a:spcBef>
@@ -452,7 +532,7 @@
               <a:buChar char="○"/>
               <a:defRPr sz="1100"/>
             </a:lvl8pPr>
-            <a:lvl9pPr indent="-298450" lvl="8" marL="4114800">
+            <a:lvl9pPr marL="4114800" lvl="8" indent="-298450">
               <a:spcBef>
                 <a:spcPts val="0"/>
               </a:spcBef>
@@ -464,14 +544,16 @@
               <a:defRPr sz="1100"/>
             </a:lvl9pPr>
           </a:lstStyle>
-          <a:p/>
+          <a:p>
+            <a:endParaRPr/>
+          </a:p>
         </p:txBody>
       </p:sp>
     </p:spTree>
   </p:cSld>
-  <p:clrMap accent1="accent1" accent2="accent2" accent3="accent3" accent4="accent4" accent5="accent5" accent6="accent6" bg1="lt1" bg2="dk2" tx1="dk1" tx2="lt2" folHlink="folHlink" hlink="hlink"/>
+  <p:clrMap bg1="lt1" tx1="dk1" bg2="dk2" tx2="lt2" accent1="accent1" accent2="accent2" accent3="accent3" accent4="accent4" accent5="accent5" accent6="accent6" hlink="hlink" folHlink="folHlink"/>
   <p:notesStyle>
-    <a:defPPr lvl="0" marR="0" rtl="0" algn="l">
+    <a:defPPr marR="0" lvl="0" algn="l" rtl="0">
       <a:lnSpc>
         <a:spcPct val="100000"/>
       </a:lnSpc>
@@ -482,7 +564,7 @@
         <a:spcPts val="0"/>
       </a:spcAft>
     </a:defPPr>
-    <a:lvl1pPr lvl="0" marR="0" rtl="0" algn="l">
+    <a:lvl1pPr marR="0" lvl="0" algn="l" rtl="0">
       <a:lnSpc>
         <a:spcPct val="100000"/>
       </a:lnSpc>
@@ -496,7 +578,7 @@
         <a:srgbClr val="000000"/>
       </a:buClr>
       <a:buFont typeface="Arial"/>
-      <a:defRPr b="0" i="0" sz="1400" u="none" cap="none" strike="noStrike">
+      <a:defRPr sz="1400" b="0" i="0" u="none" strike="noStrike" cap="none">
         <a:solidFill>
           <a:srgbClr val="000000"/>
         </a:solidFill>
@@ -506,7 +588,7 @@
         <a:sym typeface="Arial"/>
       </a:defRPr>
     </a:lvl1pPr>
-    <a:lvl2pPr lvl="1" marR="0" rtl="0" algn="l">
+    <a:lvl2pPr marR="0" lvl="1" algn="l" rtl="0">
       <a:lnSpc>
         <a:spcPct val="100000"/>
       </a:lnSpc>
@@ -520,7 +602,7 @@
         <a:srgbClr val="000000"/>
       </a:buClr>
       <a:buFont typeface="Arial"/>
-      <a:defRPr b="0" i="0" sz="1400" u="none" cap="none" strike="noStrike">
+      <a:defRPr sz="1400" b="0" i="0" u="none" strike="noStrike" cap="none">
         <a:solidFill>
           <a:srgbClr val="000000"/>
         </a:solidFill>
@@ -530,7 +612,7 @@
         <a:sym typeface="Arial"/>
       </a:defRPr>
     </a:lvl2pPr>
-    <a:lvl3pPr lvl="2" marR="0" rtl="0" algn="l">
+    <a:lvl3pPr marR="0" lvl="2" algn="l" rtl="0">
       <a:lnSpc>
         <a:spcPct val="100000"/>
       </a:lnSpc>
@@ -544,7 +626,7 @@
         <a:srgbClr val="000000"/>
       </a:buClr>
       <a:buFont typeface="Arial"/>
-      <a:defRPr b="0" i="0" sz="1400" u="none" cap="none" strike="noStrike">
+      <a:defRPr sz="1400" b="0" i="0" u="none" strike="noStrike" cap="none">
         <a:solidFill>
           <a:srgbClr val="000000"/>
         </a:solidFill>
@@ -554,7 +636,7 @@
         <a:sym typeface="Arial"/>
       </a:defRPr>
     </a:lvl3pPr>
-    <a:lvl4pPr lvl="3" marR="0" rtl="0" algn="l">
+    <a:lvl4pPr marR="0" lvl="3" algn="l" rtl="0">
       <a:lnSpc>
         <a:spcPct val="100000"/>
       </a:lnSpc>
@@ -568,7 +650,7 @@
         <a:srgbClr val="000000"/>
       </a:buClr>
       <a:buFont typeface="Arial"/>
-      <a:defRPr b="0" i="0" sz="1400" u="none" cap="none" strike="noStrike">
+      <a:defRPr sz="1400" b="0" i="0" u="none" strike="noStrike" cap="none">
         <a:solidFill>
           <a:srgbClr val="000000"/>
         </a:solidFill>
@@ -578,7 +660,7 @@
         <a:sym typeface="Arial"/>
       </a:defRPr>
     </a:lvl4pPr>
-    <a:lvl5pPr lvl="4" marR="0" rtl="0" algn="l">
+    <a:lvl5pPr marR="0" lvl="4" algn="l" rtl="0">
       <a:lnSpc>
         <a:spcPct val="100000"/>
       </a:lnSpc>
@@ -592,7 +674,7 @@
         <a:srgbClr val="000000"/>
       </a:buClr>
       <a:buFont typeface="Arial"/>
-      <a:defRPr b="0" i="0" sz="1400" u="none" cap="none" strike="noStrike">
+      <a:defRPr sz="1400" b="0" i="0" u="none" strike="noStrike" cap="none">
         <a:solidFill>
           <a:srgbClr val="000000"/>
         </a:solidFill>
@@ -602,7 +684,7 @@
         <a:sym typeface="Arial"/>
       </a:defRPr>
     </a:lvl5pPr>
-    <a:lvl6pPr lvl="5" marR="0" rtl="0" algn="l">
+    <a:lvl6pPr marR="0" lvl="5" algn="l" rtl="0">
       <a:lnSpc>
         <a:spcPct val="100000"/>
       </a:lnSpc>
@@ -616,7 +698,7 @@
         <a:srgbClr val="000000"/>
       </a:buClr>
       <a:buFont typeface="Arial"/>
-      <a:defRPr b="0" i="0" sz="1400" u="none" cap="none" strike="noStrike">
+      <a:defRPr sz="1400" b="0" i="0" u="none" strike="noStrike" cap="none">
         <a:solidFill>
           <a:srgbClr val="000000"/>
         </a:solidFill>
@@ -626,7 +708,7 @@
         <a:sym typeface="Arial"/>
       </a:defRPr>
     </a:lvl6pPr>
-    <a:lvl7pPr lvl="6" marR="0" rtl="0" algn="l">
+    <a:lvl7pPr marR="0" lvl="6" algn="l" rtl="0">
       <a:lnSpc>
         <a:spcPct val="100000"/>
       </a:lnSpc>
@@ -640,7 +722,7 @@
         <a:srgbClr val="000000"/>
       </a:buClr>
       <a:buFont typeface="Arial"/>
-      <a:defRPr b="0" i="0" sz="1400" u="none" cap="none" strike="noStrike">
+      <a:defRPr sz="1400" b="0" i="0" u="none" strike="noStrike" cap="none">
         <a:solidFill>
           <a:srgbClr val="000000"/>
         </a:solidFill>
@@ -650,7 +732,7 @@
         <a:sym typeface="Arial"/>
       </a:defRPr>
     </a:lvl7pPr>
-    <a:lvl8pPr lvl="7" marR="0" rtl="0" algn="l">
+    <a:lvl8pPr marR="0" lvl="7" algn="l" rtl="0">
       <a:lnSpc>
         <a:spcPct val="100000"/>
       </a:lnSpc>
@@ -664,7 +746,7 @@
         <a:srgbClr val="000000"/>
       </a:buClr>
       <a:buFont typeface="Arial"/>
-      <a:defRPr b="0" i="0" sz="1400" u="none" cap="none" strike="noStrike">
+      <a:defRPr sz="1400" b="0" i="0" u="none" strike="noStrike" cap="none">
         <a:solidFill>
           <a:srgbClr val="000000"/>
         </a:solidFill>
@@ -674,7 +756,7 @@
         <a:sym typeface="Arial"/>
       </a:defRPr>
     </a:lvl8pPr>
-    <a:lvl9pPr lvl="8" marR="0" rtl="0" algn="l">
+    <a:lvl9pPr marR="0" lvl="8" algn="l" rtl="0">
       <a:lnSpc>
         <a:spcPct val="100000"/>
       </a:lnSpc>
@@ -688,7 +770,7 @@
         <a:srgbClr val="000000"/>
       </a:buClr>
       <a:buFont typeface="Arial"/>
-      <a:defRPr b="0" i="0" sz="1400" u="none" cap="none" strike="noStrike">
+      <a:defRPr sz="1400" b="0" i="0" u="none" strike="noStrike" cap="none">
         <a:solidFill>
           <a:srgbClr val="000000"/>
         </a:solidFill>
@@ -703,11 +785,11 @@
 </file>
 
 <file path=ppt/notesSlides/notesSlide1.xml><?xml version="1.0" encoding="utf-8"?>
-<p:notes xmlns:a="http://schemas.openxmlformats.org/drawingml/2006/main" xmlns:r="http://schemas.openxmlformats.org/officeDocument/2006/relationships" xmlns:mc="http://schemas.openxmlformats.org/markup-compatibility/2006" xmlns:mv="urn:schemas-microsoft-com:mac:vml" xmlns:p="http://schemas.openxmlformats.org/presentationml/2006/main" xmlns:c="http://schemas.openxmlformats.org/drawingml/2006/chart" xmlns:dgm="http://schemas.openxmlformats.org/drawingml/2006/diagram" xmlns:o="urn:schemas-microsoft-com:office:office" xmlns:v="urn:schemas-microsoft-com:vml" xmlns:pvml="urn:schemas-microsoft-com:office:powerpoint" xmlns:com="http://schemas.openxmlformats.org/drawingml/2006/compatibility" xmlns:p14="http://schemas.microsoft.com/office/powerpoint/2010/main" xmlns:p15="http://schemas.microsoft.com/office/powerpoint/2012/main" xmlns:ahyp="http://schemas.microsoft.com/office/drawing/2018/hyperlinkcolor" showMasterPhAnim="0" showMasterSp="0">
+<p:notes xmlns:a="http://schemas.openxmlformats.org/drawingml/2006/main" xmlns:r="http://schemas.openxmlformats.org/officeDocument/2006/relationships" xmlns:p="http://schemas.openxmlformats.org/presentationml/2006/main" showMasterSp="0" showMasterPhAnim="0">
   <p:cSld>
     <p:spTree>
       <p:nvGrpSpPr>
-        <p:cNvPr id="124" name="Shape 124"/>
+        <p:cNvPr id="1" name="Shape 124"/>
         <p:cNvGrpSpPr/>
         <p:nvPr/>
       </p:nvGrpSpPr>
@@ -722,20 +804,26 @@
       <p:sp>
         <p:nvSpPr>
           <p:cNvPr id="125" name="Google Shape;125;p:notes"/>
-          <p:cNvSpPr/>
+          <p:cNvSpPr>
+            <a:spLocks noGrp="1" noRot="1" noChangeAspect="1"/>
+          </p:cNvSpPr>
           <p:nvPr>
-            <p:ph idx="2" type="sldImg"/>
+            <p:ph type="sldImg" idx="2"/>
           </p:nvPr>
         </p:nvSpPr>
         <p:spPr>
           <a:xfrm>
-            <a:off x="381300" y="685800"/>
-            <a:ext cx="6096075" cy="3429000"/>
+            <a:off x="381000" y="685800"/>
+            <a:ext cx="6096000" cy="3429000"/>
           </a:xfrm>
           <a:custGeom>
-            <a:rect b="b" l="l" r="r" t="t"/>
+            <a:avLst/>
+            <a:gdLst/>
+            <a:ahLst/>
+            <a:cxnLst/>
+            <a:rect l="l" t="t" r="r" b="b"/>
             <a:pathLst>
-              <a:path extrusionOk="0" h="120000" w="120000">
+              <a:path w="120000" h="120000" extrusionOk="0">
                 <a:moveTo>
                   <a:pt x="0" y="0"/>
                 </a:moveTo>
@@ -757,9 +845,11 @@
       <p:sp>
         <p:nvSpPr>
           <p:cNvPr id="126" name="Google Shape;126;p:notes"/>
-          <p:cNvSpPr txBox="1"/>
+          <p:cNvSpPr txBox="1">
+            <a:spLocks noGrp="1"/>
+          </p:cNvSpPr>
           <p:nvPr>
-            <p:ph idx="1" type="body"/>
+            <p:ph type="body" idx="1"/>
           </p:nvPr>
         </p:nvSpPr>
         <p:spPr>
@@ -772,12 +862,12 @@
           </a:prstGeom>
         </p:spPr>
         <p:txBody>
-          <a:bodyPr anchorCtr="0" anchor="t" bIns="91425" lIns="91425" spcFirstLastPara="1" rIns="91425" wrap="square" tIns="91425">
+          <a:bodyPr spcFirstLastPara="1" wrap="square" lIns="91425" tIns="91425" rIns="91425" bIns="91425" anchor="t" anchorCtr="0">
             <a:noAutofit/>
           </a:bodyPr>
           <a:lstStyle/>
           <a:p>
-            <a:pPr indent="0" lvl="0" marL="0" rtl="0" algn="l">
+            <a:pPr marL="0" lvl="0" indent="0" algn="l" rtl="0">
               <a:spcBef>
                 <a:spcPts val="0"/>
               </a:spcBef>
@@ -786,9 +876,6 @@
               </a:spcAft>
               <a:buNone/>
             </a:pPr>
-            <a:r>
-              <a:t/>
-            </a:r>
             <a:endParaRPr/>
           </a:p>
         </p:txBody>
@@ -802,11 +889,11 @@
 </file>
 
 <file path=ppt/notesSlides/notesSlide2.xml><?xml version="1.0" encoding="utf-8"?>
-<p:notes xmlns:a="http://schemas.openxmlformats.org/drawingml/2006/main" xmlns:r="http://schemas.openxmlformats.org/officeDocument/2006/relationships" xmlns:mc="http://schemas.openxmlformats.org/markup-compatibility/2006" xmlns:mv="urn:schemas-microsoft-com:mac:vml" xmlns:p="http://schemas.openxmlformats.org/presentationml/2006/main" xmlns:c="http://schemas.openxmlformats.org/drawingml/2006/chart" xmlns:dgm="http://schemas.openxmlformats.org/drawingml/2006/diagram" xmlns:o="urn:schemas-microsoft-com:office:office" xmlns:v="urn:schemas-microsoft-com:vml" xmlns:pvml="urn:schemas-microsoft-com:office:powerpoint" xmlns:com="http://schemas.openxmlformats.org/drawingml/2006/compatibility" xmlns:p14="http://schemas.microsoft.com/office/powerpoint/2010/main" xmlns:p15="http://schemas.microsoft.com/office/powerpoint/2012/main" xmlns:ahyp="http://schemas.microsoft.com/office/drawing/2018/hyperlinkcolor" showMasterPhAnim="0" showMasterSp="0">
+<p:notes xmlns:a="http://schemas.openxmlformats.org/drawingml/2006/main" xmlns:r="http://schemas.openxmlformats.org/officeDocument/2006/relationships" xmlns:p="http://schemas.openxmlformats.org/presentationml/2006/main" showMasterSp="0" showMasterPhAnim="0">
   <p:cSld>
     <p:spTree>
       <p:nvGrpSpPr>
-        <p:cNvPr id="130" name="Shape 130"/>
+        <p:cNvPr id="1" name="Shape 130"/>
         <p:cNvGrpSpPr/>
         <p:nvPr/>
       </p:nvGrpSpPr>
@@ -821,9 +908,11 @@
       <p:sp>
         <p:nvSpPr>
           <p:cNvPr id="131" name="Google Shape;131;g258e85c7af8_0_512:notes"/>
-          <p:cNvSpPr/>
+          <p:cNvSpPr>
+            <a:spLocks noGrp="1" noRot="1" noChangeAspect="1"/>
+          </p:cNvSpPr>
           <p:nvPr>
-            <p:ph idx="2" type="sldImg"/>
+            <p:ph type="sldImg" idx="2"/>
           </p:nvPr>
         </p:nvSpPr>
         <p:spPr>
@@ -832,9 +921,13 @@
             <a:ext cx="6096000" cy="3429000"/>
           </a:xfrm>
           <a:custGeom>
-            <a:rect b="b" l="l" r="r" t="t"/>
+            <a:avLst/>
+            <a:gdLst/>
+            <a:ahLst/>
+            <a:cxnLst/>
+            <a:rect l="l" t="t" r="r" b="b"/>
             <a:pathLst>
-              <a:path extrusionOk="0" h="120000" w="120000">
+              <a:path w="120000" h="120000" extrusionOk="0">
                 <a:moveTo>
                   <a:pt x="0" y="0"/>
                 </a:moveTo>
@@ -856,9 +949,11 @@
       <p:sp>
         <p:nvSpPr>
           <p:cNvPr id="132" name="Google Shape;132;g258e85c7af8_0_512:notes"/>
-          <p:cNvSpPr txBox="1"/>
+          <p:cNvSpPr txBox="1">
+            <a:spLocks noGrp="1"/>
+          </p:cNvSpPr>
           <p:nvPr>
-            <p:ph idx="1" type="body"/>
+            <p:ph type="body" idx="1"/>
           </p:nvPr>
         </p:nvSpPr>
         <p:spPr>
@@ -871,12 +966,12 @@
           </a:prstGeom>
         </p:spPr>
         <p:txBody>
-          <a:bodyPr anchorCtr="0" anchor="t" bIns="91425" lIns="91425" spcFirstLastPara="1" rIns="91425" wrap="square" tIns="91425">
+          <a:bodyPr spcFirstLastPara="1" wrap="square" lIns="91425" tIns="91425" rIns="91425" bIns="91425" anchor="t" anchorCtr="0">
             <a:noAutofit/>
           </a:bodyPr>
           <a:lstStyle/>
           <a:p>
-            <a:pPr indent="0" lvl="0" marL="0" rtl="0" algn="l">
+            <a:pPr marL="0" lvl="0" indent="0" algn="l" rtl="0">
               <a:spcBef>
                 <a:spcPts val="0"/>
               </a:spcBef>
@@ -885,9 +980,6 @@
               </a:spcAft>
               <a:buNone/>
             </a:pPr>
-            <a:r>
-              <a:t/>
-            </a:r>
             <a:endParaRPr/>
           </a:p>
         </p:txBody>
@@ -901,11 +993,11 @@
 </file>
 
 <file path=ppt/notesSlides/notesSlide3.xml><?xml version="1.0" encoding="utf-8"?>
-<p:notes xmlns:a="http://schemas.openxmlformats.org/drawingml/2006/main" xmlns:r="http://schemas.openxmlformats.org/officeDocument/2006/relationships" xmlns:mc="http://schemas.openxmlformats.org/markup-compatibility/2006" xmlns:mv="urn:schemas-microsoft-com:mac:vml" xmlns:p="http://schemas.openxmlformats.org/presentationml/2006/main" xmlns:c="http://schemas.openxmlformats.org/drawingml/2006/chart" xmlns:dgm="http://schemas.openxmlformats.org/drawingml/2006/diagram" xmlns:o="urn:schemas-microsoft-com:office:office" xmlns:v="urn:schemas-microsoft-com:vml" xmlns:pvml="urn:schemas-microsoft-com:office:powerpoint" xmlns:com="http://schemas.openxmlformats.org/drawingml/2006/compatibility" xmlns:p14="http://schemas.microsoft.com/office/powerpoint/2010/main" xmlns:p15="http://schemas.microsoft.com/office/powerpoint/2012/main" xmlns:ahyp="http://schemas.microsoft.com/office/drawing/2018/hyperlinkcolor" showMasterPhAnim="0" showMasterSp="0">
+<p:notes xmlns:a="http://schemas.openxmlformats.org/drawingml/2006/main" xmlns:r="http://schemas.openxmlformats.org/officeDocument/2006/relationships" xmlns:p="http://schemas.openxmlformats.org/presentationml/2006/main" showMasterSp="0" showMasterPhAnim="0">
   <p:cSld>
     <p:spTree>
       <p:nvGrpSpPr>
-        <p:cNvPr id="137" name="Shape 137"/>
+        <p:cNvPr id="1" name="Shape 137"/>
         <p:cNvGrpSpPr/>
         <p:nvPr/>
       </p:nvGrpSpPr>
@@ -920,9 +1012,11 @@
       <p:sp>
         <p:nvSpPr>
           <p:cNvPr id="138" name="Google Shape;138;g258e85c7af8_0_535:notes"/>
-          <p:cNvSpPr/>
+          <p:cNvSpPr>
+            <a:spLocks noGrp="1" noRot="1" noChangeAspect="1"/>
+          </p:cNvSpPr>
           <p:nvPr>
-            <p:ph idx="2" type="sldImg"/>
+            <p:ph type="sldImg" idx="2"/>
           </p:nvPr>
         </p:nvSpPr>
         <p:spPr>
@@ -931,9 +1025,13 @@
             <a:ext cx="6096000" cy="3429000"/>
           </a:xfrm>
           <a:custGeom>
-            <a:rect b="b" l="l" r="r" t="t"/>
+            <a:avLst/>
+            <a:gdLst/>
+            <a:ahLst/>
+            <a:cxnLst/>
+            <a:rect l="l" t="t" r="r" b="b"/>
             <a:pathLst>
-              <a:path extrusionOk="0" h="120000" w="120000">
+              <a:path w="120000" h="120000" extrusionOk="0">
                 <a:moveTo>
                   <a:pt x="0" y="0"/>
                 </a:moveTo>
@@ -955,9 +1053,11 @@
       <p:sp>
         <p:nvSpPr>
           <p:cNvPr id="139" name="Google Shape;139;g258e85c7af8_0_535:notes"/>
-          <p:cNvSpPr txBox="1"/>
+          <p:cNvSpPr txBox="1">
+            <a:spLocks noGrp="1"/>
+          </p:cNvSpPr>
           <p:nvPr>
-            <p:ph idx="1" type="body"/>
+            <p:ph type="body" idx="1"/>
           </p:nvPr>
         </p:nvSpPr>
         <p:spPr>
@@ -970,12 +1070,12 @@
           </a:prstGeom>
         </p:spPr>
         <p:txBody>
-          <a:bodyPr anchorCtr="0" anchor="t" bIns="91425" lIns="91425" spcFirstLastPara="1" rIns="91425" wrap="square" tIns="91425">
+          <a:bodyPr spcFirstLastPara="1" wrap="square" lIns="91425" tIns="91425" rIns="91425" bIns="91425" anchor="t" anchorCtr="0">
             <a:noAutofit/>
           </a:bodyPr>
           <a:lstStyle/>
           <a:p>
-            <a:pPr indent="0" lvl="0" marL="0" rtl="0" algn="l">
+            <a:pPr marL="0" lvl="0" indent="0" algn="l" rtl="0">
               <a:spcBef>
                 <a:spcPts val="0"/>
               </a:spcBef>
@@ -984,9 +1084,6 @@
               </a:spcAft>
               <a:buNone/>
             </a:pPr>
-            <a:r>
-              <a:t/>
-            </a:r>
             <a:endParaRPr/>
           </a:p>
         </p:txBody>
@@ -1000,11 +1097,11 @@
 </file>
 
 <file path=ppt/notesSlides/notesSlide4.xml><?xml version="1.0" encoding="utf-8"?>
-<p:notes xmlns:a="http://schemas.openxmlformats.org/drawingml/2006/main" xmlns:r="http://schemas.openxmlformats.org/officeDocument/2006/relationships" xmlns:mc="http://schemas.openxmlformats.org/markup-compatibility/2006" xmlns:mv="urn:schemas-microsoft-com:mac:vml" xmlns:p="http://schemas.openxmlformats.org/presentationml/2006/main" xmlns:c="http://schemas.openxmlformats.org/drawingml/2006/chart" xmlns:dgm="http://schemas.openxmlformats.org/drawingml/2006/diagram" xmlns:o="urn:schemas-microsoft-com:office:office" xmlns:v="urn:schemas-microsoft-com:vml" xmlns:pvml="urn:schemas-microsoft-com:office:powerpoint" xmlns:com="http://schemas.openxmlformats.org/drawingml/2006/compatibility" xmlns:p14="http://schemas.microsoft.com/office/powerpoint/2010/main" xmlns:p15="http://schemas.microsoft.com/office/powerpoint/2012/main" xmlns:ahyp="http://schemas.microsoft.com/office/drawing/2018/hyperlinkcolor" showMasterPhAnim="0" showMasterSp="0">
+<p:notes xmlns:a="http://schemas.openxmlformats.org/drawingml/2006/main" xmlns:r="http://schemas.openxmlformats.org/officeDocument/2006/relationships" xmlns:p="http://schemas.openxmlformats.org/presentationml/2006/main" showMasterSp="0" showMasterPhAnim="0">
   <p:cSld>
     <p:spTree>
       <p:nvGrpSpPr>
-        <p:cNvPr id="145" name="Shape 145"/>
+        <p:cNvPr id="1" name="Shape 145"/>
         <p:cNvGrpSpPr/>
         <p:nvPr/>
       </p:nvGrpSpPr>
@@ -1019,9 +1116,11 @@
       <p:sp>
         <p:nvSpPr>
           <p:cNvPr id="146" name="Google Shape;146;g258e85c7af8_0_517:notes"/>
-          <p:cNvSpPr/>
+          <p:cNvSpPr>
+            <a:spLocks noGrp="1" noRot="1" noChangeAspect="1"/>
+          </p:cNvSpPr>
           <p:nvPr>
-            <p:ph idx="2" type="sldImg"/>
+            <p:ph type="sldImg" idx="2"/>
           </p:nvPr>
         </p:nvSpPr>
         <p:spPr>
@@ -1030,9 +1129,13 @@
             <a:ext cx="6096000" cy="3429000"/>
           </a:xfrm>
           <a:custGeom>
-            <a:rect b="b" l="l" r="r" t="t"/>
+            <a:avLst/>
+            <a:gdLst/>
+            <a:ahLst/>
+            <a:cxnLst/>
+            <a:rect l="l" t="t" r="r" b="b"/>
             <a:pathLst>
-              <a:path extrusionOk="0" h="120000" w="120000">
+              <a:path w="120000" h="120000" extrusionOk="0">
                 <a:moveTo>
                   <a:pt x="0" y="0"/>
                 </a:moveTo>
@@ -1054,9 +1157,11 @@
       <p:sp>
         <p:nvSpPr>
           <p:cNvPr id="147" name="Google Shape;147;g258e85c7af8_0_517:notes"/>
-          <p:cNvSpPr txBox="1"/>
+          <p:cNvSpPr txBox="1">
+            <a:spLocks noGrp="1"/>
+          </p:cNvSpPr>
           <p:nvPr>
-            <p:ph idx="1" type="body"/>
+            <p:ph type="body" idx="1"/>
           </p:nvPr>
         </p:nvSpPr>
         <p:spPr>
@@ -1069,12 +1174,12 @@
           </a:prstGeom>
         </p:spPr>
         <p:txBody>
-          <a:bodyPr anchorCtr="0" anchor="t" bIns="91425" lIns="91425" spcFirstLastPara="1" rIns="91425" wrap="square" tIns="91425">
+          <a:bodyPr spcFirstLastPara="1" wrap="square" lIns="91425" tIns="91425" rIns="91425" bIns="91425" anchor="t" anchorCtr="0">
             <a:noAutofit/>
           </a:bodyPr>
           <a:lstStyle/>
           <a:p>
-            <a:pPr indent="0" lvl="0" marL="0" rtl="0" algn="l">
+            <a:pPr marL="0" lvl="0" indent="0" algn="l" rtl="0">
               <a:spcBef>
                 <a:spcPts val="0"/>
               </a:spcBef>
@@ -1083,9 +1188,6 @@
               </a:spcAft>
               <a:buNone/>
             </a:pPr>
-            <a:r>
-              <a:t/>
-            </a:r>
             <a:endParaRPr/>
           </a:p>
         </p:txBody>
@@ -1099,11 +1201,11 @@
 </file>
 
 <file path=ppt/notesSlides/notesSlide5.xml><?xml version="1.0" encoding="utf-8"?>
-<p:notes xmlns:a="http://schemas.openxmlformats.org/drawingml/2006/main" xmlns:r="http://schemas.openxmlformats.org/officeDocument/2006/relationships" xmlns:mc="http://schemas.openxmlformats.org/markup-compatibility/2006" xmlns:mv="urn:schemas-microsoft-com:mac:vml" xmlns:p="http://schemas.openxmlformats.org/presentationml/2006/main" xmlns:c="http://schemas.openxmlformats.org/drawingml/2006/chart" xmlns:dgm="http://schemas.openxmlformats.org/drawingml/2006/diagram" xmlns:o="urn:schemas-microsoft-com:office:office" xmlns:v="urn:schemas-microsoft-com:vml" xmlns:pvml="urn:schemas-microsoft-com:office:powerpoint" xmlns:com="http://schemas.openxmlformats.org/drawingml/2006/compatibility" xmlns:p14="http://schemas.microsoft.com/office/powerpoint/2010/main" xmlns:p15="http://schemas.microsoft.com/office/powerpoint/2012/main" xmlns:ahyp="http://schemas.microsoft.com/office/drawing/2018/hyperlinkcolor" showMasterPhAnim="0" showMasterSp="0">
+<p:notes xmlns:a="http://schemas.openxmlformats.org/drawingml/2006/main" xmlns:r="http://schemas.openxmlformats.org/officeDocument/2006/relationships" xmlns:p="http://schemas.openxmlformats.org/presentationml/2006/main" showMasterSp="0" showMasterPhAnim="0">
   <p:cSld>
     <p:spTree>
       <p:nvGrpSpPr>
-        <p:cNvPr id="152" name="Shape 152"/>
+        <p:cNvPr id="1" name="Shape 152"/>
         <p:cNvGrpSpPr/>
         <p:nvPr/>
       </p:nvGrpSpPr>
@@ -1118,9 +1220,11 @@
       <p:sp>
         <p:nvSpPr>
           <p:cNvPr id="153" name="Google Shape;153;g258e85c7af8_0_522:notes"/>
-          <p:cNvSpPr/>
+          <p:cNvSpPr>
+            <a:spLocks noGrp="1" noRot="1" noChangeAspect="1"/>
+          </p:cNvSpPr>
           <p:nvPr>
-            <p:ph idx="2" type="sldImg"/>
+            <p:ph type="sldImg" idx="2"/>
           </p:nvPr>
         </p:nvSpPr>
         <p:spPr>
@@ -1129,9 +1233,13 @@
             <a:ext cx="6096000" cy="3429000"/>
           </a:xfrm>
           <a:custGeom>
-            <a:rect b="b" l="l" r="r" t="t"/>
+            <a:avLst/>
+            <a:gdLst/>
+            <a:ahLst/>
+            <a:cxnLst/>
+            <a:rect l="l" t="t" r="r" b="b"/>
             <a:pathLst>
-              <a:path extrusionOk="0" h="120000" w="120000">
+              <a:path w="120000" h="120000" extrusionOk="0">
                 <a:moveTo>
                   <a:pt x="0" y="0"/>
                 </a:moveTo>
@@ -1153,9 +1261,11 @@
       <p:sp>
         <p:nvSpPr>
           <p:cNvPr id="154" name="Google Shape;154;g258e85c7af8_0_522:notes"/>
-          <p:cNvSpPr txBox="1"/>
+          <p:cNvSpPr txBox="1">
+            <a:spLocks noGrp="1"/>
+          </p:cNvSpPr>
           <p:nvPr>
-            <p:ph idx="1" type="body"/>
+            <p:ph type="body" idx="1"/>
           </p:nvPr>
         </p:nvSpPr>
         <p:spPr>
@@ -1168,12 +1278,12 @@
           </a:prstGeom>
         </p:spPr>
         <p:txBody>
-          <a:bodyPr anchorCtr="0" anchor="t" bIns="91425" lIns="91425" spcFirstLastPara="1" rIns="91425" wrap="square" tIns="91425">
+          <a:bodyPr spcFirstLastPara="1" wrap="square" lIns="91425" tIns="91425" rIns="91425" bIns="91425" anchor="t" anchorCtr="0">
             <a:noAutofit/>
           </a:bodyPr>
           <a:lstStyle/>
           <a:p>
-            <a:pPr indent="0" lvl="0" marL="0" rtl="0" algn="l">
+            <a:pPr marL="0" lvl="0" indent="0" algn="l" rtl="0">
               <a:spcBef>
                 <a:spcPts val="0"/>
               </a:spcBef>
@@ -1182,9 +1292,6 @@
               </a:spcAft>
               <a:buNone/>
             </a:pPr>
-            <a:r>
-              <a:t/>
-            </a:r>
             <a:endParaRPr/>
           </a:p>
         </p:txBody>
@@ -1198,11 +1305,11 @@
 </file>
 
 <file path=ppt/notesSlides/notesSlide6.xml><?xml version="1.0" encoding="utf-8"?>
-<p:notes xmlns:a="http://schemas.openxmlformats.org/drawingml/2006/main" xmlns:r="http://schemas.openxmlformats.org/officeDocument/2006/relationships" xmlns:mc="http://schemas.openxmlformats.org/markup-compatibility/2006" xmlns:mv="urn:schemas-microsoft-com:mac:vml" xmlns:p="http://schemas.openxmlformats.org/presentationml/2006/main" xmlns:c="http://schemas.openxmlformats.org/drawingml/2006/chart" xmlns:dgm="http://schemas.openxmlformats.org/drawingml/2006/diagram" xmlns:o="urn:schemas-microsoft-com:office:office" xmlns:v="urn:schemas-microsoft-com:vml" xmlns:pvml="urn:schemas-microsoft-com:office:powerpoint" xmlns:com="http://schemas.openxmlformats.org/drawingml/2006/compatibility" xmlns:p14="http://schemas.microsoft.com/office/powerpoint/2010/main" xmlns:p15="http://schemas.microsoft.com/office/powerpoint/2012/main" xmlns:ahyp="http://schemas.microsoft.com/office/drawing/2018/hyperlinkcolor" showMasterPhAnim="0" showMasterSp="0">
+<p:notes xmlns:a="http://schemas.openxmlformats.org/drawingml/2006/main" xmlns:r="http://schemas.openxmlformats.org/officeDocument/2006/relationships" xmlns:p="http://schemas.openxmlformats.org/presentationml/2006/main" showMasterSp="0" showMasterPhAnim="0">
   <p:cSld>
     <p:spTree>
       <p:nvGrpSpPr>
-        <p:cNvPr id="159" name="Shape 159"/>
+        <p:cNvPr id="1" name="Shape 159"/>
         <p:cNvGrpSpPr/>
         <p:nvPr/>
       </p:nvGrpSpPr>
@@ -1217,9 +1324,11 @@
       <p:sp>
         <p:nvSpPr>
           <p:cNvPr id="160" name="Google Shape;160;g258e85c7af8_0_540:notes"/>
-          <p:cNvSpPr/>
+          <p:cNvSpPr>
+            <a:spLocks noGrp="1" noRot="1" noChangeAspect="1"/>
+          </p:cNvSpPr>
           <p:nvPr>
-            <p:ph idx="2" type="sldImg"/>
+            <p:ph type="sldImg" idx="2"/>
           </p:nvPr>
         </p:nvSpPr>
         <p:spPr>
@@ -1228,9 +1337,13 @@
             <a:ext cx="6096000" cy="3429000"/>
           </a:xfrm>
           <a:custGeom>
-            <a:rect b="b" l="l" r="r" t="t"/>
+            <a:avLst/>
+            <a:gdLst/>
+            <a:ahLst/>
+            <a:cxnLst/>
+            <a:rect l="l" t="t" r="r" b="b"/>
             <a:pathLst>
-              <a:path extrusionOk="0" h="120000" w="120000">
+              <a:path w="120000" h="120000" extrusionOk="0">
                 <a:moveTo>
                   <a:pt x="0" y="0"/>
                 </a:moveTo>
@@ -1252,9 +1365,11 @@
       <p:sp>
         <p:nvSpPr>
           <p:cNvPr id="161" name="Google Shape;161;g258e85c7af8_0_540:notes"/>
-          <p:cNvSpPr txBox="1"/>
+          <p:cNvSpPr txBox="1">
+            <a:spLocks noGrp="1"/>
+          </p:cNvSpPr>
           <p:nvPr>
-            <p:ph idx="1" type="body"/>
+            <p:ph type="body" idx="1"/>
           </p:nvPr>
         </p:nvSpPr>
         <p:spPr>
@@ -1267,12 +1382,12 @@
           </a:prstGeom>
         </p:spPr>
         <p:txBody>
-          <a:bodyPr anchorCtr="0" anchor="t" bIns="91425" lIns="91425" spcFirstLastPara="1" rIns="91425" wrap="square" tIns="91425">
+          <a:bodyPr spcFirstLastPara="1" wrap="square" lIns="91425" tIns="91425" rIns="91425" bIns="91425" anchor="t" anchorCtr="0">
             <a:noAutofit/>
           </a:bodyPr>
           <a:lstStyle/>
           <a:p>
-            <a:pPr indent="0" lvl="0" marL="0" rtl="0" algn="l">
+            <a:pPr marL="0" lvl="0" indent="0" algn="l" rtl="0">
               <a:spcBef>
                 <a:spcPts val="0"/>
               </a:spcBef>
@@ -1281,9 +1396,6 @@
               </a:spcAft>
               <a:buNone/>
             </a:pPr>
-            <a:r>
-              <a:t/>
-            </a:r>
             <a:endParaRPr/>
           </a:p>
         </p:txBody>
@@ -1297,11 +1409,11 @@
 </file>
 
 <file path=ppt/notesSlides/notesSlide7.xml><?xml version="1.0" encoding="utf-8"?>
-<p:notes xmlns:a="http://schemas.openxmlformats.org/drawingml/2006/main" xmlns:r="http://schemas.openxmlformats.org/officeDocument/2006/relationships" xmlns:mc="http://schemas.openxmlformats.org/markup-compatibility/2006" xmlns:mv="urn:schemas-microsoft-com:mac:vml" xmlns:p="http://schemas.openxmlformats.org/presentationml/2006/main" xmlns:c="http://schemas.openxmlformats.org/drawingml/2006/chart" xmlns:dgm="http://schemas.openxmlformats.org/drawingml/2006/diagram" xmlns:o="urn:schemas-microsoft-com:office:office" xmlns:v="urn:schemas-microsoft-com:vml" xmlns:pvml="urn:schemas-microsoft-com:office:powerpoint" xmlns:com="http://schemas.openxmlformats.org/drawingml/2006/compatibility" xmlns:p14="http://schemas.microsoft.com/office/powerpoint/2010/main" xmlns:p15="http://schemas.microsoft.com/office/powerpoint/2012/main" xmlns:ahyp="http://schemas.microsoft.com/office/drawing/2018/hyperlinkcolor" showMasterPhAnim="0" showMasterSp="0">
+<p:notes xmlns:a="http://schemas.openxmlformats.org/drawingml/2006/main" xmlns:r="http://schemas.openxmlformats.org/officeDocument/2006/relationships" xmlns:p="http://schemas.openxmlformats.org/presentationml/2006/main" showMasterSp="0" showMasterPhAnim="0">
   <p:cSld>
     <p:spTree>
       <p:nvGrpSpPr>
-        <p:cNvPr id="166" name="Shape 166"/>
+        <p:cNvPr id="1" name="Shape 166"/>
         <p:cNvGrpSpPr/>
         <p:nvPr/>
       </p:nvGrpSpPr>
@@ -1316,20 +1428,26 @@
       <p:sp>
         <p:nvSpPr>
           <p:cNvPr id="167" name="Google Shape;167;g258e85c7af8_0_527:notes"/>
-          <p:cNvSpPr/>
+          <p:cNvSpPr>
+            <a:spLocks noGrp="1" noRot="1" noChangeAspect="1"/>
+          </p:cNvSpPr>
           <p:nvPr>
-            <p:ph idx="2" type="sldImg"/>
+            <p:ph type="sldImg" idx="2"/>
           </p:nvPr>
         </p:nvSpPr>
         <p:spPr>
           <a:xfrm>
-            <a:off x="381300" y="685800"/>
+            <a:off x="381000" y="685800"/>
             <a:ext cx="6096000" cy="3429000"/>
           </a:xfrm>
           <a:custGeom>
-            <a:rect b="b" l="l" r="r" t="t"/>
+            <a:avLst/>
+            <a:gdLst/>
+            <a:ahLst/>
+            <a:cxnLst/>
+            <a:rect l="l" t="t" r="r" b="b"/>
             <a:pathLst>
-              <a:path extrusionOk="0" h="120000" w="120000">
+              <a:path w="120000" h="120000" extrusionOk="0">
                 <a:moveTo>
                   <a:pt x="0" y="0"/>
                 </a:moveTo>
@@ -1351,9 +1469,11 @@
       <p:sp>
         <p:nvSpPr>
           <p:cNvPr id="168" name="Google Shape;168;g258e85c7af8_0_527:notes"/>
-          <p:cNvSpPr txBox="1"/>
+          <p:cNvSpPr txBox="1">
+            <a:spLocks noGrp="1"/>
+          </p:cNvSpPr>
           <p:nvPr>
-            <p:ph idx="1" type="body"/>
+            <p:ph type="body" idx="1"/>
           </p:nvPr>
         </p:nvSpPr>
         <p:spPr>
@@ -1366,12 +1486,12 @@
           </a:prstGeom>
         </p:spPr>
         <p:txBody>
-          <a:bodyPr anchorCtr="0" anchor="t" bIns="91425" lIns="91425" spcFirstLastPara="1" rIns="91425" wrap="square" tIns="91425">
+          <a:bodyPr spcFirstLastPara="1" wrap="square" lIns="91425" tIns="91425" rIns="91425" bIns="91425" anchor="t" anchorCtr="0">
             <a:noAutofit/>
           </a:bodyPr>
           <a:lstStyle/>
           <a:p>
-            <a:pPr indent="0" lvl="0" marL="0" rtl="0" algn="l">
+            <a:pPr marL="0" lvl="0" indent="0" algn="l" rtl="0">
               <a:spcBef>
                 <a:spcPts val="0"/>
               </a:spcBef>
@@ -1380,9 +1500,6 @@
               </a:spcAft>
               <a:buNone/>
             </a:pPr>
-            <a:r>
-              <a:t/>
-            </a:r>
             <a:endParaRPr/>
           </a:p>
         </p:txBody>
@@ -1396,11 +1513,11 @@
 </file>
 
 <file path=ppt/notesSlides/notesSlide8.xml><?xml version="1.0" encoding="utf-8"?>
-<p:notes xmlns:a="http://schemas.openxmlformats.org/drawingml/2006/main" xmlns:r="http://schemas.openxmlformats.org/officeDocument/2006/relationships" xmlns:mc="http://schemas.openxmlformats.org/markup-compatibility/2006" xmlns:mv="urn:schemas-microsoft-com:mac:vml" xmlns:p="http://schemas.openxmlformats.org/presentationml/2006/main" xmlns:c="http://schemas.openxmlformats.org/drawingml/2006/chart" xmlns:dgm="http://schemas.openxmlformats.org/drawingml/2006/diagram" xmlns:o="urn:schemas-microsoft-com:office:office" xmlns:v="urn:schemas-microsoft-com:vml" xmlns:pvml="urn:schemas-microsoft-com:office:powerpoint" xmlns:com="http://schemas.openxmlformats.org/drawingml/2006/compatibility" xmlns:p14="http://schemas.microsoft.com/office/powerpoint/2010/main" xmlns:p15="http://schemas.microsoft.com/office/powerpoint/2012/main" xmlns:ahyp="http://schemas.microsoft.com/office/drawing/2018/hyperlinkcolor" showMasterPhAnim="0" showMasterSp="0">
+<p:notes xmlns:a="http://schemas.openxmlformats.org/drawingml/2006/main" xmlns:r="http://schemas.openxmlformats.org/officeDocument/2006/relationships" xmlns:p="http://schemas.openxmlformats.org/presentationml/2006/main" showMasterSp="0" showMasterPhAnim="0">
   <p:cSld>
     <p:spTree>
       <p:nvGrpSpPr>
-        <p:cNvPr id="173" name="Shape 173"/>
+        <p:cNvPr id="1" name="Shape 173"/>
         <p:cNvGrpSpPr/>
         <p:nvPr/>
       </p:nvGrpSpPr>
@@ -1415,9 +1532,11 @@
       <p:sp>
         <p:nvSpPr>
           <p:cNvPr id="174" name="Google Shape;174;g2590716127b_0_6:notes"/>
-          <p:cNvSpPr/>
+          <p:cNvSpPr>
+            <a:spLocks noGrp="1" noRot="1" noChangeAspect="1"/>
+          </p:cNvSpPr>
           <p:nvPr>
-            <p:ph idx="2" type="sldImg"/>
+            <p:ph type="sldImg" idx="2"/>
           </p:nvPr>
         </p:nvSpPr>
         <p:spPr>
@@ -1426,9 +1545,13 @@
             <a:ext cx="6096000" cy="3429000"/>
           </a:xfrm>
           <a:custGeom>
-            <a:rect b="b" l="l" r="r" t="t"/>
+            <a:avLst/>
+            <a:gdLst/>
+            <a:ahLst/>
+            <a:cxnLst/>
+            <a:rect l="l" t="t" r="r" b="b"/>
             <a:pathLst>
-              <a:path extrusionOk="0" h="120000" w="120000">
+              <a:path w="120000" h="120000" extrusionOk="0">
                 <a:moveTo>
                   <a:pt x="0" y="0"/>
                 </a:moveTo>
@@ -1450,9 +1573,11 @@
       <p:sp>
         <p:nvSpPr>
           <p:cNvPr id="175" name="Google Shape;175;g2590716127b_0_6:notes"/>
-          <p:cNvSpPr txBox="1"/>
+          <p:cNvSpPr txBox="1">
+            <a:spLocks noGrp="1"/>
+          </p:cNvSpPr>
           <p:nvPr>
-            <p:ph idx="1" type="body"/>
+            <p:ph type="body" idx="1"/>
           </p:nvPr>
         </p:nvSpPr>
         <p:spPr>
@@ -1465,12 +1590,12 @@
           </a:prstGeom>
         </p:spPr>
         <p:txBody>
-          <a:bodyPr anchorCtr="0" anchor="t" bIns="91425" lIns="91425" spcFirstLastPara="1" rIns="91425" wrap="square" tIns="91425">
+          <a:bodyPr spcFirstLastPara="1" wrap="square" lIns="91425" tIns="91425" rIns="91425" bIns="91425" anchor="t" anchorCtr="0">
             <a:noAutofit/>
           </a:bodyPr>
           <a:lstStyle/>
           <a:p>
-            <a:pPr indent="0" lvl="0" marL="0" rtl="0" algn="l">
+            <a:pPr marL="0" lvl="0" indent="0" algn="l" rtl="0">
               <a:spcBef>
                 <a:spcPts val="0"/>
               </a:spcBef>
@@ -1479,9 +1604,6 @@
               </a:spcAft>
               <a:buNone/>
             </a:pPr>
-            <a:r>
-              <a:t/>
-            </a:r>
             <a:endParaRPr/>
           </a:p>
         </p:txBody>
@@ -1495,18 +1617,19 @@
 </file>
 
 <file path=ppt/slideLayouts/slideLayout1.xml><?xml version="1.0" encoding="utf-8"?>
-<p:sldLayout xmlns:a="http://schemas.openxmlformats.org/drawingml/2006/main" xmlns:r="http://schemas.openxmlformats.org/officeDocument/2006/relationships" xmlns:mc="http://schemas.openxmlformats.org/markup-compatibility/2006" xmlns:mv="urn:schemas-microsoft-com:mac:vml" xmlns:p="http://schemas.openxmlformats.org/presentationml/2006/main" xmlns:c="http://schemas.openxmlformats.org/drawingml/2006/chart" xmlns:dgm="http://schemas.openxmlformats.org/drawingml/2006/diagram" xmlns:o="urn:schemas-microsoft-com:office:office" xmlns:v="urn:schemas-microsoft-com:vml" xmlns:pvml="urn:schemas-microsoft-com:office:powerpoint" xmlns:com="http://schemas.openxmlformats.org/drawingml/2006/compatibility" xmlns:p14="http://schemas.microsoft.com/office/powerpoint/2010/main" xmlns:p15="http://schemas.microsoft.com/office/powerpoint/2012/main" xmlns:ahyp="http://schemas.microsoft.com/office/drawing/2018/hyperlinkcolor" matchingName="Title slide" type="title">
+<p:sldLayout xmlns:a="http://schemas.openxmlformats.org/drawingml/2006/main" xmlns:r="http://schemas.openxmlformats.org/officeDocument/2006/relationships" xmlns:p="http://schemas.openxmlformats.org/presentationml/2006/main" matchingName="Title slide" type="title">
   <p:cSld name="TITLE">
     <p:bg>
       <p:bgPr>
         <a:solidFill>
           <a:schemeClr val="accent6"/>
         </a:solidFill>
+        <a:effectLst/>
       </p:bgPr>
     </p:bg>
     <p:spTree>
       <p:nvGrpSpPr>
-        <p:cNvPr id="9" name="Shape 9"/>
+        <p:cNvPr id="1" name="Shape 9"/>
         <p:cNvGrpSpPr/>
         <p:nvPr/>
       </p:nvGrpSpPr>
@@ -1540,12 +1663,12 @@
           </a:ln>
         </p:spPr>
         <p:txBody>
-          <a:bodyPr anchorCtr="0" anchor="ctr" bIns="91425" lIns="91425" spcFirstLastPara="1" rIns="91425" wrap="square" tIns="91425">
+          <a:bodyPr spcFirstLastPara="1" wrap="square" lIns="91425" tIns="91425" rIns="91425" bIns="91425" anchor="ctr" anchorCtr="0">
             <a:noAutofit/>
           </a:bodyPr>
           <a:lstStyle/>
           <a:p>
-            <a:pPr indent="0" lvl="0" marL="0" rtl="0" algn="l">
+            <a:pPr marL="0" lvl="0" indent="0" algn="l" rtl="0">
               <a:spcBef>
                 <a:spcPts val="0"/>
               </a:spcBef>
@@ -1554,9 +1677,6 @@
               </a:spcAft>
               <a:buNone/>
             </a:pPr>
-            <a:r>
-              <a:t/>
-            </a:r>
             <a:endParaRPr/>
           </a:p>
         </p:txBody>
@@ -1583,12 +1703,12 @@
           </a:ln>
         </p:spPr>
         <p:txBody>
-          <a:bodyPr anchorCtr="0" anchor="ctr" bIns="91425" lIns="91425" spcFirstLastPara="1" rIns="91425" wrap="square" tIns="91425">
+          <a:bodyPr spcFirstLastPara="1" wrap="square" lIns="91425" tIns="91425" rIns="91425" bIns="91425" anchor="ctr" anchorCtr="0">
             <a:noAutofit/>
           </a:bodyPr>
           <a:lstStyle/>
           <a:p>
-            <a:pPr indent="0" lvl="0" marL="0" rtl="0" algn="l">
+            <a:pPr marL="0" lvl="0" indent="0" algn="l" rtl="0">
               <a:spcBef>
                 <a:spcPts val="0"/>
               </a:spcBef>
@@ -1597,9 +1717,6 @@
               </a:spcAft>
               <a:buNone/>
             </a:pPr>
-            <a:r>
-              <a:t/>
-            </a:r>
             <a:endParaRPr/>
           </a:p>
         </p:txBody>
@@ -1626,12 +1743,12 @@
           </a:ln>
         </p:spPr>
         <p:txBody>
-          <a:bodyPr anchorCtr="0" anchor="ctr" bIns="91425" lIns="91425" spcFirstLastPara="1" rIns="91425" wrap="square" tIns="91425">
+          <a:bodyPr spcFirstLastPara="1" wrap="square" lIns="91425" tIns="91425" rIns="91425" bIns="91425" anchor="ctr" anchorCtr="0">
             <a:noAutofit/>
           </a:bodyPr>
           <a:lstStyle/>
           <a:p>
-            <a:pPr indent="0" lvl="0" marL="0" rtl="0" algn="l">
+            <a:pPr marL="0" lvl="0" indent="0" algn="l" rtl="0">
               <a:spcBef>
                 <a:spcPts val="0"/>
               </a:spcBef>
@@ -1640,9 +1757,6 @@
               </a:spcAft>
               <a:buNone/>
             </a:pPr>
-            <a:r>
-              <a:t/>
-            </a:r>
             <a:endParaRPr/>
           </a:p>
         </p:txBody>
@@ -1668,7 +1782,7 @@
             <a:noFill/>
           </a:ln>
           <a:effectLst>
-            <a:outerShdw blurRad="228600" sx="101000" rotWithShape="0" algn="ctr" sy="101000">
+            <a:outerShdw blurRad="228600" sx="101000" sy="101000" algn="ctr" rotWithShape="0">
               <a:srgbClr val="000000">
                 <a:alpha val="40000"/>
               </a:srgbClr>
@@ -1676,12 +1790,12 @@
           </a:effectLst>
         </p:spPr>
         <p:txBody>
-          <a:bodyPr anchorCtr="0" anchor="ctr" bIns="91425" lIns="91425" spcFirstLastPara="1" rIns="91425" wrap="square" tIns="91425">
+          <a:bodyPr spcFirstLastPara="1" wrap="square" lIns="91425" tIns="91425" rIns="91425" bIns="91425" anchor="ctr" anchorCtr="0">
             <a:noAutofit/>
           </a:bodyPr>
           <a:lstStyle/>
           <a:p>
-            <a:pPr indent="0" lvl="0" marL="0" rtl="0" algn="l">
+            <a:pPr marL="0" lvl="0" indent="0" algn="l" rtl="0">
               <a:spcBef>
                 <a:spcPts val="0"/>
               </a:spcBef>
@@ -1690,9 +1804,6 @@
               </a:spcAft>
               <a:buNone/>
             </a:pPr>
-            <a:r>
-              <a:t/>
-            </a:r>
             <a:endParaRPr/>
           </a:p>
         </p:txBody>
@@ -1724,7 +1835,7 @@
             </a:xfrm>
             <a:prstGeom prst="parallelogram">
               <a:avLst>
-                <a:gd fmla="val 153193" name="adj"/>
+                <a:gd name="adj" fmla="val 153193"/>
               </a:avLst>
             </a:prstGeom>
             <a:solidFill>
@@ -1735,12 +1846,12 @@
             </a:ln>
           </p:spPr>
           <p:txBody>
-            <a:bodyPr anchorCtr="0" anchor="ctr" bIns="91425" lIns="91425" spcFirstLastPara="1" rIns="91425" wrap="square" tIns="91425">
+            <a:bodyPr spcFirstLastPara="1" wrap="square" lIns="91425" tIns="91425" rIns="91425" bIns="91425" anchor="ctr" anchorCtr="0">
               <a:noAutofit/>
             </a:bodyPr>
             <a:lstStyle/>
             <a:p>
-              <a:pPr indent="0" lvl="0" marL="0" rtl="0" algn="l">
+              <a:pPr marL="0" lvl="0" indent="0" algn="l" rtl="0">
                 <a:spcBef>
                   <a:spcPts val="0"/>
                 </a:spcBef>
@@ -1749,9 +1860,6 @@
                 </a:spcAft>
                 <a:buNone/>
               </a:pPr>
-              <a:r>
-                <a:t/>
-              </a:r>
               <a:endParaRPr/>
             </a:p>
           </p:txBody>
@@ -1769,7 +1877,7 @@
             </a:xfrm>
             <a:prstGeom prst="parallelogram">
               <a:avLst>
-                <a:gd fmla="val 153193" name="adj"/>
+                <a:gd name="adj" fmla="val 153193"/>
               </a:avLst>
             </a:prstGeom>
             <a:solidFill>
@@ -1780,12 +1888,12 @@
             </a:ln>
           </p:spPr>
           <p:txBody>
-            <a:bodyPr anchorCtr="0" anchor="ctr" bIns="91425" lIns="91425" spcFirstLastPara="1" rIns="91425" wrap="square" tIns="91425">
+            <a:bodyPr spcFirstLastPara="1" wrap="square" lIns="91425" tIns="91425" rIns="91425" bIns="91425" anchor="ctr" anchorCtr="0">
               <a:noAutofit/>
             </a:bodyPr>
             <a:lstStyle/>
             <a:p>
-              <a:pPr indent="0" lvl="0" marL="0" rtl="0" algn="l">
+              <a:pPr marL="0" lvl="0" indent="0" algn="l" rtl="0">
                 <a:spcBef>
                   <a:spcPts val="0"/>
                 </a:spcBef>
@@ -1794,9 +1902,6 @@
                 </a:spcAft>
                 <a:buNone/>
               </a:pPr>
-              <a:r>
-                <a:t/>
-              </a:r>
               <a:endParaRPr/>
             </a:p>
           </p:txBody>
@@ -1814,7 +1919,7 @@
             </a:xfrm>
             <a:prstGeom prst="parallelogram">
               <a:avLst>
-                <a:gd fmla="val 153193" name="adj"/>
+                <a:gd name="adj" fmla="val 153193"/>
               </a:avLst>
             </a:prstGeom>
             <a:solidFill>
@@ -1825,12 +1930,12 @@
             </a:ln>
           </p:spPr>
           <p:txBody>
-            <a:bodyPr anchorCtr="0" anchor="ctr" bIns="91425" lIns="91425" spcFirstLastPara="1" rIns="91425" wrap="square" tIns="91425">
+            <a:bodyPr spcFirstLastPara="1" wrap="square" lIns="91425" tIns="91425" rIns="91425" bIns="91425" anchor="ctr" anchorCtr="0">
               <a:noAutofit/>
             </a:bodyPr>
             <a:lstStyle/>
             <a:p>
-              <a:pPr indent="0" lvl="0" marL="0" rtl="0" algn="l">
+              <a:pPr marL="0" lvl="0" indent="0" algn="l" rtl="0">
                 <a:spcBef>
                   <a:spcPts val="0"/>
                 </a:spcBef>
@@ -1839,9 +1944,6 @@
                 </a:spcAft>
                 <a:buNone/>
               </a:pPr>
-              <a:r>
-                <a:t/>
-              </a:r>
               <a:endParaRPr/>
             </a:p>
           </p:txBody>
@@ -1874,7 +1976,7 @@
             </a:xfrm>
             <a:prstGeom prst="parallelogram">
               <a:avLst>
-                <a:gd fmla="val 153193" name="adj"/>
+                <a:gd name="adj" fmla="val 153193"/>
               </a:avLst>
             </a:prstGeom>
             <a:solidFill>
@@ -1885,12 +1987,12 @@
             </a:ln>
           </p:spPr>
           <p:txBody>
-            <a:bodyPr anchorCtr="0" anchor="ctr" bIns="91425" lIns="91425" spcFirstLastPara="1" rIns="91425" wrap="square" tIns="91425">
+            <a:bodyPr spcFirstLastPara="1" wrap="square" lIns="91425" tIns="91425" rIns="91425" bIns="91425" anchor="ctr" anchorCtr="0">
               <a:noAutofit/>
             </a:bodyPr>
             <a:lstStyle/>
             <a:p>
-              <a:pPr indent="0" lvl="0" marL="0" rtl="0" algn="l">
+              <a:pPr marL="0" lvl="0" indent="0" algn="l" rtl="0">
                 <a:spcBef>
                   <a:spcPts val="0"/>
                 </a:spcBef>
@@ -1899,9 +2001,6 @@
                 </a:spcAft>
                 <a:buNone/>
               </a:pPr>
-              <a:r>
-                <a:t/>
-              </a:r>
               <a:endParaRPr/>
             </a:p>
           </p:txBody>
@@ -1919,7 +2018,7 @@
             </a:xfrm>
             <a:prstGeom prst="parallelogram">
               <a:avLst>
-                <a:gd fmla="val 153193" name="adj"/>
+                <a:gd name="adj" fmla="val 153193"/>
               </a:avLst>
             </a:prstGeom>
             <a:solidFill>
@@ -1930,12 +2029,12 @@
             </a:ln>
           </p:spPr>
           <p:txBody>
-            <a:bodyPr anchorCtr="0" anchor="ctr" bIns="91425" lIns="91425" spcFirstLastPara="1" rIns="91425" wrap="square" tIns="91425">
+            <a:bodyPr spcFirstLastPara="1" wrap="square" lIns="91425" tIns="91425" rIns="91425" bIns="91425" anchor="ctr" anchorCtr="0">
               <a:noAutofit/>
             </a:bodyPr>
             <a:lstStyle/>
             <a:p>
-              <a:pPr indent="0" lvl="0" marL="0" rtl="0" algn="l">
+              <a:pPr marL="0" lvl="0" indent="0" algn="l" rtl="0">
                 <a:spcBef>
                   <a:spcPts val="0"/>
                 </a:spcBef>
@@ -1944,9 +2043,6 @@
                 </a:spcAft>
                 <a:buNone/>
               </a:pPr>
-              <a:r>
-                <a:t/>
-              </a:r>
               <a:endParaRPr/>
             </a:p>
           </p:txBody>
@@ -1964,7 +2060,7 @@
             </a:xfrm>
             <a:prstGeom prst="parallelogram">
               <a:avLst>
-                <a:gd fmla="val 153193" name="adj"/>
+                <a:gd name="adj" fmla="val 153193"/>
               </a:avLst>
             </a:prstGeom>
             <a:solidFill>
@@ -1975,12 +2071,12 @@
             </a:ln>
           </p:spPr>
           <p:txBody>
-            <a:bodyPr anchorCtr="0" anchor="ctr" bIns="91425" lIns="91425" spcFirstLastPara="1" rIns="91425" wrap="square" tIns="91425">
+            <a:bodyPr spcFirstLastPara="1" wrap="square" lIns="91425" tIns="91425" rIns="91425" bIns="91425" anchor="ctr" anchorCtr="0">
               <a:noAutofit/>
             </a:bodyPr>
             <a:lstStyle/>
             <a:p>
-              <a:pPr indent="0" lvl="0" marL="0" rtl="0" algn="l">
+              <a:pPr marL="0" lvl="0" indent="0" algn="l" rtl="0">
                 <a:spcBef>
                   <a:spcPts val="0"/>
                 </a:spcBef>
@@ -1989,9 +2085,6 @@
                 </a:spcAft>
                 <a:buNone/>
               </a:pPr>
-              <a:r>
-                <a:t/>
-              </a:r>
               <a:endParaRPr/>
             </a:p>
           </p:txBody>
@@ -2024,7 +2117,7 @@
             </a:xfrm>
             <a:prstGeom prst="parallelogram">
               <a:avLst>
-                <a:gd fmla="val 158024" name="adj"/>
+                <a:gd name="adj" fmla="val 158024"/>
               </a:avLst>
             </a:prstGeom>
             <a:solidFill>
@@ -2035,12 +2128,12 @@
             </a:ln>
           </p:spPr>
           <p:txBody>
-            <a:bodyPr anchorCtr="0" anchor="ctr" bIns="91425" lIns="91425" spcFirstLastPara="1" rIns="91425" wrap="square" tIns="91425">
+            <a:bodyPr spcFirstLastPara="1" wrap="square" lIns="91425" tIns="91425" rIns="91425" bIns="91425" anchor="ctr" anchorCtr="0">
               <a:noAutofit/>
             </a:bodyPr>
             <a:lstStyle/>
             <a:p>
-              <a:pPr indent="0" lvl="0" marL="0" rtl="0" algn="l">
+              <a:pPr marL="0" lvl="0" indent="0" algn="l" rtl="0">
                 <a:spcBef>
                   <a:spcPts val="0"/>
                 </a:spcBef>
@@ -2049,9 +2142,6 @@
                 </a:spcAft>
                 <a:buNone/>
               </a:pPr>
-              <a:r>
-                <a:t/>
-              </a:r>
               <a:endParaRPr/>
             </a:p>
           </p:txBody>
@@ -2069,7 +2159,7 @@
             </a:xfrm>
             <a:prstGeom prst="parallelogram">
               <a:avLst>
-                <a:gd fmla="val 158024" name="adj"/>
+                <a:gd name="adj" fmla="val 158024"/>
               </a:avLst>
             </a:prstGeom>
             <a:solidFill>
@@ -2080,12 +2170,12 @@
             </a:ln>
           </p:spPr>
           <p:txBody>
-            <a:bodyPr anchorCtr="0" anchor="ctr" bIns="91425" lIns="91425" spcFirstLastPara="1" rIns="91425" wrap="square" tIns="91425">
+            <a:bodyPr spcFirstLastPara="1" wrap="square" lIns="91425" tIns="91425" rIns="91425" bIns="91425" anchor="ctr" anchorCtr="0">
               <a:noAutofit/>
             </a:bodyPr>
             <a:lstStyle/>
             <a:p>
-              <a:pPr indent="0" lvl="0" marL="0" rtl="0" algn="l">
+              <a:pPr marL="0" lvl="0" indent="0" algn="l" rtl="0">
                 <a:spcBef>
                   <a:spcPts val="0"/>
                 </a:spcBef>
@@ -2094,9 +2184,6 @@
                 </a:spcAft>
                 <a:buNone/>
               </a:pPr>
-              <a:r>
-                <a:t/>
-              </a:r>
               <a:endParaRPr/>
             </a:p>
           </p:txBody>
@@ -2114,7 +2201,7 @@
             </a:xfrm>
             <a:prstGeom prst="parallelogram">
               <a:avLst>
-                <a:gd fmla="val 158024" name="adj"/>
+                <a:gd name="adj" fmla="val 158024"/>
               </a:avLst>
             </a:prstGeom>
             <a:solidFill>
@@ -2125,12 +2212,12 @@
             </a:ln>
           </p:spPr>
           <p:txBody>
-            <a:bodyPr anchorCtr="0" anchor="ctr" bIns="91425" lIns="91425" spcFirstLastPara="1" rIns="91425" wrap="square" tIns="91425">
+            <a:bodyPr spcFirstLastPara="1" wrap="square" lIns="91425" tIns="91425" rIns="91425" bIns="91425" anchor="ctr" anchorCtr="0">
               <a:noAutofit/>
             </a:bodyPr>
             <a:lstStyle/>
             <a:p>
-              <a:pPr indent="0" lvl="0" marL="0" rtl="0" algn="l">
+              <a:pPr marL="0" lvl="0" indent="0" algn="l" rtl="0">
                 <a:spcBef>
                   <a:spcPts val="0"/>
                 </a:spcBef>
@@ -2139,9 +2226,6 @@
                 </a:spcAft>
                 <a:buNone/>
               </a:pPr>
-              <a:r>
-                <a:t/>
-              </a:r>
               <a:endParaRPr/>
             </a:p>
           </p:txBody>
@@ -2174,7 +2258,7 @@
             </a:xfrm>
             <a:prstGeom prst="parallelogram">
               <a:avLst>
-                <a:gd fmla="val 158024" name="adj"/>
+                <a:gd name="adj" fmla="val 158024"/>
               </a:avLst>
             </a:prstGeom>
             <a:solidFill>
@@ -2185,12 +2269,12 @@
             </a:ln>
           </p:spPr>
           <p:txBody>
-            <a:bodyPr anchorCtr="0" anchor="ctr" bIns="91425" lIns="91425" spcFirstLastPara="1" rIns="91425" wrap="square" tIns="91425">
+            <a:bodyPr spcFirstLastPara="1" wrap="square" lIns="91425" tIns="91425" rIns="91425" bIns="91425" anchor="ctr" anchorCtr="0">
               <a:noAutofit/>
             </a:bodyPr>
             <a:lstStyle/>
             <a:p>
-              <a:pPr indent="0" lvl="0" marL="0" rtl="0" algn="l">
+              <a:pPr marL="0" lvl="0" indent="0" algn="l" rtl="0">
                 <a:spcBef>
                   <a:spcPts val="0"/>
                 </a:spcBef>
@@ -2199,9 +2283,6 @@
                 </a:spcAft>
                 <a:buNone/>
               </a:pPr>
-              <a:r>
-                <a:t/>
-              </a:r>
               <a:endParaRPr/>
             </a:p>
           </p:txBody>
@@ -2219,7 +2300,7 @@
             </a:xfrm>
             <a:prstGeom prst="parallelogram">
               <a:avLst>
-                <a:gd fmla="val 158024" name="adj"/>
+                <a:gd name="adj" fmla="val 158024"/>
               </a:avLst>
             </a:prstGeom>
             <a:solidFill>
@@ -2230,12 +2311,12 @@
             </a:ln>
           </p:spPr>
           <p:txBody>
-            <a:bodyPr anchorCtr="0" anchor="ctr" bIns="91425" lIns="91425" spcFirstLastPara="1" rIns="91425" wrap="square" tIns="91425">
+            <a:bodyPr spcFirstLastPara="1" wrap="square" lIns="91425" tIns="91425" rIns="91425" bIns="91425" anchor="ctr" anchorCtr="0">
               <a:noAutofit/>
             </a:bodyPr>
             <a:lstStyle/>
             <a:p>
-              <a:pPr indent="0" lvl="0" marL="0" rtl="0" algn="l">
+              <a:pPr marL="0" lvl="0" indent="0" algn="l" rtl="0">
                 <a:spcBef>
                   <a:spcPts val="0"/>
                 </a:spcBef>
@@ -2244,9 +2325,6 @@
                 </a:spcAft>
                 <a:buNone/>
               </a:pPr>
-              <a:r>
-                <a:t/>
-              </a:r>
               <a:endParaRPr/>
             </a:p>
           </p:txBody>
@@ -2264,7 +2342,7 @@
             </a:xfrm>
             <a:prstGeom prst="parallelogram">
               <a:avLst>
-                <a:gd fmla="val 158024" name="adj"/>
+                <a:gd name="adj" fmla="val 158024"/>
               </a:avLst>
             </a:prstGeom>
             <a:solidFill>
@@ -2275,12 +2353,12 @@
             </a:ln>
           </p:spPr>
           <p:txBody>
-            <a:bodyPr anchorCtr="0" anchor="ctr" bIns="91425" lIns="91425" spcFirstLastPara="1" rIns="91425" wrap="square" tIns="91425">
+            <a:bodyPr spcFirstLastPara="1" wrap="square" lIns="91425" tIns="91425" rIns="91425" bIns="91425" anchor="ctr" anchorCtr="0">
               <a:noAutofit/>
             </a:bodyPr>
             <a:lstStyle/>
             <a:p>
-              <a:pPr indent="0" lvl="0" marL="0" rtl="0" algn="l">
+              <a:pPr marL="0" lvl="0" indent="0" algn="l" rtl="0">
                 <a:spcBef>
                   <a:spcPts val="0"/>
                 </a:spcBef>
@@ -2289,9 +2367,6 @@
                 </a:spcAft>
                 <a:buNone/>
               </a:pPr>
-              <a:r>
-                <a:t/>
-              </a:r>
               <a:endParaRPr/>
             </a:p>
           </p:txBody>
@@ -2324,7 +2399,7 @@
             </a:xfrm>
             <a:prstGeom prst="parallelogram">
               <a:avLst>
-                <a:gd fmla="val 158024" name="adj"/>
+                <a:gd name="adj" fmla="val 158024"/>
               </a:avLst>
             </a:prstGeom>
             <a:solidFill>
@@ -2335,12 +2410,12 @@
             </a:ln>
           </p:spPr>
           <p:txBody>
-            <a:bodyPr anchorCtr="0" anchor="ctr" bIns="91425" lIns="91425" spcFirstLastPara="1" rIns="91425" wrap="square" tIns="91425">
+            <a:bodyPr spcFirstLastPara="1" wrap="square" lIns="91425" tIns="91425" rIns="91425" bIns="91425" anchor="ctr" anchorCtr="0">
               <a:noAutofit/>
             </a:bodyPr>
             <a:lstStyle/>
             <a:p>
-              <a:pPr indent="0" lvl="0" marL="0" rtl="0" algn="l">
+              <a:pPr marL="0" lvl="0" indent="0" algn="l" rtl="0">
                 <a:spcBef>
                   <a:spcPts val="0"/>
                 </a:spcBef>
@@ -2349,9 +2424,6 @@
                 </a:spcAft>
                 <a:buNone/>
               </a:pPr>
-              <a:r>
-                <a:t/>
-              </a:r>
               <a:endParaRPr/>
             </a:p>
           </p:txBody>
@@ -2369,7 +2441,7 @@
             </a:xfrm>
             <a:prstGeom prst="parallelogram">
               <a:avLst>
-                <a:gd fmla="val 158024" name="adj"/>
+                <a:gd name="adj" fmla="val 158024"/>
               </a:avLst>
             </a:prstGeom>
             <a:solidFill>
@@ -2380,12 +2452,12 @@
             </a:ln>
           </p:spPr>
           <p:txBody>
-            <a:bodyPr anchorCtr="0" anchor="ctr" bIns="91425" lIns="91425" spcFirstLastPara="1" rIns="91425" wrap="square" tIns="91425">
+            <a:bodyPr spcFirstLastPara="1" wrap="square" lIns="91425" tIns="91425" rIns="91425" bIns="91425" anchor="ctr" anchorCtr="0">
               <a:noAutofit/>
             </a:bodyPr>
             <a:lstStyle/>
             <a:p>
-              <a:pPr indent="0" lvl="0" marL="0" rtl="0" algn="l">
+              <a:pPr marL="0" lvl="0" indent="0" algn="l" rtl="0">
                 <a:spcBef>
                   <a:spcPts val="0"/>
                 </a:spcBef>
@@ -2394,9 +2466,6 @@
                 </a:spcAft>
                 <a:buNone/>
               </a:pPr>
-              <a:r>
-                <a:t/>
-              </a:r>
               <a:endParaRPr/>
             </a:p>
           </p:txBody>
@@ -2414,7 +2483,7 @@
             </a:xfrm>
             <a:prstGeom prst="parallelogram">
               <a:avLst>
-                <a:gd fmla="val 158024" name="adj"/>
+                <a:gd name="adj" fmla="val 158024"/>
               </a:avLst>
             </a:prstGeom>
             <a:solidFill>
@@ -2425,12 +2494,12 @@
             </a:ln>
           </p:spPr>
           <p:txBody>
-            <a:bodyPr anchorCtr="0" anchor="ctr" bIns="91425" lIns="91425" spcFirstLastPara="1" rIns="91425" wrap="square" tIns="91425">
+            <a:bodyPr spcFirstLastPara="1" wrap="square" lIns="91425" tIns="91425" rIns="91425" bIns="91425" anchor="ctr" anchorCtr="0">
               <a:noAutofit/>
             </a:bodyPr>
             <a:lstStyle/>
             <a:p>
-              <a:pPr indent="0" lvl="0" marL="0" rtl="0" algn="l">
+              <a:pPr marL="0" lvl="0" indent="0" algn="l" rtl="0">
                 <a:spcBef>
                   <a:spcPts val="0"/>
                 </a:spcBef>
@@ -2439,9 +2508,6 @@
                 </a:spcAft>
                 <a:buNone/>
               </a:pPr>
-              <a:r>
-                <a:t/>
-              </a:r>
               <a:endParaRPr/>
             </a:p>
           </p:txBody>
@@ -2450,7 +2516,9 @@
       <p:sp>
         <p:nvSpPr>
           <p:cNvPr id="34" name="Google Shape;34;p2"/>
-          <p:cNvSpPr txBox="1"/>
+          <p:cNvSpPr txBox="1">
+            <a:spLocks noGrp="1"/>
+          </p:cNvSpPr>
           <p:nvPr>
             <p:ph type="ctrTitle"/>
           </p:nvPr>
@@ -2465,7 +2533,7 @@
           </a:prstGeom>
         </p:spPr>
         <p:txBody>
-          <a:bodyPr anchorCtr="0" anchor="ctr" bIns="91425" lIns="91425" spcFirstLastPara="1" rIns="91425" wrap="square" tIns="91425">
+          <a:bodyPr spcFirstLastPara="1" wrap="square" lIns="91425" tIns="91425" rIns="91425" bIns="91425" anchor="ctr" anchorCtr="0">
             <a:normAutofit/>
           </a:bodyPr>
           <a:lstStyle>
@@ -2569,15 +2637,19 @@
               <a:defRPr sz="3800"/>
             </a:lvl9pPr>
           </a:lstStyle>
-          <a:p/>
+          <a:p>
+            <a:endParaRPr/>
+          </a:p>
         </p:txBody>
       </p:sp>
       <p:sp>
         <p:nvSpPr>
           <p:cNvPr id="35" name="Google Shape;35;p2"/>
-          <p:cNvSpPr txBox="1"/>
+          <p:cNvSpPr txBox="1">
+            <a:spLocks noGrp="1"/>
+          </p:cNvSpPr>
           <p:nvPr>
-            <p:ph idx="1" type="subTitle"/>
+            <p:ph type="subTitle" idx="1"/>
           </p:nvPr>
         </p:nvSpPr>
         <p:spPr>
@@ -2590,7 +2662,7 @@
           </a:prstGeom>
         </p:spPr>
         <p:txBody>
-          <a:bodyPr anchorCtr="0" anchor="t" bIns="91425" lIns="91425" spcFirstLastPara="1" rIns="91425" wrap="square" tIns="91425">
+          <a:bodyPr spcFirstLastPara="1" wrap="square" lIns="91425" tIns="91425" rIns="91425" bIns="91425" anchor="t" anchorCtr="0">
             <a:normAutofit/>
           </a:bodyPr>
           <a:lstStyle>
@@ -2784,15 +2856,19 @@
               </a:defRPr>
             </a:lvl9pPr>
           </a:lstStyle>
-          <a:p/>
+          <a:p>
+            <a:endParaRPr/>
+          </a:p>
         </p:txBody>
       </p:sp>
       <p:sp>
         <p:nvSpPr>
           <p:cNvPr id="36" name="Google Shape;36;p2"/>
-          <p:cNvSpPr txBox="1"/>
+          <p:cNvSpPr txBox="1">
+            <a:spLocks noGrp="1"/>
+          </p:cNvSpPr>
           <p:nvPr>
-            <p:ph idx="12" type="sldNum"/>
+            <p:ph type="sldNum" idx="12"/>
           </p:nvPr>
         </p:nvSpPr>
         <p:spPr>
@@ -2805,7 +2881,7 @@
           </a:prstGeom>
         </p:spPr>
         <p:txBody>
-          <a:bodyPr anchorCtr="0" anchor="ctr" bIns="91425" lIns="91425" spcFirstLastPara="1" rIns="91425" wrap="square" tIns="91425">
+          <a:bodyPr spcFirstLastPara="1" wrap="square" lIns="91425" tIns="91425" rIns="91425" bIns="91425" anchor="ctr" anchorCtr="0">
             <a:normAutofit/>
           </a:bodyPr>
           <a:lstStyle>
@@ -2847,7 +2923,7 @@
             </a:lvl9pPr>
           </a:lstStyle>
           <a:p>
-            <a:pPr indent="0" lvl="0" marL="0" rtl="0" algn="r">
+            <a:pPr marL="0" lvl="0" indent="0" algn="r" rtl="0">
               <a:spcBef>
                 <a:spcPts val="0"/>
               </a:spcBef>
@@ -2873,18 +2949,19 @@
 </file>
 
 <file path=ppt/slideLayouts/slideLayout10.xml><?xml version="1.0" encoding="utf-8"?>
-<p:sldLayout xmlns:a="http://schemas.openxmlformats.org/drawingml/2006/main" xmlns:r="http://schemas.openxmlformats.org/officeDocument/2006/relationships" xmlns:mc="http://schemas.openxmlformats.org/markup-compatibility/2006" xmlns:mv="urn:schemas-microsoft-com:mac:vml" xmlns:p="http://schemas.openxmlformats.org/presentationml/2006/main" xmlns:c="http://schemas.openxmlformats.org/drawingml/2006/chart" xmlns:dgm="http://schemas.openxmlformats.org/drawingml/2006/diagram" xmlns:o="urn:schemas-microsoft-com:office:office" xmlns:v="urn:schemas-microsoft-com:vml" xmlns:pvml="urn:schemas-microsoft-com:office:powerpoint" xmlns:com="http://schemas.openxmlformats.org/drawingml/2006/compatibility" xmlns:p14="http://schemas.microsoft.com/office/powerpoint/2010/main" xmlns:p15="http://schemas.microsoft.com/office/powerpoint/2012/main" xmlns:ahyp="http://schemas.microsoft.com/office/drawing/2018/hyperlinkcolor" matchingName="Big number">
+<p:sldLayout xmlns:a="http://schemas.openxmlformats.org/drawingml/2006/main" xmlns:r="http://schemas.openxmlformats.org/officeDocument/2006/relationships" xmlns:p="http://schemas.openxmlformats.org/presentationml/2006/main" matchingName="Big number">
   <p:cSld name="BIG_NUMBER">
     <p:bg>
       <p:bgPr>
         <a:solidFill>
           <a:schemeClr val="accent3"/>
         </a:solidFill>
+        <a:effectLst/>
       </p:bgPr>
     </p:bg>
     <p:spTree>
       <p:nvGrpSpPr>
-        <p:cNvPr id="109" name="Shape 109"/>
+        <p:cNvPr id="1" name="Shape 109"/>
         <p:cNvGrpSpPr/>
         <p:nvPr/>
       </p:nvGrpSpPr>
@@ -2918,12 +2995,12 @@
           </a:ln>
         </p:spPr>
         <p:txBody>
-          <a:bodyPr anchorCtr="0" anchor="ctr" bIns="91425" lIns="91425" spcFirstLastPara="1" rIns="91425" wrap="square" tIns="91425">
+          <a:bodyPr spcFirstLastPara="1" wrap="square" lIns="91425" tIns="91425" rIns="91425" bIns="91425" anchor="ctr" anchorCtr="0">
             <a:noAutofit/>
           </a:bodyPr>
           <a:lstStyle/>
           <a:p>
-            <a:pPr indent="0" lvl="0" marL="0" rtl="0" algn="l">
+            <a:pPr marL="0" lvl="0" indent="0" algn="l" rtl="0">
               <a:spcBef>
                 <a:spcPts val="0"/>
               </a:spcBef>
@@ -2932,9 +3009,6 @@
               </a:spcAft>
               <a:buNone/>
             </a:pPr>
-            <a:r>
-              <a:t/>
-            </a:r>
             <a:endParaRPr/>
           </a:p>
         </p:txBody>
@@ -2966,7 +3040,7 @@
             </a:xfrm>
             <a:prstGeom prst="parallelogram">
               <a:avLst>
-                <a:gd fmla="val 158024" name="adj"/>
+                <a:gd name="adj" fmla="val 158024"/>
               </a:avLst>
             </a:prstGeom>
             <a:solidFill>
@@ -2977,12 +3051,12 @@
             </a:ln>
           </p:spPr>
           <p:txBody>
-            <a:bodyPr anchorCtr="0" anchor="ctr" bIns="91425" lIns="91425" spcFirstLastPara="1" rIns="91425" wrap="square" tIns="91425">
+            <a:bodyPr spcFirstLastPara="1" wrap="square" lIns="91425" tIns="91425" rIns="91425" bIns="91425" anchor="ctr" anchorCtr="0">
               <a:noAutofit/>
             </a:bodyPr>
             <a:lstStyle/>
             <a:p>
-              <a:pPr indent="0" lvl="0" marL="0" rtl="0" algn="l">
+              <a:pPr marL="0" lvl="0" indent="0" algn="l" rtl="0">
                 <a:spcBef>
                   <a:spcPts val="0"/>
                 </a:spcBef>
@@ -2991,9 +3065,6 @@
                 </a:spcAft>
                 <a:buNone/>
               </a:pPr>
-              <a:r>
-                <a:t/>
-              </a:r>
               <a:endParaRPr/>
             </a:p>
           </p:txBody>
@@ -3011,7 +3082,7 @@
             </a:xfrm>
             <a:prstGeom prst="parallelogram">
               <a:avLst>
-                <a:gd fmla="val 158024" name="adj"/>
+                <a:gd name="adj" fmla="val 158024"/>
               </a:avLst>
             </a:prstGeom>
             <a:solidFill>
@@ -3022,12 +3093,12 @@
             </a:ln>
           </p:spPr>
           <p:txBody>
-            <a:bodyPr anchorCtr="0" anchor="ctr" bIns="91425" lIns="91425" spcFirstLastPara="1" rIns="91425" wrap="square" tIns="91425">
+            <a:bodyPr spcFirstLastPara="1" wrap="square" lIns="91425" tIns="91425" rIns="91425" bIns="91425" anchor="ctr" anchorCtr="0">
               <a:noAutofit/>
             </a:bodyPr>
             <a:lstStyle/>
             <a:p>
-              <a:pPr indent="0" lvl="0" marL="0" rtl="0" algn="l">
+              <a:pPr marL="0" lvl="0" indent="0" algn="l" rtl="0">
                 <a:spcBef>
                   <a:spcPts val="0"/>
                 </a:spcBef>
@@ -3036,9 +3107,6 @@
                 </a:spcAft>
                 <a:buNone/>
               </a:pPr>
-              <a:r>
-                <a:t/>
-              </a:r>
               <a:endParaRPr/>
             </a:p>
           </p:txBody>
@@ -3056,7 +3124,7 @@
             </a:xfrm>
             <a:prstGeom prst="parallelogram">
               <a:avLst>
-                <a:gd fmla="val 158024" name="adj"/>
+                <a:gd name="adj" fmla="val 158024"/>
               </a:avLst>
             </a:prstGeom>
             <a:solidFill>
@@ -3067,12 +3135,12 @@
             </a:ln>
           </p:spPr>
           <p:txBody>
-            <a:bodyPr anchorCtr="0" anchor="ctr" bIns="91425" lIns="91425" spcFirstLastPara="1" rIns="91425" wrap="square" tIns="91425">
+            <a:bodyPr spcFirstLastPara="1" wrap="square" lIns="91425" tIns="91425" rIns="91425" bIns="91425" anchor="ctr" anchorCtr="0">
               <a:noAutofit/>
             </a:bodyPr>
             <a:lstStyle/>
             <a:p>
-              <a:pPr indent="0" lvl="0" marL="0" rtl="0" algn="l">
+              <a:pPr marL="0" lvl="0" indent="0" algn="l" rtl="0">
                 <a:spcBef>
                   <a:spcPts val="0"/>
                 </a:spcBef>
@@ -3081,9 +3149,6 @@
                 </a:spcAft>
                 <a:buNone/>
               </a:pPr>
-              <a:r>
-                <a:t/>
-              </a:r>
               <a:endParaRPr/>
             </a:p>
           </p:txBody>
@@ -3116,7 +3181,7 @@
             </a:xfrm>
             <a:prstGeom prst="parallelogram">
               <a:avLst>
-                <a:gd fmla="val 158024" name="adj"/>
+                <a:gd name="adj" fmla="val 158024"/>
               </a:avLst>
             </a:prstGeom>
             <a:solidFill>
@@ -3127,12 +3192,12 @@
             </a:ln>
           </p:spPr>
           <p:txBody>
-            <a:bodyPr anchorCtr="0" anchor="ctr" bIns="91425" lIns="91425" spcFirstLastPara="1" rIns="91425" wrap="square" tIns="91425">
+            <a:bodyPr spcFirstLastPara="1" wrap="square" lIns="91425" tIns="91425" rIns="91425" bIns="91425" anchor="ctr" anchorCtr="0">
               <a:noAutofit/>
             </a:bodyPr>
             <a:lstStyle/>
             <a:p>
-              <a:pPr indent="0" lvl="0" marL="0" rtl="0" algn="l">
+              <a:pPr marL="0" lvl="0" indent="0" algn="l" rtl="0">
                 <a:spcBef>
                   <a:spcPts val="0"/>
                 </a:spcBef>
@@ -3141,9 +3206,6 @@
                 </a:spcAft>
                 <a:buNone/>
               </a:pPr>
-              <a:r>
-                <a:t/>
-              </a:r>
               <a:endParaRPr/>
             </a:p>
           </p:txBody>
@@ -3161,7 +3223,7 @@
             </a:xfrm>
             <a:prstGeom prst="parallelogram">
               <a:avLst>
-                <a:gd fmla="val 158024" name="adj"/>
+                <a:gd name="adj" fmla="val 158024"/>
               </a:avLst>
             </a:prstGeom>
             <a:solidFill>
@@ -3172,12 +3234,12 @@
             </a:ln>
           </p:spPr>
           <p:txBody>
-            <a:bodyPr anchorCtr="0" anchor="ctr" bIns="91425" lIns="91425" spcFirstLastPara="1" rIns="91425" wrap="square" tIns="91425">
+            <a:bodyPr spcFirstLastPara="1" wrap="square" lIns="91425" tIns="91425" rIns="91425" bIns="91425" anchor="ctr" anchorCtr="0">
               <a:noAutofit/>
             </a:bodyPr>
             <a:lstStyle/>
             <a:p>
-              <a:pPr indent="0" lvl="0" marL="0" rtl="0" algn="l">
+              <a:pPr marL="0" lvl="0" indent="0" algn="l" rtl="0">
                 <a:spcBef>
                   <a:spcPts val="0"/>
                 </a:spcBef>
@@ -3186,9 +3248,6 @@
                 </a:spcAft>
                 <a:buNone/>
               </a:pPr>
-              <a:r>
-                <a:t/>
-              </a:r>
               <a:endParaRPr/>
             </a:p>
           </p:txBody>
@@ -3206,7 +3265,7 @@
             </a:xfrm>
             <a:prstGeom prst="parallelogram">
               <a:avLst>
-                <a:gd fmla="val 158024" name="adj"/>
+                <a:gd name="adj" fmla="val 158024"/>
               </a:avLst>
             </a:prstGeom>
             <a:solidFill>
@@ -3217,12 +3276,12 @@
             </a:ln>
           </p:spPr>
           <p:txBody>
-            <a:bodyPr anchorCtr="0" anchor="ctr" bIns="91425" lIns="91425" spcFirstLastPara="1" rIns="91425" wrap="square" tIns="91425">
+            <a:bodyPr spcFirstLastPara="1" wrap="square" lIns="91425" tIns="91425" rIns="91425" bIns="91425" anchor="ctr" anchorCtr="0">
               <a:noAutofit/>
             </a:bodyPr>
             <a:lstStyle/>
             <a:p>
-              <a:pPr indent="0" lvl="0" marL="0" rtl="0" algn="l">
+              <a:pPr marL="0" lvl="0" indent="0" algn="l" rtl="0">
                 <a:spcBef>
                   <a:spcPts val="0"/>
                 </a:spcBef>
@@ -3231,9 +3290,6 @@
                 </a:spcAft>
                 <a:buNone/>
               </a:pPr>
-              <a:r>
-                <a:t/>
-              </a:r>
               <a:endParaRPr/>
             </a:p>
           </p:txBody>
@@ -3242,9 +3298,11 @@
       <p:sp>
         <p:nvSpPr>
           <p:cNvPr id="119" name="Google Shape;119;p11"/>
-          <p:cNvSpPr txBox="1"/>
+          <p:cNvSpPr txBox="1">
+            <a:spLocks noGrp="1"/>
+          </p:cNvSpPr>
           <p:nvPr>
-            <p:ph hasCustomPrompt="1" type="title"/>
+            <p:ph type="title" hasCustomPrompt="1"/>
           </p:nvPr>
         </p:nvSpPr>
         <p:spPr>
@@ -3257,7 +3315,7 @@
           </a:prstGeom>
         </p:spPr>
         <p:txBody>
-          <a:bodyPr anchorCtr="0" anchor="ctr" bIns="91425" lIns="91425" spcFirstLastPara="1" rIns="91425" wrap="square" tIns="91425">
+          <a:bodyPr spcFirstLastPara="1" wrap="square" lIns="91425" tIns="91425" rIns="91425" bIns="91425" anchor="ctr" anchorCtr="0">
             <a:normAutofit/>
           </a:bodyPr>
           <a:lstStyle>
@@ -3434,9 +3492,11 @@
       <p:sp>
         <p:nvSpPr>
           <p:cNvPr id="120" name="Google Shape;120;p11"/>
-          <p:cNvSpPr txBox="1"/>
+          <p:cNvSpPr txBox="1">
+            <a:spLocks noGrp="1"/>
+          </p:cNvSpPr>
           <p:nvPr>
-            <p:ph idx="1" type="body"/>
+            <p:ph type="body" idx="1"/>
           </p:nvPr>
         </p:nvSpPr>
         <p:spPr>
@@ -3449,11 +3509,11 @@
           </a:prstGeom>
         </p:spPr>
         <p:txBody>
-          <a:bodyPr anchorCtr="0" anchor="t" bIns="91425" lIns="91425" spcFirstLastPara="1" rIns="91425" wrap="square" tIns="91425">
+          <a:bodyPr spcFirstLastPara="1" wrap="square" lIns="91425" tIns="91425" rIns="91425" bIns="91425" anchor="t" anchorCtr="0">
             <a:normAutofit/>
           </a:bodyPr>
           <a:lstStyle>
-            <a:lvl1pPr indent="-311150" lvl="0" marL="457200" algn="ctr">
+            <a:lvl1pPr marL="457200" lvl="0" indent="-311150" algn="ctr">
               <a:spcBef>
                 <a:spcPts val="0"/>
               </a:spcBef>
@@ -3464,7 +3524,7 @@
               <a:buChar char="●"/>
               <a:defRPr/>
             </a:lvl1pPr>
-            <a:lvl2pPr indent="-298450" lvl="1" marL="914400" algn="ctr">
+            <a:lvl2pPr marL="914400" lvl="1" indent="-298450" algn="ctr">
               <a:spcBef>
                 <a:spcPts val="0"/>
               </a:spcBef>
@@ -3475,7 +3535,7 @@
               <a:buChar char="○"/>
               <a:defRPr/>
             </a:lvl2pPr>
-            <a:lvl3pPr indent="-298450" lvl="2" marL="1371600" algn="ctr">
+            <a:lvl3pPr marL="1371600" lvl="2" indent="-298450" algn="ctr">
               <a:spcBef>
                 <a:spcPts val="0"/>
               </a:spcBef>
@@ -3486,7 +3546,7 @@
               <a:buChar char="■"/>
               <a:defRPr/>
             </a:lvl3pPr>
-            <a:lvl4pPr indent="-298450" lvl="3" marL="1828800" algn="ctr">
+            <a:lvl4pPr marL="1828800" lvl="3" indent="-298450" algn="ctr">
               <a:spcBef>
                 <a:spcPts val="0"/>
               </a:spcBef>
@@ -3497,7 +3557,7 @@
               <a:buChar char="●"/>
               <a:defRPr/>
             </a:lvl4pPr>
-            <a:lvl5pPr indent="-298450" lvl="4" marL="2286000" algn="ctr">
+            <a:lvl5pPr marL="2286000" lvl="4" indent="-298450" algn="ctr">
               <a:spcBef>
                 <a:spcPts val="0"/>
               </a:spcBef>
@@ -3508,7 +3568,7 @@
               <a:buChar char="○"/>
               <a:defRPr/>
             </a:lvl5pPr>
-            <a:lvl6pPr indent="-298450" lvl="5" marL="2743200" algn="ctr">
+            <a:lvl6pPr marL="2743200" lvl="5" indent="-298450" algn="ctr">
               <a:spcBef>
                 <a:spcPts val="0"/>
               </a:spcBef>
@@ -3519,7 +3579,7 @@
               <a:buChar char="■"/>
               <a:defRPr/>
             </a:lvl6pPr>
-            <a:lvl7pPr indent="-298450" lvl="6" marL="3200400" algn="ctr">
+            <a:lvl7pPr marL="3200400" lvl="6" indent="-298450" algn="ctr">
               <a:spcBef>
                 <a:spcPts val="0"/>
               </a:spcBef>
@@ -3530,7 +3590,7 @@
               <a:buChar char="●"/>
               <a:defRPr/>
             </a:lvl7pPr>
-            <a:lvl8pPr indent="-298450" lvl="7" marL="3657600" algn="ctr">
+            <a:lvl8pPr marL="3657600" lvl="7" indent="-298450" algn="ctr">
               <a:spcBef>
                 <a:spcPts val="0"/>
               </a:spcBef>
@@ -3541,7 +3601,7 @@
               <a:buChar char="○"/>
               <a:defRPr/>
             </a:lvl8pPr>
-            <a:lvl9pPr indent="-298450" lvl="8" marL="4114800" algn="ctr">
+            <a:lvl9pPr marL="4114800" lvl="8" indent="-298450" algn="ctr">
               <a:spcBef>
                 <a:spcPts val="0"/>
               </a:spcBef>
@@ -3553,15 +3613,19 @@
               <a:defRPr/>
             </a:lvl9pPr>
           </a:lstStyle>
-          <a:p/>
+          <a:p>
+            <a:endParaRPr/>
+          </a:p>
         </p:txBody>
       </p:sp>
       <p:sp>
         <p:nvSpPr>
           <p:cNvPr id="121" name="Google Shape;121;p11"/>
-          <p:cNvSpPr txBox="1"/>
+          <p:cNvSpPr txBox="1">
+            <a:spLocks noGrp="1"/>
+          </p:cNvSpPr>
           <p:nvPr>
-            <p:ph idx="12" type="sldNum"/>
+            <p:ph type="sldNum" idx="12"/>
           </p:nvPr>
         </p:nvSpPr>
         <p:spPr>
@@ -3574,7 +3638,7 @@
           </a:prstGeom>
         </p:spPr>
         <p:txBody>
-          <a:bodyPr anchorCtr="0" anchor="ctr" bIns="91425" lIns="91425" spcFirstLastPara="1" rIns="91425" wrap="square" tIns="91425">
+          <a:bodyPr spcFirstLastPara="1" wrap="square" lIns="91425" tIns="91425" rIns="91425" bIns="91425" anchor="ctr" anchorCtr="0">
             <a:normAutofit/>
           </a:bodyPr>
           <a:lstStyle>
@@ -3616,7 +3680,7 @@
             </a:lvl9pPr>
           </a:lstStyle>
           <a:p>
-            <a:pPr indent="0" lvl="0" marL="0" rtl="0" algn="r">
+            <a:pPr marL="0" lvl="0" indent="0" algn="r" rtl="0">
               <a:spcBef>
                 <a:spcPts val="0"/>
               </a:spcBef>
@@ -3642,11 +3706,11 @@
 </file>
 
 <file path=ppt/slideLayouts/slideLayout11.xml><?xml version="1.0" encoding="utf-8"?>
-<p:sldLayout xmlns:a="http://schemas.openxmlformats.org/drawingml/2006/main" xmlns:r="http://schemas.openxmlformats.org/officeDocument/2006/relationships" xmlns:mc="http://schemas.openxmlformats.org/markup-compatibility/2006" xmlns:mv="urn:schemas-microsoft-com:mac:vml" xmlns:p="http://schemas.openxmlformats.org/presentationml/2006/main" xmlns:c="http://schemas.openxmlformats.org/drawingml/2006/chart" xmlns:dgm="http://schemas.openxmlformats.org/drawingml/2006/diagram" xmlns:o="urn:schemas-microsoft-com:office:office" xmlns:v="urn:schemas-microsoft-com:vml" xmlns:pvml="urn:schemas-microsoft-com:office:powerpoint" xmlns:com="http://schemas.openxmlformats.org/drawingml/2006/compatibility" xmlns:p14="http://schemas.microsoft.com/office/powerpoint/2010/main" xmlns:p15="http://schemas.microsoft.com/office/powerpoint/2012/main" xmlns:ahyp="http://schemas.microsoft.com/office/drawing/2018/hyperlinkcolor" matchingName="Blank" type="blank">
+<p:sldLayout xmlns:a="http://schemas.openxmlformats.org/drawingml/2006/main" xmlns:r="http://schemas.openxmlformats.org/officeDocument/2006/relationships" xmlns:p="http://schemas.openxmlformats.org/presentationml/2006/main" matchingName="Blank" type="blank">
   <p:cSld name="BLANK">
     <p:spTree>
       <p:nvGrpSpPr>
-        <p:cNvPr id="122" name="Shape 122"/>
+        <p:cNvPr id="1" name="Shape 122"/>
         <p:cNvGrpSpPr/>
         <p:nvPr/>
       </p:nvGrpSpPr>
@@ -3661,9 +3725,11 @@
       <p:sp>
         <p:nvSpPr>
           <p:cNvPr id="123" name="Google Shape;123;p12"/>
-          <p:cNvSpPr txBox="1"/>
+          <p:cNvSpPr txBox="1">
+            <a:spLocks noGrp="1"/>
+          </p:cNvSpPr>
           <p:nvPr>
-            <p:ph idx="12" type="sldNum"/>
+            <p:ph type="sldNum" idx="12"/>
           </p:nvPr>
         </p:nvSpPr>
         <p:spPr>
@@ -3676,7 +3742,7 @@
           </a:prstGeom>
         </p:spPr>
         <p:txBody>
-          <a:bodyPr anchorCtr="0" anchor="ctr" bIns="91425" lIns="91425" spcFirstLastPara="1" rIns="91425" wrap="square" tIns="91425">
+          <a:bodyPr spcFirstLastPara="1" wrap="square" lIns="91425" tIns="91425" rIns="91425" bIns="91425" anchor="ctr" anchorCtr="0">
             <a:normAutofit/>
           </a:bodyPr>
           <a:lstStyle>
@@ -3718,7 +3784,7 @@
             </a:lvl9pPr>
           </a:lstStyle>
           <a:p>
-            <a:pPr indent="0" lvl="0" marL="0" rtl="0" algn="r">
+            <a:pPr marL="0" lvl="0" indent="0" algn="r" rtl="0">
               <a:spcBef>
                 <a:spcPts val="0"/>
               </a:spcBef>
@@ -3744,18 +3810,19 @@
 </file>
 
 <file path=ppt/slideLayouts/slideLayout2.xml><?xml version="1.0" encoding="utf-8"?>
-<p:sldLayout xmlns:a="http://schemas.openxmlformats.org/drawingml/2006/main" xmlns:r="http://schemas.openxmlformats.org/officeDocument/2006/relationships" xmlns:mc="http://schemas.openxmlformats.org/markup-compatibility/2006" xmlns:mv="urn:schemas-microsoft-com:mac:vml" xmlns:p="http://schemas.openxmlformats.org/presentationml/2006/main" xmlns:c="http://schemas.openxmlformats.org/drawingml/2006/chart" xmlns:dgm="http://schemas.openxmlformats.org/drawingml/2006/diagram" xmlns:o="urn:schemas-microsoft-com:office:office" xmlns:v="urn:schemas-microsoft-com:vml" xmlns:pvml="urn:schemas-microsoft-com:office:powerpoint" xmlns:com="http://schemas.openxmlformats.org/drawingml/2006/compatibility" xmlns:p14="http://schemas.microsoft.com/office/powerpoint/2010/main" xmlns:p15="http://schemas.microsoft.com/office/powerpoint/2012/main" xmlns:ahyp="http://schemas.microsoft.com/office/drawing/2018/hyperlinkcolor" matchingName="Section header" type="secHead">
+<p:sldLayout xmlns:a="http://schemas.openxmlformats.org/drawingml/2006/main" xmlns:r="http://schemas.openxmlformats.org/officeDocument/2006/relationships" xmlns:p="http://schemas.openxmlformats.org/presentationml/2006/main" matchingName="Section header" type="secHead">
   <p:cSld name="SECTION_HEADER">
     <p:bg>
       <p:bgPr>
         <a:solidFill>
           <a:schemeClr val="accent3"/>
         </a:solidFill>
+        <a:effectLst/>
       </p:bgPr>
     </p:bg>
     <p:spTree>
       <p:nvGrpSpPr>
-        <p:cNvPr id="37" name="Shape 37"/>
+        <p:cNvPr id="1" name="Shape 37"/>
         <p:cNvGrpSpPr/>
         <p:nvPr/>
       </p:nvGrpSpPr>
@@ -3789,12 +3856,12 @@
           </a:ln>
         </p:spPr>
         <p:txBody>
-          <a:bodyPr anchorCtr="0" anchor="ctr" bIns="91425" lIns="91425" spcFirstLastPara="1" rIns="91425" wrap="square" tIns="91425">
+          <a:bodyPr spcFirstLastPara="1" wrap="square" lIns="91425" tIns="91425" rIns="91425" bIns="91425" anchor="ctr" anchorCtr="0">
             <a:noAutofit/>
           </a:bodyPr>
           <a:lstStyle/>
           <a:p>
-            <a:pPr indent="0" lvl="0" marL="0" rtl="0" algn="l">
+            <a:pPr marL="0" lvl="0" indent="0" algn="l" rtl="0">
               <a:spcBef>
                 <a:spcPts val="0"/>
               </a:spcBef>
@@ -3803,9 +3870,6 @@
               </a:spcAft>
               <a:buNone/>
             </a:pPr>
-            <a:r>
-              <a:t/>
-            </a:r>
             <a:endParaRPr/>
           </a:p>
         </p:txBody>
@@ -3837,7 +3901,7 @@
             </a:xfrm>
             <a:prstGeom prst="parallelogram">
               <a:avLst>
-                <a:gd fmla="val 158024" name="adj"/>
+                <a:gd name="adj" fmla="val 158024"/>
               </a:avLst>
             </a:prstGeom>
             <a:solidFill>
@@ -3848,12 +3912,12 @@
             </a:ln>
           </p:spPr>
           <p:txBody>
-            <a:bodyPr anchorCtr="0" anchor="ctr" bIns="91425" lIns="91425" spcFirstLastPara="1" rIns="91425" wrap="square" tIns="91425">
+            <a:bodyPr spcFirstLastPara="1" wrap="square" lIns="91425" tIns="91425" rIns="91425" bIns="91425" anchor="ctr" anchorCtr="0">
               <a:noAutofit/>
             </a:bodyPr>
             <a:lstStyle/>
             <a:p>
-              <a:pPr indent="0" lvl="0" marL="0" rtl="0" algn="l">
+              <a:pPr marL="0" lvl="0" indent="0" algn="l" rtl="0">
                 <a:spcBef>
                   <a:spcPts val="0"/>
                 </a:spcBef>
@@ -3862,9 +3926,6 @@
                 </a:spcAft>
                 <a:buNone/>
               </a:pPr>
-              <a:r>
-                <a:t/>
-              </a:r>
               <a:endParaRPr/>
             </a:p>
           </p:txBody>
@@ -3882,7 +3943,7 @@
             </a:xfrm>
             <a:prstGeom prst="parallelogram">
               <a:avLst>
-                <a:gd fmla="val 158024" name="adj"/>
+                <a:gd name="adj" fmla="val 158024"/>
               </a:avLst>
             </a:prstGeom>
             <a:solidFill>
@@ -3893,12 +3954,12 @@
             </a:ln>
           </p:spPr>
           <p:txBody>
-            <a:bodyPr anchorCtr="0" anchor="ctr" bIns="91425" lIns="91425" spcFirstLastPara="1" rIns="91425" wrap="square" tIns="91425">
+            <a:bodyPr spcFirstLastPara="1" wrap="square" lIns="91425" tIns="91425" rIns="91425" bIns="91425" anchor="ctr" anchorCtr="0">
               <a:noAutofit/>
             </a:bodyPr>
             <a:lstStyle/>
             <a:p>
-              <a:pPr indent="0" lvl="0" marL="0" rtl="0" algn="l">
+              <a:pPr marL="0" lvl="0" indent="0" algn="l" rtl="0">
                 <a:spcBef>
                   <a:spcPts val="0"/>
                 </a:spcBef>
@@ -3907,9 +3968,6 @@
                 </a:spcAft>
                 <a:buNone/>
               </a:pPr>
-              <a:r>
-                <a:t/>
-              </a:r>
               <a:endParaRPr/>
             </a:p>
           </p:txBody>
@@ -3927,7 +3985,7 @@
             </a:xfrm>
             <a:prstGeom prst="parallelogram">
               <a:avLst>
-                <a:gd fmla="val 158024" name="adj"/>
+                <a:gd name="adj" fmla="val 158024"/>
               </a:avLst>
             </a:prstGeom>
             <a:solidFill>
@@ -3938,12 +3996,12 @@
             </a:ln>
           </p:spPr>
           <p:txBody>
-            <a:bodyPr anchorCtr="0" anchor="ctr" bIns="91425" lIns="91425" spcFirstLastPara="1" rIns="91425" wrap="square" tIns="91425">
+            <a:bodyPr spcFirstLastPara="1" wrap="square" lIns="91425" tIns="91425" rIns="91425" bIns="91425" anchor="ctr" anchorCtr="0">
               <a:noAutofit/>
             </a:bodyPr>
             <a:lstStyle/>
             <a:p>
-              <a:pPr indent="0" lvl="0" marL="0" rtl="0" algn="l">
+              <a:pPr marL="0" lvl="0" indent="0" algn="l" rtl="0">
                 <a:spcBef>
                   <a:spcPts val="0"/>
                 </a:spcBef>
@@ -3952,9 +4010,6 @@
                 </a:spcAft>
                 <a:buNone/>
               </a:pPr>
-              <a:r>
-                <a:t/>
-              </a:r>
               <a:endParaRPr/>
             </a:p>
           </p:txBody>
@@ -3987,7 +4042,7 @@
             </a:xfrm>
             <a:prstGeom prst="parallelogram">
               <a:avLst>
-                <a:gd fmla="val 158024" name="adj"/>
+                <a:gd name="adj" fmla="val 158024"/>
               </a:avLst>
             </a:prstGeom>
             <a:solidFill>
@@ -3998,12 +4053,12 @@
             </a:ln>
           </p:spPr>
           <p:txBody>
-            <a:bodyPr anchorCtr="0" anchor="ctr" bIns="91425" lIns="91425" spcFirstLastPara="1" rIns="91425" wrap="square" tIns="91425">
+            <a:bodyPr spcFirstLastPara="1" wrap="square" lIns="91425" tIns="91425" rIns="91425" bIns="91425" anchor="ctr" anchorCtr="0">
               <a:noAutofit/>
             </a:bodyPr>
             <a:lstStyle/>
             <a:p>
-              <a:pPr indent="0" lvl="0" marL="0" rtl="0" algn="l">
+              <a:pPr marL="0" lvl="0" indent="0" algn="l" rtl="0">
                 <a:spcBef>
                   <a:spcPts val="0"/>
                 </a:spcBef>
@@ -4012,9 +4067,6 @@
                 </a:spcAft>
                 <a:buNone/>
               </a:pPr>
-              <a:r>
-                <a:t/>
-              </a:r>
               <a:endParaRPr/>
             </a:p>
           </p:txBody>
@@ -4032,7 +4084,7 @@
             </a:xfrm>
             <a:prstGeom prst="parallelogram">
               <a:avLst>
-                <a:gd fmla="val 158024" name="adj"/>
+                <a:gd name="adj" fmla="val 158024"/>
               </a:avLst>
             </a:prstGeom>
             <a:solidFill>
@@ -4043,12 +4095,12 @@
             </a:ln>
           </p:spPr>
           <p:txBody>
-            <a:bodyPr anchorCtr="0" anchor="ctr" bIns="91425" lIns="91425" spcFirstLastPara="1" rIns="91425" wrap="square" tIns="91425">
+            <a:bodyPr spcFirstLastPara="1" wrap="square" lIns="91425" tIns="91425" rIns="91425" bIns="91425" anchor="ctr" anchorCtr="0">
               <a:noAutofit/>
             </a:bodyPr>
             <a:lstStyle/>
             <a:p>
-              <a:pPr indent="0" lvl="0" marL="0" rtl="0" algn="l">
+              <a:pPr marL="0" lvl="0" indent="0" algn="l" rtl="0">
                 <a:spcBef>
                   <a:spcPts val="0"/>
                 </a:spcBef>
@@ -4057,9 +4109,6 @@
                 </a:spcAft>
                 <a:buNone/>
               </a:pPr>
-              <a:r>
-                <a:t/>
-              </a:r>
               <a:endParaRPr/>
             </a:p>
           </p:txBody>
@@ -4077,7 +4126,7 @@
             </a:xfrm>
             <a:prstGeom prst="parallelogram">
               <a:avLst>
-                <a:gd fmla="val 158024" name="adj"/>
+                <a:gd name="adj" fmla="val 158024"/>
               </a:avLst>
             </a:prstGeom>
             <a:solidFill>
@@ -4088,12 +4137,12 @@
             </a:ln>
           </p:spPr>
           <p:txBody>
-            <a:bodyPr anchorCtr="0" anchor="ctr" bIns="91425" lIns="91425" spcFirstLastPara="1" rIns="91425" wrap="square" tIns="91425">
+            <a:bodyPr spcFirstLastPara="1" wrap="square" lIns="91425" tIns="91425" rIns="91425" bIns="91425" anchor="ctr" anchorCtr="0">
               <a:noAutofit/>
             </a:bodyPr>
             <a:lstStyle/>
             <a:p>
-              <a:pPr indent="0" lvl="0" marL="0" rtl="0" algn="l">
+              <a:pPr marL="0" lvl="0" indent="0" algn="l" rtl="0">
                 <a:spcBef>
                   <a:spcPts val="0"/>
                 </a:spcBef>
@@ -4102,9 +4151,6 @@
                 </a:spcAft>
                 <a:buNone/>
               </a:pPr>
-              <a:r>
-                <a:t/>
-              </a:r>
               <a:endParaRPr/>
             </a:p>
           </p:txBody>
@@ -4113,7 +4159,9 @@
       <p:sp>
         <p:nvSpPr>
           <p:cNvPr id="47" name="Google Shape;47;p3"/>
-          <p:cNvSpPr txBox="1"/>
+          <p:cNvSpPr txBox="1">
+            <a:spLocks noGrp="1"/>
+          </p:cNvSpPr>
           <p:nvPr>
             <p:ph type="title"/>
           </p:nvPr>
@@ -4128,7 +4176,7 @@
           </a:prstGeom>
         </p:spPr>
         <p:txBody>
-          <a:bodyPr anchorCtr="0" anchor="ctr" bIns="91425" lIns="91425" spcFirstLastPara="1" rIns="91425" wrap="square" tIns="91425">
+          <a:bodyPr spcFirstLastPara="1" wrap="square" lIns="91425" tIns="91425" rIns="91425" bIns="91425" anchor="ctr" anchorCtr="0">
             <a:normAutofit/>
           </a:bodyPr>
           <a:lstStyle>
@@ -4295,15 +4343,19 @@
               </a:defRPr>
             </a:lvl9pPr>
           </a:lstStyle>
-          <a:p/>
+          <a:p>
+            <a:endParaRPr/>
+          </a:p>
         </p:txBody>
       </p:sp>
       <p:sp>
         <p:nvSpPr>
           <p:cNvPr id="48" name="Google Shape;48;p3"/>
-          <p:cNvSpPr txBox="1"/>
+          <p:cNvSpPr txBox="1">
+            <a:spLocks noGrp="1"/>
+          </p:cNvSpPr>
           <p:nvPr>
-            <p:ph idx="12" type="sldNum"/>
+            <p:ph type="sldNum" idx="12"/>
           </p:nvPr>
         </p:nvSpPr>
         <p:spPr>
@@ -4316,7 +4368,7 @@
           </a:prstGeom>
         </p:spPr>
         <p:txBody>
-          <a:bodyPr anchorCtr="0" anchor="ctr" bIns="91425" lIns="91425" spcFirstLastPara="1" rIns="91425" wrap="square" tIns="91425">
+          <a:bodyPr spcFirstLastPara="1" wrap="square" lIns="91425" tIns="91425" rIns="91425" bIns="91425" anchor="ctr" anchorCtr="0">
             <a:normAutofit/>
           </a:bodyPr>
           <a:lstStyle>
@@ -4358,7 +4410,7 @@
             </a:lvl9pPr>
           </a:lstStyle>
           <a:p>
-            <a:pPr indent="0" lvl="0" marL="0" rtl="0" algn="r">
+            <a:pPr marL="0" lvl="0" indent="0" algn="r" rtl="0">
               <a:spcBef>
                 <a:spcPts val="0"/>
               </a:spcBef>
@@ -4384,18 +4436,19 @@
 </file>
 
 <file path=ppt/slideLayouts/slideLayout3.xml><?xml version="1.0" encoding="utf-8"?>
-<p:sldLayout xmlns:a="http://schemas.openxmlformats.org/drawingml/2006/main" xmlns:r="http://schemas.openxmlformats.org/officeDocument/2006/relationships" xmlns:mc="http://schemas.openxmlformats.org/markup-compatibility/2006" xmlns:mv="urn:schemas-microsoft-com:mac:vml" xmlns:p="http://schemas.openxmlformats.org/presentationml/2006/main" xmlns:c="http://schemas.openxmlformats.org/drawingml/2006/chart" xmlns:dgm="http://schemas.openxmlformats.org/drawingml/2006/diagram" xmlns:o="urn:schemas-microsoft-com:office:office" xmlns:v="urn:schemas-microsoft-com:vml" xmlns:pvml="urn:schemas-microsoft-com:office:powerpoint" xmlns:com="http://schemas.openxmlformats.org/drawingml/2006/compatibility" xmlns:p14="http://schemas.microsoft.com/office/powerpoint/2010/main" xmlns:p15="http://schemas.microsoft.com/office/powerpoint/2012/main" xmlns:ahyp="http://schemas.microsoft.com/office/drawing/2018/hyperlinkcolor" matchingName="Title and body" type="tx">
+<p:sldLayout xmlns:a="http://schemas.openxmlformats.org/drawingml/2006/main" xmlns:r="http://schemas.openxmlformats.org/officeDocument/2006/relationships" xmlns:p="http://schemas.openxmlformats.org/presentationml/2006/main" matchingName="Title and body" type="tx">
   <p:cSld name="TITLE_AND_BODY">
     <p:bg>
       <p:bgPr>
         <a:solidFill>
           <a:schemeClr val="dk2"/>
         </a:solidFill>
+        <a:effectLst/>
       </p:bgPr>
     </p:bg>
     <p:spTree>
       <p:nvGrpSpPr>
-        <p:cNvPr id="49" name="Shape 49"/>
+        <p:cNvPr id="1" name="Shape 49"/>
         <p:cNvGrpSpPr/>
         <p:nvPr/>
       </p:nvGrpSpPr>
@@ -4429,12 +4482,12 @@
           </a:ln>
         </p:spPr>
         <p:txBody>
-          <a:bodyPr anchorCtr="0" anchor="ctr" bIns="91425" lIns="91425" spcFirstLastPara="1" rIns="91425" wrap="square" tIns="91425">
+          <a:bodyPr spcFirstLastPara="1" wrap="square" lIns="91425" tIns="91425" rIns="91425" bIns="91425" anchor="ctr" anchorCtr="0">
             <a:noAutofit/>
           </a:bodyPr>
           <a:lstStyle/>
           <a:p>
-            <a:pPr indent="0" lvl="0" marL="0" rtl="0" algn="l">
+            <a:pPr marL="0" lvl="0" indent="0" algn="l" rtl="0">
               <a:spcBef>
                 <a:spcPts val="0"/>
               </a:spcBef>
@@ -4443,9 +4496,6 @@
               </a:spcAft>
               <a:buNone/>
             </a:pPr>
-            <a:r>
-              <a:t/>
-            </a:r>
             <a:endParaRPr/>
           </a:p>
         </p:txBody>
@@ -4472,12 +4522,12 @@
           </a:ln>
         </p:spPr>
         <p:txBody>
-          <a:bodyPr anchorCtr="0" anchor="ctr" bIns="91425" lIns="91425" spcFirstLastPara="1" rIns="91425" wrap="square" tIns="91425">
+          <a:bodyPr spcFirstLastPara="1" wrap="square" lIns="91425" tIns="91425" rIns="91425" bIns="91425" anchor="ctr" anchorCtr="0">
             <a:noAutofit/>
           </a:bodyPr>
           <a:lstStyle/>
           <a:p>
-            <a:pPr indent="0" lvl="0" marL="0" rtl="0" algn="l">
+            <a:pPr marL="0" lvl="0" indent="0" algn="l" rtl="0">
               <a:spcBef>
                 <a:spcPts val="0"/>
               </a:spcBef>
@@ -4486,9 +4536,6 @@
               </a:spcAft>
               <a:buNone/>
             </a:pPr>
-            <a:r>
-              <a:t/>
-            </a:r>
             <a:endParaRPr/>
           </a:p>
         </p:txBody>
@@ -4514,7 +4561,7 @@
             <a:noFill/>
           </a:ln>
           <a:effectLst>
-            <a:outerShdw blurRad="228600" sx="101000" rotWithShape="0" algn="ctr" sy="101000">
+            <a:outerShdw blurRad="228600" sx="101000" sy="101000" algn="ctr" rotWithShape="0">
               <a:srgbClr val="000000">
                 <a:alpha val="40000"/>
               </a:srgbClr>
@@ -4522,12 +4569,12 @@
           </a:effectLst>
         </p:spPr>
         <p:txBody>
-          <a:bodyPr anchorCtr="0" anchor="ctr" bIns="91425" lIns="91425" spcFirstLastPara="1" rIns="91425" wrap="square" tIns="91425">
+          <a:bodyPr spcFirstLastPara="1" wrap="square" lIns="91425" tIns="91425" rIns="91425" bIns="91425" anchor="ctr" anchorCtr="0">
             <a:noAutofit/>
           </a:bodyPr>
           <a:lstStyle/>
           <a:p>
-            <a:pPr indent="0" lvl="0" marL="0" rtl="0" algn="l">
+            <a:pPr marL="0" lvl="0" indent="0" algn="l" rtl="0">
               <a:spcBef>
                 <a:spcPts val="0"/>
               </a:spcBef>
@@ -4536,9 +4583,6 @@
               </a:spcAft>
               <a:buNone/>
             </a:pPr>
-            <a:r>
-              <a:t/>
-            </a:r>
             <a:endParaRPr/>
           </a:p>
         </p:txBody>
@@ -4546,7 +4590,9 @@
       <p:sp>
         <p:nvSpPr>
           <p:cNvPr id="53" name="Google Shape;53;p4"/>
-          <p:cNvSpPr txBox="1"/>
+          <p:cNvSpPr txBox="1">
+            <a:spLocks noGrp="1"/>
+          </p:cNvSpPr>
           <p:nvPr>
             <p:ph type="title"/>
           </p:nvPr>
@@ -4561,7 +4607,7 @@
           </a:prstGeom>
         </p:spPr>
         <p:txBody>
-          <a:bodyPr anchorCtr="0" anchor="t" bIns="91425" lIns="91425" spcFirstLastPara="1" rIns="91425" wrap="square" tIns="91425">
+          <a:bodyPr spcFirstLastPara="1" wrap="square" lIns="91425" tIns="91425" rIns="91425" bIns="91425" anchor="t" anchorCtr="0">
             <a:normAutofit/>
           </a:bodyPr>
           <a:lstStyle>
@@ -4665,15 +4711,19 @@
               <a:defRPr sz="3000"/>
             </a:lvl9pPr>
           </a:lstStyle>
-          <a:p/>
+          <a:p>
+            <a:endParaRPr/>
+          </a:p>
         </p:txBody>
       </p:sp>
       <p:sp>
         <p:nvSpPr>
           <p:cNvPr id="54" name="Google Shape;54;p4"/>
-          <p:cNvSpPr txBox="1"/>
+          <p:cNvSpPr txBox="1">
+            <a:spLocks noGrp="1"/>
+          </p:cNvSpPr>
           <p:nvPr>
-            <p:ph idx="1" type="body"/>
+            <p:ph type="body" idx="1"/>
           </p:nvPr>
         </p:nvSpPr>
         <p:spPr>
@@ -4686,11 +4736,11 @@
           </a:prstGeom>
         </p:spPr>
         <p:txBody>
-          <a:bodyPr anchorCtr="0" anchor="t" bIns="91425" lIns="91425" spcFirstLastPara="1" rIns="91425" wrap="square" tIns="91425">
+          <a:bodyPr spcFirstLastPara="1" wrap="square" lIns="91425" tIns="91425" rIns="91425" bIns="91425" anchor="t" anchorCtr="0">
             <a:normAutofit/>
           </a:bodyPr>
           <a:lstStyle>
-            <a:lvl1pPr indent="-311150" lvl="0" marL="457200">
+            <a:lvl1pPr marL="457200" lvl="0" indent="-311150">
               <a:spcBef>
                 <a:spcPts val="0"/>
               </a:spcBef>
@@ -4701,7 +4751,7 @@
               <a:buChar char="●"/>
               <a:defRPr/>
             </a:lvl1pPr>
-            <a:lvl2pPr indent="-298450" lvl="1" marL="914400">
+            <a:lvl2pPr marL="914400" lvl="1" indent="-298450">
               <a:spcBef>
                 <a:spcPts val="0"/>
               </a:spcBef>
@@ -4712,7 +4762,7 @@
               <a:buChar char="○"/>
               <a:defRPr/>
             </a:lvl2pPr>
-            <a:lvl3pPr indent="-298450" lvl="2" marL="1371600">
+            <a:lvl3pPr marL="1371600" lvl="2" indent="-298450">
               <a:spcBef>
                 <a:spcPts val="0"/>
               </a:spcBef>
@@ -4723,7 +4773,7 @@
               <a:buChar char="■"/>
               <a:defRPr/>
             </a:lvl3pPr>
-            <a:lvl4pPr indent="-298450" lvl="3" marL="1828800">
+            <a:lvl4pPr marL="1828800" lvl="3" indent="-298450">
               <a:spcBef>
                 <a:spcPts val="0"/>
               </a:spcBef>
@@ -4734,7 +4784,7 @@
               <a:buChar char="●"/>
               <a:defRPr/>
             </a:lvl4pPr>
-            <a:lvl5pPr indent="-298450" lvl="4" marL="2286000">
+            <a:lvl5pPr marL="2286000" lvl="4" indent="-298450">
               <a:spcBef>
                 <a:spcPts val="0"/>
               </a:spcBef>
@@ -4745,7 +4795,7 @@
               <a:buChar char="○"/>
               <a:defRPr/>
             </a:lvl5pPr>
-            <a:lvl6pPr indent="-298450" lvl="5" marL="2743200">
+            <a:lvl6pPr marL="2743200" lvl="5" indent="-298450">
               <a:spcBef>
                 <a:spcPts val="0"/>
               </a:spcBef>
@@ -4756,7 +4806,7 @@
               <a:buChar char="■"/>
               <a:defRPr/>
             </a:lvl6pPr>
-            <a:lvl7pPr indent="-298450" lvl="6" marL="3200400">
+            <a:lvl7pPr marL="3200400" lvl="6" indent="-298450">
               <a:spcBef>
                 <a:spcPts val="0"/>
               </a:spcBef>
@@ -4767,7 +4817,7 @@
               <a:buChar char="●"/>
               <a:defRPr/>
             </a:lvl7pPr>
-            <a:lvl8pPr indent="-298450" lvl="7" marL="3657600">
+            <a:lvl8pPr marL="3657600" lvl="7" indent="-298450">
               <a:spcBef>
                 <a:spcPts val="0"/>
               </a:spcBef>
@@ -4778,7 +4828,7 @@
               <a:buChar char="○"/>
               <a:defRPr/>
             </a:lvl8pPr>
-            <a:lvl9pPr indent="-298450" lvl="8" marL="4114800">
+            <a:lvl9pPr marL="4114800" lvl="8" indent="-298450">
               <a:spcBef>
                 <a:spcPts val="0"/>
               </a:spcBef>
@@ -4790,15 +4840,19 @@
               <a:defRPr/>
             </a:lvl9pPr>
           </a:lstStyle>
-          <a:p/>
+          <a:p>
+            <a:endParaRPr/>
+          </a:p>
         </p:txBody>
       </p:sp>
       <p:sp>
         <p:nvSpPr>
           <p:cNvPr id="55" name="Google Shape;55;p4"/>
-          <p:cNvSpPr txBox="1"/>
+          <p:cNvSpPr txBox="1">
+            <a:spLocks noGrp="1"/>
+          </p:cNvSpPr>
           <p:nvPr>
-            <p:ph idx="12" type="sldNum"/>
+            <p:ph type="sldNum" idx="12"/>
           </p:nvPr>
         </p:nvSpPr>
         <p:spPr>
@@ -4811,7 +4865,7 @@
           </a:prstGeom>
         </p:spPr>
         <p:txBody>
-          <a:bodyPr anchorCtr="0" anchor="ctr" bIns="91425" lIns="91425" spcFirstLastPara="1" rIns="91425" wrap="square" tIns="91425">
+          <a:bodyPr spcFirstLastPara="1" wrap="square" lIns="91425" tIns="91425" rIns="91425" bIns="91425" anchor="ctr" anchorCtr="0">
             <a:normAutofit/>
           </a:bodyPr>
           <a:lstStyle>
@@ -4853,7 +4907,7 @@
             </a:lvl9pPr>
           </a:lstStyle>
           <a:p>
-            <a:pPr indent="0" lvl="0" marL="0" rtl="0" algn="r">
+            <a:pPr marL="0" lvl="0" indent="0" algn="r" rtl="0">
               <a:spcBef>
                 <a:spcPts val="0"/>
               </a:spcBef>
@@ -4879,18 +4933,19 @@
 </file>
 
 <file path=ppt/slideLayouts/slideLayout4.xml><?xml version="1.0" encoding="utf-8"?>
-<p:sldLayout xmlns:a="http://schemas.openxmlformats.org/drawingml/2006/main" xmlns:r="http://schemas.openxmlformats.org/officeDocument/2006/relationships" xmlns:mc="http://schemas.openxmlformats.org/markup-compatibility/2006" xmlns:mv="urn:schemas-microsoft-com:mac:vml" xmlns:p="http://schemas.openxmlformats.org/presentationml/2006/main" xmlns:c="http://schemas.openxmlformats.org/drawingml/2006/chart" xmlns:dgm="http://schemas.openxmlformats.org/drawingml/2006/diagram" xmlns:o="urn:schemas-microsoft-com:office:office" xmlns:v="urn:schemas-microsoft-com:vml" xmlns:pvml="urn:schemas-microsoft-com:office:powerpoint" xmlns:com="http://schemas.openxmlformats.org/drawingml/2006/compatibility" xmlns:p14="http://schemas.microsoft.com/office/powerpoint/2010/main" xmlns:p15="http://schemas.microsoft.com/office/powerpoint/2012/main" xmlns:ahyp="http://schemas.microsoft.com/office/drawing/2018/hyperlinkcolor" matchingName="Title and two columns" type="twoColTx">
+<p:sldLayout xmlns:a="http://schemas.openxmlformats.org/drawingml/2006/main" xmlns:r="http://schemas.openxmlformats.org/officeDocument/2006/relationships" xmlns:p="http://schemas.openxmlformats.org/presentationml/2006/main" matchingName="Title and two columns" type="twoColTx">
   <p:cSld name="TITLE_AND_TWO_COLUMNS">
     <p:bg>
       <p:bgPr>
         <a:solidFill>
           <a:schemeClr val="dk2"/>
         </a:solidFill>
+        <a:effectLst/>
       </p:bgPr>
     </p:bg>
     <p:spTree>
       <p:nvGrpSpPr>
-        <p:cNvPr id="56" name="Shape 56"/>
+        <p:cNvPr id="1" name="Shape 56"/>
         <p:cNvGrpSpPr/>
         <p:nvPr/>
       </p:nvGrpSpPr>
@@ -4924,12 +4979,12 @@
           </a:ln>
         </p:spPr>
         <p:txBody>
-          <a:bodyPr anchorCtr="0" anchor="ctr" bIns="91425" lIns="91425" spcFirstLastPara="1" rIns="91425" wrap="square" tIns="91425">
+          <a:bodyPr spcFirstLastPara="1" wrap="square" lIns="91425" tIns="91425" rIns="91425" bIns="91425" anchor="ctr" anchorCtr="0">
             <a:noAutofit/>
           </a:bodyPr>
           <a:lstStyle/>
           <a:p>
-            <a:pPr indent="0" lvl="0" marL="0" rtl="0" algn="l">
+            <a:pPr marL="0" lvl="0" indent="0" algn="l" rtl="0">
               <a:spcBef>
                 <a:spcPts val="0"/>
               </a:spcBef>
@@ -4938,9 +4993,6 @@
               </a:spcAft>
               <a:buNone/>
             </a:pPr>
-            <a:r>
-              <a:t/>
-            </a:r>
             <a:endParaRPr/>
           </a:p>
         </p:txBody>
@@ -4967,12 +5019,12 @@
           </a:ln>
         </p:spPr>
         <p:txBody>
-          <a:bodyPr anchorCtr="0" anchor="ctr" bIns="91425" lIns="91425" spcFirstLastPara="1" rIns="91425" wrap="square" tIns="91425">
+          <a:bodyPr spcFirstLastPara="1" wrap="square" lIns="91425" tIns="91425" rIns="91425" bIns="91425" anchor="ctr" anchorCtr="0">
             <a:noAutofit/>
           </a:bodyPr>
           <a:lstStyle/>
           <a:p>
-            <a:pPr indent="0" lvl="0" marL="0" rtl="0" algn="l">
+            <a:pPr marL="0" lvl="0" indent="0" algn="l" rtl="0">
               <a:spcBef>
                 <a:spcPts val="0"/>
               </a:spcBef>
@@ -4981,9 +5033,6 @@
               </a:spcAft>
               <a:buNone/>
             </a:pPr>
-            <a:r>
-              <a:t/>
-            </a:r>
             <a:endParaRPr/>
           </a:p>
         </p:txBody>
@@ -5009,7 +5058,7 @@
             <a:noFill/>
           </a:ln>
           <a:effectLst>
-            <a:outerShdw blurRad="228600" sx="101000" rotWithShape="0" algn="ctr" sy="101000">
+            <a:outerShdw blurRad="228600" sx="101000" sy="101000" algn="ctr" rotWithShape="0">
               <a:srgbClr val="000000">
                 <a:alpha val="40000"/>
               </a:srgbClr>
@@ -5017,12 +5066,12 @@
           </a:effectLst>
         </p:spPr>
         <p:txBody>
-          <a:bodyPr anchorCtr="0" anchor="ctr" bIns="91425" lIns="91425" spcFirstLastPara="1" rIns="91425" wrap="square" tIns="91425">
+          <a:bodyPr spcFirstLastPara="1" wrap="square" lIns="91425" tIns="91425" rIns="91425" bIns="91425" anchor="ctr" anchorCtr="0">
             <a:noAutofit/>
           </a:bodyPr>
           <a:lstStyle/>
           <a:p>
-            <a:pPr indent="0" lvl="0" marL="0" rtl="0" algn="l">
+            <a:pPr marL="0" lvl="0" indent="0" algn="l" rtl="0">
               <a:spcBef>
                 <a:spcPts val="0"/>
               </a:spcBef>
@@ -5031,9 +5080,6 @@
               </a:spcAft>
               <a:buNone/>
             </a:pPr>
-            <a:r>
-              <a:t/>
-            </a:r>
             <a:endParaRPr/>
           </a:p>
         </p:txBody>
@@ -5041,7 +5087,9 @@
       <p:sp>
         <p:nvSpPr>
           <p:cNvPr id="60" name="Google Shape;60;p5"/>
-          <p:cNvSpPr txBox="1"/>
+          <p:cNvSpPr txBox="1">
+            <a:spLocks noGrp="1"/>
+          </p:cNvSpPr>
           <p:nvPr>
             <p:ph type="title"/>
           </p:nvPr>
@@ -5056,7 +5104,7 @@
           </a:prstGeom>
         </p:spPr>
         <p:txBody>
-          <a:bodyPr anchorCtr="0" anchor="t" bIns="91425" lIns="91425" spcFirstLastPara="1" rIns="91425" wrap="square" tIns="91425">
+          <a:bodyPr spcFirstLastPara="1" wrap="square" lIns="91425" tIns="91425" rIns="91425" bIns="91425" anchor="t" anchorCtr="0">
             <a:normAutofit/>
           </a:bodyPr>
           <a:lstStyle>
@@ -5160,15 +5208,19 @@
               <a:defRPr sz="3000"/>
             </a:lvl9pPr>
           </a:lstStyle>
-          <a:p/>
+          <a:p>
+            <a:endParaRPr/>
+          </a:p>
         </p:txBody>
       </p:sp>
       <p:sp>
         <p:nvSpPr>
           <p:cNvPr id="61" name="Google Shape;61;p5"/>
-          <p:cNvSpPr txBox="1"/>
+          <p:cNvSpPr txBox="1">
+            <a:spLocks noGrp="1"/>
+          </p:cNvSpPr>
           <p:nvPr>
-            <p:ph idx="1" type="body"/>
+            <p:ph type="body" idx="1"/>
           </p:nvPr>
         </p:nvSpPr>
         <p:spPr>
@@ -5181,11 +5233,11 @@
           </a:prstGeom>
         </p:spPr>
         <p:txBody>
-          <a:bodyPr anchorCtr="0" anchor="t" bIns="91425" lIns="91425" spcFirstLastPara="1" rIns="91425" wrap="square" tIns="91425">
+          <a:bodyPr spcFirstLastPara="1" wrap="square" lIns="91425" tIns="91425" rIns="91425" bIns="91425" anchor="t" anchorCtr="0">
             <a:normAutofit/>
           </a:bodyPr>
           <a:lstStyle>
-            <a:lvl1pPr indent="-311150" lvl="0" marL="457200">
+            <a:lvl1pPr marL="457200" lvl="0" indent="-311150">
               <a:spcBef>
                 <a:spcPts val="0"/>
               </a:spcBef>
@@ -5196,7 +5248,7 @@
               <a:buChar char="●"/>
               <a:defRPr/>
             </a:lvl1pPr>
-            <a:lvl2pPr indent="-298450" lvl="1" marL="914400">
+            <a:lvl2pPr marL="914400" lvl="1" indent="-298450">
               <a:spcBef>
                 <a:spcPts val="0"/>
               </a:spcBef>
@@ -5207,7 +5259,7 @@
               <a:buChar char="○"/>
               <a:defRPr/>
             </a:lvl2pPr>
-            <a:lvl3pPr indent="-298450" lvl="2" marL="1371600">
+            <a:lvl3pPr marL="1371600" lvl="2" indent="-298450">
               <a:spcBef>
                 <a:spcPts val="0"/>
               </a:spcBef>
@@ -5218,7 +5270,7 @@
               <a:buChar char="■"/>
               <a:defRPr/>
             </a:lvl3pPr>
-            <a:lvl4pPr indent="-298450" lvl="3" marL="1828800">
+            <a:lvl4pPr marL="1828800" lvl="3" indent="-298450">
               <a:spcBef>
                 <a:spcPts val="0"/>
               </a:spcBef>
@@ -5229,7 +5281,7 @@
               <a:buChar char="●"/>
               <a:defRPr/>
             </a:lvl4pPr>
-            <a:lvl5pPr indent="-298450" lvl="4" marL="2286000">
+            <a:lvl5pPr marL="2286000" lvl="4" indent="-298450">
               <a:spcBef>
                 <a:spcPts val="0"/>
               </a:spcBef>
@@ -5240,7 +5292,7 @@
               <a:buChar char="○"/>
               <a:defRPr/>
             </a:lvl5pPr>
-            <a:lvl6pPr indent="-298450" lvl="5" marL="2743200">
+            <a:lvl6pPr marL="2743200" lvl="5" indent="-298450">
               <a:spcBef>
                 <a:spcPts val="0"/>
               </a:spcBef>
@@ -5251,7 +5303,7 @@
               <a:buChar char="■"/>
               <a:defRPr/>
             </a:lvl6pPr>
-            <a:lvl7pPr indent="-298450" lvl="6" marL="3200400">
+            <a:lvl7pPr marL="3200400" lvl="6" indent="-298450">
               <a:spcBef>
                 <a:spcPts val="0"/>
               </a:spcBef>
@@ -5262,7 +5314,7 @@
               <a:buChar char="●"/>
               <a:defRPr/>
             </a:lvl7pPr>
-            <a:lvl8pPr indent="-298450" lvl="7" marL="3657600">
+            <a:lvl8pPr marL="3657600" lvl="7" indent="-298450">
               <a:spcBef>
                 <a:spcPts val="0"/>
               </a:spcBef>
@@ -5273,7 +5325,7 @@
               <a:buChar char="○"/>
               <a:defRPr/>
             </a:lvl8pPr>
-            <a:lvl9pPr indent="-298450" lvl="8" marL="4114800">
+            <a:lvl9pPr marL="4114800" lvl="8" indent="-298450">
               <a:spcBef>
                 <a:spcPts val="0"/>
               </a:spcBef>
@@ -5285,15 +5337,19 @@
               <a:defRPr/>
             </a:lvl9pPr>
           </a:lstStyle>
-          <a:p/>
+          <a:p>
+            <a:endParaRPr/>
+          </a:p>
         </p:txBody>
       </p:sp>
       <p:sp>
         <p:nvSpPr>
           <p:cNvPr id="62" name="Google Shape;62;p5"/>
-          <p:cNvSpPr txBox="1"/>
+          <p:cNvSpPr txBox="1">
+            <a:spLocks noGrp="1"/>
+          </p:cNvSpPr>
           <p:nvPr>
-            <p:ph idx="2" type="body"/>
+            <p:ph type="body" idx="2"/>
           </p:nvPr>
         </p:nvSpPr>
         <p:spPr>
@@ -5306,11 +5362,11 @@
           </a:prstGeom>
         </p:spPr>
         <p:txBody>
-          <a:bodyPr anchorCtr="0" anchor="t" bIns="91425" lIns="91425" spcFirstLastPara="1" rIns="91425" wrap="square" tIns="91425">
+          <a:bodyPr spcFirstLastPara="1" wrap="square" lIns="91425" tIns="91425" rIns="91425" bIns="91425" anchor="t" anchorCtr="0">
             <a:normAutofit/>
           </a:bodyPr>
           <a:lstStyle>
-            <a:lvl1pPr indent="-311150" lvl="0" marL="457200">
+            <a:lvl1pPr marL="457200" lvl="0" indent="-311150">
               <a:spcBef>
                 <a:spcPts val="0"/>
               </a:spcBef>
@@ -5321,7 +5377,7 @@
               <a:buChar char="●"/>
               <a:defRPr/>
             </a:lvl1pPr>
-            <a:lvl2pPr indent="-298450" lvl="1" marL="914400">
+            <a:lvl2pPr marL="914400" lvl="1" indent="-298450">
               <a:spcBef>
                 <a:spcPts val="0"/>
               </a:spcBef>
@@ -5332,7 +5388,7 @@
               <a:buChar char="○"/>
               <a:defRPr/>
             </a:lvl2pPr>
-            <a:lvl3pPr indent="-298450" lvl="2" marL="1371600">
+            <a:lvl3pPr marL="1371600" lvl="2" indent="-298450">
               <a:spcBef>
                 <a:spcPts val="0"/>
               </a:spcBef>
@@ -5343,7 +5399,7 @@
               <a:buChar char="■"/>
               <a:defRPr/>
             </a:lvl3pPr>
-            <a:lvl4pPr indent="-298450" lvl="3" marL="1828800">
+            <a:lvl4pPr marL="1828800" lvl="3" indent="-298450">
               <a:spcBef>
                 <a:spcPts val="0"/>
               </a:spcBef>
@@ -5354,7 +5410,7 @@
               <a:buChar char="●"/>
               <a:defRPr/>
             </a:lvl4pPr>
-            <a:lvl5pPr indent="-298450" lvl="4" marL="2286000">
+            <a:lvl5pPr marL="2286000" lvl="4" indent="-298450">
               <a:spcBef>
                 <a:spcPts val="0"/>
               </a:spcBef>
@@ -5365,7 +5421,7 @@
               <a:buChar char="○"/>
               <a:defRPr/>
             </a:lvl5pPr>
-            <a:lvl6pPr indent="-298450" lvl="5" marL="2743200">
+            <a:lvl6pPr marL="2743200" lvl="5" indent="-298450">
               <a:spcBef>
                 <a:spcPts val="0"/>
               </a:spcBef>
@@ -5376,7 +5432,7 @@
               <a:buChar char="■"/>
               <a:defRPr/>
             </a:lvl6pPr>
-            <a:lvl7pPr indent="-298450" lvl="6" marL="3200400">
+            <a:lvl7pPr marL="3200400" lvl="6" indent="-298450">
               <a:spcBef>
                 <a:spcPts val="0"/>
               </a:spcBef>
@@ -5387,7 +5443,7 @@
               <a:buChar char="●"/>
               <a:defRPr/>
             </a:lvl7pPr>
-            <a:lvl8pPr indent="-298450" lvl="7" marL="3657600">
+            <a:lvl8pPr marL="3657600" lvl="7" indent="-298450">
               <a:spcBef>
                 <a:spcPts val="0"/>
               </a:spcBef>
@@ -5398,7 +5454,7 @@
               <a:buChar char="○"/>
               <a:defRPr/>
             </a:lvl8pPr>
-            <a:lvl9pPr indent="-298450" lvl="8" marL="4114800">
+            <a:lvl9pPr marL="4114800" lvl="8" indent="-298450">
               <a:spcBef>
                 <a:spcPts val="0"/>
               </a:spcBef>
@@ -5410,15 +5466,19 @@
               <a:defRPr/>
             </a:lvl9pPr>
           </a:lstStyle>
-          <a:p/>
+          <a:p>
+            <a:endParaRPr/>
+          </a:p>
         </p:txBody>
       </p:sp>
       <p:sp>
         <p:nvSpPr>
           <p:cNvPr id="63" name="Google Shape;63;p5"/>
-          <p:cNvSpPr txBox="1"/>
+          <p:cNvSpPr txBox="1">
+            <a:spLocks noGrp="1"/>
+          </p:cNvSpPr>
           <p:nvPr>
-            <p:ph idx="12" type="sldNum"/>
+            <p:ph type="sldNum" idx="12"/>
           </p:nvPr>
         </p:nvSpPr>
         <p:spPr>
@@ -5431,7 +5491,7 @@
           </a:prstGeom>
         </p:spPr>
         <p:txBody>
-          <a:bodyPr anchorCtr="0" anchor="ctr" bIns="91425" lIns="91425" spcFirstLastPara="1" rIns="91425" wrap="square" tIns="91425">
+          <a:bodyPr spcFirstLastPara="1" wrap="square" lIns="91425" tIns="91425" rIns="91425" bIns="91425" anchor="ctr" anchorCtr="0">
             <a:normAutofit/>
           </a:bodyPr>
           <a:lstStyle>
@@ -5473,7 +5533,7 @@
             </a:lvl9pPr>
           </a:lstStyle>
           <a:p>
-            <a:pPr indent="0" lvl="0" marL="0" rtl="0" algn="r">
+            <a:pPr marL="0" lvl="0" indent="0" algn="r" rtl="0">
               <a:spcBef>
                 <a:spcPts val="0"/>
               </a:spcBef>
@@ -5499,18 +5559,19 @@
 </file>
 
 <file path=ppt/slideLayouts/slideLayout5.xml><?xml version="1.0" encoding="utf-8"?>
-<p:sldLayout xmlns:a="http://schemas.openxmlformats.org/drawingml/2006/main" xmlns:r="http://schemas.openxmlformats.org/officeDocument/2006/relationships" xmlns:mc="http://schemas.openxmlformats.org/markup-compatibility/2006" xmlns:mv="urn:schemas-microsoft-com:mac:vml" xmlns:p="http://schemas.openxmlformats.org/presentationml/2006/main" xmlns:c="http://schemas.openxmlformats.org/drawingml/2006/chart" xmlns:dgm="http://schemas.openxmlformats.org/drawingml/2006/diagram" xmlns:o="urn:schemas-microsoft-com:office:office" xmlns:v="urn:schemas-microsoft-com:vml" xmlns:pvml="urn:schemas-microsoft-com:office:powerpoint" xmlns:com="http://schemas.openxmlformats.org/drawingml/2006/compatibility" xmlns:p14="http://schemas.microsoft.com/office/powerpoint/2010/main" xmlns:p15="http://schemas.microsoft.com/office/powerpoint/2012/main" xmlns:ahyp="http://schemas.microsoft.com/office/drawing/2018/hyperlinkcolor" matchingName="Title only" type="titleOnly">
+<p:sldLayout xmlns:a="http://schemas.openxmlformats.org/drawingml/2006/main" xmlns:r="http://schemas.openxmlformats.org/officeDocument/2006/relationships" xmlns:p="http://schemas.openxmlformats.org/presentationml/2006/main" matchingName="Title only" type="titleOnly">
   <p:cSld name="TITLE_ONLY">
     <p:bg>
       <p:bgPr>
         <a:solidFill>
           <a:schemeClr val="dk2"/>
         </a:solidFill>
+        <a:effectLst/>
       </p:bgPr>
     </p:bg>
     <p:spTree>
       <p:nvGrpSpPr>
-        <p:cNvPr id="64" name="Shape 64"/>
+        <p:cNvPr id="1" name="Shape 64"/>
         <p:cNvGrpSpPr/>
         <p:nvPr/>
       </p:nvGrpSpPr>
@@ -5544,12 +5605,12 @@
           </a:ln>
         </p:spPr>
         <p:txBody>
-          <a:bodyPr anchorCtr="0" anchor="ctr" bIns="91425" lIns="91425" spcFirstLastPara="1" rIns="91425" wrap="square" tIns="91425">
+          <a:bodyPr spcFirstLastPara="1" wrap="square" lIns="91425" tIns="91425" rIns="91425" bIns="91425" anchor="ctr" anchorCtr="0">
             <a:noAutofit/>
           </a:bodyPr>
           <a:lstStyle/>
           <a:p>
-            <a:pPr indent="0" lvl="0" marL="0" rtl="0" algn="l">
+            <a:pPr marL="0" lvl="0" indent="0" algn="l" rtl="0">
               <a:spcBef>
                 <a:spcPts val="0"/>
               </a:spcBef>
@@ -5558,9 +5619,6 @@
               </a:spcAft>
               <a:buNone/>
             </a:pPr>
-            <a:r>
-              <a:t/>
-            </a:r>
             <a:endParaRPr/>
           </a:p>
         </p:txBody>
@@ -5587,12 +5645,12 @@
           </a:ln>
         </p:spPr>
         <p:txBody>
-          <a:bodyPr anchorCtr="0" anchor="ctr" bIns="91425" lIns="91425" spcFirstLastPara="1" rIns="91425" wrap="square" tIns="91425">
+          <a:bodyPr spcFirstLastPara="1" wrap="square" lIns="91425" tIns="91425" rIns="91425" bIns="91425" anchor="ctr" anchorCtr="0">
             <a:noAutofit/>
           </a:bodyPr>
           <a:lstStyle/>
           <a:p>
-            <a:pPr indent="0" lvl="0" marL="0" rtl="0" algn="l">
+            <a:pPr marL="0" lvl="0" indent="0" algn="l" rtl="0">
               <a:spcBef>
                 <a:spcPts val="0"/>
               </a:spcBef>
@@ -5601,9 +5659,6 @@
               </a:spcAft>
               <a:buNone/>
             </a:pPr>
-            <a:r>
-              <a:t/>
-            </a:r>
             <a:endParaRPr/>
           </a:p>
         </p:txBody>
@@ -5629,7 +5684,7 @@
             <a:noFill/>
           </a:ln>
           <a:effectLst>
-            <a:outerShdw blurRad="228600" sx="101000" rotWithShape="0" algn="ctr" sy="101000">
+            <a:outerShdw blurRad="228600" sx="101000" sy="101000" algn="ctr" rotWithShape="0">
               <a:srgbClr val="000000">
                 <a:alpha val="40000"/>
               </a:srgbClr>
@@ -5637,12 +5692,12 @@
           </a:effectLst>
         </p:spPr>
         <p:txBody>
-          <a:bodyPr anchorCtr="0" anchor="ctr" bIns="91425" lIns="91425" spcFirstLastPara="1" rIns="91425" wrap="square" tIns="91425">
+          <a:bodyPr spcFirstLastPara="1" wrap="square" lIns="91425" tIns="91425" rIns="91425" bIns="91425" anchor="ctr" anchorCtr="0">
             <a:noAutofit/>
           </a:bodyPr>
           <a:lstStyle/>
           <a:p>
-            <a:pPr indent="0" lvl="0" marL="0" rtl="0" algn="l">
+            <a:pPr marL="0" lvl="0" indent="0" algn="l" rtl="0">
               <a:spcBef>
                 <a:spcPts val="0"/>
               </a:spcBef>
@@ -5651,9 +5706,6 @@
               </a:spcAft>
               <a:buNone/>
             </a:pPr>
-            <a:r>
-              <a:t/>
-            </a:r>
             <a:endParaRPr/>
           </a:p>
         </p:txBody>
@@ -5661,7 +5713,9 @@
       <p:sp>
         <p:nvSpPr>
           <p:cNvPr id="68" name="Google Shape;68;p6"/>
-          <p:cNvSpPr txBox="1"/>
+          <p:cNvSpPr txBox="1">
+            <a:spLocks noGrp="1"/>
+          </p:cNvSpPr>
           <p:nvPr>
             <p:ph type="title"/>
           </p:nvPr>
@@ -5676,7 +5730,7 @@
           </a:prstGeom>
         </p:spPr>
         <p:txBody>
-          <a:bodyPr anchorCtr="0" anchor="t" bIns="91425" lIns="91425" spcFirstLastPara="1" rIns="91425" wrap="square" tIns="91425">
+          <a:bodyPr spcFirstLastPara="1" wrap="square" lIns="91425" tIns="91425" rIns="91425" bIns="91425" anchor="t" anchorCtr="0">
             <a:normAutofit/>
           </a:bodyPr>
           <a:lstStyle>
@@ -5780,15 +5834,19 @@
               <a:defRPr sz="3000"/>
             </a:lvl9pPr>
           </a:lstStyle>
-          <a:p/>
+          <a:p>
+            <a:endParaRPr/>
+          </a:p>
         </p:txBody>
       </p:sp>
       <p:sp>
         <p:nvSpPr>
           <p:cNvPr id="69" name="Google Shape;69;p6"/>
-          <p:cNvSpPr txBox="1"/>
+          <p:cNvSpPr txBox="1">
+            <a:spLocks noGrp="1"/>
+          </p:cNvSpPr>
           <p:nvPr>
-            <p:ph idx="12" type="sldNum"/>
+            <p:ph type="sldNum" idx="12"/>
           </p:nvPr>
         </p:nvSpPr>
         <p:spPr>
@@ -5801,7 +5859,7 @@
           </a:prstGeom>
         </p:spPr>
         <p:txBody>
-          <a:bodyPr anchorCtr="0" anchor="ctr" bIns="91425" lIns="91425" spcFirstLastPara="1" rIns="91425" wrap="square" tIns="91425">
+          <a:bodyPr spcFirstLastPara="1" wrap="square" lIns="91425" tIns="91425" rIns="91425" bIns="91425" anchor="ctr" anchorCtr="0">
             <a:normAutofit/>
           </a:bodyPr>
           <a:lstStyle>
@@ -5843,7 +5901,7 @@
             </a:lvl9pPr>
           </a:lstStyle>
           <a:p>
-            <a:pPr indent="0" lvl="0" marL="0" rtl="0" algn="r">
+            <a:pPr marL="0" lvl="0" indent="0" algn="r" rtl="0">
               <a:spcBef>
                 <a:spcPts val="0"/>
               </a:spcBef>
@@ -5869,18 +5927,19 @@
 </file>
 
 <file path=ppt/slideLayouts/slideLayout6.xml><?xml version="1.0" encoding="utf-8"?>
-<p:sldLayout xmlns:a="http://schemas.openxmlformats.org/drawingml/2006/main" xmlns:r="http://schemas.openxmlformats.org/officeDocument/2006/relationships" xmlns:mc="http://schemas.openxmlformats.org/markup-compatibility/2006" xmlns:mv="urn:schemas-microsoft-com:mac:vml" xmlns:p="http://schemas.openxmlformats.org/presentationml/2006/main" xmlns:c="http://schemas.openxmlformats.org/drawingml/2006/chart" xmlns:dgm="http://schemas.openxmlformats.org/drawingml/2006/diagram" xmlns:o="urn:schemas-microsoft-com:office:office" xmlns:v="urn:schemas-microsoft-com:vml" xmlns:pvml="urn:schemas-microsoft-com:office:powerpoint" xmlns:com="http://schemas.openxmlformats.org/drawingml/2006/compatibility" xmlns:p14="http://schemas.microsoft.com/office/powerpoint/2010/main" xmlns:p15="http://schemas.microsoft.com/office/powerpoint/2012/main" xmlns:ahyp="http://schemas.microsoft.com/office/drawing/2018/hyperlinkcolor" matchingName="One column text">
+<p:sldLayout xmlns:a="http://schemas.openxmlformats.org/drawingml/2006/main" xmlns:r="http://schemas.openxmlformats.org/officeDocument/2006/relationships" xmlns:p="http://schemas.openxmlformats.org/presentationml/2006/main" matchingName="One column text">
   <p:cSld name="ONE_COLUMN_TEXT">
     <p:bg>
       <p:bgPr>
         <a:solidFill>
           <a:schemeClr val="accent3"/>
         </a:solidFill>
+        <a:effectLst/>
       </p:bgPr>
     </p:bg>
     <p:spTree>
       <p:nvGrpSpPr>
-        <p:cNvPr id="70" name="Shape 70"/>
+        <p:cNvPr id="1" name="Shape 70"/>
         <p:cNvGrpSpPr/>
         <p:nvPr/>
       </p:nvGrpSpPr>
@@ -5914,12 +5973,12 @@
           </a:ln>
         </p:spPr>
         <p:txBody>
-          <a:bodyPr anchorCtr="0" anchor="ctr" bIns="91425" lIns="91425" spcFirstLastPara="1" rIns="91425" wrap="square" tIns="91425">
+          <a:bodyPr spcFirstLastPara="1" wrap="square" lIns="91425" tIns="91425" rIns="91425" bIns="91425" anchor="ctr" anchorCtr="0">
             <a:noAutofit/>
           </a:bodyPr>
           <a:lstStyle/>
           <a:p>
-            <a:pPr indent="0" lvl="0" marL="0" rtl="0" algn="l">
+            <a:pPr marL="0" lvl="0" indent="0" algn="l" rtl="0">
               <a:spcBef>
                 <a:spcPts val="0"/>
               </a:spcBef>
@@ -5928,9 +5987,6 @@
               </a:spcAft>
               <a:buNone/>
             </a:pPr>
-            <a:r>
-              <a:t/>
-            </a:r>
             <a:endParaRPr/>
           </a:p>
         </p:txBody>
@@ -5957,12 +6013,12 @@
           </a:ln>
         </p:spPr>
         <p:txBody>
-          <a:bodyPr anchorCtr="0" anchor="ctr" bIns="91425" lIns="91425" spcFirstLastPara="1" rIns="91425" wrap="square" tIns="91425">
+          <a:bodyPr spcFirstLastPara="1" wrap="square" lIns="91425" tIns="91425" rIns="91425" bIns="91425" anchor="ctr" anchorCtr="0">
             <a:noAutofit/>
           </a:bodyPr>
           <a:lstStyle/>
           <a:p>
-            <a:pPr indent="0" lvl="0" marL="0" rtl="0" algn="l">
+            <a:pPr marL="0" lvl="0" indent="0" algn="l" rtl="0">
               <a:spcBef>
                 <a:spcPts val="0"/>
               </a:spcBef>
@@ -5971,9 +6027,6 @@
               </a:spcAft>
               <a:buNone/>
             </a:pPr>
-            <a:r>
-              <a:t/>
-            </a:r>
             <a:endParaRPr/>
           </a:p>
         </p:txBody>
@@ -5999,7 +6052,7 @@
             <a:noFill/>
           </a:ln>
           <a:effectLst>
-            <a:outerShdw blurRad="228600" sx="101000" rotWithShape="0" algn="ctr" sy="101000">
+            <a:outerShdw blurRad="228600" sx="101000" sy="101000" algn="ctr" rotWithShape="0">
               <a:srgbClr val="000000">
                 <a:alpha val="40000"/>
               </a:srgbClr>
@@ -6007,12 +6060,12 @@
           </a:effectLst>
         </p:spPr>
         <p:txBody>
-          <a:bodyPr anchorCtr="0" anchor="ctr" bIns="91425" lIns="91425" spcFirstLastPara="1" rIns="91425" wrap="square" tIns="91425">
+          <a:bodyPr spcFirstLastPara="1" wrap="square" lIns="91425" tIns="91425" rIns="91425" bIns="91425" anchor="ctr" anchorCtr="0">
             <a:noAutofit/>
           </a:bodyPr>
           <a:lstStyle/>
           <a:p>
-            <a:pPr indent="0" lvl="0" marL="0" rtl="0" algn="l">
+            <a:pPr marL="0" lvl="0" indent="0" algn="l" rtl="0">
               <a:spcBef>
                 <a:spcPts val="0"/>
               </a:spcBef>
@@ -6021,9 +6074,6 @@
               </a:spcAft>
               <a:buNone/>
             </a:pPr>
-            <a:r>
-              <a:t/>
-            </a:r>
             <a:endParaRPr/>
           </a:p>
         </p:txBody>
@@ -6031,7 +6081,9 @@
       <p:sp>
         <p:nvSpPr>
           <p:cNvPr id="74" name="Google Shape;74;p7"/>
-          <p:cNvSpPr txBox="1"/>
+          <p:cNvSpPr txBox="1">
+            <a:spLocks noGrp="1"/>
+          </p:cNvSpPr>
           <p:nvPr>
             <p:ph type="title"/>
           </p:nvPr>
@@ -6046,7 +6098,7 @@
           </a:prstGeom>
         </p:spPr>
         <p:txBody>
-          <a:bodyPr anchorCtr="0" anchor="t" bIns="91425" lIns="91425" spcFirstLastPara="1" rIns="91425" wrap="square" tIns="91425">
+          <a:bodyPr spcFirstLastPara="1" wrap="square" lIns="91425" tIns="91425" rIns="91425" bIns="91425" anchor="t" anchorCtr="0">
             <a:normAutofit/>
           </a:bodyPr>
           <a:lstStyle>
@@ -6150,15 +6202,19 @@
               <a:defRPr sz="3000"/>
             </a:lvl9pPr>
           </a:lstStyle>
-          <a:p/>
+          <a:p>
+            <a:endParaRPr/>
+          </a:p>
         </p:txBody>
       </p:sp>
       <p:sp>
         <p:nvSpPr>
           <p:cNvPr id="75" name="Google Shape;75;p7"/>
-          <p:cNvSpPr txBox="1"/>
+          <p:cNvSpPr txBox="1">
+            <a:spLocks noGrp="1"/>
+          </p:cNvSpPr>
           <p:nvPr>
-            <p:ph idx="1" type="body"/>
+            <p:ph type="body" idx="1"/>
           </p:nvPr>
         </p:nvSpPr>
         <p:spPr>
@@ -6171,11 +6227,11 @@
           </a:prstGeom>
         </p:spPr>
         <p:txBody>
-          <a:bodyPr anchorCtr="0" anchor="t" bIns="91425" lIns="91425" spcFirstLastPara="1" rIns="91425" wrap="square" tIns="91425">
+          <a:bodyPr spcFirstLastPara="1" wrap="square" lIns="91425" tIns="91425" rIns="91425" bIns="91425" anchor="t" anchorCtr="0">
             <a:normAutofit/>
           </a:bodyPr>
           <a:lstStyle>
-            <a:lvl1pPr indent="-311150" lvl="0" marL="457200">
+            <a:lvl1pPr marL="457200" lvl="0" indent="-311150">
               <a:spcBef>
                 <a:spcPts val="0"/>
               </a:spcBef>
@@ -6186,7 +6242,7 @@
               <a:buChar char="●"/>
               <a:defRPr/>
             </a:lvl1pPr>
-            <a:lvl2pPr indent="-298450" lvl="1" marL="914400">
+            <a:lvl2pPr marL="914400" lvl="1" indent="-298450">
               <a:spcBef>
                 <a:spcPts val="0"/>
               </a:spcBef>
@@ -6197,7 +6253,7 @@
               <a:buChar char="○"/>
               <a:defRPr/>
             </a:lvl2pPr>
-            <a:lvl3pPr indent="-298450" lvl="2" marL="1371600">
+            <a:lvl3pPr marL="1371600" lvl="2" indent="-298450">
               <a:spcBef>
                 <a:spcPts val="0"/>
               </a:spcBef>
@@ -6208,7 +6264,7 @@
               <a:buChar char="■"/>
               <a:defRPr/>
             </a:lvl3pPr>
-            <a:lvl4pPr indent="-298450" lvl="3" marL="1828800">
+            <a:lvl4pPr marL="1828800" lvl="3" indent="-298450">
               <a:spcBef>
                 <a:spcPts val="0"/>
               </a:spcBef>
@@ -6219,7 +6275,7 @@
               <a:buChar char="●"/>
               <a:defRPr/>
             </a:lvl4pPr>
-            <a:lvl5pPr indent="-298450" lvl="4" marL="2286000">
+            <a:lvl5pPr marL="2286000" lvl="4" indent="-298450">
               <a:spcBef>
                 <a:spcPts val="0"/>
               </a:spcBef>
@@ -6230,7 +6286,7 @@
               <a:buChar char="○"/>
               <a:defRPr/>
             </a:lvl5pPr>
-            <a:lvl6pPr indent="-298450" lvl="5" marL="2743200">
+            <a:lvl6pPr marL="2743200" lvl="5" indent="-298450">
               <a:spcBef>
                 <a:spcPts val="0"/>
               </a:spcBef>
@@ -6241,7 +6297,7 @@
               <a:buChar char="■"/>
               <a:defRPr/>
             </a:lvl6pPr>
-            <a:lvl7pPr indent="-298450" lvl="6" marL="3200400">
+            <a:lvl7pPr marL="3200400" lvl="6" indent="-298450">
               <a:spcBef>
                 <a:spcPts val="0"/>
               </a:spcBef>
@@ -6252,7 +6308,7 @@
               <a:buChar char="●"/>
               <a:defRPr/>
             </a:lvl7pPr>
-            <a:lvl8pPr indent="-298450" lvl="7" marL="3657600">
+            <a:lvl8pPr marL="3657600" lvl="7" indent="-298450">
               <a:spcBef>
                 <a:spcPts val="0"/>
               </a:spcBef>
@@ -6263,7 +6319,7 @@
               <a:buChar char="○"/>
               <a:defRPr/>
             </a:lvl8pPr>
-            <a:lvl9pPr indent="-298450" lvl="8" marL="4114800">
+            <a:lvl9pPr marL="4114800" lvl="8" indent="-298450">
               <a:spcBef>
                 <a:spcPts val="0"/>
               </a:spcBef>
@@ -6275,15 +6331,19 @@
               <a:defRPr/>
             </a:lvl9pPr>
           </a:lstStyle>
-          <a:p/>
+          <a:p>
+            <a:endParaRPr/>
+          </a:p>
         </p:txBody>
       </p:sp>
       <p:sp>
         <p:nvSpPr>
           <p:cNvPr id="76" name="Google Shape;76;p7"/>
-          <p:cNvSpPr txBox="1"/>
+          <p:cNvSpPr txBox="1">
+            <a:spLocks noGrp="1"/>
+          </p:cNvSpPr>
           <p:nvPr>
-            <p:ph idx="12" type="sldNum"/>
+            <p:ph type="sldNum" idx="12"/>
           </p:nvPr>
         </p:nvSpPr>
         <p:spPr>
@@ -6296,7 +6356,7 @@
           </a:prstGeom>
         </p:spPr>
         <p:txBody>
-          <a:bodyPr anchorCtr="0" anchor="ctr" bIns="91425" lIns="91425" spcFirstLastPara="1" rIns="91425" wrap="square" tIns="91425">
+          <a:bodyPr spcFirstLastPara="1" wrap="square" lIns="91425" tIns="91425" rIns="91425" bIns="91425" anchor="ctr" anchorCtr="0">
             <a:normAutofit/>
           </a:bodyPr>
           <a:lstStyle>
@@ -6338,7 +6398,7 @@
             </a:lvl9pPr>
           </a:lstStyle>
           <a:p>
-            <a:pPr indent="0" lvl="0" marL="0" rtl="0" algn="r">
+            <a:pPr marL="0" lvl="0" indent="0" algn="r" rtl="0">
               <a:spcBef>
                 <a:spcPts val="0"/>
               </a:spcBef>
@@ -6364,18 +6424,19 @@
 </file>
 
 <file path=ppt/slideLayouts/slideLayout7.xml><?xml version="1.0" encoding="utf-8"?>
-<p:sldLayout xmlns:a="http://schemas.openxmlformats.org/drawingml/2006/main" xmlns:r="http://schemas.openxmlformats.org/officeDocument/2006/relationships" xmlns:mc="http://schemas.openxmlformats.org/markup-compatibility/2006" xmlns:mv="urn:schemas-microsoft-com:mac:vml" xmlns:p="http://schemas.openxmlformats.org/presentationml/2006/main" xmlns:c="http://schemas.openxmlformats.org/drawingml/2006/chart" xmlns:dgm="http://schemas.openxmlformats.org/drawingml/2006/diagram" xmlns:o="urn:schemas-microsoft-com:office:office" xmlns:v="urn:schemas-microsoft-com:vml" xmlns:pvml="urn:schemas-microsoft-com:office:powerpoint" xmlns:com="http://schemas.openxmlformats.org/drawingml/2006/compatibility" xmlns:p14="http://schemas.microsoft.com/office/powerpoint/2010/main" xmlns:p15="http://schemas.microsoft.com/office/powerpoint/2012/main" xmlns:ahyp="http://schemas.microsoft.com/office/drawing/2018/hyperlinkcolor" matchingName="Main point">
+<p:sldLayout xmlns:a="http://schemas.openxmlformats.org/drawingml/2006/main" xmlns:r="http://schemas.openxmlformats.org/officeDocument/2006/relationships" xmlns:p="http://schemas.openxmlformats.org/presentationml/2006/main" matchingName="Main point">
   <p:cSld name="MAIN_POINT">
     <p:bg>
       <p:bgPr>
         <a:solidFill>
           <a:schemeClr val="accent1"/>
         </a:solidFill>
+        <a:effectLst/>
       </p:bgPr>
     </p:bg>
     <p:spTree>
       <p:nvGrpSpPr>
-        <p:cNvPr id="77" name="Shape 77"/>
+        <p:cNvPr id="1" name="Shape 77"/>
         <p:cNvGrpSpPr/>
         <p:nvPr/>
       </p:nvGrpSpPr>
@@ -6409,12 +6470,12 @@
           </a:ln>
         </p:spPr>
         <p:txBody>
-          <a:bodyPr anchorCtr="0" anchor="ctr" bIns="91425" lIns="91425" spcFirstLastPara="1" rIns="91425" wrap="square" tIns="91425">
+          <a:bodyPr spcFirstLastPara="1" wrap="square" lIns="91425" tIns="91425" rIns="91425" bIns="91425" anchor="ctr" anchorCtr="0">
             <a:noAutofit/>
           </a:bodyPr>
           <a:lstStyle/>
           <a:p>
-            <a:pPr indent="0" lvl="0" marL="0" rtl="0" algn="l">
+            <a:pPr marL="0" lvl="0" indent="0" algn="l" rtl="0">
               <a:spcBef>
                 <a:spcPts val="0"/>
               </a:spcBef>
@@ -6423,9 +6484,6 @@
               </a:spcAft>
               <a:buNone/>
             </a:pPr>
-            <a:r>
-              <a:t/>
-            </a:r>
             <a:endParaRPr/>
           </a:p>
         </p:txBody>
@@ -6452,12 +6510,12 @@
           </a:ln>
         </p:spPr>
         <p:txBody>
-          <a:bodyPr anchorCtr="0" anchor="ctr" bIns="91425" lIns="91425" spcFirstLastPara="1" rIns="91425" wrap="square" tIns="91425">
+          <a:bodyPr spcFirstLastPara="1" wrap="square" lIns="91425" tIns="91425" rIns="91425" bIns="91425" anchor="ctr" anchorCtr="0">
             <a:noAutofit/>
           </a:bodyPr>
           <a:lstStyle/>
           <a:p>
-            <a:pPr indent="0" lvl="0" marL="0" rtl="0" algn="l">
+            <a:pPr marL="0" lvl="0" indent="0" algn="l" rtl="0">
               <a:spcBef>
                 <a:spcPts val="0"/>
               </a:spcBef>
@@ -6466,9 +6524,6 @@
               </a:spcAft>
               <a:buNone/>
             </a:pPr>
-            <a:r>
-              <a:t/>
-            </a:r>
             <a:endParaRPr/>
           </a:p>
         </p:txBody>
@@ -6500,7 +6555,7 @@
             </a:xfrm>
             <a:prstGeom prst="parallelogram">
               <a:avLst>
-                <a:gd fmla="val 153193" name="adj"/>
+                <a:gd name="adj" fmla="val 153193"/>
               </a:avLst>
             </a:prstGeom>
             <a:solidFill>
@@ -6511,12 +6566,12 @@
             </a:ln>
           </p:spPr>
           <p:txBody>
-            <a:bodyPr anchorCtr="0" anchor="ctr" bIns="91425" lIns="91425" spcFirstLastPara="1" rIns="91425" wrap="square" tIns="91425">
+            <a:bodyPr spcFirstLastPara="1" wrap="square" lIns="91425" tIns="91425" rIns="91425" bIns="91425" anchor="ctr" anchorCtr="0">
               <a:noAutofit/>
             </a:bodyPr>
             <a:lstStyle/>
             <a:p>
-              <a:pPr indent="0" lvl="0" marL="0" rtl="0" algn="l">
+              <a:pPr marL="0" lvl="0" indent="0" algn="l" rtl="0">
                 <a:spcBef>
                   <a:spcPts val="0"/>
                 </a:spcBef>
@@ -6525,9 +6580,6 @@
                 </a:spcAft>
                 <a:buNone/>
               </a:pPr>
-              <a:r>
-                <a:t/>
-              </a:r>
               <a:endParaRPr/>
             </a:p>
           </p:txBody>
@@ -6545,7 +6597,7 @@
             </a:xfrm>
             <a:prstGeom prst="parallelogram">
               <a:avLst>
-                <a:gd fmla="val 153193" name="adj"/>
+                <a:gd name="adj" fmla="val 153193"/>
               </a:avLst>
             </a:prstGeom>
             <a:solidFill>
@@ -6556,12 +6608,12 @@
             </a:ln>
           </p:spPr>
           <p:txBody>
-            <a:bodyPr anchorCtr="0" anchor="ctr" bIns="91425" lIns="91425" spcFirstLastPara="1" rIns="91425" wrap="square" tIns="91425">
+            <a:bodyPr spcFirstLastPara="1" wrap="square" lIns="91425" tIns="91425" rIns="91425" bIns="91425" anchor="ctr" anchorCtr="0">
               <a:noAutofit/>
             </a:bodyPr>
             <a:lstStyle/>
             <a:p>
-              <a:pPr indent="0" lvl="0" marL="0" rtl="0" algn="l">
+              <a:pPr marL="0" lvl="0" indent="0" algn="l" rtl="0">
                 <a:spcBef>
                   <a:spcPts val="0"/>
                 </a:spcBef>
@@ -6570,9 +6622,6 @@
                 </a:spcAft>
                 <a:buNone/>
               </a:pPr>
-              <a:r>
-                <a:t/>
-              </a:r>
               <a:endParaRPr/>
             </a:p>
           </p:txBody>
@@ -6590,7 +6639,7 @@
             </a:xfrm>
             <a:prstGeom prst="parallelogram">
               <a:avLst>
-                <a:gd fmla="val 153193" name="adj"/>
+                <a:gd name="adj" fmla="val 153193"/>
               </a:avLst>
             </a:prstGeom>
             <a:solidFill>
@@ -6601,12 +6650,12 @@
             </a:ln>
           </p:spPr>
           <p:txBody>
-            <a:bodyPr anchorCtr="0" anchor="ctr" bIns="91425" lIns="91425" spcFirstLastPara="1" rIns="91425" wrap="square" tIns="91425">
+            <a:bodyPr spcFirstLastPara="1" wrap="square" lIns="91425" tIns="91425" rIns="91425" bIns="91425" anchor="ctr" anchorCtr="0">
               <a:noAutofit/>
             </a:bodyPr>
             <a:lstStyle/>
             <a:p>
-              <a:pPr indent="0" lvl="0" marL="0" rtl="0" algn="l">
+              <a:pPr marL="0" lvl="0" indent="0" algn="l" rtl="0">
                 <a:spcBef>
                   <a:spcPts val="0"/>
                 </a:spcBef>
@@ -6615,9 +6664,6 @@
                 </a:spcAft>
                 <a:buNone/>
               </a:pPr>
-              <a:r>
-                <a:t/>
-              </a:r>
               <a:endParaRPr/>
             </a:p>
           </p:txBody>
@@ -6644,7 +6690,7 @@
             <a:noFill/>
           </a:ln>
           <a:effectLst>
-            <a:outerShdw blurRad="228600" sx="101000" rotWithShape="0" algn="ctr" sy="101000">
+            <a:outerShdw blurRad="228600" sx="101000" sy="101000" algn="ctr" rotWithShape="0">
               <a:srgbClr val="000000">
                 <a:alpha val="40000"/>
               </a:srgbClr>
@@ -6652,12 +6698,12 @@
           </a:effectLst>
         </p:spPr>
         <p:txBody>
-          <a:bodyPr anchorCtr="0" anchor="ctr" bIns="91425" lIns="91425" spcFirstLastPara="1" rIns="91425" wrap="square" tIns="91425">
+          <a:bodyPr spcFirstLastPara="1" wrap="square" lIns="91425" tIns="91425" rIns="91425" bIns="91425" anchor="ctr" anchorCtr="0">
             <a:noAutofit/>
           </a:bodyPr>
           <a:lstStyle/>
           <a:p>
-            <a:pPr indent="0" lvl="0" marL="0" rtl="0" algn="l">
+            <a:pPr marL="0" lvl="0" indent="0" algn="l" rtl="0">
               <a:spcBef>
                 <a:spcPts val="0"/>
               </a:spcBef>
@@ -6666,9 +6712,6 @@
               </a:spcAft>
               <a:buNone/>
             </a:pPr>
-            <a:r>
-              <a:t/>
-            </a:r>
             <a:endParaRPr/>
           </a:p>
         </p:txBody>
@@ -6700,7 +6743,7 @@
             </a:xfrm>
             <a:prstGeom prst="parallelogram">
               <a:avLst>
-                <a:gd fmla="val 158024" name="adj"/>
+                <a:gd name="adj" fmla="val 158024"/>
               </a:avLst>
             </a:prstGeom>
             <a:solidFill>
@@ -6711,12 +6754,12 @@
             </a:ln>
           </p:spPr>
           <p:txBody>
-            <a:bodyPr anchorCtr="0" anchor="ctr" bIns="91425" lIns="91425" spcFirstLastPara="1" rIns="91425" wrap="square" tIns="91425">
+            <a:bodyPr spcFirstLastPara="1" wrap="square" lIns="91425" tIns="91425" rIns="91425" bIns="91425" anchor="ctr" anchorCtr="0">
               <a:noAutofit/>
             </a:bodyPr>
             <a:lstStyle/>
             <a:p>
-              <a:pPr indent="0" lvl="0" marL="0" rtl="0" algn="l">
+              <a:pPr marL="0" lvl="0" indent="0" algn="l" rtl="0">
                 <a:spcBef>
                   <a:spcPts val="0"/>
                 </a:spcBef>
@@ -6725,9 +6768,6 @@
                 </a:spcAft>
                 <a:buNone/>
               </a:pPr>
-              <a:r>
-                <a:t/>
-              </a:r>
               <a:endParaRPr/>
             </a:p>
           </p:txBody>
@@ -6745,7 +6785,7 @@
             </a:xfrm>
             <a:prstGeom prst="parallelogram">
               <a:avLst>
-                <a:gd fmla="val 158024" name="adj"/>
+                <a:gd name="adj" fmla="val 158024"/>
               </a:avLst>
             </a:prstGeom>
             <a:solidFill>
@@ -6756,12 +6796,12 @@
             </a:ln>
           </p:spPr>
           <p:txBody>
-            <a:bodyPr anchorCtr="0" anchor="ctr" bIns="91425" lIns="91425" spcFirstLastPara="1" rIns="91425" wrap="square" tIns="91425">
+            <a:bodyPr spcFirstLastPara="1" wrap="square" lIns="91425" tIns="91425" rIns="91425" bIns="91425" anchor="ctr" anchorCtr="0">
               <a:noAutofit/>
             </a:bodyPr>
             <a:lstStyle/>
             <a:p>
-              <a:pPr indent="0" lvl="0" marL="0" rtl="0" algn="l">
+              <a:pPr marL="0" lvl="0" indent="0" algn="l" rtl="0">
                 <a:spcBef>
                   <a:spcPts val="0"/>
                 </a:spcBef>
@@ -6770,9 +6810,6 @@
                 </a:spcAft>
                 <a:buNone/>
               </a:pPr>
-              <a:r>
-                <a:t/>
-              </a:r>
               <a:endParaRPr/>
             </a:p>
           </p:txBody>
@@ -6790,7 +6827,7 @@
             </a:xfrm>
             <a:prstGeom prst="parallelogram">
               <a:avLst>
-                <a:gd fmla="val 158024" name="adj"/>
+                <a:gd name="adj" fmla="val 158024"/>
               </a:avLst>
             </a:prstGeom>
             <a:solidFill>
@@ -6801,12 +6838,12 @@
             </a:ln>
           </p:spPr>
           <p:txBody>
-            <a:bodyPr anchorCtr="0" anchor="ctr" bIns="91425" lIns="91425" spcFirstLastPara="1" rIns="91425" wrap="square" tIns="91425">
+            <a:bodyPr spcFirstLastPara="1" wrap="square" lIns="91425" tIns="91425" rIns="91425" bIns="91425" anchor="ctr" anchorCtr="0">
               <a:noAutofit/>
             </a:bodyPr>
             <a:lstStyle/>
             <a:p>
-              <a:pPr indent="0" lvl="0" marL="0" rtl="0" algn="l">
+              <a:pPr marL="0" lvl="0" indent="0" algn="l" rtl="0">
                 <a:spcBef>
                   <a:spcPts val="0"/>
                 </a:spcBef>
@@ -6815,9 +6852,6 @@
                 </a:spcAft>
                 <a:buNone/>
               </a:pPr>
-              <a:r>
-                <a:t/>
-              </a:r>
               <a:endParaRPr/>
             </a:p>
           </p:txBody>
@@ -6850,7 +6884,7 @@
             </a:xfrm>
             <a:prstGeom prst="parallelogram">
               <a:avLst>
-                <a:gd fmla="val 158024" name="adj"/>
+                <a:gd name="adj" fmla="val 158024"/>
               </a:avLst>
             </a:prstGeom>
             <a:solidFill>
@@ -6861,12 +6895,12 @@
             </a:ln>
           </p:spPr>
           <p:txBody>
-            <a:bodyPr anchorCtr="0" anchor="ctr" bIns="91425" lIns="91425" spcFirstLastPara="1" rIns="91425" wrap="square" tIns="91425">
+            <a:bodyPr spcFirstLastPara="1" wrap="square" lIns="91425" tIns="91425" rIns="91425" bIns="91425" anchor="ctr" anchorCtr="0">
               <a:noAutofit/>
             </a:bodyPr>
             <a:lstStyle/>
             <a:p>
-              <a:pPr indent="0" lvl="0" marL="0" rtl="0" algn="l">
+              <a:pPr marL="0" lvl="0" indent="0" algn="l" rtl="0">
                 <a:spcBef>
                   <a:spcPts val="0"/>
                 </a:spcBef>
@@ -6875,9 +6909,6 @@
                 </a:spcAft>
                 <a:buNone/>
               </a:pPr>
-              <a:r>
-                <a:t/>
-              </a:r>
               <a:endParaRPr/>
             </a:p>
           </p:txBody>
@@ -6895,7 +6926,7 @@
             </a:xfrm>
             <a:prstGeom prst="parallelogram">
               <a:avLst>
-                <a:gd fmla="val 158024" name="adj"/>
+                <a:gd name="adj" fmla="val 158024"/>
               </a:avLst>
             </a:prstGeom>
             <a:solidFill>
@@ -6906,12 +6937,12 @@
             </a:ln>
           </p:spPr>
           <p:txBody>
-            <a:bodyPr anchorCtr="0" anchor="ctr" bIns="91425" lIns="91425" spcFirstLastPara="1" rIns="91425" wrap="square" tIns="91425">
+            <a:bodyPr spcFirstLastPara="1" wrap="square" lIns="91425" tIns="91425" rIns="91425" bIns="91425" anchor="ctr" anchorCtr="0">
               <a:noAutofit/>
             </a:bodyPr>
             <a:lstStyle/>
             <a:p>
-              <a:pPr indent="0" lvl="0" marL="0" rtl="0" algn="l">
+              <a:pPr marL="0" lvl="0" indent="0" algn="l" rtl="0">
                 <a:spcBef>
                   <a:spcPts val="0"/>
                 </a:spcBef>
@@ -6920,9 +6951,6 @@
                 </a:spcAft>
                 <a:buNone/>
               </a:pPr>
-              <a:r>
-                <a:t/>
-              </a:r>
               <a:endParaRPr/>
             </a:p>
           </p:txBody>
@@ -6940,7 +6968,7 @@
             </a:xfrm>
             <a:prstGeom prst="parallelogram">
               <a:avLst>
-                <a:gd fmla="val 158024" name="adj"/>
+                <a:gd name="adj" fmla="val 158024"/>
               </a:avLst>
             </a:prstGeom>
             <a:solidFill>
@@ -6951,12 +6979,12 @@
             </a:ln>
           </p:spPr>
           <p:txBody>
-            <a:bodyPr anchorCtr="0" anchor="ctr" bIns="91425" lIns="91425" spcFirstLastPara="1" rIns="91425" wrap="square" tIns="91425">
+            <a:bodyPr spcFirstLastPara="1" wrap="square" lIns="91425" tIns="91425" rIns="91425" bIns="91425" anchor="ctr" anchorCtr="0">
               <a:noAutofit/>
             </a:bodyPr>
             <a:lstStyle/>
             <a:p>
-              <a:pPr indent="0" lvl="0" marL="0" rtl="0" algn="l">
+              <a:pPr marL="0" lvl="0" indent="0" algn="l" rtl="0">
                 <a:spcBef>
                   <a:spcPts val="0"/>
                 </a:spcBef>
@@ -6965,9 +6993,6 @@
                 </a:spcAft>
                 <a:buNone/>
               </a:pPr>
-              <a:r>
-                <a:t/>
-              </a:r>
               <a:endParaRPr/>
             </a:p>
           </p:txBody>
@@ -6976,7 +7001,9 @@
       <p:sp>
         <p:nvSpPr>
           <p:cNvPr id="93" name="Google Shape;93;p8"/>
-          <p:cNvSpPr txBox="1"/>
+          <p:cNvSpPr txBox="1">
+            <a:spLocks noGrp="1"/>
+          </p:cNvSpPr>
           <p:nvPr>
             <p:ph type="title"/>
           </p:nvPr>
@@ -6991,7 +7018,7 @@
           </a:prstGeom>
         </p:spPr>
         <p:txBody>
-          <a:bodyPr anchorCtr="0" anchor="ctr" bIns="91425" lIns="91425" spcFirstLastPara="1" rIns="91425" wrap="square" tIns="91425">
+          <a:bodyPr spcFirstLastPara="1" wrap="square" lIns="91425" tIns="91425" rIns="91425" bIns="91425" anchor="ctr" anchorCtr="0">
             <a:normAutofit/>
           </a:bodyPr>
           <a:lstStyle>
@@ -7095,15 +7122,19 @@
               <a:defRPr sz="3200"/>
             </a:lvl9pPr>
           </a:lstStyle>
-          <a:p/>
+          <a:p>
+            <a:endParaRPr/>
+          </a:p>
         </p:txBody>
       </p:sp>
       <p:sp>
         <p:nvSpPr>
           <p:cNvPr id="94" name="Google Shape;94;p8"/>
-          <p:cNvSpPr txBox="1"/>
+          <p:cNvSpPr txBox="1">
+            <a:spLocks noGrp="1"/>
+          </p:cNvSpPr>
           <p:nvPr>
-            <p:ph idx="12" type="sldNum"/>
+            <p:ph type="sldNum" idx="12"/>
           </p:nvPr>
         </p:nvSpPr>
         <p:spPr>
@@ -7116,7 +7147,7 @@
           </a:prstGeom>
         </p:spPr>
         <p:txBody>
-          <a:bodyPr anchorCtr="0" anchor="ctr" bIns="91425" lIns="91425" spcFirstLastPara="1" rIns="91425" wrap="square" tIns="91425">
+          <a:bodyPr spcFirstLastPara="1" wrap="square" lIns="91425" tIns="91425" rIns="91425" bIns="91425" anchor="ctr" anchorCtr="0">
             <a:normAutofit/>
           </a:bodyPr>
           <a:lstStyle>
@@ -7158,7 +7189,7 @@
             </a:lvl9pPr>
           </a:lstStyle>
           <a:p>
-            <a:pPr indent="0" lvl="0" marL="0" rtl="0" algn="r">
+            <a:pPr marL="0" lvl="0" indent="0" algn="r" rtl="0">
               <a:spcBef>
                 <a:spcPts val="0"/>
               </a:spcBef>
@@ -7184,18 +7215,19 @@
 </file>
 
 <file path=ppt/slideLayouts/slideLayout8.xml><?xml version="1.0" encoding="utf-8"?>
-<p:sldLayout xmlns:a="http://schemas.openxmlformats.org/drawingml/2006/main" xmlns:r="http://schemas.openxmlformats.org/officeDocument/2006/relationships" xmlns:mc="http://schemas.openxmlformats.org/markup-compatibility/2006" xmlns:mv="urn:schemas-microsoft-com:mac:vml" xmlns:p="http://schemas.openxmlformats.org/presentationml/2006/main" xmlns:c="http://schemas.openxmlformats.org/drawingml/2006/chart" xmlns:dgm="http://schemas.openxmlformats.org/drawingml/2006/diagram" xmlns:o="urn:schemas-microsoft-com:office:office" xmlns:v="urn:schemas-microsoft-com:vml" xmlns:pvml="urn:schemas-microsoft-com:office:powerpoint" xmlns:com="http://schemas.openxmlformats.org/drawingml/2006/compatibility" xmlns:p14="http://schemas.microsoft.com/office/powerpoint/2010/main" xmlns:p15="http://schemas.microsoft.com/office/powerpoint/2012/main" xmlns:ahyp="http://schemas.microsoft.com/office/drawing/2018/hyperlinkcolor" matchingName="Section title and description">
+<p:sldLayout xmlns:a="http://schemas.openxmlformats.org/drawingml/2006/main" xmlns:r="http://schemas.openxmlformats.org/officeDocument/2006/relationships" xmlns:p="http://schemas.openxmlformats.org/presentationml/2006/main" matchingName="Section title and description">
   <p:cSld name="SECTION_TITLE_AND_DESCRIPTION">
     <p:bg>
       <p:bgPr>
         <a:solidFill>
           <a:schemeClr val="dk2"/>
         </a:solidFill>
+        <a:effectLst/>
       </p:bgPr>
     </p:bg>
     <p:spTree>
       <p:nvGrpSpPr>
-        <p:cNvPr id="95" name="Shape 95"/>
+        <p:cNvPr id="1" name="Shape 95"/>
         <p:cNvGrpSpPr/>
         <p:nvPr/>
       </p:nvGrpSpPr>
@@ -7229,12 +7261,12 @@
           </a:ln>
         </p:spPr>
         <p:txBody>
-          <a:bodyPr anchorCtr="0" anchor="ctr" bIns="91425" lIns="91425" spcFirstLastPara="1" rIns="91425" wrap="square" tIns="91425">
+          <a:bodyPr spcFirstLastPara="1" wrap="square" lIns="91425" tIns="91425" rIns="91425" bIns="91425" anchor="ctr" anchorCtr="0">
             <a:noAutofit/>
           </a:bodyPr>
           <a:lstStyle/>
           <a:p>
-            <a:pPr indent="0" lvl="0" marL="0" rtl="0" algn="l">
+            <a:pPr marL="0" lvl="0" indent="0" algn="l" rtl="0">
               <a:spcBef>
                 <a:spcPts val="0"/>
               </a:spcBef>
@@ -7243,9 +7275,6 @@
               </a:spcAft>
               <a:buNone/>
             </a:pPr>
-            <a:r>
-              <a:t/>
-            </a:r>
             <a:endParaRPr/>
           </a:p>
         </p:txBody>
@@ -7272,12 +7301,12 @@
           </a:ln>
         </p:spPr>
         <p:txBody>
-          <a:bodyPr anchorCtr="0" anchor="ctr" bIns="91425" lIns="91425" spcFirstLastPara="1" rIns="91425" wrap="square" tIns="91425">
+          <a:bodyPr spcFirstLastPara="1" wrap="square" lIns="91425" tIns="91425" rIns="91425" bIns="91425" anchor="ctr" anchorCtr="0">
             <a:noAutofit/>
           </a:bodyPr>
           <a:lstStyle/>
           <a:p>
-            <a:pPr indent="0" lvl="0" marL="0" rtl="0" algn="l">
+            <a:pPr marL="0" lvl="0" indent="0" algn="l" rtl="0">
               <a:spcBef>
                 <a:spcPts val="0"/>
               </a:spcBef>
@@ -7286,9 +7315,6 @@
               </a:spcAft>
               <a:buNone/>
             </a:pPr>
-            <a:r>
-              <a:t/>
-            </a:r>
             <a:endParaRPr/>
           </a:p>
         </p:txBody>
@@ -7314,7 +7340,7 @@
             <a:noFill/>
           </a:ln>
           <a:effectLst>
-            <a:outerShdw blurRad="228600" sx="101000" rotWithShape="0" algn="ctr" sy="101000">
+            <a:outerShdw blurRad="228600" sx="101000" sy="101000" algn="ctr" rotWithShape="0">
               <a:srgbClr val="000000">
                 <a:alpha val="40000"/>
               </a:srgbClr>
@@ -7322,12 +7348,12 @@
           </a:effectLst>
         </p:spPr>
         <p:txBody>
-          <a:bodyPr anchorCtr="0" anchor="ctr" bIns="91425" lIns="91425" spcFirstLastPara="1" rIns="91425" wrap="square" tIns="91425">
+          <a:bodyPr spcFirstLastPara="1" wrap="square" lIns="91425" tIns="91425" rIns="91425" bIns="91425" anchor="ctr" anchorCtr="0">
             <a:noAutofit/>
           </a:bodyPr>
           <a:lstStyle/>
           <a:p>
-            <a:pPr indent="0" lvl="0" marL="0" rtl="0" algn="l">
+            <a:pPr marL="0" lvl="0" indent="0" algn="l" rtl="0">
               <a:spcBef>
                 <a:spcPts val="0"/>
               </a:spcBef>
@@ -7336,9 +7362,6 @@
               </a:spcAft>
               <a:buNone/>
             </a:pPr>
-            <a:r>
-              <a:t/>
-            </a:r>
             <a:endParaRPr/>
           </a:p>
         </p:txBody>
@@ -7346,7 +7369,9 @@
       <p:sp>
         <p:nvSpPr>
           <p:cNvPr id="99" name="Google Shape;99;p9"/>
-          <p:cNvSpPr txBox="1"/>
+          <p:cNvSpPr txBox="1">
+            <a:spLocks noGrp="1"/>
+          </p:cNvSpPr>
           <p:nvPr>
             <p:ph type="title"/>
           </p:nvPr>
@@ -7361,7 +7386,7 @@
           </a:prstGeom>
         </p:spPr>
         <p:txBody>
-          <a:bodyPr anchorCtr="0" anchor="t" bIns="91425" lIns="91425" spcFirstLastPara="1" rIns="91425" wrap="square" tIns="91425">
+          <a:bodyPr spcFirstLastPara="1" wrap="square" lIns="91425" tIns="91425" rIns="91425" bIns="91425" anchor="t" anchorCtr="0">
             <a:normAutofit/>
           </a:bodyPr>
           <a:lstStyle>
@@ -7465,15 +7490,19 @@
               <a:defRPr sz="3000"/>
             </a:lvl9pPr>
           </a:lstStyle>
-          <a:p/>
+          <a:p>
+            <a:endParaRPr/>
+          </a:p>
         </p:txBody>
       </p:sp>
       <p:sp>
         <p:nvSpPr>
           <p:cNvPr id="100" name="Google Shape;100;p9"/>
-          <p:cNvSpPr txBox="1"/>
+          <p:cNvSpPr txBox="1">
+            <a:spLocks noGrp="1"/>
+          </p:cNvSpPr>
           <p:nvPr>
-            <p:ph idx="1" type="subTitle"/>
+            <p:ph type="subTitle" idx="1"/>
           </p:nvPr>
         </p:nvSpPr>
         <p:spPr>
@@ -7486,7 +7515,7 @@
           </a:prstGeom>
         </p:spPr>
         <p:txBody>
-          <a:bodyPr anchorCtr="0" anchor="t" bIns="91425" lIns="91425" spcFirstLastPara="1" rIns="91425" wrap="square" tIns="91425">
+          <a:bodyPr spcFirstLastPara="1" wrap="square" lIns="91425" tIns="91425" rIns="91425" bIns="91425" anchor="t" anchorCtr="0">
             <a:normAutofit/>
           </a:bodyPr>
           <a:lstStyle>
@@ -7680,15 +7709,19 @@
               </a:defRPr>
             </a:lvl9pPr>
           </a:lstStyle>
-          <a:p/>
+          <a:p>
+            <a:endParaRPr/>
+          </a:p>
         </p:txBody>
       </p:sp>
       <p:sp>
         <p:nvSpPr>
           <p:cNvPr id="101" name="Google Shape;101;p9"/>
-          <p:cNvSpPr txBox="1"/>
+          <p:cNvSpPr txBox="1">
+            <a:spLocks noGrp="1"/>
+          </p:cNvSpPr>
           <p:nvPr>
-            <p:ph idx="2" type="body"/>
+            <p:ph type="body" idx="2"/>
           </p:nvPr>
         </p:nvSpPr>
         <p:spPr>
@@ -7701,11 +7734,11 @@
           </a:prstGeom>
         </p:spPr>
         <p:txBody>
-          <a:bodyPr anchorCtr="0" anchor="t" bIns="91425" lIns="91425" spcFirstLastPara="1" rIns="91425" wrap="square" tIns="91425">
+          <a:bodyPr spcFirstLastPara="1" wrap="square" lIns="91425" tIns="91425" rIns="91425" bIns="91425" anchor="t" anchorCtr="0">
             <a:normAutofit/>
           </a:bodyPr>
           <a:lstStyle>
-            <a:lvl1pPr indent="-311150" lvl="0" marL="457200">
+            <a:lvl1pPr marL="457200" lvl="0" indent="-311150">
               <a:spcBef>
                 <a:spcPts val="0"/>
               </a:spcBef>
@@ -7716,7 +7749,7 @@
               <a:buChar char="●"/>
               <a:defRPr/>
             </a:lvl1pPr>
-            <a:lvl2pPr indent="-298450" lvl="1" marL="914400">
+            <a:lvl2pPr marL="914400" lvl="1" indent="-298450">
               <a:spcBef>
                 <a:spcPts val="0"/>
               </a:spcBef>
@@ -7727,7 +7760,7 @@
               <a:buChar char="○"/>
               <a:defRPr/>
             </a:lvl2pPr>
-            <a:lvl3pPr indent="-298450" lvl="2" marL="1371600">
+            <a:lvl3pPr marL="1371600" lvl="2" indent="-298450">
               <a:spcBef>
                 <a:spcPts val="0"/>
               </a:spcBef>
@@ -7738,7 +7771,7 @@
               <a:buChar char="■"/>
               <a:defRPr/>
             </a:lvl3pPr>
-            <a:lvl4pPr indent="-298450" lvl="3" marL="1828800">
+            <a:lvl4pPr marL="1828800" lvl="3" indent="-298450">
               <a:spcBef>
                 <a:spcPts val="0"/>
               </a:spcBef>
@@ -7749,7 +7782,7 @@
               <a:buChar char="●"/>
               <a:defRPr/>
             </a:lvl4pPr>
-            <a:lvl5pPr indent="-298450" lvl="4" marL="2286000">
+            <a:lvl5pPr marL="2286000" lvl="4" indent="-298450">
               <a:spcBef>
                 <a:spcPts val="0"/>
               </a:spcBef>
@@ -7760,7 +7793,7 @@
               <a:buChar char="○"/>
               <a:defRPr/>
             </a:lvl5pPr>
-            <a:lvl6pPr indent="-298450" lvl="5" marL="2743200">
+            <a:lvl6pPr marL="2743200" lvl="5" indent="-298450">
               <a:spcBef>
                 <a:spcPts val="0"/>
               </a:spcBef>
@@ -7771,7 +7804,7 @@
               <a:buChar char="■"/>
               <a:defRPr/>
             </a:lvl6pPr>
-            <a:lvl7pPr indent="-298450" lvl="6" marL="3200400">
+            <a:lvl7pPr marL="3200400" lvl="6" indent="-298450">
               <a:spcBef>
                 <a:spcPts val="0"/>
               </a:spcBef>
@@ -7782,7 +7815,7 @@
               <a:buChar char="●"/>
               <a:defRPr/>
             </a:lvl7pPr>
-            <a:lvl8pPr indent="-298450" lvl="7" marL="3657600">
+            <a:lvl8pPr marL="3657600" lvl="7" indent="-298450">
               <a:spcBef>
                 <a:spcPts val="0"/>
               </a:spcBef>
@@ -7793,7 +7826,7 @@
               <a:buChar char="○"/>
               <a:defRPr/>
             </a:lvl8pPr>
-            <a:lvl9pPr indent="-298450" lvl="8" marL="4114800">
+            <a:lvl9pPr marL="4114800" lvl="8" indent="-298450">
               <a:spcBef>
                 <a:spcPts val="0"/>
               </a:spcBef>
@@ -7805,15 +7838,19 @@
               <a:defRPr/>
             </a:lvl9pPr>
           </a:lstStyle>
-          <a:p/>
+          <a:p>
+            <a:endParaRPr/>
+          </a:p>
         </p:txBody>
       </p:sp>
       <p:sp>
         <p:nvSpPr>
           <p:cNvPr id="102" name="Google Shape;102;p9"/>
-          <p:cNvSpPr txBox="1"/>
+          <p:cNvSpPr txBox="1">
+            <a:spLocks noGrp="1"/>
+          </p:cNvSpPr>
           <p:nvPr>
-            <p:ph idx="12" type="sldNum"/>
+            <p:ph type="sldNum" idx="12"/>
           </p:nvPr>
         </p:nvSpPr>
         <p:spPr>
@@ -7826,7 +7863,7 @@
           </a:prstGeom>
         </p:spPr>
         <p:txBody>
-          <a:bodyPr anchorCtr="0" anchor="ctr" bIns="91425" lIns="91425" spcFirstLastPara="1" rIns="91425" wrap="square" tIns="91425">
+          <a:bodyPr spcFirstLastPara="1" wrap="square" lIns="91425" tIns="91425" rIns="91425" bIns="91425" anchor="ctr" anchorCtr="0">
             <a:normAutofit/>
           </a:bodyPr>
           <a:lstStyle>
@@ -7868,7 +7905,7 @@
             </a:lvl9pPr>
           </a:lstStyle>
           <a:p>
-            <a:pPr indent="0" lvl="0" marL="0" rtl="0" algn="r">
+            <a:pPr marL="0" lvl="0" indent="0" algn="r" rtl="0">
               <a:spcBef>
                 <a:spcPts val="0"/>
               </a:spcBef>
@@ -7894,18 +7931,19 @@
 </file>
 
 <file path=ppt/slideLayouts/slideLayout9.xml><?xml version="1.0" encoding="utf-8"?>
-<p:sldLayout xmlns:a="http://schemas.openxmlformats.org/drawingml/2006/main" xmlns:r="http://schemas.openxmlformats.org/officeDocument/2006/relationships" xmlns:mc="http://schemas.openxmlformats.org/markup-compatibility/2006" xmlns:mv="urn:schemas-microsoft-com:mac:vml" xmlns:p="http://schemas.openxmlformats.org/presentationml/2006/main" xmlns:c="http://schemas.openxmlformats.org/drawingml/2006/chart" xmlns:dgm="http://schemas.openxmlformats.org/drawingml/2006/diagram" xmlns:o="urn:schemas-microsoft-com:office:office" xmlns:v="urn:schemas-microsoft-com:vml" xmlns:pvml="urn:schemas-microsoft-com:office:powerpoint" xmlns:com="http://schemas.openxmlformats.org/drawingml/2006/compatibility" xmlns:p14="http://schemas.microsoft.com/office/powerpoint/2010/main" xmlns:p15="http://schemas.microsoft.com/office/powerpoint/2012/main" xmlns:ahyp="http://schemas.microsoft.com/office/drawing/2018/hyperlinkcolor" matchingName="Caption">
+<p:sldLayout xmlns:a="http://schemas.openxmlformats.org/drawingml/2006/main" xmlns:r="http://schemas.openxmlformats.org/officeDocument/2006/relationships" xmlns:p="http://schemas.openxmlformats.org/presentationml/2006/main" matchingName="Caption">
   <p:cSld name="CAPTION_ONLY">
     <p:bg>
       <p:bgPr>
         <a:solidFill>
           <a:schemeClr val="accent1"/>
         </a:solidFill>
+        <a:effectLst/>
       </p:bgPr>
     </p:bg>
     <p:spTree>
       <p:nvGrpSpPr>
-        <p:cNvPr id="103" name="Shape 103"/>
+        <p:cNvPr id="1" name="Shape 103"/>
         <p:cNvGrpSpPr/>
         <p:nvPr/>
       </p:nvGrpSpPr>
@@ -7939,12 +7977,12 @@
           </a:ln>
         </p:spPr>
         <p:txBody>
-          <a:bodyPr anchorCtr="0" anchor="ctr" bIns="91425" lIns="91425" spcFirstLastPara="1" rIns="91425" wrap="square" tIns="91425">
+          <a:bodyPr spcFirstLastPara="1" wrap="square" lIns="91425" tIns="91425" rIns="91425" bIns="91425" anchor="ctr" anchorCtr="0">
             <a:noAutofit/>
           </a:bodyPr>
           <a:lstStyle/>
           <a:p>
-            <a:pPr indent="0" lvl="0" marL="0" rtl="0" algn="l">
+            <a:pPr marL="0" lvl="0" indent="0" algn="l" rtl="0">
               <a:spcBef>
                 <a:spcPts val="0"/>
               </a:spcBef>
@@ -7953,9 +7991,6 @@
               </a:spcAft>
               <a:buNone/>
             </a:pPr>
-            <a:r>
-              <a:t/>
-            </a:r>
             <a:endParaRPr/>
           </a:p>
         </p:txBody>
@@ -7982,12 +8017,12 @@
           </a:ln>
         </p:spPr>
         <p:txBody>
-          <a:bodyPr anchorCtr="0" anchor="ctr" bIns="91425" lIns="91425" spcFirstLastPara="1" rIns="91425" wrap="square" tIns="91425">
+          <a:bodyPr spcFirstLastPara="1" wrap="square" lIns="91425" tIns="91425" rIns="91425" bIns="91425" anchor="ctr" anchorCtr="0">
             <a:noAutofit/>
           </a:bodyPr>
           <a:lstStyle/>
           <a:p>
-            <a:pPr indent="0" lvl="0" marL="0" rtl="0" algn="l">
+            <a:pPr marL="0" lvl="0" indent="0" algn="l" rtl="0">
               <a:spcBef>
                 <a:spcPts val="0"/>
               </a:spcBef>
@@ -7996,9 +8031,6 @@
               </a:spcAft>
               <a:buNone/>
             </a:pPr>
-            <a:r>
-              <a:t/>
-            </a:r>
             <a:endParaRPr/>
           </a:p>
         </p:txBody>
@@ -8024,7 +8056,7 @@
             <a:noFill/>
           </a:ln>
           <a:effectLst>
-            <a:outerShdw blurRad="228600" sx="101000" rotWithShape="0" algn="ctr" sy="101000">
+            <a:outerShdw blurRad="228600" sx="101000" sy="101000" algn="ctr" rotWithShape="0">
               <a:srgbClr val="000000">
                 <a:alpha val="40000"/>
               </a:srgbClr>
@@ -8032,12 +8064,12 @@
           </a:effectLst>
         </p:spPr>
         <p:txBody>
-          <a:bodyPr anchorCtr="0" anchor="ctr" bIns="91425" lIns="91425" spcFirstLastPara="1" rIns="91425" wrap="square" tIns="91425">
+          <a:bodyPr spcFirstLastPara="1" wrap="square" lIns="91425" tIns="91425" rIns="91425" bIns="91425" anchor="ctr" anchorCtr="0">
             <a:noAutofit/>
           </a:bodyPr>
           <a:lstStyle/>
           <a:p>
-            <a:pPr indent="0" lvl="0" marL="0" rtl="0" algn="l">
+            <a:pPr marL="0" lvl="0" indent="0" algn="l" rtl="0">
               <a:spcBef>
                 <a:spcPts val="0"/>
               </a:spcBef>
@@ -8046,9 +8078,6 @@
               </a:spcAft>
               <a:buNone/>
             </a:pPr>
-            <a:r>
-              <a:t/>
-            </a:r>
             <a:endParaRPr/>
           </a:p>
         </p:txBody>
@@ -8056,9 +8085,11 @@
       <p:sp>
         <p:nvSpPr>
           <p:cNvPr id="107" name="Google Shape;107;p10"/>
-          <p:cNvSpPr txBox="1"/>
+          <p:cNvSpPr txBox="1">
+            <a:spLocks noGrp="1"/>
+          </p:cNvSpPr>
           <p:nvPr>
-            <p:ph idx="1" type="body"/>
+            <p:ph type="body" idx="1"/>
           </p:nvPr>
         </p:nvSpPr>
         <p:spPr>
@@ -8071,11 +8102,11 @@
           </a:prstGeom>
         </p:spPr>
         <p:txBody>
-          <a:bodyPr anchorCtr="0" anchor="b" bIns="91425" lIns="91425" spcFirstLastPara="1" rIns="91425" wrap="square" tIns="91425">
+          <a:bodyPr spcFirstLastPara="1" wrap="square" lIns="91425" tIns="91425" rIns="91425" bIns="91425" anchor="b" anchorCtr="0">
             <a:normAutofit/>
           </a:bodyPr>
           <a:lstStyle>
-            <a:lvl1pPr indent="-228600" lvl="0" marL="457200">
+            <a:lvl1pPr marL="457200" lvl="0" indent="-228600">
               <a:lnSpc>
                 <a:spcPct val="100000"/>
               </a:lnSpc>
@@ -8090,15 +8121,19 @@
               <a:defRPr/>
             </a:lvl1pPr>
           </a:lstStyle>
-          <a:p/>
+          <a:p>
+            <a:endParaRPr/>
+          </a:p>
         </p:txBody>
       </p:sp>
       <p:sp>
         <p:nvSpPr>
           <p:cNvPr id="108" name="Google Shape;108;p10"/>
-          <p:cNvSpPr txBox="1"/>
+          <p:cNvSpPr txBox="1">
+            <a:spLocks noGrp="1"/>
+          </p:cNvSpPr>
           <p:nvPr>
-            <p:ph idx="12" type="sldNum"/>
+            <p:ph type="sldNum" idx="12"/>
           </p:nvPr>
         </p:nvSpPr>
         <p:spPr>
@@ -8111,7 +8146,7 @@
           </a:prstGeom>
         </p:spPr>
         <p:txBody>
-          <a:bodyPr anchorCtr="0" anchor="ctr" bIns="91425" lIns="91425" spcFirstLastPara="1" rIns="91425" wrap="square" tIns="91425">
+          <a:bodyPr spcFirstLastPara="1" wrap="square" lIns="91425" tIns="91425" rIns="91425" bIns="91425" anchor="ctr" anchorCtr="0">
             <a:normAutofit/>
           </a:bodyPr>
           <a:lstStyle>
@@ -8153,7 +8188,7 @@
             </a:lvl9pPr>
           </a:lstStyle>
           <a:p>
-            <a:pPr indent="0" lvl="0" marL="0" rtl="0" algn="r">
+            <a:pPr marL="0" lvl="0" indent="0" algn="r" rtl="0">
               <a:spcBef>
                 <a:spcPts val="0"/>
               </a:spcBef>
@@ -8179,18 +8214,19 @@
 </file>
 
 <file path=ppt/slideMasters/slideMaster1.xml><?xml version="1.0" encoding="utf-8"?>
-<p:sldMaster xmlns:a="http://schemas.openxmlformats.org/drawingml/2006/main" xmlns:r="http://schemas.openxmlformats.org/officeDocument/2006/relationships" xmlns:mc="http://schemas.openxmlformats.org/markup-compatibility/2006" xmlns:mv="urn:schemas-microsoft-com:mac:vml" xmlns:p="http://schemas.openxmlformats.org/presentationml/2006/main" xmlns:c="http://schemas.openxmlformats.org/drawingml/2006/chart" xmlns:dgm="http://schemas.openxmlformats.org/drawingml/2006/diagram" xmlns:o="urn:schemas-microsoft-com:office:office" xmlns:v="urn:schemas-microsoft-com:vml" xmlns:pvml="urn:schemas-microsoft-com:office:powerpoint" xmlns:com="http://schemas.openxmlformats.org/drawingml/2006/compatibility" xmlns:p14="http://schemas.microsoft.com/office/powerpoint/2010/main" xmlns:p15="http://schemas.microsoft.com/office/powerpoint/2012/main" xmlns:ahyp="http://schemas.microsoft.com/office/drawing/2018/hyperlinkcolor">
+<p:sldMaster xmlns:a="http://schemas.openxmlformats.org/drawingml/2006/main" xmlns:r="http://schemas.openxmlformats.org/officeDocument/2006/relationships" xmlns:p="http://schemas.openxmlformats.org/presentationml/2006/main">
   <p:cSld name="shift">
     <p:bg>
       <p:bgPr>
         <a:solidFill>
           <a:schemeClr val="dk1"/>
         </a:solidFill>
+        <a:effectLst/>
       </p:bgPr>
     </p:bg>
     <p:spTree>
       <p:nvGrpSpPr>
-        <p:cNvPr id="5" name="Shape 5"/>
+        <p:cNvPr id="1" name="Shape 5"/>
         <p:cNvGrpSpPr/>
         <p:nvPr/>
       </p:nvGrpSpPr>
@@ -8205,7 +8241,9 @@
       <p:sp>
         <p:nvSpPr>
           <p:cNvPr id="6" name="Google Shape;6;p1"/>
-          <p:cNvSpPr txBox="1"/>
+          <p:cNvSpPr txBox="1">
+            <a:spLocks noGrp="1"/>
+          </p:cNvSpPr>
           <p:nvPr>
             <p:ph type="title"/>
           </p:nvPr>
@@ -8224,7 +8262,7 @@
           </a:ln>
         </p:spPr>
         <p:txBody>
-          <a:bodyPr anchorCtr="0" anchor="t" bIns="91425" lIns="91425" spcFirstLastPara="1" rIns="91425" wrap="square" tIns="91425">
+          <a:bodyPr spcFirstLastPara="1" wrap="square" lIns="91425" tIns="91425" rIns="91425" bIns="91425" anchor="t" anchorCtr="0">
             <a:normAutofit/>
           </a:bodyPr>
           <a:lstStyle>
@@ -8436,15 +8474,19 @@
               </a:defRPr>
             </a:lvl9pPr>
           </a:lstStyle>
-          <a:p/>
+          <a:p>
+            <a:endParaRPr/>
+          </a:p>
         </p:txBody>
       </p:sp>
       <p:sp>
         <p:nvSpPr>
           <p:cNvPr id="7" name="Google Shape;7;p1"/>
-          <p:cNvSpPr txBox="1"/>
+          <p:cNvSpPr txBox="1">
+            <a:spLocks noGrp="1"/>
+          </p:cNvSpPr>
           <p:nvPr>
-            <p:ph idx="1" type="body"/>
+            <p:ph type="body" idx="1"/>
           </p:nvPr>
         </p:nvSpPr>
         <p:spPr>
@@ -8461,11 +8503,11 @@
           </a:ln>
         </p:spPr>
         <p:txBody>
-          <a:bodyPr anchorCtr="0" anchor="t" bIns="91425" lIns="91425" spcFirstLastPara="1" rIns="91425" wrap="square" tIns="91425">
+          <a:bodyPr spcFirstLastPara="1" wrap="square" lIns="91425" tIns="91425" rIns="91425" bIns="91425" anchor="t" anchorCtr="0">
             <a:normAutofit/>
           </a:bodyPr>
           <a:lstStyle>
-            <a:lvl1pPr indent="-311150" lvl="0" marL="457200">
+            <a:lvl1pPr marL="457200" lvl="0" indent="-311150">
               <a:lnSpc>
                 <a:spcPct val="115000"/>
               </a:lnSpc>
@@ -8491,7 +8533,7 @@
                 <a:sym typeface="Calibri"/>
               </a:defRPr>
             </a:lvl1pPr>
-            <a:lvl2pPr indent="-298450" lvl="1" marL="914400">
+            <a:lvl2pPr marL="914400" lvl="1" indent="-298450">
               <a:lnSpc>
                 <a:spcPct val="115000"/>
               </a:lnSpc>
@@ -8517,7 +8559,7 @@
                 <a:sym typeface="Calibri"/>
               </a:defRPr>
             </a:lvl2pPr>
-            <a:lvl3pPr indent="-298450" lvl="2" marL="1371600">
+            <a:lvl3pPr marL="1371600" lvl="2" indent="-298450">
               <a:lnSpc>
                 <a:spcPct val="115000"/>
               </a:lnSpc>
@@ -8543,7 +8585,7 @@
                 <a:sym typeface="Calibri"/>
               </a:defRPr>
             </a:lvl3pPr>
-            <a:lvl4pPr indent="-298450" lvl="3" marL="1828800">
+            <a:lvl4pPr marL="1828800" lvl="3" indent="-298450">
               <a:lnSpc>
                 <a:spcPct val="115000"/>
               </a:lnSpc>
@@ -8569,7 +8611,7 @@
                 <a:sym typeface="Calibri"/>
               </a:defRPr>
             </a:lvl4pPr>
-            <a:lvl5pPr indent="-298450" lvl="4" marL="2286000">
+            <a:lvl5pPr marL="2286000" lvl="4" indent="-298450">
               <a:lnSpc>
                 <a:spcPct val="115000"/>
               </a:lnSpc>
@@ -8595,7 +8637,7 @@
                 <a:sym typeface="Calibri"/>
               </a:defRPr>
             </a:lvl5pPr>
-            <a:lvl6pPr indent="-298450" lvl="5" marL="2743200">
+            <a:lvl6pPr marL="2743200" lvl="5" indent="-298450">
               <a:lnSpc>
                 <a:spcPct val="115000"/>
               </a:lnSpc>
@@ -8621,7 +8663,7 @@
                 <a:sym typeface="Calibri"/>
               </a:defRPr>
             </a:lvl6pPr>
-            <a:lvl7pPr indent="-298450" lvl="6" marL="3200400">
+            <a:lvl7pPr marL="3200400" lvl="6" indent="-298450">
               <a:lnSpc>
                 <a:spcPct val="115000"/>
               </a:lnSpc>
@@ -8647,7 +8689,7 @@
                 <a:sym typeface="Calibri"/>
               </a:defRPr>
             </a:lvl7pPr>
-            <a:lvl8pPr indent="-298450" lvl="7" marL="3657600">
+            <a:lvl8pPr marL="3657600" lvl="7" indent="-298450">
               <a:lnSpc>
                 <a:spcPct val="115000"/>
               </a:lnSpc>
@@ -8673,7 +8715,7 @@
                 <a:sym typeface="Calibri"/>
               </a:defRPr>
             </a:lvl8pPr>
-            <a:lvl9pPr indent="-298450" lvl="8" marL="4114800">
+            <a:lvl9pPr marL="4114800" lvl="8" indent="-298450">
               <a:lnSpc>
                 <a:spcPct val="115000"/>
               </a:lnSpc>
@@ -8700,15 +8742,19 @@
               </a:defRPr>
             </a:lvl9pPr>
           </a:lstStyle>
-          <a:p/>
+          <a:p>
+            <a:endParaRPr/>
+          </a:p>
         </p:txBody>
       </p:sp>
       <p:sp>
         <p:nvSpPr>
           <p:cNvPr id="8" name="Google Shape;8;p1"/>
-          <p:cNvSpPr txBox="1"/>
+          <p:cNvSpPr txBox="1">
+            <a:spLocks noGrp="1"/>
+          </p:cNvSpPr>
           <p:nvPr>
-            <p:ph idx="12" type="sldNum"/>
+            <p:ph type="sldNum" idx="12"/>
           </p:nvPr>
         </p:nvSpPr>
         <p:spPr>
@@ -8725,7 +8771,7 @@
           </a:ln>
         </p:spPr>
         <p:txBody>
-          <a:bodyPr anchorCtr="0" anchor="ctr" bIns="91425" lIns="91425" spcFirstLastPara="1" rIns="91425" wrap="square" tIns="91425">
+          <a:bodyPr spcFirstLastPara="1" wrap="square" lIns="91425" tIns="91425" rIns="91425" bIns="91425" anchor="ctr" anchorCtr="0">
             <a:normAutofit/>
           </a:bodyPr>
           <a:lstStyle>
@@ -8839,7 +8885,7 @@
             </a:lvl9pPr>
           </a:lstStyle>
           <a:p>
-            <a:pPr indent="0" lvl="0" marL="0" rtl="0" algn="r">
+            <a:pPr marL="0" lvl="0" indent="0" algn="r" rtl="0">
               <a:spcBef>
                 <a:spcPts val="0"/>
               </a:spcBef>
@@ -8858,7 +8904,7 @@
       </p:sp>
     </p:spTree>
   </p:cSld>
-  <p:clrMap accent1="accent1" accent2="accent2" accent3="accent3" accent4="accent4" accent5="accent5" accent6="accent6" bg1="lt1" bg2="dk2" tx1="dk1" tx2="lt2" folHlink="folHlink" hlink="hlink"/>
+  <p:clrMap bg1="lt1" tx1="dk1" bg2="dk2" tx2="lt2" accent1="accent1" accent2="accent2" accent3="accent3" accent4="accent4" accent5="accent5" accent6="accent6" hlink="hlink" folHlink="folHlink"/>
   <p:sldLayoutIdLst>
     <p:sldLayoutId id="2147483648" r:id="rId1"/>
     <p:sldLayoutId id="2147483649" r:id="rId2"/>
@@ -8872,10 +8918,10 @@
     <p:sldLayoutId id="2147483657" r:id="rId10"/>
     <p:sldLayoutId id="2147483658" r:id="rId11"/>
   </p:sldLayoutIdLst>
-  <p:hf dt="0" ftr="0" hdr="0" sldNum="0"/>
+  <p:hf sldNum="0" hdr="0" ftr="0" dt="0"/>
   <p:txStyles>
     <p:titleStyle>
-      <a:defPPr lvl="0" marR="0" rtl="0" algn="l">
+      <a:defPPr marR="0" lvl="0" algn="l" rtl="0">
         <a:lnSpc>
           <a:spcPct val="100000"/>
         </a:lnSpc>
@@ -8886,7 +8932,7 @@
           <a:spcPts val="0"/>
         </a:spcAft>
       </a:defPPr>
-      <a:lvl1pPr lvl="0" marR="0" rtl="0" algn="l">
+      <a:lvl1pPr marR="0" lvl="0" algn="l" rtl="0">
         <a:lnSpc>
           <a:spcPct val="100000"/>
         </a:lnSpc>
@@ -8900,7 +8946,7 @@
           <a:srgbClr val="000000"/>
         </a:buClr>
         <a:buFont typeface="Arial"/>
-        <a:defRPr b="0" i="0" sz="1400" u="none" cap="none" strike="noStrike">
+        <a:defRPr sz="1400" b="0" i="0" u="none" strike="noStrike" cap="none">
           <a:solidFill>
             <a:srgbClr val="000000"/>
           </a:solidFill>
@@ -8910,7 +8956,7 @@
           <a:sym typeface="Arial"/>
         </a:defRPr>
       </a:lvl1pPr>
-      <a:lvl2pPr lvl="1" marR="0" rtl="0" algn="l">
+      <a:lvl2pPr marR="0" lvl="1" algn="l" rtl="0">
         <a:lnSpc>
           <a:spcPct val="100000"/>
         </a:lnSpc>
@@ -8924,7 +8970,7 @@
           <a:srgbClr val="000000"/>
         </a:buClr>
         <a:buFont typeface="Arial"/>
-        <a:defRPr b="0" i="0" sz="1400" u="none" cap="none" strike="noStrike">
+        <a:defRPr sz="1400" b="0" i="0" u="none" strike="noStrike" cap="none">
           <a:solidFill>
             <a:srgbClr val="000000"/>
           </a:solidFill>
@@ -8934,7 +8980,7 @@
           <a:sym typeface="Arial"/>
         </a:defRPr>
       </a:lvl2pPr>
-      <a:lvl3pPr lvl="2" marR="0" rtl="0" algn="l">
+      <a:lvl3pPr marR="0" lvl="2" algn="l" rtl="0">
         <a:lnSpc>
           <a:spcPct val="100000"/>
         </a:lnSpc>
@@ -8948,7 +8994,7 @@
           <a:srgbClr val="000000"/>
         </a:buClr>
         <a:buFont typeface="Arial"/>
-        <a:defRPr b="0" i="0" sz="1400" u="none" cap="none" strike="noStrike">
+        <a:defRPr sz="1400" b="0" i="0" u="none" strike="noStrike" cap="none">
           <a:solidFill>
             <a:srgbClr val="000000"/>
           </a:solidFill>
@@ -8958,7 +9004,7 @@
           <a:sym typeface="Arial"/>
         </a:defRPr>
       </a:lvl3pPr>
-      <a:lvl4pPr lvl="3" marR="0" rtl="0" algn="l">
+      <a:lvl4pPr marR="0" lvl="3" algn="l" rtl="0">
         <a:lnSpc>
           <a:spcPct val="100000"/>
         </a:lnSpc>
@@ -8972,7 +9018,7 @@
           <a:srgbClr val="000000"/>
         </a:buClr>
         <a:buFont typeface="Arial"/>
-        <a:defRPr b="0" i="0" sz="1400" u="none" cap="none" strike="noStrike">
+        <a:defRPr sz="1400" b="0" i="0" u="none" strike="noStrike" cap="none">
           <a:solidFill>
             <a:srgbClr val="000000"/>
           </a:solidFill>
@@ -8982,7 +9028,7 @@
           <a:sym typeface="Arial"/>
         </a:defRPr>
       </a:lvl4pPr>
-      <a:lvl5pPr lvl="4" marR="0" rtl="0" algn="l">
+      <a:lvl5pPr marR="0" lvl="4" algn="l" rtl="0">
         <a:lnSpc>
           <a:spcPct val="100000"/>
         </a:lnSpc>
@@ -8996,7 +9042,7 @@
           <a:srgbClr val="000000"/>
         </a:buClr>
         <a:buFont typeface="Arial"/>
-        <a:defRPr b="0" i="0" sz="1400" u="none" cap="none" strike="noStrike">
+        <a:defRPr sz="1400" b="0" i="0" u="none" strike="noStrike" cap="none">
           <a:solidFill>
             <a:srgbClr val="000000"/>
           </a:solidFill>
@@ -9006,7 +9052,7 @@
           <a:sym typeface="Arial"/>
         </a:defRPr>
       </a:lvl5pPr>
-      <a:lvl6pPr lvl="5" marR="0" rtl="0" algn="l">
+      <a:lvl6pPr marR="0" lvl="5" algn="l" rtl="0">
         <a:lnSpc>
           <a:spcPct val="100000"/>
         </a:lnSpc>
@@ -9020,7 +9066,7 @@
           <a:srgbClr val="000000"/>
         </a:buClr>
         <a:buFont typeface="Arial"/>
-        <a:defRPr b="0" i="0" sz="1400" u="none" cap="none" strike="noStrike">
+        <a:defRPr sz="1400" b="0" i="0" u="none" strike="noStrike" cap="none">
           <a:solidFill>
             <a:srgbClr val="000000"/>
           </a:solidFill>
@@ -9030,7 +9076,7 @@
           <a:sym typeface="Arial"/>
         </a:defRPr>
       </a:lvl6pPr>
-      <a:lvl7pPr lvl="6" marR="0" rtl="0" algn="l">
+      <a:lvl7pPr marR="0" lvl="6" algn="l" rtl="0">
         <a:lnSpc>
           <a:spcPct val="100000"/>
         </a:lnSpc>
@@ -9044,7 +9090,7 @@
           <a:srgbClr val="000000"/>
         </a:buClr>
         <a:buFont typeface="Arial"/>
-        <a:defRPr b="0" i="0" sz="1400" u="none" cap="none" strike="noStrike">
+        <a:defRPr sz="1400" b="0" i="0" u="none" strike="noStrike" cap="none">
           <a:solidFill>
             <a:srgbClr val="000000"/>
           </a:solidFill>
@@ -9054,7 +9100,7 @@
           <a:sym typeface="Arial"/>
         </a:defRPr>
       </a:lvl7pPr>
-      <a:lvl8pPr lvl="7" marR="0" rtl="0" algn="l">
+      <a:lvl8pPr marR="0" lvl="7" algn="l" rtl="0">
         <a:lnSpc>
           <a:spcPct val="100000"/>
         </a:lnSpc>
@@ -9068,7 +9114,7 @@
           <a:srgbClr val="000000"/>
         </a:buClr>
         <a:buFont typeface="Arial"/>
-        <a:defRPr b="0" i="0" sz="1400" u="none" cap="none" strike="noStrike">
+        <a:defRPr sz="1400" b="0" i="0" u="none" strike="noStrike" cap="none">
           <a:solidFill>
             <a:srgbClr val="000000"/>
           </a:solidFill>
@@ -9078,7 +9124,7 @@
           <a:sym typeface="Arial"/>
         </a:defRPr>
       </a:lvl8pPr>
-      <a:lvl9pPr lvl="8" marR="0" rtl="0" algn="l">
+      <a:lvl9pPr marR="0" lvl="8" algn="l" rtl="0">
         <a:lnSpc>
           <a:spcPct val="100000"/>
         </a:lnSpc>
@@ -9092,7 +9138,7 @@
           <a:srgbClr val="000000"/>
         </a:buClr>
         <a:buFont typeface="Arial"/>
-        <a:defRPr b="0" i="0" sz="1400" u="none" cap="none" strike="noStrike">
+        <a:defRPr sz="1400" b="0" i="0" u="none" strike="noStrike" cap="none">
           <a:solidFill>
             <a:srgbClr val="000000"/>
           </a:solidFill>
@@ -9104,7 +9150,7 @@
       </a:lvl9pPr>
     </p:titleStyle>
     <p:bodyStyle>
-      <a:defPPr lvl="0" marR="0" rtl="0" algn="l">
+      <a:defPPr marR="0" lvl="0" algn="l" rtl="0">
         <a:lnSpc>
           <a:spcPct val="100000"/>
         </a:lnSpc>
@@ -9115,7 +9161,7 @@
           <a:spcPts val="0"/>
         </a:spcAft>
       </a:defPPr>
-      <a:lvl1pPr lvl="0" marR="0" rtl="0" algn="l">
+      <a:lvl1pPr marR="0" lvl="0" algn="l" rtl="0">
         <a:lnSpc>
           <a:spcPct val="100000"/>
         </a:lnSpc>
@@ -9129,7 +9175,7 @@
           <a:srgbClr val="000000"/>
         </a:buClr>
         <a:buFont typeface="Arial"/>
-        <a:defRPr b="0" i="0" sz="1400" u="none" cap="none" strike="noStrike">
+        <a:defRPr sz="1400" b="0" i="0" u="none" strike="noStrike" cap="none">
           <a:solidFill>
             <a:srgbClr val="000000"/>
           </a:solidFill>
@@ -9139,7 +9185,7 @@
           <a:sym typeface="Arial"/>
         </a:defRPr>
       </a:lvl1pPr>
-      <a:lvl2pPr lvl="1" marR="0" rtl="0" algn="l">
+      <a:lvl2pPr marR="0" lvl="1" algn="l" rtl="0">
         <a:lnSpc>
           <a:spcPct val="100000"/>
         </a:lnSpc>
@@ -9153,7 +9199,7 @@
           <a:srgbClr val="000000"/>
         </a:buClr>
         <a:buFont typeface="Arial"/>
-        <a:defRPr b="0" i="0" sz="1400" u="none" cap="none" strike="noStrike">
+        <a:defRPr sz="1400" b="0" i="0" u="none" strike="noStrike" cap="none">
           <a:solidFill>
             <a:srgbClr val="000000"/>
           </a:solidFill>
@@ -9163,7 +9209,7 @@
           <a:sym typeface="Arial"/>
         </a:defRPr>
       </a:lvl2pPr>
-      <a:lvl3pPr lvl="2" marR="0" rtl="0" algn="l">
+      <a:lvl3pPr marR="0" lvl="2" algn="l" rtl="0">
         <a:lnSpc>
           <a:spcPct val="100000"/>
         </a:lnSpc>
@@ -9177,7 +9223,7 @@
           <a:srgbClr val="000000"/>
         </a:buClr>
         <a:buFont typeface="Arial"/>
-        <a:defRPr b="0" i="0" sz="1400" u="none" cap="none" strike="noStrike">
+        <a:defRPr sz="1400" b="0" i="0" u="none" strike="noStrike" cap="none">
           <a:solidFill>
             <a:srgbClr val="000000"/>
           </a:solidFill>
@@ -9187,7 +9233,7 @@
           <a:sym typeface="Arial"/>
         </a:defRPr>
       </a:lvl3pPr>
-      <a:lvl4pPr lvl="3" marR="0" rtl="0" algn="l">
+      <a:lvl4pPr marR="0" lvl="3" algn="l" rtl="0">
         <a:lnSpc>
           <a:spcPct val="100000"/>
         </a:lnSpc>
@@ -9201,7 +9247,7 @@
           <a:srgbClr val="000000"/>
         </a:buClr>
         <a:buFont typeface="Arial"/>
-        <a:defRPr b="0" i="0" sz="1400" u="none" cap="none" strike="noStrike">
+        <a:defRPr sz="1400" b="0" i="0" u="none" strike="noStrike" cap="none">
           <a:solidFill>
             <a:srgbClr val="000000"/>
           </a:solidFill>
@@ -9211,7 +9257,7 @@
           <a:sym typeface="Arial"/>
         </a:defRPr>
       </a:lvl4pPr>
-      <a:lvl5pPr lvl="4" marR="0" rtl="0" algn="l">
+      <a:lvl5pPr marR="0" lvl="4" algn="l" rtl="0">
         <a:lnSpc>
           <a:spcPct val="100000"/>
         </a:lnSpc>
@@ -9225,7 +9271,7 @@
           <a:srgbClr val="000000"/>
         </a:buClr>
         <a:buFont typeface="Arial"/>
-        <a:defRPr b="0" i="0" sz="1400" u="none" cap="none" strike="noStrike">
+        <a:defRPr sz="1400" b="0" i="0" u="none" strike="noStrike" cap="none">
           <a:solidFill>
             <a:srgbClr val="000000"/>
           </a:solidFill>
@@ -9235,7 +9281,7 @@
           <a:sym typeface="Arial"/>
         </a:defRPr>
       </a:lvl5pPr>
-      <a:lvl6pPr lvl="5" marR="0" rtl="0" algn="l">
+      <a:lvl6pPr marR="0" lvl="5" algn="l" rtl="0">
         <a:lnSpc>
           <a:spcPct val="100000"/>
         </a:lnSpc>
@@ -9249,7 +9295,7 @@
           <a:srgbClr val="000000"/>
         </a:buClr>
         <a:buFont typeface="Arial"/>
-        <a:defRPr b="0" i="0" sz="1400" u="none" cap="none" strike="noStrike">
+        <a:defRPr sz="1400" b="0" i="0" u="none" strike="noStrike" cap="none">
           <a:solidFill>
             <a:srgbClr val="000000"/>
           </a:solidFill>
@@ -9259,7 +9305,7 @@
           <a:sym typeface="Arial"/>
         </a:defRPr>
       </a:lvl6pPr>
-      <a:lvl7pPr lvl="6" marR="0" rtl="0" algn="l">
+      <a:lvl7pPr marR="0" lvl="6" algn="l" rtl="0">
         <a:lnSpc>
           <a:spcPct val="100000"/>
         </a:lnSpc>
@@ -9273,7 +9319,7 @@
           <a:srgbClr val="000000"/>
         </a:buClr>
         <a:buFont typeface="Arial"/>
-        <a:defRPr b="0" i="0" sz="1400" u="none" cap="none" strike="noStrike">
+        <a:defRPr sz="1400" b="0" i="0" u="none" strike="noStrike" cap="none">
           <a:solidFill>
             <a:srgbClr val="000000"/>
           </a:solidFill>
@@ -9283,7 +9329,7 @@
           <a:sym typeface="Arial"/>
         </a:defRPr>
       </a:lvl7pPr>
-      <a:lvl8pPr lvl="7" marR="0" rtl="0" algn="l">
+      <a:lvl8pPr marR="0" lvl="7" algn="l" rtl="0">
         <a:lnSpc>
           <a:spcPct val="100000"/>
         </a:lnSpc>
@@ -9297,7 +9343,7 @@
           <a:srgbClr val="000000"/>
         </a:buClr>
         <a:buFont typeface="Arial"/>
-        <a:defRPr b="0" i="0" sz="1400" u="none" cap="none" strike="noStrike">
+        <a:defRPr sz="1400" b="0" i="0" u="none" strike="noStrike" cap="none">
           <a:solidFill>
             <a:srgbClr val="000000"/>
           </a:solidFill>
@@ -9307,7 +9353,7 @@
           <a:sym typeface="Arial"/>
         </a:defRPr>
       </a:lvl8pPr>
-      <a:lvl9pPr lvl="8" marR="0" rtl="0" algn="l">
+      <a:lvl9pPr marR="0" lvl="8" algn="l" rtl="0">
         <a:lnSpc>
           <a:spcPct val="100000"/>
         </a:lnSpc>
@@ -9321,7 +9367,7 @@
           <a:srgbClr val="000000"/>
         </a:buClr>
         <a:buFont typeface="Arial"/>
-        <a:defRPr b="0" i="0" sz="1400" u="none" cap="none" strike="noStrike">
+        <a:defRPr sz="1400" b="0" i="0" u="none" strike="noStrike" cap="none">
           <a:solidFill>
             <a:srgbClr val="000000"/>
           </a:solidFill>
@@ -9333,7 +9379,7 @@
       </a:lvl9pPr>
     </p:bodyStyle>
     <p:otherStyle>
-      <a:defPPr lvl="0" marR="0" rtl="0" algn="l">
+      <a:defPPr marR="0" lvl="0" algn="l" rtl="0">
         <a:lnSpc>
           <a:spcPct val="100000"/>
         </a:lnSpc>
@@ -9344,7 +9390,7 @@
           <a:spcPts val="0"/>
         </a:spcAft>
       </a:defPPr>
-      <a:lvl1pPr lvl="0" marR="0" rtl="0" algn="l">
+      <a:lvl1pPr marR="0" lvl="0" algn="l" rtl="0">
         <a:lnSpc>
           <a:spcPct val="100000"/>
         </a:lnSpc>
@@ -9358,7 +9404,7 @@
           <a:srgbClr val="000000"/>
         </a:buClr>
         <a:buFont typeface="Arial"/>
-        <a:defRPr b="0" i="0" sz="1400" u="none" cap="none" strike="noStrike">
+        <a:defRPr sz="1400" b="0" i="0" u="none" strike="noStrike" cap="none">
           <a:solidFill>
             <a:srgbClr val="000000"/>
           </a:solidFill>
@@ -9368,7 +9414,7 @@
           <a:sym typeface="Arial"/>
         </a:defRPr>
       </a:lvl1pPr>
-      <a:lvl2pPr lvl="1" marR="0" rtl="0" algn="l">
+      <a:lvl2pPr marR="0" lvl="1" algn="l" rtl="0">
         <a:lnSpc>
           <a:spcPct val="100000"/>
         </a:lnSpc>
@@ -9382,7 +9428,7 @@
           <a:srgbClr val="000000"/>
         </a:buClr>
         <a:buFont typeface="Arial"/>
-        <a:defRPr b="0" i="0" sz="1400" u="none" cap="none" strike="noStrike">
+        <a:defRPr sz="1400" b="0" i="0" u="none" strike="noStrike" cap="none">
           <a:solidFill>
             <a:srgbClr val="000000"/>
           </a:solidFill>
@@ -9392,7 +9438,7 @@
           <a:sym typeface="Arial"/>
         </a:defRPr>
       </a:lvl2pPr>
-      <a:lvl3pPr lvl="2" marR="0" rtl="0" algn="l">
+      <a:lvl3pPr marR="0" lvl="2" algn="l" rtl="0">
         <a:lnSpc>
           <a:spcPct val="100000"/>
         </a:lnSpc>
@@ -9406,7 +9452,7 @@
           <a:srgbClr val="000000"/>
         </a:buClr>
         <a:buFont typeface="Arial"/>
-        <a:defRPr b="0" i="0" sz="1400" u="none" cap="none" strike="noStrike">
+        <a:defRPr sz="1400" b="0" i="0" u="none" strike="noStrike" cap="none">
           <a:solidFill>
             <a:srgbClr val="000000"/>
           </a:solidFill>
@@ -9416,7 +9462,7 @@
           <a:sym typeface="Arial"/>
         </a:defRPr>
       </a:lvl3pPr>
-      <a:lvl4pPr lvl="3" marR="0" rtl="0" algn="l">
+      <a:lvl4pPr marR="0" lvl="3" algn="l" rtl="0">
         <a:lnSpc>
           <a:spcPct val="100000"/>
         </a:lnSpc>
@@ -9430,7 +9476,7 @@
           <a:srgbClr val="000000"/>
         </a:buClr>
         <a:buFont typeface="Arial"/>
-        <a:defRPr b="0" i="0" sz="1400" u="none" cap="none" strike="noStrike">
+        <a:defRPr sz="1400" b="0" i="0" u="none" strike="noStrike" cap="none">
           <a:solidFill>
             <a:srgbClr val="000000"/>
           </a:solidFill>
@@ -9440,7 +9486,7 @@
           <a:sym typeface="Arial"/>
         </a:defRPr>
       </a:lvl4pPr>
-      <a:lvl5pPr lvl="4" marR="0" rtl="0" algn="l">
+      <a:lvl5pPr marR="0" lvl="4" algn="l" rtl="0">
         <a:lnSpc>
           <a:spcPct val="100000"/>
         </a:lnSpc>
@@ -9454,7 +9500,7 @@
           <a:srgbClr val="000000"/>
         </a:buClr>
         <a:buFont typeface="Arial"/>
-        <a:defRPr b="0" i="0" sz="1400" u="none" cap="none" strike="noStrike">
+        <a:defRPr sz="1400" b="0" i="0" u="none" strike="noStrike" cap="none">
           <a:solidFill>
             <a:srgbClr val="000000"/>
           </a:solidFill>
@@ -9464,7 +9510,7 @@
           <a:sym typeface="Arial"/>
         </a:defRPr>
       </a:lvl5pPr>
-      <a:lvl6pPr lvl="5" marR="0" rtl="0" algn="l">
+      <a:lvl6pPr marR="0" lvl="5" algn="l" rtl="0">
         <a:lnSpc>
           <a:spcPct val="100000"/>
         </a:lnSpc>
@@ -9478,7 +9524,7 @@
           <a:srgbClr val="000000"/>
         </a:buClr>
         <a:buFont typeface="Arial"/>
-        <a:defRPr b="0" i="0" sz="1400" u="none" cap="none" strike="noStrike">
+        <a:defRPr sz="1400" b="0" i="0" u="none" strike="noStrike" cap="none">
           <a:solidFill>
             <a:srgbClr val="000000"/>
           </a:solidFill>
@@ -9488,7 +9534,7 @@
           <a:sym typeface="Arial"/>
         </a:defRPr>
       </a:lvl6pPr>
-      <a:lvl7pPr lvl="6" marR="0" rtl="0" algn="l">
+      <a:lvl7pPr marR="0" lvl="6" algn="l" rtl="0">
         <a:lnSpc>
           <a:spcPct val="100000"/>
         </a:lnSpc>
@@ -9502,7 +9548,7 @@
           <a:srgbClr val="000000"/>
         </a:buClr>
         <a:buFont typeface="Arial"/>
-        <a:defRPr b="0" i="0" sz="1400" u="none" cap="none" strike="noStrike">
+        <a:defRPr sz="1400" b="0" i="0" u="none" strike="noStrike" cap="none">
           <a:solidFill>
             <a:srgbClr val="000000"/>
           </a:solidFill>
@@ -9512,7 +9558,7 @@
           <a:sym typeface="Arial"/>
         </a:defRPr>
       </a:lvl7pPr>
-      <a:lvl8pPr lvl="7" marR="0" rtl="0" algn="l">
+      <a:lvl8pPr marR="0" lvl="7" algn="l" rtl="0">
         <a:lnSpc>
           <a:spcPct val="100000"/>
         </a:lnSpc>
@@ -9526,7 +9572,7 @@
           <a:srgbClr val="000000"/>
         </a:buClr>
         <a:buFont typeface="Arial"/>
-        <a:defRPr b="0" i="0" sz="1400" u="none" cap="none" strike="noStrike">
+        <a:defRPr sz="1400" b="0" i="0" u="none" strike="noStrike" cap="none">
           <a:solidFill>
             <a:srgbClr val="000000"/>
           </a:solidFill>
@@ -9536,7 +9582,7 @@
           <a:sym typeface="Arial"/>
         </a:defRPr>
       </a:lvl8pPr>
-      <a:lvl9pPr lvl="8" marR="0" rtl="0" algn="l">
+      <a:lvl9pPr marR="0" lvl="8" algn="l" rtl="0">
         <a:lnSpc>
           <a:spcPct val="100000"/>
         </a:lnSpc>
@@ -9550,7 +9596,7 @@
           <a:srgbClr val="000000"/>
         </a:buClr>
         <a:buFont typeface="Arial"/>
-        <a:defRPr b="0" i="0" sz="1400" u="none" cap="none" strike="noStrike">
+        <a:defRPr sz="1400" b="0" i="0" u="none" strike="noStrike" cap="none">
           <a:solidFill>
             <a:srgbClr val="000000"/>
           </a:solidFill>
@@ -9566,11 +9612,11 @@
 </file>
 
 <file path=ppt/slides/slide1.xml><?xml version="1.0" encoding="utf-8"?>
-<p:sld xmlns:a="http://schemas.openxmlformats.org/drawingml/2006/main" xmlns:r="http://schemas.openxmlformats.org/officeDocument/2006/relationships" xmlns:mc="http://schemas.openxmlformats.org/markup-compatibility/2006" xmlns:mv="urn:schemas-microsoft-com:mac:vml" xmlns:p="http://schemas.openxmlformats.org/presentationml/2006/main" xmlns:c="http://schemas.openxmlformats.org/drawingml/2006/chart" xmlns:dgm="http://schemas.openxmlformats.org/drawingml/2006/diagram" xmlns:o="urn:schemas-microsoft-com:office:office" xmlns:v="urn:schemas-microsoft-com:vml" xmlns:pvml="urn:schemas-microsoft-com:office:powerpoint" xmlns:com="http://schemas.openxmlformats.org/drawingml/2006/compatibility" xmlns:p14="http://schemas.microsoft.com/office/powerpoint/2010/main" xmlns:p15="http://schemas.microsoft.com/office/powerpoint/2012/main" xmlns:ahyp="http://schemas.microsoft.com/office/drawing/2018/hyperlinkcolor">
+<p:sld xmlns:a="http://schemas.openxmlformats.org/drawingml/2006/main" xmlns:r="http://schemas.openxmlformats.org/officeDocument/2006/relationships" xmlns:p="http://schemas.openxmlformats.org/presentationml/2006/main">
   <p:cSld>
     <p:spTree>
       <p:nvGrpSpPr>
-        <p:cNvPr id="127" name="Shape 127"/>
+        <p:cNvPr id="1" name="Shape 127"/>
         <p:cNvGrpSpPr/>
         <p:nvPr/>
       </p:nvGrpSpPr>
@@ -9585,7 +9631,9 @@
       <p:sp>
         <p:nvSpPr>
           <p:cNvPr id="128" name="Google Shape;128;p13"/>
-          <p:cNvSpPr txBox="1"/>
+          <p:cNvSpPr txBox="1">
+            <a:spLocks noGrp="1"/>
+          </p:cNvSpPr>
           <p:nvPr>
             <p:ph type="ctrTitle"/>
           </p:nvPr>
@@ -9600,12 +9648,12 @@
           </a:prstGeom>
         </p:spPr>
         <p:txBody>
-          <a:bodyPr anchorCtr="0" anchor="ctr" bIns="91425" lIns="91425" spcFirstLastPara="1" rIns="91425" wrap="square" tIns="91425">
+          <a:bodyPr spcFirstLastPara="1" wrap="square" lIns="91425" tIns="91425" rIns="91425" bIns="91425" anchor="ctr" anchorCtr="0">
             <a:normAutofit/>
           </a:bodyPr>
           <a:lstStyle/>
           <a:p>
-            <a:pPr indent="0" lvl="0" marL="0" rtl="0" algn="ctr">
+            <a:pPr marL="0" lvl="0" indent="0" algn="ctr" rtl="0">
               <a:spcBef>
                 <a:spcPts val="0"/>
               </a:spcBef>
@@ -9630,8 +9678,8 @@
         </p:nvSpPr>
         <p:spPr>
           <a:xfrm>
-            <a:off x="2046750" y="3137650"/>
-            <a:ext cx="5050500" cy="714000"/>
+            <a:off x="2106224" y="2661864"/>
+            <a:ext cx="2361699" cy="714000"/>
           </a:xfrm>
           <a:prstGeom prst="rect">
             <a:avLst/>
@@ -9642,30 +9690,73 @@
           </a:ln>
         </p:spPr>
         <p:txBody>
-          <a:bodyPr anchorCtr="0" anchor="t" bIns="91425" lIns="91425" spcFirstLastPara="1" rIns="91425" wrap="square" tIns="91425">
+          <a:bodyPr spcFirstLastPara="1" wrap="square" lIns="91425" tIns="91425" rIns="91425" bIns="91425" anchor="t" anchorCtr="0">
             <a:noAutofit/>
           </a:bodyPr>
           <a:lstStyle/>
           <a:p>
-            <a:pPr indent="0" lvl="0" marL="0" rtl="0" algn="ctr">
-              <a:spcBef>
-                <a:spcPts val="0"/>
-              </a:spcBef>
-              <a:spcAft>
-                <a:spcPts val="0"/>
-              </a:spcAft>
-              <a:buNone/>
+            <a:pPr marL="285750" lvl="0" indent="-285750" rtl="0">
+              <a:spcBef>
+                <a:spcPts val="0"/>
+              </a:spcBef>
+              <a:spcAft>
+                <a:spcPts val="0"/>
+              </a:spcAft>
+              <a:buFont typeface="Arial" panose="020B0604020202020204" pitchFamily="34" charset="0"/>
+              <a:buChar char="•"/>
             </a:pPr>
             <a:r>
-              <a:rPr lang="en">
+              <a:rPr lang="en" b="1" dirty="0">
                 <a:latin typeface="Calibri"/>
                 <a:ea typeface="Calibri"/>
                 <a:cs typeface="Calibri"/>
                 <a:sym typeface="Calibri"/>
               </a:rPr>
-              <a:t>Ken Kakhramon Talibjanov, Summer Harik, Michael Lohr</a:t>
+              <a:t>Anna Garcia </a:t>
             </a:r>
-            <a:endParaRPr>
+          </a:p>
+          <a:p>
+            <a:pPr marL="285750" lvl="0" indent="-285750" rtl="0">
+              <a:spcBef>
+                <a:spcPts val="0"/>
+              </a:spcBef>
+              <a:spcAft>
+                <a:spcPts val="0"/>
+              </a:spcAft>
+              <a:buFont typeface="Arial" panose="020B0604020202020204" pitchFamily="34" charset="0"/>
+              <a:buChar char="•"/>
+            </a:pPr>
+            <a:r>
+              <a:rPr lang="en" b="1" dirty="0">
+                <a:latin typeface="Calibri"/>
+                <a:ea typeface="Calibri"/>
+                <a:cs typeface="Calibri"/>
+                <a:sym typeface="Calibri"/>
+              </a:rPr>
+              <a:t>Adolfo Linarez</a:t>
+            </a:r>
+          </a:p>
+          <a:p>
+            <a:pPr marL="285750" lvl="0" indent="-285750" rtl="0">
+              <a:spcBef>
+                <a:spcPts val="0"/>
+              </a:spcBef>
+              <a:spcAft>
+                <a:spcPts val="0"/>
+              </a:spcAft>
+              <a:buFont typeface="Arial" panose="020B0604020202020204" pitchFamily="34" charset="0"/>
+              <a:buChar char="•"/>
+            </a:pPr>
+            <a:r>
+              <a:rPr lang="en" b="1" dirty="0">
+                <a:latin typeface="Calibri"/>
+                <a:ea typeface="Calibri"/>
+                <a:cs typeface="Calibri"/>
+                <a:sym typeface="Calibri"/>
+              </a:rPr>
+              <a:t>Nelson Linarez</a:t>
+            </a:r>
+            <a:endParaRPr b="1" dirty="0">
               <a:latin typeface="Calibri"/>
               <a:ea typeface="Calibri"/>
               <a:cs typeface="Calibri"/>
@@ -9683,11 +9774,11 @@
 </file>
 
 <file path=ppt/slides/slide2.xml><?xml version="1.0" encoding="utf-8"?>
-<p:sld xmlns:a="http://schemas.openxmlformats.org/drawingml/2006/main" xmlns:r="http://schemas.openxmlformats.org/officeDocument/2006/relationships" xmlns:mc="http://schemas.openxmlformats.org/markup-compatibility/2006" xmlns:mv="urn:schemas-microsoft-com:mac:vml" xmlns:p="http://schemas.openxmlformats.org/presentationml/2006/main" xmlns:c="http://schemas.openxmlformats.org/drawingml/2006/chart" xmlns:dgm="http://schemas.openxmlformats.org/drawingml/2006/diagram" xmlns:o="urn:schemas-microsoft-com:office:office" xmlns:v="urn:schemas-microsoft-com:vml" xmlns:pvml="urn:schemas-microsoft-com:office:powerpoint" xmlns:com="http://schemas.openxmlformats.org/drawingml/2006/compatibility" xmlns:p14="http://schemas.microsoft.com/office/powerpoint/2010/main" xmlns:p15="http://schemas.microsoft.com/office/powerpoint/2012/main" xmlns:ahyp="http://schemas.microsoft.com/office/drawing/2018/hyperlinkcolor">
+<p:sld xmlns:a="http://schemas.openxmlformats.org/drawingml/2006/main" xmlns:r="http://schemas.openxmlformats.org/officeDocument/2006/relationships" xmlns:p="http://schemas.openxmlformats.org/presentationml/2006/main">
   <p:cSld>
     <p:spTree>
       <p:nvGrpSpPr>
-        <p:cNvPr id="133" name="Shape 133"/>
+        <p:cNvPr id="1" name="Shape 133"/>
         <p:cNvGrpSpPr/>
         <p:nvPr/>
       </p:nvGrpSpPr>
@@ -9702,7 +9793,9 @@
       <p:sp>
         <p:nvSpPr>
           <p:cNvPr id="134" name="Google Shape;134;p14"/>
-          <p:cNvSpPr txBox="1"/>
+          <p:cNvSpPr txBox="1">
+            <a:spLocks noGrp="1"/>
+          </p:cNvSpPr>
           <p:nvPr>
             <p:ph type="title"/>
           </p:nvPr>
@@ -9717,12 +9810,12 @@
           </a:prstGeom>
         </p:spPr>
         <p:txBody>
-          <a:bodyPr anchorCtr="0" anchor="t" bIns="91425" lIns="91425" spcFirstLastPara="1" rIns="91425" wrap="square" tIns="91425">
+          <a:bodyPr spcFirstLastPara="1" wrap="square" lIns="91425" tIns="91425" rIns="91425" bIns="91425" anchor="t" anchorCtr="0">
             <a:normAutofit/>
           </a:bodyPr>
           <a:lstStyle/>
           <a:p>
-            <a:pPr indent="0" lvl="0" marL="0" rtl="0" algn="l">
+            <a:pPr marL="0" lvl="0" indent="0" algn="l" rtl="0">
               <a:spcBef>
                 <a:spcPts val="0"/>
               </a:spcBef>
@@ -9742,9 +9835,11 @@
       <p:sp>
         <p:nvSpPr>
           <p:cNvPr id="135" name="Google Shape;135;p14"/>
-          <p:cNvSpPr txBox="1"/>
+          <p:cNvSpPr txBox="1">
+            <a:spLocks noGrp="1"/>
+          </p:cNvSpPr>
           <p:nvPr>
-            <p:ph idx="1" type="body"/>
+            <p:ph type="body" idx="1"/>
           </p:nvPr>
         </p:nvSpPr>
         <p:spPr>
@@ -9757,12 +9852,12 @@
           </a:prstGeom>
         </p:spPr>
         <p:txBody>
-          <a:bodyPr anchorCtr="0" anchor="t" bIns="91425" lIns="91425" spcFirstLastPara="1" rIns="91425" wrap="square" tIns="91425">
+          <a:bodyPr spcFirstLastPara="1" wrap="square" lIns="91425" tIns="91425" rIns="91425" bIns="91425" anchor="t" anchorCtr="0">
             <a:normAutofit/>
           </a:bodyPr>
           <a:lstStyle/>
           <a:p>
-            <a:pPr indent="-311150" lvl="0" marL="457200" rtl="0" algn="l">
+            <a:pPr marL="457200" lvl="0" indent="-311150" algn="l" rtl="0">
               <a:spcBef>
                 <a:spcPts val="0"/>
               </a:spcBef>
@@ -9784,7 +9879,7 @@
             <a:endParaRPr/>
           </a:p>
           <a:p>
-            <a:pPr indent="0" lvl="0" marL="457200" rtl="0" algn="l">
+            <a:pPr marL="457200" lvl="0" indent="0" algn="l" rtl="0">
               <a:spcBef>
                 <a:spcPts val="1200"/>
               </a:spcBef>
@@ -9793,13 +9888,10 @@
               </a:spcAft>
               <a:buNone/>
             </a:pPr>
-            <a:r>
-              <a:t/>
-            </a:r>
             <a:endParaRPr/>
           </a:p>
           <a:p>
-            <a:pPr indent="-311150" lvl="0" marL="457200" rtl="0" algn="l">
+            <a:pPr marL="457200" lvl="0" indent="-311150" algn="l" rtl="0">
               <a:spcBef>
                 <a:spcPts val="1200"/>
               </a:spcBef>
@@ -9854,11 +9946,11 @@
 </file>
 
 <file path=ppt/slides/slide3.xml><?xml version="1.0" encoding="utf-8"?>
-<p:sld xmlns:a="http://schemas.openxmlformats.org/drawingml/2006/main" xmlns:r="http://schemas.openxmlformats.org/officeDocument/2006/relationships" xmlns:mc="http://schemas.openxmlformats.org/markup-compatibility/2006" xmlns:mv="urn:schemas-microsoft-com:mac:vml" xmlns:p="http://schemas.openxmlformats.org/presentationml/2006/main" xmlns:c="http://schemas.openxmlformats.org/drawingml/2006/chart" xmlns:dgm="http://schemas.openxmlformats.org/drawingml/2006/diagram" xmlns:o="urn:schemas-microsoft-com:office:office" xmlns:v="urn:schemas-microsoft-com:vml" xmlns:pvml="urn:schemas-microsoft-com:office:powerpoint" xmlns:com="http://schemas.openxmlformats.org/drawingml/2006/compatibility" xmlns:p14="http://schemas.microsoft.com/office/powerpoint/2010/main" xmlns:p15="http://schemas.microsoft.com/office/powerpoint/2012/main" xmlns:ahyp="http://schemas.microsoft.com/office/drawing/2018/hyperlinkcolor">
+<p:sld xmlns:a="http://schemas.openxmlformats.org/drawingml/2006/main" xmlns:r="http://schemas.openxmlformats.org/officeDocument/2006/relationships" xmlns:p="http://schemas.openxmlformats.org/presentationml/2006/main">
   <p:cSld>
     <p:spTree>
       <p:nvGrpSpPr>
-        <p:cNvPr id="140" name="Shape 140"/>
+        <p:cNvPr id="1" name="Shape 140"/>
         <p:cNvGrpSpPr/>
         <p:nvPr/>
       </p:nvGrpSpPr>
@@ -9873,7 +9965,9 @@
       <p:sp>
         <p:nvSpPr>
           <p:cNvPr id="141" name="Google Shape;141;p15"/>
-          <p:cNvSpPr txBox="1"/>
+          <p:cNvSpPr txBox="1">
+            <a:spLocks noGrp="1"/>
+          </p:cNvSpPr>
           <p:nvPr>
             <p:ph type="title"/>
           </p:nvPr>
@@ -9888,12 +9982,12 @@
           </a:prstGeom>
         </p:spPr>
         <p:txBody>
-          <a:bodyPr anchorCtr="0" anchor="t" bIns="91425" lIns="91425" spcFirstLastPara="1" rIns="91425" wrap="square" tIns="91425">
+          <a:bodyPr spcFirstLastPara="1" wrap="square" lIns="91425" tIns="91425" rIns="91425" bIns="91425" anchor="t" anchorCtr="0">
             <a:normAutofit/>
           </a:bodyPr>
           <a:lstStyle/>
           <a:p>
-            <a:pPr indent="0" lvl="0" marL="0" rtl="0" algn="l">
+            <a:pPr marL="0" lvl="0" indent="0" algn="l" rtl="0">
               <a:spcBef>
                 <a:spcPts val="0"/>
               </a:spcBef>
@@ -9913,9 +10007,11 @@
       <p:sp>
         <p:nvSpPr>
           <p:cNvPr id="142" name="Google Shape;142;p15"/>
-          <p:cNvSpPr txBox="1"/>
+          <p:cNvSpPr txBox="1">
+            <a:spLocks noGrp="1"/>
+          </p:cNvSpPr>
           <p:nvPr>
-            <p:ph idx="1" type="body"/>
+            <p:ph type="body" idx="1"/>
           </p:nvPr>
         </p:nvSpPr>
         <p:spPr>
@@ -9928,12 +10024,12 @@
           </a:prstGeom>
         </p:spPr>
         <p:txBody>
-          <a:bodyPr anchorCtr="0" anchor="t" bIns="91425" lIns="91425" spcFirstLastPara="1" rIns="91425" wrap="square" tIns="91425">
+          <a:bodyPr spcFirstLastPara="1" wrap="square" lIns="91425" tIns="91425" rIns="91425" bIns="91425" anchor="t" anchorCtr="0">
             <a:normAutofit/>
           </a:bodyPr>
           <a:lstStyle/>
           <a:p>
-            <a:pPr indent="-311150" lvl="0" marL="457200" rtl="0" algn="l">
+            <a:pPr marL="457200" lvl="0" indent="-311150" algn="l" rtl="0">
               <a:spcBef>
                 <a:spcPts val="0"/>
               </a:spcBef>
@@ -9950,7 +10046,7 @@
             <a:endParaRPr/>
           </a:p>
           <a:p>
-            <a:pPr indent="-311150" lvl="0" marL="457200" rtl="0" algn="l">
+            <a:pPr marL="457200" lvl="0" indent="-311150" algn="l" rtl="0">
               <a:spcBef>
                 <a:spcPts val="0"/>
               </a:spcBef>
@@ -9967,7 +10063,7 @@
             <a:endParaRPr/>
           </a:p>
           <a:p>
-            <a:pPr indent="-311150" lvl="0" marL="457200" rtl="0" algn="l">
+            <a:pPr marL="457200" lvl="0" indent="-311150" algn="l" rtl="0">
               <a:spcBef>
                 <a:spcPts val="0"/>
               </a:spcBef>
@@ -9984,7 +10080,7 @@
             <a:endParaRPr/>
           </a:p>
           <a:p>
-            <a:pPr indent="-311150" lvl="0" marL="457200" rtl="0" algn="l">
+            <a:pPr marL="457200" lvl="0" indent="-311150" algn="l" rtl="0">
               <a:spcBef>
                 <a:spcPts val="0"/>
               </a:spcBef>
@@ -10001,7 +10097,7 @@
             <a:endParaRPr/>
           </a:p>
           <a:p>
-            <a:pPr indent="-311150" lvl="0" marL="457200" rtl="0" algn="l">
+            <a:pPr marL="457200" lvl="0" indent="-311150" algn="l" rtl="0">
               <a:spcBef>
                 <a:spcPts val="0"/>
               </a:spcBef>
@@ -10084,11 +10180,11 @@
 </file>
 
 <file path=ppt/slides/slide4.xml><?xml version="1.0" encoding="utf-8"?>
-<p:sld xmlns:a="http://schemas.openxmlformats.org/drawingml/2006/main" xmlns:r="http://schemas.openxmlformats.org/officeDocument/2006/relationships" xmlns:mc="http://schemas.openxmlformats.org/markup-compatibility/2006" xmlns:mv="urn:schemas-microsoft-com:mac:vml" xmlns:p="http://schemas.openxmlformats.org/presentationml/2006/main" xmlns:c="http://schemas.openxmlformats.org/drawingml/2006/chart" xmlns:dgm="http://schemas.openxmlformats.org/drawingml/2006/diagram" xmlns:o="urn:schemas-microsoft-com:office:office" xmlns:v="urn:schemas-microsoft-com:vml" xmlns:pvml="urn:schemas-microsoft-com:office:powerpoint" xmlns:com="http://schemas.openxmlformats.org/drawingml/2006/compatibility" xmlns:p14="http://schemas.microsoft.com/office/powerpoint/2010/main" xmlns:p15="http://schemas.microsoft.com/office/powerpoint/2012/main" xmlns:ahyp="http://schemas.microsoft.com/office/drawing/2018/hyperlinkcolor">
+<p:sld xmlns:a="http://schemas.openxmlformats.org/drawingml/2006/main" xmlns:r="http://schemas.openxmlformats.org/officeDocument/2006/relationships" xmlns:p="http://schemas.openxmlformats.org/presentationml/2006/main">
   <p:cSld>
     <p:spTree>
       <p:nvGrpSpPr>
-        <p:cNvPr id="148" name="Shape 148"/>
+        <p:cNvPr id="1" name="Shape 148"/>
         <p:cNvGrpSpPr/>
         <p:nvPr/>
       </p:nvGrpSpPr>
@@ -10103,7 +10199,9 @@
       <p:sp>
         <p:nvSpPr>
           <p:cNvPr id="149" name="Google Shape;149;p16"/>
-          <p:cNvSpPr txBox="1"/>
+          <p:cNvSpPr txBox="1">
+            <a:spLocks noGrp="1"/>
+          </p:cNvSpPr>
           <p:nvPr>
             <p:ph type="title"/>
           </p:nvPr>
@@ -10118,12 +10216,12 @@
           </a:prstGeom>
         </p:spPr>
         <p:txBody>
-          <a:bodyPr anchorCtr="0" anchor="t" bIns="91425" lIns="91425" spcFirstLastPara="1" rIns="91425" wrap="square" tIns="91425">
+          <a:bodyPr spcFirstLastPara="1" wrap="square" lIns="91425" tIns="91425" rIns="91425" bIns="91425" anchor="t" anchorCtr="0">
             <a:normAutofit/>
           </a:bodyPr>
           <a:lstStyle/>
           <a:p>
-            <a:pPr indent="0" lvl="0" marL="0" rtl="0" algn="l">
+            <a:pPr marL="0" lvl="0" indent="0" algn="l" rtl="0">
               <a:spcBef>
                 <a:spcPts val="0"/>
               </a:spcBef>
@@ -10143,9 +10241,11 @@
       <p:sp>
         <p:nvSpPr>
           <p:cNvPr id="150" name="Google Shape;150;p16"/>
-          <p:cNvSpPr txBox="1"/>
+          <p:cNvSpPr txBox="1">
+            <a:spLocks noGrp="1"/>
+          </p:cNvSpPr>
           <p:nvPr>
-            <p:ph idx="1" type="body"/>
+            <p:ph type="body" idx="1"/>
           </p:nvPr>
         </p:nvSpPr>
         <p:spPr>
@@ -10158,12 +10258,12 @@
           </a:prstGeom>
         </p:spPr>
         <p:txBody>
-          <a:bodyPr anchorCtr="0" anchor="t" bIns="91425" lIns="91425" spcFirstLastPara="1" rIns="91425" wrap="square" tIns="91425">
+          <a:bodyPr spcFirstLastPara="1" wrap="square" lIns="91425" tIns="91425" rIns="91425" bIns="91425" anchor="t" anchorCtr="0">
             <a:normAutofit lnSpcReduction="10000"/>
           </a:bodyPr>
           <a:lstStyle/>
           <a:p>
-            <a:pPr indent="-311150" lvl="0" marL="457200" rtl="0" algn="l">
+            <a:pPr marL="457200" lvl="0" indent="-311150" algn="l" rtl="0">
               <a:lnSpc>
                 <a:spcPct val="100000"/>
               </a:lnSpc>
@@ -10183,7 +10283,7 @@
             <a:endParaRPr/>
           </a:p>
           <a:p>
-            <a:pPr indent="-311150" lvl="0" marL="457200" rtl="0" algn="l">
+            <a:pPr marL="457200" lvl="0" indent="-311150" algn="l" rtl="0">
               <a:lnSpc>
                 <a:spcPct val="100000"/>
               </a:lnSpc>
@@ -10198,16 +10298,12 @@
             </a:pPr>
             <a:r>
               <a:rPr lang="en"/>
-              <a:t>Dropdown menu </a:t>
-            </a:r>
-            <a:r>
-              <a:rPr lang="en"/>
-              <a:t>allows user to switch between each region’s subregions</a:t>
+              <a:t>Dropdown menu allows user to switch between each region’s subregions</a:t>
             </a:r>
             <a:endParaRPr/>
           </a:p>
           <a:p>
-            <a:pPr indent="-311150" lvl="0" marL="457200" rtl="0" algn="l">
+            <a:pPr marL="457200" lvl="0" indent="-311150" algn="l" rtl="0">
               <a:lnSpc>
                 <a:spcPct val="100000"/>
               </a:lnSpc>
@@ -10227,7 +10323,7 @@
             <a:endParaRPr/>
           </a:p>
           <a:p>
-            <a:pPr indent="-298449" lvl="1" marL="1005839" rtl="0" algn="l">
+            <a:pPr marL="1005839" lvl="1" indent="-298449" algn="l" rtl="0">
               <a:lnSpc>
                 <a:spcPct val="100000"/>
               </a:lnSpc>
@@ -10247,7 +10343,7 @@
             <a:endParaRPr/>
           </a:p>
           <a:p>
-            <a:pPr indent="-311150" lvl="0" marL="457200" rtl="0" algn="l">
+            <a:pPr marL="457200" lvl="0" indent="-311150" algn="l" rtl="0">
               <a:lnSpc>
                 <a:spcPct val="100000"/>
               </a:lnSpc>
@@ -10305,11 +10401,11 @@
 </file>
 
 <file path=ppt/slides/slide5.xml><?xml version="1.0" encoding="utf-8"?>
-<p:sld xmlns:a="http://schemas.openxmlformats.org/drawingml/2006/main" xmlns:r="http://schemas.openxmlformats.org/officeDocument/2006/relationships" xmlns:mc="http://schemas.openxmlformats.org/markup-compatibility/2006" xmlns:mv="urn:schemas-microsoft-com:mac:vml" xmlns:p="http://schemas.openxmlformats.org/presentationml/2006/main" xmlns:c="http://schemas.openxmlformats.org/drawingml/2006/chart" xmlns:dgm="http://schemas.openxmlformats.org/drawingml/2006/diagram" xmlns:o="urn:schemas-microsoft-com:office:office" xmlns:v="urn:schemas-microsoft-com:vml" xmlns:pvml="urn:schemas-microsoft-com:office:powerpoint" xmlns:com="http://schemas.openxmlformats.org/drawingml/2006/compatibility" xmlns:p14="http://schemas.microsoft.com/office/powerpoint/2010/main" xmlns:p15="http://schemas.microsoft.com/office/powerpoint/2012/main" xmlns:ahyp="http://schemas.microsoft.com/office/drawing/2018/hyperlinkcolor">
+<p:sld xmlns:a="http://schemas.openxmlformats.org/drawingml/2006/main" xmlns:r="http://schemas.openxmlformats.org/officeDocument/2006/relationships" xmlns:p="http://schemas.openxmlformats.org/presentationml/2006/main">
   <p:cSld>
     <p:spTree>
       <p:nvGrpSpPr>
-        <p:cNvPr id="155" name="Shape 155"/>
+        <p:cNvPr id="1" name="Shape 155"/>
         <p:cNvGrpSpPr/>
         <p:nvPr/>
       </p:nvGrpSpPr>
@@ -10324,7 +10420,9 @@
       <p:sp>
         <p:nvSpPr>
           <p:cNvPr id="156" name="Google Shape;156;p17"/>
-          <p:cNvSpPr txBox="1"/>
+          <p:cNvSpPr txBox="1">
+            <a:spLocks noGrp="1"/>
+          </p:cNvSpPr>
           <p:nvPr>
             <p:ph type="title"/>
           </p:nvPr>
@@ -10339,12 +10437,12 @@
           </a:prstGeom>
         </p:spPr>
         <p:txBody>
-          <a:bodyPr anchorCtr="0" anchor="t" bIns="91425" lIns="91425" spcFirstLastPara="1" rIns="91425" wrap="square" tIns="91425">
+          <a:bodyPr spcFirstLastPara="1" wrap="square" lIns="91425" tIns="91425" rIns="91425" bIns="91425" anchor="t" anchorCtr="0">
             <a:normAutofit/>
           </a:bodyPr>
           <a:lstStyle/>
           <a:p>
-            <a:pPr indent="0" lvl="0" marL="0" rtl="0" algn="l">
+            <a:pPr marL="0" lvl="0" indent="0" algn="l" rtl="0">
               <a:spcBef>
                 <a:spcPts val="0"/>
               </a:spcBef>
@@ -10364,9 +10462,11 @@
       <p:sp>
         <p:nvSpPr>
           <p:cNvPr id="157" name="Google Shape;157;p17"/>
-          <p:cNvSpPr txBox="1"/>
+          <p:cNvSpPr txBox="1">
+            <a:spLocks noGrp="1"/>
+          </p:cNvSpPr>
           <p:nvPr>
-            <p:ph idx="1" type="body"/>
+            <p:ph type="body" idx="1"/>
           </p:nvPr>
         </p:nvSpPr>
         <p:spPr>
@@ -10379,12 +10479,12 @@
           </a:prstGeom>
         </p:spPr>
         <p:txBody>
-          <a:bodyPr anchorCtr="0" anchor="t" bIns="91425" lIns="91425" spcFirstLastPara="1" rIns="91425" wrap="square" tIns="91425">
+          <a:bodyPr spcFirstLastPara="1" wrap="square" lIns="91425" tIns="91425" rIns="91425" bIns="91425" anchor="t" anchorCtr="0">
             <a:normAutofit/>
           </a:bodyPr>
           <a:lstStyle/>
           <a:p>
-            <a:pPr indent="-311150" lvl="0" marL="457200" rtl="0" algn="l">
+            <a:pPr marL="457200" lvl="0" indent="-311150" algn="l" rtl="0">
               <a:spcBef>
                 <a:spcPts val="0"/>
               </a:spcBef>
@@ -10401,7 +10501,7 @@
             <a:endParaRPr/>
           </a:p>
           <a:p>
-            <a:pPr indent="-311150" lvl="0" marL="457200" rtl="0" algn="l">
+            <a:pPr marL="457200" lvl="0" indent="-311150" algn="l" rtl="0">
               <a:spcBef>
                 <a:spcPts val="0"/>
               </a:spcBef>
@@ -10418,7 +10518,7 @@
             <a:endParaRPr/>
           </a:p>
           <a:p>
-            <a:pPr indent="-311150" lvl="0" marL="457200" rtl="0" algn="l">
+            <a:pPr marL="457200" lvl="0" indent="-311150" algn="l" rtl="0">
               <a:spcBef>
                 <a:spcPts val="0"/>
               </a:spcBef>
@@ -10473,11 +10573,11 @@
 </file>
 
 <file path=ppt/slides/slide6.xml><?xml version="1.0" encoding="utf-8"?>
-<p:sld xmlns:a="http://schemas.openxmlformats.org/drawingml/2006/main" xmlns:r="http://schemas.openxmlformats.org/officeDocument/2006/relationships" xmlns:mc="http://schemas.openxmlformats.org/markup-compatibility/2006" xmlns:mv="urn:schemas-microsoft-com:mac:vml" xmlns:p="http://schemas.openxmlformats.org/presentationml/2006/main" xmlns:c="http://schemas.openxmlformats.org/drawingml/2006/chart" xmlns:dgm="http://schemas.openxmlformats.org/drawingml/2006/diagram" xmlns:o="urn:schemas-microsoft-com:office:office" xmlns:v="urn:schemas-microsoft-com:vml" xmlns:pvml="urn:schemas-microsoft-com:office:powerpoint" xmlns:com="http://schemas.openxmlformats.org/drawingml/2006/compatibility" xmlns:p14="http://schemas.microsoft.com/office/powerpoint/2010/main" xmlns:p15="http://schemas.microsoft.com/office/powerpoint/2012/main" xmlns:ahyp="http://schemas.microsoft.com/office/drawing/2018/hyperlinkcolor">
+<p:sld xmlns:a="http://schemas.openxmlformats.org/drawingml/2006/main" xmlns:r="http://schemas.openxmlformats.org/officeDocument/2006/relationships" xmlns:p="http://schemas.openxmlformats.org/presentationml/2006/main">
   <p:cSld>
     <p:spTree>
       <p:nvGrpSpPr>
-        <p:cNvPr id="162" name="Shape 162"/>
+        <p:cNvPr id="1" name="Shape 162"/>
         <p:cNvGrpSpPr/>
         <p:nvPr/>
       </p:nvGrpSpPr>
@@ -10492,7 +10592,9 @@
       <p:sp>
         <p:nvSpPr>
           <p:cNvPr id="163" name="Google Shape;163;p18"/>
-          <p:cNvSpPr txBox="1"/>
+          <p:cNvSpPr txBox="1">
+            <a:spLocks noGrp="1"/>
+          </p:cNvSpPr>
           <p:nvPr>
             <p:ph type="title"/>
           </p:nvPr>
@@ -10507,12 +10609,12 @@
           </a:prstGeom>
         </p:spPr>
         <p:txBody>
-          <a:bodyPr anchorCtr="0" anchor="t" bIns="91425" lIns="91425" spcFirstLastPara="1" rIns="91425" wrap="square" tIns="91425">
+          <a:bodyPr spcFirstLastPara="1" wrap="square" lIns="91425" tIns="91425" rIns="91425" bIns="91425" anchor="t" anchorCtr="0">
             <a:normAutofit/>
           </a:bodyPr>
           <a:lstStyle/>
           <a:p>
-            <a:pPr indent="0" lvl="0" marL="0" rtl="0" algn="l">
+            <a:pPr marL="0" lvl="0" indent="0" algn="l" rtl="0">
               <a:spcBef>
                 <a:spcPts val="0"/>
               </a:spcBef>
@@ -10521,9 +10623,6 @@
               </a:spcAft>
               <a:buNone/>
             </a:pPr>
-            <a:r>
-              <a:t/>
-            </a:r>
             <a:endParaRPr/>
           </a:p>
         </p:txBody>
@@ -10531,9 +10630,11 @@
       <p:sp>
         <p:nvSpPr>
           <p:cNvPr id="164" name="Google Shape;164;p18"/>
-          <p:cNvSpPr txBox="1"/>
+          <p:cNvSpPr txBox="1">
+            <a:spLocks noGrp="1"/>
+          </p:cNvSpPr>
           <p:nvPr>
-            <p:ph idx="1" type="body"/>
+            <p:ph type="body" idx="1"/>
           </p:nvPr>
         </p:nvSpPr>
         <p:spPr>
@@ -10546,12 +10647,12 @@
           </a:prstGeom>
         </p:spPr>
         <p:txBody>
-          <a:bodyPr anchorCtr="0" anchor="t" bIns="91425" lIns="91425" spcFirstLastPara="1" rIns="91425" wrap="square" tIns="91425">
+          <a:bodyPr spcFirstLastPara="1" wrap="square" lIns="91425" tIns="91425" rIns="91425" bIns="91425" anchor="t" anchorCtr="0">
             <a:normAutofit/>
           </a:bodyPr>
           <a:lstStyle/>
           <a:p>
-            <a:pPr indent="0" lvl="0" marL="0" rtl="0" algn="l">
+            <a:pPr marL="0" lvl="0" indent="0" algn="l" rtl="0">
               <a:spcBef>
                 <a:spcPts val="0"/>
               </a:spcBef>
@@ -10560,9 +10661,6 @@
               </a:spcAft>
               <a:buNone/>
             </a:pPr>
-            <a:r>
-              <a:t/>
-            </a:r>
             <a:endParaRPr/>
           </a:p>
         </p:txBody>
@@ -10604,11 +10702,11 @@
 </file>
 
 <file path=ppt/slides/slide7.xml><?xml version="1.0" encoding="utf-8"?>
-<p:sld xmlns:a="http://schemas.openxmlformats.org/drawingml/2006/main" xmlns:r="http://schemas.openxmlformats.org/officeDocument/2006/relationships" xmlns:mc="http://schemas.openxmlformats.org/markup-compatibility/2006" xmlns:mv="urn:schemas-microsoft-com:mac:vml" xmlns:p="http://schemas.openxmlformats.org/presentationml/2006/main" xmlns:c="http://schemas.openxmlformats.org/drawingml/2006/chart" xmlns:dgm="http://schemas.openxmlformats.org/drawingml/2006/diagram" xmlns:o="urn:schemas-microsoft-com:office:office" xmlns:v="urn:schemas-microsoft-com:vml" xmlns:pvml="urn:schemas-microsoft-com:office:powerpoint" xmlns:com="http://schemas.openxmlformats.org/drawingml/2006/compatibility" xmlns:p14="http://schemas.microsoft.com/office/powerpoint/2010/main" xmlns:p15="http://schemas.microsoft.com/office/powerpoint/2012/main" xmlns:ahyp="http://schemas.microsoft.com/office/drawing/2018/hyperlinkcolor">
+<p:sld xmlns:a="http://schemas.openxmlformats.org/drawingml/2006/main" xmlns:r="http://schemas.openxmlformats.org/officeDocument/2006/relationships" xmlns:p="http://schemas.openxmlformats.org/presentationml/2006/main">
   <p:cSld>
     <p:spTree>
       <p:nvGrpSpPr>
-        <p:cNvPr id="169" name="Shape 169"/>
+        <p:cNvPr id="1" name="Shape 169"/>
         <p:cNvGrpSpPr/>
         <p:nvPr/>
       </p:nvGrpSpPr>
@@ -10623,7 +10721,9 @@
       <p:sp>
         <p:nvSpPr>
           <p:cNvPr id="170" name="Google Shape;170;p19"/>
-          <p:cNvSpPr txBox="1"/>
+          <p:cNvSpPr txBox="1">
+            <a:spLocks noGrp="1"/>
+          </p:cNvSpPr>
           <p:nvPr>
             <p:ph type="title"/>
           </p:nvPr>
@@ -10638,12 +10738,12 @@
           </a:prstGeom>
         </p:spPr>
         <p:txBody>
-          <a:bodyPr anchorCtr="0" anchor="t" bIns="91425" lIns="91425" spcFirstLastPara="1" rIns="91425" wrap="square" tIns="91425">
+          <a:bodyPr spcFirstLastPara="1" wrap="square" lIns="91425" tIns="91425" rIns="91425" bIns="91425" anchor="t" anchorCtr="0">
             <a:normAutofit/>
           </a:bodyPr>
           <a:lstStyle/>
           <a:p>
-            <a:pPr indent="0" lvl="0" marL="0" rtl="0" algn="l">
+            <a:pPr marL="0" lvl="0" indent="0" algn="l" rtl="0">
               <a:spcBef>
                 <a:spcPts val="0"/>
               </a:spcBef>
@@ -10653,37 +10753,39 @@
               <a:buNone/>
             </a:pPr>
             <a:r>
-              <a:rPr lang="en"/>
+              <a:rPr lang="en" dirty="0"/>
               <a:t>Population Bubble Map</a:t>
             </a:r>
-            <a:endParaRPr/>
+            <a:endParaRPr dirty="0"/>
           </a:p>
         </p:txBody>
       </p:sp>
       <p:sp>
         <p:nvSpPr>
           <p:cNvPr id="171" name="Google Shape;171;p19"/>
-          <p:cNvSpPr txBox="1"/>
+          <p:cNvSpPr txBox="1">
+            <a:spLocks noGrp="1"/>
+          </p:cNvSpPr>
           <p:nvPr>
-            <p:ph idx="1" type="body"/>
+            <p:ph type="body" idx="1"/>
           </p:nvPr>
         </p:nvSpPr>
         <p:spPr>
           <a:xfrm>
-            <a:off x="819150" y="1990725"/>
-            <a:ext cx="3132300" cy="2448000"/>
+            <a:off x="819150" y="1585047"/>
+            <a:ext cx="3132300" cy="2712853"/>
           </a:xfrm>
           <a:prstGeom prst="rect">
             <a:avLst/>
           </a:prstGeom>
         </p:spPr>
         <p:txBody>
-          <a:bodyPr anchorCtr="0" anchor="t" bIns="91425" lIns="91425" spcFirstLastPara="1" rIns="91425" wrap="square" tIns="91425">
+          <a:bodyPr spcFirstLastPara="1" wrap="square" lIns="91425" tIns="91425" rIns="91425" bIns="91425" anchor="t" anchorCtr="0">
             <a:normAutofit/>
           </a:bodyPr>
           <a:lstStyle/>
           <a:p>
-            <a:pPr indent="-311150" lvl="0" marL="457200" rtl="0" algn="l">
+            <a:pPr marL="457200" lvl="0" indent="-311150" algn="l" rtl="0">
               <a:spcBef>
                 <a:spcPts val="0"/>
               </a:spcBef>
@@ -10694,21 +10796,19 @@
               <a:buChar char="●"/>
             </a:pPr>
             <a:r>
-              <a:rPr lang="en"/>
-              <a:t>Map of the </a:t>
+              <a:rPr lang="en" dirty="0"/>
+              <a:t>Map of the world displaying circle markers which have radio based on population and colors based on area.</a:t>
             </a:r>
-            <a:r>
-              <a:rPr lang="en"/>
-              <a:t>world</a:t>
-            </a:r>
-            <a:r>
-              <a:rPr lang="en"/>
-              <a:t> displaying circle markers which have radii based on population and colors based on land area</a:t>
-            </a:r>
-            <a:endParaRPr/>
+            <a:endParaRPr dirty="0"/>
           </a:p>
           <a:p>
-            <a:pPr indent="-311150" lvl="0" marL="457200" rtl="0" algn="l">
+            <a:r>
+              <a:rPr lang="en" dirty="0"/>
+              <a:t>Locations based on coordinates contained in API.</a:t>
+            </a:r>
+          </a:p>
+          <a:p>
+            <a:pPr marL="457200" lvl="0" indent="-311150" algn="l" rtl="0">
               <a:spcBef>
                 <a:spcPts val="0"/>
               </a:spcBef>
@@ -10719,13 +10819,13 @@
               <a:buChar char="●"/>
             </a:pPr>
             <a:r>
-              <a:rPr lang="en"/>
-              <a:t>Locations based on coordinates contained in API</a:t>
+              <a:rPr lang="en" dirty="0"/>
+              <a:t>Population density – Highest: China.      </a:t>
             </a:r>
-            <a:endParaRPr/>
+            <a:endParaRPr dirty="0"/>
           </a:p>
           <a:p>
-            <a:pPr indent="-311150" lvl="0" marL="457200" rtl="0" algn="l">
+            <a:pPr marL="457200" lvl="0" indent="-311150" algn="l" rtl="0">
               <a:spcBef>
                 <a:spcPts val="0"/>
               </a:spcBef>
@@ -10736,13 +10836,13 @@
               <a:buChar char="●"/>
             </a:pPr>
             <a:r>
-              <a:rPr lang="en"/>
+              <a:rPr lang="en" dirty="0"/>
               <a:t>Population and area information available upon clicking the markers</a:t>
             </a:r>
-            <a:endParaRPr/>
+            <a:endParaRPr dirty="0"/>
           </a:p>
           <a:p>
-            <a:pPr indent="-292100" lvl="1" marL="914400" rtl="0" algn="l">
+            <a:pPr marL="914400" lvl="1" indent="-292100" algn="l" rtl="0">
               <a:spcBef>
                 <a:spcPts val="0"/>
               </a:spcBef>
@@ -10753,13 +10853,13 @@
               <a:buChar char="○"/>
             </a:pPr>
             <a:r>
-              <a:rPr lang="en" sz="1000"/>
+              <a:rPr lang="en" sz="1000" dirty="0"/>
               <a:t>Largest/Smallest: Russia/Vatican City</a:t>
             </a:r>
-            <a:endParaRPr sz="1000"/>
+            <a:endParaRPr sz="1000" dirty="0"/>
           </a:p>
           <a:p>
-            <a:pPr indent="-292100" lvl="1" marL="914400" rtl="0" algn="l">
+            <a:pPr marL="914400" lvl="1" indent="-292100" algn="l" rtl="0">
               <a:spcBef>
                 <a:spcPts val="0"/>
               </a:spcBef>
@@ -10770,39 +10870,40 @@
               <a:buChar char="○"/>
             </a:pPr>
             <a:r>
-              <a:rPr lang="en" sz="1000"/>
+              <a:rPr lang="en" sz="1000" dirty="0"/>
               <a:t>Most/Least People: China/Vatican City</a:t>
             </a:r>
-            <a:endParaRPr sz="1000"/>
           </a:p>
         </p:txBody>
       </p:sp>
       <p:pic>
         <p:nvPicPr>
-          <p:cNvPr id="172" name="Google Shape;172;p19"/>
-          <p:cNvPicPr preferRelativeResize="0"/>
+          <p:cNvPr id="3" name="Picture 2">
+            <a:extLst>
+              <a:ext uri="{FF2B5EF4-FFF2-40B4-BE49-F238E27FC236}">
+                <a16:creationId xmlns:a16="http://schemas.microsoft.com/office/drawing/2014/main" id="{1882081E-F585-E6A1-9A4C-15B2863D5F1F}"/>
+              </a:ext>
+            </a:extLst>
+          </p:cNvPr>
+          <p:cNvPicPr>
+            <a:picLocks noChangeAspect="1"/>
+          </p:cNvPicPr>
           <p:nvPr/>
         </p:nvPicPr>
         <p:blipFill>
-          <a:blip r:embed="rId3">
-            <a:alphaModFix/>
-          </a:blip>
+          <a:blip r:embed="rId3"/>
           <a:stretch>
             <a:fillRect/>
           </a:stretch>
         </p:blipFill>
         <p:spPr>
           <a:xfrm>
-            <a:off x="3951450" y="1472650"/>
-            <a:ext cx="4888250" cy="3147175"/>
+            <a:off x="4067788" y="1585047"/>
+            <a:ext cx="4632621" cy="2712853"/>
           </a:xfrm>
           <a:prstGeom prst="rect">
             <a:avLst/>
           </a:prstGeom>
-          <a:noFill/>
-          <a:ln>
-            <a:noFill/>
-          </a:ln>
         </p:spPr>
       </p:pic>
     </p:spTree>
@@ -10814,11 +10915,11 @@
 </file>
 
 <file path=ppt/slides/slide8.xml><?xml version="1.0" encoding="utf-8"?>
-<p:sld xmlns:a="http://schemas.openxmlformats.org/drawingml/2006/main" xmlns:r="http://schemas.openxmlformats.org/officeDocument/2006/relationships" xmlns:mc="http://schemas.openxmlformats.org/markup-compatibility/2006" xmlns:mv="urn:schemas-microsoft-com:mac:vml" xmlns:p="http://schemas.openxmlformats.org/presentationml/2006/main" xmlns:c="http://schemas.openxmlformats.org/drawingml/2006/chart" xmlns:dgm="http://schemas.openxmlformats.org/drawingml/2006/diagram" xmlns:o="urn:schemas-microsoft-com:office:office" xmlns:v="urn:schemas-microsoft-com:vml" xmlns:pvml="urn:schemas-microsoft-com:office:powerpoint" xmlns:com="http://schemas.openxmlformats.org/drawingml/2006/compatibility" xmlns:p14="http://schemas.microsoft.com/office/powerpoint/2010/main" xmlns:p15="http://schemas.microsoft.com/office/powerpoint/2012/main" xmlns:ahyp="http://schemas.microsoft.com/office/drawing/2018/hyperlinkcolor">
+<p:sld xmlns:a="http://schemas.openxmlformats.org/drawingml/2006/main" xmlns:r="http://schemas.openxmlformats.org/officeDocument/2006/relationships" xmlns:p="http://schemas.openxmlformats.org/presentationml/2006/main">
   <p:cSld>
     <p:spTree>
       <p:nvGrpSpPr>
-        <p:cNvPr id="176" name="Shape 176"/>
+        <p:cNvPr id="1" name="Shape 176"/>
         <p:cNvGrpSpPr/>
         <p:nvPr/>
       </p:nvGrpSpPr>
@@ -10833,7 +10934,9 @@
       <p:sp>
         <p:nvSpPr>
           <p:cNvPr id="177" name="Google Shape;177;p20"/>
-          <p:cNvSpPr txBox="1"/>
+          <p:cNvSpPr txBox="1">
+            <a:spLocks noGrp="1"/>
+          </p:cNvSpPr>
           <p:nvPr>
             <p:ph type="title"/>
           </p:nvPr>
@@ -10848,12 +10951,12 @@
           </a:prstGeom>
         </p:spPr>
         <p:txBody>
-          <a:bodyPr anchorCtr="0" anchor="ctr" bIns="91425" lIns="91425" spcFirstLastPara="1" rIns="91425" wrap="square" tIns="91425">
+          <a:bodyPr spcFirstLastPara="1" wrap="square" lIns="91425" tIns="91425" rIns="91425" bIns="91425" anchor="ctr" anchorCtr="0">
             <a:normAutofit/>
           </a:bodyPr>
           <a:lstStyle/>
           <a:p>
-            <a:pPr indent="0" lvl="0" marL="0" rtl="0" algn="ctr">
+            <a:pPr marL="0" lvl="0" indent="0" algn="ctr" rtl="0">
               <a:spcBef>
                 <a:spcPts val="0"/>
               </a:spcBef>
@@ -10879,7 +10982,288 @@
 </file>
 
 <file path=ppt/theme/theme1.xml><?xml version="1.0" encoding="utf-8"?>
-<a:theme xmlns:a="http://schemas.openxmlformats.org/drawingml/2006/main" xmlns:r="http://schemas.openxmlformats.org/officeDocument/2006/relationships">
+<a:theme xmlns:a="http://schemas.openxmlformats.org/drawingml/2006/main" name="Shift">
+  <a:themeElements>
+    <a:clrScheme name="Shift">
+      <a:dk1>
+        <a:srgbClr val="FFFFFF"/>
+      </a:dk1>
+      <a:lt1>
+        <a:srgbClr val="AF7B51"/>
+      </a:lt1>
+      <a:dk2>
+        <a:srgbClr val="233A44"/>
+      </a:dk2>
+      <a:lt2>
+        <a:srgbClr val="D9D9D9"/>
+      </a:lt2>
+      <a:accent1>
+        <a:srgbClr val="00796B"/>
+      </a:accent1>
+      <a:accent2>
+        <a:srgbClr val="D9563F"/>
+      </a:accent2>
+      <a:accent3>
+        <a:srgbClr val="C4A15A"/>
+      </a:accent3>
+      <a:accent4>
+        <a:srgbClr val="14F597"/>
+      </a:accent4>
+      <a:accent5>
+        <a:srgbClr val="3D4594"/>
+      </a:accent5>
+      <a:accent6>
+        <a:srgbClr val="163EF5"/>
+      </a:accent6>
+      <a:hlink>
+        <a:srgbClr val="3D4594"/>
+      </a:hlink>
+      <a:folHlink>
+        <a:srgbClr val="3D4594"/>
+      </a:folHlink>
+    </a:clrScheme>
+    <a:fontScheme name="Office">
+      <a:majorFont>
+        <a:latin typeface="Arial"/>
+        <a:ea typeface=""/>
+        <a:cs typeface=""/>
+        <a:font script="Jpan" typeface="ＭＳ Ｐゴシック"/>
+        <a:font script="Hang" typeface="맑은 고딕"/>
+        <a:font script="Hans" typeface="宋体"/>
+        <a:font script="Hant" typeface="新細明體"/>
+        <a:font script="Arab" typeface="Times New Roman"/>
+        <a:font script="Hebr" typeface="Times New Roman"/>
+        <a:font script="Thai" typeface="Angsana New"/>
+        <a:font script="Ethi" typeface="Nyala"/>
+        <a:font script="Beng" typeface="Vrinda"/>
+        <a:font script="Gujr" typeface="Shruti"/>
+        <a:font script="Khmr" typeface="MoolBoran"/>
+        <a:font script="Knda" typeface="Tunga"/>
+        <a:font script="Guru" typeface="Raavi"/>
+        <a:font script="Cans" typeface="Euphemia"/>
+        <a:font script="Cher" typeface="Plantagenet Cherokee"/>
+        <a:font script="Yiii" typeface="Microsoft Yi Baiti"/>
+        <a:font script="Tibt" typeface="Microsoft Himalaya"/>
+        <a:font script="Thaa" typeface="MV Boli"/>
+        <a:font script="Deva" typeface="Mangal"/>
+        <a:font script="Telu" typeface="Gautami"/>
+        <a:font script="Taml" typeface="Latha"/>
+        <a:font script="Syrc" typeface="Estrangelo Edessa"/>
+        <a:font script="Orya" typeface="Kalinga"/>
+        <a:font script="Mlym" typeface="Kartika"/>
+        <a:font script="Laoo" typeface="DokChampa"/>
+        <a:font script="Sinh" typeface="Iskoola Pota"/>
+        <a:font script="Mong" typeface="Mongolian Baiti"/>
+        <a:font script="Viet" typeface="Times New Roman"/>
+        <a:font script="Uigh" typeface="Microsoft Uighur"/>
+        <a:font script="Geor" typeface="Sylfaen"/>
+      </a:majorFont>
+      <a:minorFont>
+        <a:latin typeface="Arial"/>
+        <a:ea typeface=""/>
+        <a:cs typeface=""/>
+        <a:font script="Jpan" typeface="ＭＳ Ｐゴシック"/>
+        <a:font script="Hang" typeface="맑은 고딕"/>
+        <a:font script="Hans" typeface="宋体"/>
+        <a:font script="Hant" typeface="新細明體"/>
+        <a:font script="Arab" typeface="Arial"/>
+        <a:font script="Hebr" typeface="Arial"/>
+        <a:font script="Thai" typeface="Cordia New"/>
+        <a:font script="Ethi" typeface="Nyala"/>
+        <a:font script="Beng" typeface="Vrinda"/>
+        <a:font script="Gujr" typeface="Shruti"/>
+        <a:font script="Khmr" typeface="DaunPenh"/>
+        <a:font script="Knda" typeface="Tunga"/>
+        <a:font script="Guru" typeface="Raavi"/>
+        <a:font script="Cans" typeface="Euphemia"/>
+        <a:font script="Cher" typeface="Plantagenet Cherokee"/>
+        <a:font script="Yiii" typeface="Microsoft Yi Baiti"/>
+        <a:font script="Tibt" typeface="Microsoft Himalaya"/>
+        <a:font script="Thaa" typeface="MV Boli"/>
+        <a:font script="Deva" typeface="Mangal"/>
+        <a:font script="Telu" typeface="Gautami"/>
+        <a:font script="Taml" typeface="Latha"/>
+        <a:font script="Syrc" typeface="Estrangelo Edessa"/>
+        <a:font script="Orya" typeface="Kalinga"/>
+        <a:font script="Mlym" typeface="Kartika"/>
+        <a:font script="Laoo" typeface="DokChampa"/>
+        <a:font script="Sinh" typeface="Iskoola Pota"/>
+        <a:font script="Mong" typeface="Mongolian Baiti"/>
+        <a:font script="Viet" typeface="Arial"/>
+        <a:font script="Uigh" typeface="Microsoft Uighur"/>
+        <a:font script="Geor" typeface="Sylfaen"/>
+      </a:minorFont>
+    </a:fontScheme>
+    <a:fmtScheme name="Office">
+      <a:fillStyleLst>
+        <a:solidFill>
+          <a:schemeClr val="phClr"/>
+        </a:solidFill>
+        <a:gradFill rotWithShape="1">
+          <a:gsLst>
+            <a:gs pos="0">
+              <a:schemeClr val="phClr">
+                <a:tint val="50000"/>
+                <a:satMod val="300000"/>
+              </a:schemeClr>
+            </a:gs>
+            <a:gs pos="35000">
+              <a:schemeClr val="phClr">
+                <a:tint val="37000"/>
+                <a:satMod val="300000"/>
+              </a:schemeClr>
+            </a:gs>
+            <a:gs pos="100000">
+              <a:schemeClr val="phClr">
+                <a:tint val="15000"/>
+                <a:satMod val="350000"/>
+              </a:schemeClr>
+            </a:gs>
+          </a:gsLst>
+          <a:lin ang="16200000" scaled="1"/>
+        </a:gradFill>
+        <a:gradFill rotWithShape="1">
+          <a:gsLst>
+            <a:gs pos="0">
+              <a:schemeClr val="phClr">
+                <a:tint val="100000"/>
+                <a:shade val="100000"/>
+                <a:satMod val="130000"/>
+              </a:schemeClr>
+            </a:gs>
+            <a:gs pos="100000">
+              <a:schemeClr val="phClr">
+                <a:tint val="50000"/>
+                <a:shade val="100000"/>
+                <a:satMod val="350000"/>
+              </a:schemeClr>
+            </a:gs>
+          </a:gsLst>
+          <a:lin ang="16200000" scaled="0"/>
+        </a:gradFill>
+      </a:fillStyleLst>
+      <a:lnStyleLst>
+        <a:ln w="9525" cap="flat" cmpd="sng" algn="ctr">
+          <a:solidFill>
+            <a:schemeClr val="phClr">
+              <a:shade val="95000"/>
+              <a:satMod val="105000"/>
+            </a:schemeClr>
+          </a:solidFill>
+          <a:prstDash val="solid"/>
+        </a:ln>
+        <a:ln w="25400" cap="flat" cmpd="sng" algn="ctr">
+          <a:solidFill>
+            <a:schemeClr val="phClr"/>
+          </a:solidFill>
+          <a:prstDash val="solid"/>
+        </a:ln>
+        <a:ln w="38100" cap="flat" cmpd="sng" algn="ctr">
+          <a:solidFill>
+            <a:schemeClr val="phClr"/>
+          </a:solidFill>
+          <a:prstDash val="solid"/>
+        </a:ln>
+      </a:lnStyleLst>
+      <a:effectStyleLst>
+        <a:effectStyle>
+          <a:effectLst>
+            <a:outerShdw blurRad="40000" dist="20000" dir="5400000" rotWithShape="0">
+              <a:srgbClr val="000000">
+                <a:alpha val="38000"/>
+              </a:srgbClr>
+            </a:outerShdw>
+          </a:effectLst>
+        </a:effectStyle>
+        <a:effectStyle>
+          <a:effectLst>
+            <a:outerShdw blurRad="40000" dist="23000" dir="5400000" rotWithShape="0">
+              <a:srgbClr val="000000">
+                <a:alpha val="35000"/>
+              </a:srgbClr>
+            </a:outerShdw>
+          </a:effectLst>
+        </a:effectStyle>
+        <a:effectStyle>
+          <a:effectLst>
+            <a:outerShdw blurRad="40000" dist="23000" dir="5400000" rotWithShape="0">
+              <a:srgbClr val="000000">
+                <a:alpha val="35000"/>
+              </a:srgbClr>
+            </a:outerShdw>
+          </a:effectLst>
+          <a:scene3d>
+            <a:camera prst="orthographicFront">
+              <a:rot lat="0" lon="0" rev="0"/>
+            </a:camera>
+            <a:lightRig rig="threePt" dir="t">
+              <a:rot lat="0" lon="0" rev="1200000"/>
+            </a:lightRig>
+          </a:scene3d>
+          <a:sp3d>
+            <a:bevelT w="63500" h="25400"/>
+          </a:sp3d>
+        </a:effectStyle>
+      </a:effectStyleLst>
+      <a:bgFillStyleLst>
+        <a:solidFill>
+          <a:schemeClr val="phClr"/>
+        </a:solidFill>
+        <a:gradFill rotWithShape="1">
+          <a:gsLst>
+            <a:gs pos="0">
+              <a:schemeClr val="phClr">
+                <a:tint val="40000"/>
+                <a:satMod val="350000"/>
+              </a:schemeClr>
+            </a:gs>
+            <a:gs pos="40000">
+              <a:schemeClr val="phClr">
+                <a:tint val="45000"/>
+                <a:shade val="99000"/>
+                <a:satMod val="350000"/>
+              </a:schemeClr>
+            </a:gs>
+            <a:gs pos="100000">
+              <a:schemeClr val="phClr">
+                <a:shade val="20000"/>
+                <a:satMod val="255000"/>
+              </a:schemeClr>
+            </a:gs>
+          </a:gsLst>
+          <a:path path="circle">
+            <a:fillToRect l="50000" t="-80000" r="50000" b="180000"/>
+          </a:path>
+        </a:gradFill>
+        <a:gradFill rotWithShape="1">
+          <a:gsLst>
+            <a:gs pos="0">
+              <a:schemeClr val="phClr">
+                <a:tint val="80000"/>
+                <a:satMod val="300000"/>
+              </a:schemeClr>
+            </a:gs>
+            <a:gs pos="100000">
+              <a:schemeClr val="phClr">
+                <a:shade val="30000"/>
+                <a:satMod val="200000"/>
+              </a:schemeClr>
+            </a:gs>
+          </a:gsLst>
+          <a:path path="circle">
+            <a:fillToRect l="50000" t="50000" r="50000" b="50000"/>
+          </a:path>
+        </a:gradFill>
+      </a:bgFillStyleLst>
+    </a:fmtScheme>
+  </a:themeElements>
+  <a:objectDefaults/>
+  <a:extraClrSchemeLst/>
+</a:theme>
+</file>
+
+<file path=ppt/theme/theme2.xml><?xml version="1.0" encoding="utf-8"?>
+<a:theme xmlns:a="http://schemas.openxmlformats.org/drawingml/2006/main">
   <a:themeElements>
     <a:clrScheme name="Default">
       <a:dk1>
@@ -11154,284 +11538,7 @@
       </a:bgFillStyleLst>
     </a:fmtScheme>
   </a:themeElements>
-</a:theme>
-</file>
-
-<file path=ppt/theme/theme2.xml><?xml version="1.0" encoding="utf-8"?>
-<a:theme xmlns:a="http://schemas.openxmlformats.org/drawingml/2006/main" xmlns:r="http://schemas.openxmlformats.org/officeDocument/2006/relationships" name="Shift">
-  <a:themeElements>
-    <a:clrScheme name="Shift">
-      <a:dk1>
-        <a:srgbClr val="FFFFFF"/>
-      </a:dk1>
-      <a:lt1>
-        <a:srgbClr val="AF7B51"/>
-      </a:lt1>
-      <a:dk2>
-        <a:srgbClr val="233A44"/>
-      </a:dk2>
-      <a:lt2>
-        <a:srgbClr val="D9D9D9"/>
-      </a:lt2>
-      <a:accent1>
-        <a:srgbClr val="00796B"/>
-      </a:accent1>
-      <a:accent2>
-        <a:srgbClr val="D9563F"/>
-      </a:accent2>
-      <a:accent3>
-        <a:srgbClr val="C4A15A"/>
-      </a:accent3>
-      <a:accent4>
-        <a:srgbClr val="14F597"/>
-      </a:accent4>
-      <a:accent5>
-        <a:srgbClr val="3D4594"/>
-      </a:accent5>
-      <a:accent6>
-        <a:srgbClr val="163EF5"/>
-      </a:accent6>
-      <a:hlink>
-        <a:srgbClr val="3D4594"/>
-      </a:hlink>
-      <a:folHlink>
-        <a:srgbClr val="3D4594"/>
-      </a:folHlink>
-    </a:clrScheme>
-    <a:fontScheme name="Office">
-      <a:majorFont>
-        <a:latin typeface="Arial"/>
-        <a:ea typeface=""/>
-        <a:cs typeface=""/>
-        <a:font script="Jpan" typeface="ＭＳ Ｐゴシック"/>
-        <a:font script="Hang" typeface="맑은 고딕"/>
-        <a:font script="Hans" typeface="宋体"/>
-        <a:font script="Hant" typeface="新細明體"/>
-        <a:font script="Arab" typeface="Times New Roman"/>
-        <a:font script="Hebr" typeface="Times New Roman"/>
-        <a:font script="Thai" typeface="Angsana New"/>
-        <a:font script="Ethi" typeface="Nyala"/>
-        <a:font script="Beng" typeface="Vrinda"/>
-        <a:font script="Gujr" typeface="Shruti"/>
-        <a:font script="Khmr" typeface="MoolBoran"/>
-        <a:font script="Knda" typeface="Tunga"/>
-        <a:font script="Guru" typeface="Raavi"/>
-        <a:font script="Cans" typeface="Euphemia"/>
-        <a:font script="Cher" typeface="Plantagenet Cherokee"/>
-        <a:font script="Yiii" typeface="Microsoft Yi Baiti"/>
-        <a:font script="Tibt" typeface="Microsoft Himalaya"/>
-        <a:font script="Thaa" typeface="MV Boli"/>
-        <a:font script="Deva" typeface="Mangal"/>
-        <a:font script="Telu" typeface="Gautami"/>
-        <a:font script="Taml" typeface="Latha"/>
-        <a:font script="Syrc" typeface="Estrangelo Edessa"/>
-        <a:font script="Orya" typeface="Kalinga"/>
-        <a:font script="Mlym" typeface="Kartika"/>
-        <a:font script="Laoo" typeface="DokChampa"/>
-        <a:font script="Sinh" typeface="Iskoola Pota"/>
-        <a:font script="Mong" typeface="Mongolian Baiti"/>
-        <a:font script="Viet" typeface="Times New Roman"/>
-        <a:font script="Uigh" typeface="Microsoft Uighur"/>
-        <a:font script="Geor" typeface="Sylfaen"/>
-      </a:majorFont>
-      <a:minorFont>
-        <a:latin typeface="Arial"/>
-        <a:ea typeface=""/>
-        <a:cs typeface=""/>
-        <a:font script="Jpan" typeface="ＭＳ Ｐゴシック"/>
-        <a:font script="Hang" typeface="맑은 고딕"/>
-        <a:font script="Hans" typeface="宋体"/>
-        <a:font script="Hant" typeface="新細明體"/>
-        <a:font script="Arab" typeface="Arial"/>
-        <a:font script="Hebr" typeface="Arial"/>
-        <a:font script="Thai" typeface="Cordia New"/>
-        <a:font script="Ethi" typeface="Nyala"/>
-        <a:font script="Beng" typeface="Vrinda"/>
-        <a:font script="Gujr" typeface="Shruti"/>
-        <a:font script="Khmr" typeface="DaunPenh"/>
-        <a:font script="Knda" typeface="Tunga"/>
-        <a:font script="Guru" typeface="Raavi"/>
-        <a:font script="Cans" typeface="Euphemia"/>
-        <a:font script="Cher" typeface="Plantagenet Cherokee"/>
-        <a:font script="Yiii" typeface="Microsoft Yi Baiti"/>
-        <a:font script="Tibt" typeface="Microsoft Himalaya"/>
-        <a:font script="Thaa" typeface="MV Boli"/>
-        <a:font script="Deva" typeface="Mangal"/>
-        <a:font script="Telu" typeface="Gautami"/>
-        <a:font script="Taml" typeface="Latha"/>
-        <a:font script="Syrc" typeface="Estrangelo Edessa"/>
-        <a:font script="Orya" typeface="Kalinga"/>
-        <a:font script="Mlym" typeface="Kartika"/>
-        <a:font script="Laoo" typeface="DokChampa"/>
-        <a:font script="Sinh" typeface="Iskoola Pota"/>
-        <a:font script="Mong" typeface="Mongolian Baiti"/>
-        <a:font script="Viet" typeface="Arial"/>
-        <a:font script="Uigh" typeface="Microsoft Uighur"/>
-        <a:font script="Geor" typeface="Sylfaen"/>
-      </a:minorFont>
-    </a:fontScheme>
-    <a:fmtScheme name="Office">
-      <a:fillStyleLst>
-        <a:solidFill>
-          <a:schemeClr val="phClr"/>
-        </a:solidFill>
-        <a:gradFill rotWithShape="1">
-          <a:gsLst>
-            <a:gs pos="0">
-              <a:schemeClr val="phClr">
-                <a:tint val="50000"/>
-                <a:satMod val="300000"/>
-              </a:schemeClr>
-            </a:gs>
-            <a:gs pos="35000">
-              <a:schemeClr val="phClr">
-                <a:tint val="37000"/>
-                <a:satMod val="300000"/>
-              </a:schemeClr>
-            </a:gs>
-            <a:gs pos="100000">
-              <a:schemeClr val="phClr">
-                <a:tint val="15000"/>
-                <a:satMod val="350000"/>
-              </a:schemeClr>
-            </a:gs>
-          </a:gsLst>
-          <a:lin ang="16200000" scaled="1"/>
-        </a:gradFill>
-        <a:gradFill rotWithShape="1">
-          <a:gsLst>
-            <a:gs pos="0">
-              <a:schemeClr val="phClr">
-                <a:tint val="100000"/>
-                <a:shade val="100000"/>
-                <a:satMod val="130000"/>
-              </a:schemeClr>
-            </a:gs>
-            <a:gs pos="100000">
-              <a:schemeClr val="phClr">
-                <a:tint val="50000"/>
-                <a:shade val="100000"/>
-                <a:satMod val="350000"/>
-              </a:schemeClr>
-            </a:gs>
-          </a:gsLst>
-          <a:lin ang="16200000" scaled="0"/>
-        </a:gradFill>
-      </a:fillStyleLst>
-      <a:lnStyleLst>
-        <a:ln w="9525" cap="flat" cmpd="sng" algn="ctr">
-          <a:solidFill>
-            <a:schemeClr val="phClr">
-              <a:shade val="95000"/>
-              <a:satMod val="105000"/>
-            </a:schemeClr>
-          </a:solidFill>
-          <a:prstDash val="solid"/>
-        </a:ln>
-        <a:ln w="25400" cap="flat" cmpd="sng" algn="ctr">
-          <a:solidFill>
-            <a:schemeClr val="phClr"/>
-          </a:solidFill>
-          <a:prstDash val="solid"/>
-        </a:ln>
-        <a:ln w="38100" cap="flat" cmpd="sng" algn="ctr">
-          <a:solidFill>
-            <a:schemeClr val="phClr"/>
-          </a:solidFill>
-          <a:prstDash val="solid"/>
-        </a:ln>
-      </a:lnStyleLst>
-      <a:effectStyleLst>
-        <a:effectStyle>
-          <a:effectLst>
-            <a:outerShdw blurRad="40000" dist="20000" dir="5400000" rotWithShape="0">
-              <a:srgbClr val="000000">
-                <a:alpha val="38000"/>
-              </a:srgbClr>
-            </a:outerShdw>
-          </a:effectLst>
-        </a:effectStyle>
-        <a:effectStyle>
-          <a:effectLst>
-            <a:outerShdw blurRad="40000" dist="23000" dir="5400000" rotWithShape="0">
-              <a:srgbClr val="000000">
-                <a:alpha val="35000"/>
-              </a:srgbClr>
-            </a:outerShdw>
-          </a:effectLst>
-        </a:effectStyle>
-        <a:effectStyle>
-          <a:effectLst>
-            <a:outerShdw blurRad="40000" dist="23000" dir="5400000" rotWithShape="0">
-              <a:srgbClr val="000000">
-                <a:alpha val="35000"/>
-              </a:srgbClr>
-            </a:outerShdw>
-          </a:effectLst>
-          <a:scene3d>
-            <a:camera prst="orthographicFront">
-              <a:rot lat="0" lon="0" rev="0"/>
-            </a:camera>
-            <a:lightRig rig="threePt" dir="t">
-              <a:rot lat="0" lon="0" rev="1200000"/>
-            </a:lightRig>
-          </a:scene3d>
-          <a:sp3d>
-            <a:bevelT w="63500" h="25400"/>
-          </a:sp3d>
-        </a:effectStyle>
-      </a:effectStyleLst>
-      <a:bgFillStyleLst>
-        <a:solidFill>
-          <a:schemeClr val="phClr"/>
-        </a:solidFill>
-        <a:gradFill rotWithShape="1">
-          <a:gsLst>
-            <a:gs pos="0">
-              <a:schemeClr val="phClr">
-                <a:tint val="40000"/>
-                <a:satMod val="350000"/>
-              </a:schemeClr>
-            </a:gs>
-            <a:gs pos="40000">
-              <a:schemeClr val="phClr">
-                <a:tint val="45000"/>
-                <a:shade val="99000"/>
-                <a:satMod val="350000"/>
-              </a:schemeClr>
-            </a:gs>
-            <a:gs pos="100000">
-              <a:schemeClr val="phClr">
-                <a:shade val="20000"/>
-                <a:satMod val="255000"/>
-              </a:schemeClr>
-            </a:gs>
-          </a:gsLst>
-          <a:path path="circle">
-            <a:fillToRect l="50000" t="-80000" r="50000" b="180000"/>
-          </a:path>
-        </a:gradFill>
-        <a:gradFill rotWithShape="1">
-          <a:gsLst>
-            <a:gs pos="0">
-              <a:schemeClr val="phClr">
-                <a:tint val="80000"/>
-                <a:satMod val="300000"/>
-              </a:schemeClr>
-            </a:gs>
-            <a:gs pos="100000">
-              <a:schemeClr val="phClr">
-                <a:shade val="30000"/>
-                <a:satMod val="200000"/>
-              </a:schemeClr>
-            </a:gs>
-          </a:gsLst>
-          <a:path path="circle">
-            <a:fillToRect l="50000" t="50000" r="50000" b="50000"/>
-          </a:path>
-        </a:gradFill>
-      </a:bgFillStyleLst>
-    </a:fmtScheme>
-  </a:themeElements>
+  <a:objectDefaults/>
+  <a:extraClrSchemeLst/>
 </a:theme>
 </file>
--- a/Project 3- World Data Population.pptx
+++ b/Project 3- World Data Population.pptx
@@ -5,7 +5,7 @@
     <p:sldMasterId id="2147483679" r:id="rId1"/>
   </p:sldMasterIdLst>
   <p:notesMasterIdLst>
-    <p:notesMasterId r:id="rId10"/>
+    <p:notesMasterId r:id="rId12"/>
   </p:notesMasterIdLst>
   <p:sldIdLst>
     <p:sldId id="256" r:id="rId2"/>
@@ -15,21 +15,23 @@
     <p:sldId id="260" r:id="rId6"/>
     <p:sldId id="261" r:id="rId7"/>
     <p:sldId id="262" r:id="rId8"/>
-    <p:sldId id="263" r:id="rId9"/>
+    <p:sldId id="264" r:id="rId9"/>
+    <p:sldId id="265" r:id="rId10"/>
+    <p:sldId id="263" r:id="rId11"/>
   </p:sldIdLst>
   <p:sldSz cx="9144000" cy="5143500" type="screen16x9"/>
   <p:notesSz cx="6858000" cy="9144000"/>
   <p:embeddedFontLst>
     <p:embeddedFont>
       <p:font typeface="Trebuchet MS" panose="020B0603020202020204" pitchFamily="34" charset="0"/>
-      <p:regular r:id="rId11"/>
-      <p:bold r:id="rId12"/>
-      <p:italic r:id="rId13"/>
-      <p:boldItalic r:id="rId14"/>
+      <p:regular r:id="rId13"/>
+      <p:bold r:id="rId14"/>
+      <p:italic r:id="rId15"/>
+      <p:boldItalic r:id="rId16"/>
     </p:embeddedFont>
     <p:embeddedFont>
       <p:font typeface="Wingdings 3" panose="05040102010807070707" pitchFamily="18" charset="2"/>
-      <p:regular r:id="rId15"/>
+      <p:regular r:id="rId17"/>
     </p:embeddedFont>
   </p:embeddedFontLst>
   <p:defaultTextStyle>
@@ -8889,6 +8891,1651 @@
 </p:sld>
 </file>
 
+<file path=ppt/slides/slide10.xml><?xml version="1.0" encoding="utf-8"?>
+<p:sld xmlns:a="http://schemas.openxmlformats.org/drawingml/2006/main" xmlns:r="http://schemas.openxmlformats.org/officeDocument/2006/relationships" xmlns:p="http://schemas.openxmlformats.org/presentationml/2006/main">
+  <p:cSld>
+    <p:bg>
+      <p:bgPr>
+        <a:solidFill>
+          <a:schemeClr val="bg2"/>
+        </a:solidFill>
+        <a:effectLst/>
+      </p:bgPr>
+    </p:bg>
+    <p:spTree>
+      <p:nvGrpSpPr>
+        <p:cNvPr id="1" name="Shape 176"/>
+        <p:cNvGrpSpPr/>
+        <p:nvPr/>
+      </p:nvGrpSpPr>
+      <p:grpSpPr>
+        <a:xfrm>
+          <a:off x="0" y="0"/>
+          <a:ext cx="0" cy="0"/>
+          <a:chOff x="0" y="0"/>
+          <a:chExt cx="0" cy="0"/>
+        </a:xfrm>
+      </p:grpSpPr>
+      <p:grpSp>
+        <p:nvGrpSpPr>
+          <p:cNvPr id="218" name="Group 217">
+            <a:extLst>
+              <a:ext uri="{FF2B5EF4-FFF2-40B4-BE49-F238E27FC236}">
+                <a16:creationId xmlns:a16="http://schemas.microsoft.com/office/drawing/2014/main" id="{28460BD8-AE3F-4AC9-9D0B-717052AA5D3A}"/>
+              </a:ext>
+              <a:ext uri="{C183D7F6-B498-43B3-948B-1728B52AA6E4}">
+                <adec:decorative xmlns:adec="http://schemas.microsoft.com/office/drawing/2017/decorative" val="1"/>
+              </a:ext>
+            </a:extLst>
+          </p:cNvPr>
+          <p:cNvGrpSpPr>
+            <a:grpSpLocks noGrp="1" noUngrp="1" noRot="1" noChangeAspect="1" noMove="1" noResize="1"/>
+          </p:cNvGrpSpPr>
+          <p:nvPr>
+            <p:extLst>
+              <p:ext uri="{386F3935-93C4-4BCD-93E2-E3B085C9AB24}">
+                <p16:designElem xmlns:p16="http://schemas.microsoft.com/office/powerpoint/2015/main" val="1"/>
+              </p:ext>
+            </p:extLst>
+          </p:nvPr>
+        </p:nvGrpSpPr>
+        <p:grpSpPr>
+          <a:xfrm>
+            <a:off x="0" y="-6350"/>
+            <a:ext cx="9144001" cy="5149850"/>
+            <a:chOff x="0" y="-8467"/>
+            <a:chExt cx="12192000" cy="6866467"/>
+          </a:xfrm>
+        </p:grpSpPr>
+        <p:cxnSp>
+          <p:nvCxnSpPr>
+            <p:cNvPr id="219" name="Straight Connector 218">
+              <a:extLst>
+                <a:ext uri="{FF2B5EF4-FFF2-40B4-BE49-F238E27FC236}">
+                  <a16:creationId xmlns:a16="http://schemas.microsoft.com/office/drawing/2014/main" id="{54420CFE-F482-466E-9E1E-C78513C0B85D}"/>
+                </a:ext>
+                <a:ext uri="{C183D7F6-B498-43B3-948B-1728B52AA6E4}">
+                  <adec:decorative xmlns:adec="http://schemas.microsoft.com/office/drawing/2017/decorative" val="1"/>
+                </a:ext>
+              </a:extLst>
+            </p:cNvPr>
+            <p:cNvCxnSpPr/>
+            <p:nvPr>
+              <p:extLst>
+                <p:ext uri="{386F3935-93C4-4BCD-93E2-E3B085C9AB24}">
+                  <p16:designElem xmlns:p16="http://schemas.microsoft.com/office/powerpoint/2015/main" val="1"/>
+                </p:ext>
+              </p:extLst>
+            </p:nvPr>
+          </p:nvCxnSpPr>
+          <p:spPr>
+            <a:xfrm>
+              <a:off x="9371012" y="0"/>
+              <a:ext cx="1219200" cy="6858000"/>
+            </a:xfrm>
+            <a:prstGeom prst="line">
+              <a:avLst/>
+            </a:prstGeom>
+            <a:ln w="9525">
+              <a:solidFill>
+                <a:schemeClr val="bg1">
+                  <a:lumMod val="75000"/>
+                </a:schemeClr>
+              </a:solidFill>
+            </a:ln>
+          </p:spPr>
+          <p:style>
+            <a:lnRef idx="2">
+              <a:schemeClr val="accent1"/>
+            </a:lnRef>
+            <a:fillRef idx="0">
+              <a:schemeClr val="accent1"/>
+            </a:fillRef>
+            <a:effectRef idx="1">
+              <a:schemeClr val="accent1"/>
+            </a:effectRef>
+            <a:fontRef idx="minor">
+              <a:schemeClr val="tx1"/>
+            </a:fontRef>
+          </p:style>
+        </p:cxnSp>
+        <p:cxnSp>
+          <p:nvCxnSpPr>
+            <p:cNvPr id="220" name="Straight Connector 219">
+              <a:extLst>
+                <a:ext uri="{FF2B5EF4-FFF2-40B4-BE49-F238E27FC236}">
+                  <a16:creationId xmlns:a16="http://schemas.microsoft.com/office/drawing/2014/main" id="{5331032B-BD21-4BDA-920C-12E358052567}"/>
+                </a:ext>
+                <a:ext uri="{C183D7F6-B498-43B3-948B-1728B52AA6E4}">
+                  <adec:decorative xmlns:adec="http://schemas.microsoft.com/office/drawing/2017/decorative" val="1"/>
+                </a:ext>
+              </a:extLst>
+            </p:cNvPr>
+            <p:cNvCxnSpPr/>
+            <p:nvPr>
+              <p:extLst>
+                <p:ext uri="{386F3935-93C4-4BCD-93E2-E3B085C9AB24}">
+                  <p16:designElem xmlns:p16="http://schemas.microsoft.com/office/powerpoint/2015/main" val="1"/>
+                </p:ext>
+              </p:extLst>
+            </p:nvPr>
+          </p:nvCxnSpPr>
+          <p:spPr>
+            <a:xfrm flipH="1">
+              <a:off x="7425267" y="3681413"/>
+              <a:ext cx="4763558" cy="3176587"/>
+            </a:xfrm>
+            <a:prstGeom prst="line">
+              <a:avLst/>
+            </a:prstGeom>
+            <a:ln w="9525">
+              <a:solidFill>
+                <a:schemeClr val="bg1">
+                  <a:lumMod val="85000"/>
+                </a:schemeClr>
+              </a:solidFill>
+            </a:ln>
+          </p:spPr>
+          <p:style>
+            <a:lnRef idx="2">
+              <a:schemeClr val="accent1"/>
+            </a:lnRef>
+            <a:fillRef idx="0">
+              <a:schemeClr val="accent1"/>
+            </a:fillRef>
+            <a:effectRef idx="1">
+              <a:schemeClr val="accent1"/>
+            </a:effectRef>
+            <a:fontRef idx="minor">
+              <a:schemeClr val="tx1"/>
+            </a:fontRef>
+          </p:style>
+        </p:cxnSp>
+        <p:sp>
+          <p:nvSpPr>
+            <p:cNvPr id="221" name="Rectangle 23">
+              <a:extLst>
+                <a:ext uri="{FF2B5EF4-FFF2-40B4-BE49-F238E27FC236}">
+                  <a16:creationId xmlns:a16="http://schemas.microsoft.com/office/drawing/2014/main" id="{E7514DA3-59E7-409E-8A3B-AD097F6E5644}"/>
+                </a:ext>
+                <a:ext uri="{C183D7F6-B498-43B3-948B-1728B52AA6E4}">
+                  <adec:decorative xmlns:adec="http://schemas.microsoft.com/office/drawing/2017/decorative" val="1"/>
+                </a:ext>
+              </a:extLst>
+            </p:cNvPr>
+            <p:cNvSpPr/>
+            <p:nvPr>
+              <p:extLst>
+                <p:ext uri="{386F3935-93C4-4BCD-93E2-E3B085C9AB24}">
+                  <p16:designElem xmlns:p16="http://schemas.microsoft.com/office/powerpoint/2015/main" val="1"/>
+                </p:ext>
+              </p:extLst>
+            </p:nvPr>
+          </p:nvSpPr>
+          <p:spPr>
+            <a:xfrm>
+              <a:off x="9181476" y="-8467"/>
+              <a:ext cx="3007349" cy="6866467"/>
+            </a:xfrm>
+            <a:custGeom>
+              <a:avLst/>
+              <a:gdLst/>
+              <a:ahLst/>
+              <a:cxnLst/>
+              <a:rect l="l" t="t" r="r" b="b"/>
+              <a:pathLst>
+                <a:path w="3007349" h="6866467">
+                  <a:moveTo>
+                    <a:pt x="2045532" y="0"/>
+                  </a:moveTo>
+                  <a:lnTo>
+                    <a:pt x="3007349" y="0"/>
+                  </a:lnTo>
+                  <a:lnTo>
+                    <a:pt x="3007349" y="6866467"/>
+                  </a:lnTo>
+                  <a:lnTo>
+                    <a:pt x="0" y="6866467"/>
+                  </a:lnTo>
+                  <a:lnTo>
+                    <a:pt x="2045532" y="0"/>
+                  </a:lnTo>
+                  <a:close/>
+                </a:path>
+              </a:pathLst>
+            </a:custGeom>
+            <a:solidFill>
+              <a:schemeClr val="accent1">
+                <a:alpha val="30000"/>
+              </a:schemeClr>
+            </a:solidFill>
+            <a:ln>
+              <a:noFill/>
+            </a:ln>
+            <a:effectLst/>
+          </p:spPr>
+          <p:style>
+            <a:lnRef idx="1">
+              <a:schemeClr val="accent1"/>
+            </a:lnRef>
+            <a:fillRef idx="3">
+              <a:schemeClr val="accent1"/>
+            </a:fillRef>
+            <a:effectRef idx="2">
+              <a:schemeClr val="accent1"/>
+            </a:effectRef>
+            <a:fontRef idx="minor">
+              <a:schemeClr val="lt1"/>
+            </a:fontRef>
+          </p:style>
+          <p:txBody>
+            <a:bodyPr/>
+            <a:lstStyle/>
+            <a:p>
+              <a:endParaRPr lang="en-US"/>
+            </a:p>
+          </p:txBody>
+        </p:sp>
+        <p:sp>
+          <p:nvSpPr>
+            <p:cNvPr id="222" name="Rectangle 25">
+              <a:extLst>
+                <a:ext uri="{FF2B5EF4-FFF2-40B4-BE49-F238E27FC236}">
+                  <a16:creationId xmlns:a16="http://schemas.microsoft.com/office/drawing/2014/main" id="{57B9A2A6-3BE4-4599-9364-F71C5BFD61F8}"/>
+                </a:ext>
+                <a:ext uri="{C183D7F6-B498-43B3-948B-1728B52AA6E4}">
+                  <adec:decorative xmlns:adec="http://schemas.microsoft.com/office/drawing/2017/decorative" val="1"/>
+                </a:ext>
+              </a:extLst>
+            </p:cNvPr>
+            <p:cNvSpPr/>
+            <p:nvPr>
+              <p:extLst>
+                <p:ext uri="{386F3935-93C4-4BCD-93E2-E3B085C9AB24}">
+                  <p16:designElem xmlns:p16="http://schemas.microsoft.com/office/powerpoint/2015/main" val="1"/>
+                </p:ext>
+              </p:extLst>
+            </p:nvPr>
+          </p:nvSpPr>
+          <p:spPr>
+            <a:xfrm>
+              <a:off x="9603442" y="-8467"/>
+              <a:ext cx="2588558" cy="6866467"/>
+            </a:xfrm>
+            <a:custGeom>
+              <a:avLst/>
+              <a:gdLst/>
+              <a:ahLst/>
+              <a:cxnLst/>
+              <a:rect l="l" t="t" r="r" b="b"/>
+              <a:pathLst>
+                <a:path w="2573311" h="6866467">
+                  <a:moveTo>
+                    <a:pt x="0" y="0"/>
+                  </a:moveTo>
+                  <a:lnTo>
+                    <a:pt x="2573311" y="0"/>
+                  </a:lnTo>
+                  <a:lnTo>
+                    <a:pt x="2573311" y="6866467"/>
+                  </a:lnTo>
+                  <a:lnTo>
+                    <a:pt x="1202336" y="6866467"/>
+                  </a:lnTo>
+                  <a:lnTo>
+                    <a:pt x="0" y="0"/>
+                  </a:lnTo>
+                  <a:close/>
+                </a:path>
+              </a:pathLst>
+            </a:custGeom>
+            <a:solidFill>
+              <a:schemeClr val="accent1">
+                <a:alpha val="20000"/>
+              </a:schemeClr>
+            </a:solidFill>
+            <a:ln>
+              <a:noFill/>
+            </a:ln>
+            <a:effectLst/>
+          </p:spPr>
+          <p:style>
+            <a:lnRef idx="1">
+              <a:schemeClr val="accent1"/>
+            </a:lnRef>
+            <a:fillRef idx="3">
+              <a:schemeClr val="accent1"/>
+            </a:fillRef>
+            <a:effectRef idx="2">
+              <a:schemeClr val="accent1"/>
+            </a:effectRef>
+            <a:fontRef idx="minor">
+              <a:schemeClr val="lt1"/>
+            </a:fontRef>
+          </p:style>
+          <p:txBody>
+            <a:bodyPr/>
+            <a:lstStyle/>
+            <a:p>
+              <a:endParaRPr lang="en-US"/>
+            </a:p>
+          </p:txBody>
+        </p:sp>
+        <p:sp>
+          <p:nvSpPr>
+            <p:cNvPr id="223" name="Isosceles Triangle 222">
+              <a:extLst>
+                <a:ext uri="{FF2B5EF4-FFF2-40B4-BE49-F238E27FC236}">
+                  <a16:creationId xmlns:a16="http://schemas.microsoft.com/office/drawing/2014/main" id="{4FD744C6-4ED8-4BC9-BF68-6BDF701C5DB4}"/>
+                </a:ext>
+                <a:ext uri="{C183D7F6-B498-43B3-948B-1728B52AA6E4}">
+                  <adec:decorative xmlns:adec="http://schemas.microsoft.com/office/drawing/2017/decorative" val="1"/>
+                </a:ext>
+              </a:extLst>
+            </p:cNvPr>
+            <p:cNvSpPr/>
+            <p:nvPr>
+              <p:extLst>
+                <p:ext uri="{386F3935-93C4-4BCD-93E2-E3B085C9AB24}">
+                  <p16:designElem xmlns:p16="http://schemas.microsoft.com/office/powerpoint/2015/main" val="1"/>
+                </p:ext>
+              </p:extLst>
+            </p:nvPr>
+          </p:nvSpPr>
+          <p:spPr>
+            <a:xfrm>
+              <a:off x="8932333" y="3048000"/>
+              <a:ext cx="3259667" cy="3810000"/>
+            </a:xfrm>
+            <a:prstGeom prst="triangle">
+              <a:avLst>
+                <a:gd name="adj" fmla="val 100000"/>
+              </a:avLst>
+            </a:prstGeom>
+            <a:solidFill>
+              <a:schemeClr val="accent2">
+                <a:alpha val="72000"/>
+              </a:schemeClr>
+            </a:solidFill>
+            <a:ln>
+              <a:noFill/>
+            </a:ln>
+            <a:effectLst/>
+          </p:spPr>
+          <p:style>
+            <a:lnRef idx="1">
+              <a:schemeClr val="accent1"/>
+            </a:lnRef>
+            <a:fillRef idx="3">
+              <a:schemeClr val="accent1"/>
+            </a:fillRef>
+            <a:effectRef idx="2">
+              <a:schemeClr val="accent1"/>
+            </a:effectRef>
+            <a:fontRef idx="minor">
+              <a:schemeClr val="lt1"/>
+            </a:fontRef>
+          </p:style>
+          <p:txBody>
+            <a:bodyPr/>
+            <a:lstStyle/>
+            <a:p>
+              <a:endParaRPr lang="en-US"/>
+            </a:p>
+          </p:txBody>
+        </p:sp>
+        <p:sp>
+          <p:nvSpPr>
+            <p:cNvPr id="224" name="Rectangle 27">
+              <a:extLst>
+                <a:ext uri="{FF2B5EF4-FFF2-40B4-BE49-F238E27FC236}">
+                  <a16:creationId xmlns:a16="http://schemas.microsoft.com/office/drawing/2014/main" id="{092C5BAD-C911-4F8F-A1C5-470268BE668B}"/>
+                </a:ext>
+                <a:ext uri="{C183D7F6-B498-43B3-948B-1728B52AA6E4}">
+                  <adec:decorative xmlns:adec="http://schemas.microsoft.com/office/drawing/2017/decorative" val="1"/>
+                </a:ext>
+              </a:extLst>
+            </p:cNvPr>
+            <p:cNvSpPr/>
+            <p:nvPr>
+              <p:extLst>
+                <p:ext uri="{386F3935-93C4-4BCD-93E2-E3B085C9AB24}">
+                  <p16:designElem xmlns:p16="http://schemas.microsoft.com/office/powerpoint/2015/main" val="1"/>
+                </p:ext>
+              </p:extLst>
+            </p:nvPr>
+          </p:nvSpPr>
+          <p:spPr>
+            <a:xfrm>
+              <a:off x="9334500" y="-8467"/>
+              <a:ext cx="2854326" cy="6866467"/>
+            </a:xfrm>
+            <a:custGeom>
+              <a:avLst/>
+              <a:gdLst/>
+              <a:ahLst/>
+              <a:cxnLst/>
+              <a:rect l="l" t="t" r="r" b="b"/>
+              <a:pathLst>
+                <a:path w="2858013" h="6866467">
+                  <a:moveTo>
+                    <a:pt x="0" y="0"/>
+                  </a:moveTo>
+                  <a:lnTo>
+                    <a:pt x="2858013" y="0"/>
+                  </a:lnTo>
+                  <a:lnTo>
+                    <a:pt x="2858013" y="6866467"/>
+                  </a:lnTo>
+                  <a:lnTo>
+                    <a:pt x="2473942" y="6866467"/>
+                  </a:lnTo>
+                  <a:lnTo>
+                    <a:pt x="0" y="0"/>
+                  </a:lnTo>
+                  <a:close/>
+                </a:path>
+              </a:pathLst>
+            </a:custGeom>
+            <a:solidFill>
+              <a:schemeClr val="accent2">
+                <a:lumMod val="75000"/>
+                <a:alpha val="70000"/>
+              </a:schemeClr>
+            </a:solidFill>
+            <a:ln>
+              <a:noFill/>
+            </a:ln>
+            <a:effectLst/>
+          </p:spPr>
+          <p:style>
+            <a:lnRef idx="1">
+              <a:schemeClr val="accent1"/>
+            </a:lnRef>
+            <a:fillRef idx="3">
+              <a:schemeClr val="accent1"/>
+            </a:fillRef>
+            <a:effectRef idx="2">
+              <a:schemeClr val="accent1"/>
+            </a:effectRef>
+            <a:fontRef idx="minor">
+              <a:schemeClr val="lt1"/>
+            </a:fontRef>
+          </p:style>
+          <p:txBody>
+            <a:bodyPr/>
+            <a:lstStyle/>
+            <a:p>
+              <a:endParaRPr lang="en-US"/>
+            </a:p>
+          </p:txBody>
+        </p:sp>
+        <p:sp>
+          <p:nvSpPr>
+            <p:cNvPr id="225" name="Rectangle 28">
+              <a:extLst>
+                <a:ext uri="{FF2B5EF4-FFF2-40B4-BE49-F238E27FC236}">
+                  <a16:creationId xmlns:a16="http://schemas.microsoft.com/office/drawing/2014/main" id="{B133D0C8-4EC4-424F-8E70-0482D5B1B653}"/>
+                </a:ext>
+                <a:ext uri="{C183D7F6-B498-43B3-948B-1728B52AA6E4}">
+                  <adec:decorative xmlns:adec="http://schemas.microsoft.com/office/drawing/2017/decorative" val="1"/>
+                </a:ext>
+              </a:extLst>
+            </p:cNvPr>
+            <p:cNvSpPr/>
+            <p:nvPr>
+              <p:extLst>
+                <p:ext uri="{386F3935-93C4-4BCD-93E2-E3B085C9AB24}">
+                  <p16:designElem xmlns:p16="http://schemas.microsoft.com/office/powerpoint/2015/main" val="1"/>
+                </p:ext>
+              </p:extLst>
+            </p:nvPr>
+          </p:nvSpPr>
+          <p:spPr>
+            <a:xfrm>
+              <a:off x="10898730" y="-8467"/>
+              <a:ext cx="1290094" cy="6866467"/>
+            </a:xfrm>
+            <a:custGeom>
+              <a:avLst/>
+              <a:gdLst/>
+              <a:ahLst/>
+              <a:cxnLst/>
+              <a:rect l="l" t="t" r="r" b="b"/>
+              <a:pathLst>
+                <a:path w="1290094" h="6858000">
+                  <a:moveTo>
+                    <a:pt x="1019735" y="0"/>
+                  </a:moveTo>
+                  <a:lnTo>
+                    <a:pt x="1290094" y="0"/>
+                  </a:lnTo>
+                  <a:lnTo>
+                    <a:pt x="1290094" y="6858000"/>
+                  </a:lnTo>
+                  <a:lnTo>
+                    <a:pt x="0" y="6858000"/>
+                  </a:lnTo>
+                  <a:lnTo>
+                    <a:pt x="1019735" y="0"/>
+                  </a:lnTo>
+                  <a:close/>
+                </a:path>
+              </a:pathLst>
+            </a:custGeom>
+            <a:solidFill>
+              <a:schemeClr val="accent1">
+                <a:lumMod val="60000"/>
+                <a:lumOff val="40000"/>
+                <a:alpha val="70000"/>
+              </a:schemeClr>
+            </a:solidFill>
+            <a:ln>
+              <a:noFill/>
+            </a:ln>
+            <a:effectLst/>
+          </p:spPr>
+          <p:style>
+            <a:lnRef idx="1">
+              <a:schemeClr val="accent1"/>
+            </a:lnRef>
+            <a:fillRef idx="3">
+              <a:schemeClr val="accent1"/>
+            </a:fillRef>
+            <a:effectRef idx="2">
+              <a:schemeClr val="accent1"/>
+            </a:effectRef>
+            <a:fontRef idx="minor">
+              <a:schemeClr val="lt1"/>
+            </a:fontRef>
+          </p:style>
+          <p:txBody>
+            <a:bodyPr/>
+            <a:lstStyle/>
+            <a:p>
+              <a:endParaRPr lang="en-US"/>
+            </a:p>
+          </p:txBody>
+        </p:sp>
+        <p:sp>
+          <p:nvSpPr>
+            <p:cNvPr id="226" name="Rectangle 29">
+              <a:extLst>
+                <a:ext uri="{FF2B5EF4-FFF2-40B4-BE49-F238E27FC236}">
+                  <a16:creationId xmlns:a16="http://schemas.microsoft.com/office/drawing/2014/main" id="{7B1532A0-F4B3-4DE8-B18F-740CAAD25AC4}"/>
+                </a:ext>
+                <a:ext uri="{C183D7F6-B498-43B3-948B-1728B52AA6E4}">
+                  <adec:decorative xmlns:adec="http://schemas.microsoft.com/office/drawing/2017/decorative" val="1"/>
+                </a:ext>
+              </a:extLst>
+            </p:cNvPr>
+            <p:cNvSpPr/>
+            <p:nvPr>
+              <p:extLst>
+                <p:ext uri="{386F3935-93C4-4BCD-93E2-E3B085C9AB24}">
+                  <p16:designElem xmlns:p16="http://schemas.microsoft.com/office/powerpoint/2015/main" val="1"/>
+                </p:ext>
+              </p:extLst>
+            </p:nvPr>
+          </p:nvSpPr>
+          <p:spPr>
+            <a:xfrm>
+              <a:off x="10938999" y="-8467"/>
+              <a:ext cx="1249825" cy="6866467"/>
+            </a:xfrm>
+            <a:custGeom>
+              <a:avLst/>
+              <a:gdLst/>
+              <a:ahLst/>
+              <a:cxnLst/>
+              <a:rect l="l" t="t" r="r" b="b"/>
+              <a:pathLst>
+                <a:path w="1249825" h="6858000">
+                  <a:moveTo>
+                    <a:pt x="0" y="0"/>
+                  </a:moveTo>
+                  <a:lnTo>
+                    <a:pt x="1249825" y="0"/>
+                  </a:lnTo>
+                  <a:lnTo>
+                    <a:pt x="1249825" y="6858000"/>
+                  </a:lnTo>
+                  <a:lnTo>
+                    <a:pt x="1109382" y="6858000"/>
+                  </a:lnTo>
+                  <a:lnTo>
+                    <a:pt x="0" y="0"/>
+                  </a:lnTo>
+                  <a:close/>
+                </a:path>
+              </a:pathLst>
+            </a:custGeom>
+            <a:solidFill>
+              <a:schemeClr val="accent1">
+                <a:alpha val="65000"/>
+              </a:schemeClr>
+            </a:solidFill>
+            <a:ln>
+              <a:noFill/>
+            </a:ln>
+            <a:effectLst/>
+          </p:spPr>
+          <p:style>
+            <a:lnRef idx="1">
+              <a:schemeClr val="accent1"/>
+            </a:lnRef>
+            <a:fillRef idx="3">
+              <a:schemeClr val="accent1"/>
+            </a:fillRef>
+            <a:effectRef idx="2">
+              <a:schemeClr val="accent1"/>
+            </a:effectRef>
+            <a:fontRef idx="minor">
+              <a:schemeClr val="lt1"/>
+            </a:fontRef>
+          </p:style>
+          <p:txBody>
+            <a:bodyPr/>
+            <a:lstStyle/>
+            <a:p>
+              <a:endParaRPr lang="en-US"/>
+            </a:p>
+          </p:txBody>
+        </p:sp>
+        <p:sp>
+          <p:nvSpPr>
+            <p:cNvPr id="227" name="Isosceles Triangle 226">
+              <a:extLst>
+                <a:ext uri="{FF2B5EF4-FFF2-40B4-BE49-F238E27FC236}">
+                  <a16:creationId xmlns:a16="http://schemas.microsoft.com/office/drawing/2014/main" id="{8EFDD162-BBBA-4062-8BBF-53DBA1091374}"/>
+                </a:ext>
+                <a:ext uri="{C183D7F6-B498-43B3-948B-1728B52AA6E4}">
+                  <adec:decorative xmlns:adec="http://schemas.microsoft.com/office/drawing/2017/decorative" val="1"/>
+                </a:ext>
+              </a:extLst>
+            </p:cNvPr>
+            <p:cNvSpPr/>
+            <p:nvPr>
+              <p:extLst>
+                <p:ext uri="{386F3935-93C4-4BCD-93E2-E3B085C9AB24}">
+                  <p16:designElem xmlns:p16="http://schemas.microsoft.com/office/powerpoint/2015/main" val="1"/>
+                </p:ext>
+              </p:extLst>
+            </p:nvPr>
+          </p:nvSpPr>
+          <p:spPr>
+            <a:xfrm>
+              <a:off x="10371666" y="3589867"/>
+              <a:ext cx="1817159" cy="3268133"/>
+            </a:xfrm>
+            <a:prstGeom prst="triangle">
+              <a:avLst>
+                <a:gd name="adj" fmla="val 100000"/>
+              </a:avLst>
+            </a:prstGeom>
+            <a:solidFill>
+              <a:schemeClr val="accent1">
+                <a:alpha val="80000"/>
+              </a:schemeClr>
+            </a:solidFill>
+            <a:ln>
+              <a:noFill/>
+            </a:ln>
+            <a:effectLst/>
+          </p:spPr>
+          <p:style>
+            <a:lnRef idx="1">
+              <a:schemeClr val="accent1"/>
+            </a:lnRef>
+            <a:fillRef idx="3">
+              <a:schemeClr val="accent1"/>
+            </a:fillRef>
+            <a:effectRef idx="2">
+              <a:schemeClr val="accent1"/>
+            </a:effectRef>
+            <a:fontRef idx="minor">
+              <a:schemeClr val="lt1"/>
+            </a:fontRef>
+          </p:style>
+          <p:txBody>
+            <a:bodyPr/>
+            <a:lstStyle/>
+            <a:p>
+              <a:endParaRPr lang="en-US"/>
+            </a:p>
+          </p:txBody>
+        </p:sp>
+        <p:sp>
+          <p:nvSpPr>
+            <p:cNvPr id="228" name="Isosceles Triangle 227">
+              <a:extLst>
+                <a:ext uri="{FF2B5EF4-FFF2-40B4-BE49-F238E27FC236}">
+                  <a16:creationId xmlns:a16="http://schemas.microsoft.com/office/drawing/2014/main" id="{DCFC9E65-3E19-4483-B952-25D29683CA56}"/>
+                </a:ext>
+                <a:ext uri="{C183D7F6-B498-43B3-948B-1728B52AA6E4}">
+                  <adec:decorative xmlns:adec="http://schemas.microsoft.com/office/drawing/2017/decorative" val="1"/>
+                </a:ext>
+              </a:extLst>
+            </p:cNvPr>
+            <p:cNvSpPr/>
+            <p:nvPr>
+              <p:extLst>
+                <p:ext uri="{386F3935-93C4-4BCD-93E2-E3B085C9AB24}">
+                  <p16:designElem xmlns:p16="http://schemas.microsoft.com/office/powerpoint/2015/main" val="1"/>
+                </p:ext>
+              </p:extLst>
+            </p:nvPr>
+          </p:nvSpPr>
+          <p:spPr>
+            <a:xfrm rot="10800000">
+              <a:off x="0" y="0"/>
+              <a:ext cx="842596" cy="5666154"/>
+            </a:xfrm>
+            <a:prstGeom prst="triangle">
+              <a:avLst>
+                <a:gd name="adj" fmla="val 100000"/>
+              </a:avLst>
+            </a:prstGeom>
+            <a:solidFill>
+              <a:schemeClr val="accent1">
+                <a:alpha val="85000"/>
+              </a:schemeClr>
+            </a:solidFill>
+            <a:ln>
+              <a:noFill/>
+            </a:ln>
+            <a:effectLst/>
+          </p:spPr>
+          <p:style>
+            <a:lnRef idx="1">
+              <a:schemeClr val="accent1"/>
+            </a:lnRef>
+            <a:fillRef idx="3">
+              <a:schemeClr val="accent1"/>
+            </a:fillRef>
+            <a:effectRef idx="2">
+              <a:schemeClr val="accent1"/>
+            </a:effectRef>
+            <a:fontRef idx="minor">
+              <a:schemeClr val="lt1"/>
+            </a:fontRef>
+          </p:style>
+          <p:txBody>
+            <a:bodyPr/>
+            <a:lstStyle/>
+            <a:p>
+              <a:endParaRPr lang="en-US"/>
+            </a:p>
+          </p:txBody>
+        </p:sp>
+      </p:grpSp>
+      <p:sp useBgFill="1">
+        <p:nvSpPr>
+          <p:cNvPr id="230" name="Rectangle 229">
+            <a:extLst>
+              <a:ext uri="{FF2B5EF4-FFF2-40B4-BE49-F238E27FC236}">
+                <a16:creationId xmlns:a16="http://schemas.microsoft.com/office/drawing/2014/main" id="{27577DEC-D9A5-404D-9789-702F4319BEC8}"/>
+              </a:ext>
+              <a:ext uri="{C183D7F6-B498-43B3-948B-1728B52AA6E4}">
+                <adec:decorative xmlns:adec="http://schemas.microsoft.com/office/drawing/2017/decorative" val="1"/>
+              </a:ext>
+            </a:extLst>
+          </p:cNvPr>
+          <p:cNvSpPr>
+            <a:spLocks noGrp="1" noRot="1" noChangeAspect="1" noMove="1" noResize="1" noEditPoints="1" noAdjustHandles="1" noChangeArrowheads="1" noChangeShapeType="1" noTextEdit="1"/>
+          </p:cNvSpPr>
+          <p:nvPr>
+            <p:extLst>
+              <p:ext uri="{386F3935-93C4-4BCD-93E2-E3B085C9AB24}">
+                <p16:designElem xmlns:p16="http://schemas.microsoft.com/office/powerpoint/2015/main" val="1"/>
+              </p:ext>
+            </p:extLst>
+          </p:nvPr>
+        </p:nvSpPr>
+        <p:spPr>
+          <a:xfrm>
+            <a:off x="0" y="0"/>
+            <a:ext cx="9144000" cy="5143500"/>
+          </a:xfrm>
+          <a:prstGeom prst="rect">
+            <a:avLst/>
+          </a:prstGeom>
+          <a:ln>
+            <a:noFill/>
+          </a:ln>
+        </p:spPr>
+        <p:style>
+          <a:lnRef idx="2">
+            <a:schemeClr val="accent1">
+              <a:shade val="50000"/>
+            </a:schemeClr>
+          </a:lnRef>
+          <a:fillRef idx="1">
+            <a:schemeClr val="accent1"/>
+          </a:fillRef>
+          <a:effectRef idx="0">
+            <a:schemeClr val="accent1"/>
+          </a:effectRef>
+          <a:fontRef idx="minor">
+            <a:schemeClr val="lt1"/>
+          </a:fontRef>
+        </p:style>
+        <p:txBody>
+          <a:bodyPr rtlCol="0" anchor="ctr"/>
+          <a:lstStyle/>
+          <a:p>
+            <a:pPr algn="ctr"/>
+            <a:endParaRPr lang="en-US"/>
+          </a:p>
+        </p:txBody>
+      </p:sp>
+      <p:grpSp>
+        <p:nvGrpSpPr>
+          <p:cNvPr id="232" name="Group 231">
+            <a:extLst>
+              <a:ext uri="{FF2B5EF4-FFF2-40B4-BE49-F238E27FC236}">
+                <a16:creationId xmlns:a16="http://schemas.microsoft.com/office/drawing/2014/main" id="{CEEA9366-CEA8-4F23-B065-4337F0D836FE}"/>
+              </a:ext>
+              <a:ext uri="{C183D7F6-B498-43B3-948B-1728B52AA6E4}">
+                <adec:decorative xmlns:adec="http://schemas.microsoft.com/office/drawing/2017/decorative" val="1"/>
+              </a:ext>
+            </a:extLst>
+          </p:cNvPr>
+          <p:cNvGrpSpPr>
+            <a:grpSpLocks noGrp="1" noUngrp="1" noRot="1" noChangeAspect="1" noMove="1" noResize="1"/>
+          </p:cNvGrpSpPr>
+          <p:nvPr>
+            <p:extLst>
+              <p:ext uri="{386F3935-93C4-4BCD-93E2-E3B085C9AB24}">
+                <p16:designElem xmlns:p16="http://schemas.microsoft.com/office/powerpoint/2015/main" val="1"/>
+              </p:ext>
+            </p:extLst>
+          </p:nvPr>
+        </p:nvGrpSpPr>
+        <p:grpSpPr>
+          <a:xfrm>
+            <a:off x="0" y="-6350"/>
+            <a:ext cx="9144001" cy="5149850"/>
+            <a:chOff x="0" y="-8467"/>
+            <a:chExt cx="12192000" cy="6866467"/>
+          </a:xfrm>
+        </p:grpSpPr>
+        <p:cxnSp>
+          <p:nvCxnSpPr>
+            <p:cNvPr id="233" name="Straight Connector 232">
+              <a:extLst>
+                <a:ext uri="{FF2B5EF4-FFF2-40B4-BE49-F238E27FC236}">
+                  <a16:creationId xmlns:a16="http://schemas.microsoft.com/office/drawing/2014/main" id="{904A03D6-39B4-4278-9BE1-A07E024499BE}"/>
+                </a:ext>
+                <a:ext uri="{C183D7F6-B498-43B3-948B-1728B52AA6E4}">
+                  <adec:decorative xmlns:adec="http://schemas.microsoft.com/office/drawing/2017/decorative" val="1"/>
+                </a:ext>
+              </a:extLst>
+            </p:cNvPr>
+            <p:cNvCxnSpPr/>
+            <p:nvPr>
+              <p:extLst>
+                <p:ext uri="{386F3935-93C4-4BCD-93E2-E3B085C9AB24}">
+                  <p16:designElem xmlns:p16="http://schemas.microsoft.com/office/powerpoint/2015/main" val="1"/>
+                </p:ext>
+              </p:extLst>
+            </p:nvPr>
+          </p:nvCxnSpPr>
+          <p:spPr>
+            <a:xfrm>
+              <a:off x="9371012" y="0"/>
+              <a:ext cx="1219200" cy="6858000"/>
+            </a:xfrm>
+            <a:prstGeom prst="line">
+              <a:avLst/>
+            </a:prstGeom>
+            <a:ln w="9525">
+              <a:solidFill>
+                <a:srgbClr val="FFFFFF"/>
+              </a:solidFill>
+            </a:ln>
+          </p:spPr>
+          <p:style>
+            <a:lnRef idx="2">
+              <a:schemeClr val="accent1"/>
+            </a:lnRef>
+            <a:fillRef idx="0">
+              <a:schemeClr val="accent1"/>
+            </a:fillRef>
+            <a:effectRef idx="1">
+              <a:schemeClr val="accent1"/>
+            </a:effectRef>
+            <a:fontRef idx="minor">
+              <a:schemeClr val="tx1"/>
+            </a:fontRef>
+          </p:style>
+        </p:cxnSp>
+        <p:cxnSp>
+          <p:nvCxnSpPr>
+            <p:cNvPr id="234" name="Straight Connector 233">
+              <a:extLst>
+                <a:ext uri="{FF2B5EF4-FFF2-40B4-BE49-F238E27FC236}">
+                  <a16:creationId xmlns:a16="http://schemas.microsoft.com/office/drawing/2014/main" id="{FBE459AF-3736-4886-82E0-9B5DA427B5E0}"/>
+                </a:ext>
+                <a:ext uri="{C183D7F6-B498-43B3-948B-1728B52AA6E4}">
+                  <adec:decorative xmlns:adec="http://schemas.microsoft.com/office/drawing/2017/decorative" val="1"/>
+                </a:ext>
+              </a:extLst>
+            </p:cNvPr>
+            <p:cNvCxnSpPr/>
+            <p:nvPr>
+              <p:extLst>
+                <p:ext uri="{386F3935-93C4-4BCD-93E2-E3B085C9AB24}">
+                  <p16:designElem xmlns:p16="http://schemas.microsoft.com/office/powerpoint/2015/main" val="1"/>
+                </p:ext>
+              </p:extLst>
+            </p:nvPr>
+          </p:nvCxnSpPr>
+          <p:spPr>
+            <a:xfrm flipH="1">
+              <a:off x="7425267" y="3681413"/>
+              <a:ext cx="4763558" cy="3176587"/>
+            </a:xfrm>
+            <a:prstGeom prst="line">
+              <a:avLst/>
+            </a:prstGeom>
+            <a:ln w="9525">
+              <a:solidFill>
+                <a:schemeClr val="bg1">
+                  <a:alpha val="80000"/>
+                </a:schemeClr>
+              </a:solidFill>
+            </a:ln>
+          </p:spPr>
+          <p:style>
+            <a:lnRef idx="2">
+              <a:schemeClr val="accent1"/>
+            </a:lnRef>
+            <a:fillRef idx="0">
+              <a:schemeClr val="accent1"/>
+            </a:fillRef>
+            <a:effectRef idx="1">
+              <a:schemeClr val="accent1"/>
+            </a:effectRef>
+            <a:fontRef idx="minor">
+              <a:schemeClr val="tx1"/>
+            </a:fontRef>
+          </p:style>
+        </p:cxnSp>
+        <p:sp>
+          <p:nvSpPr>
+            <p:cNvPr id="235" name="Rectangle 23">
+              <a:extLst>
+                <a:ext uri="{FF2B5EF4-FFF2-40B4-BE49-F238E27FC236}">
+                  <a16:creationId xmlns:a16="http://schemas.microsoft.com/office/drawing/2014/main" id="{4B6B88EF-180C-4E39-8A3F-A52E87110C66}"/>
+                </a:ext>
+                <a:ext uri="{C183D7F6-B498-43B3-948B-1728B52AA6E4}">
+                  <adec:decorative xmlns:adec="http://schemas.microsoft.com/office/drawing/2017/decorative" val="1"/>
+                </a:ext>
+              </a:extLst>
+            </p:cNvPr>
+            <p:cNvSpPr/>
+            <p:nvPr>
+              <p:extLst>
+                <p:ext uri="{386F3935-93C4-4BCD-93E2-E3B085C9AB24}">
+                  <p16:designElem xmlns:p16="http://schemas.microsoft.com/office/powerpoint/2015/main" val="1"/>
+                </p:ext>
+              </p:extLst>
+            </p:nvPr>
+          </p:nvSpPr>
+          <p:spPr>
+            <a:xfrm>
+              <a:off x="9181476" y="-8467"/>
+              <a:ext cx="3007349" cy="6866467"/>
+            </a:xfrm>
+            <a:custGeom>
+              <a:avLst/>
+              <a:gdLst/>
+              <a:ahLst/>
+              <a:cxnLst/>
+              <a:rect l="l" t="t" r="r" b="b"/>
+              <a:pathLst>
+                <a:path w="3007349" h="6866467">
+                  <a:moveTo>
+                    <a:pt x="2045532" y="0"/>
+                  </a:moveTo>
+                  <a:lnTo>
+                    <a:pt x="3007349" y="0"/>
+                  </a:lnTo>
+                  <a:lnTo>
+                    <a:pt x="3007349" y="6866467"/>
+                  </a:lnTo>
+                  <a:lnTo>
+                    <a:pt x="0" y="6866467"/>
+                  </a:lnTo>
+                  <a:lnTo>
+                    <a:pt x="2045532" y="0"/>
+                  </a:lnTo>
+                  <a:close/>
+                </a:path>
+              </a:pathLst>
+            </a:custGeom>
+            <a:solidFill>
+              <a:schemeClr val="accent1">
+                <a:alpha val="30000"/>
+              </a:schemeClr>
+            </a:solidFill>
+            <a:ln>
+              <a:noFill/>
+            </a:ln>
+            <a:effectLst/>
+          </p:spPr>
+          <p:style>
+            <a:lnRef idx="1">
+              <a:schemeClr val="accent1"/>
+            </a:lnRef>
+            <a:fillRef idx="3">
+              <a:schemeClr val="accent1"/>
+            </a:fillRef>
+            <a:effectRef idx="2">
+              <a:schemeClr val="accent1"/>
+            </a:effectRef>
+            <a:fontRef idx="minor">
+              <a:schemeClr val="lt1"/>
+            </a:fontRef>
+          </p:style>
+          <p:txBody>
+            <a:bodyPr/>
+            <a:lstStyle/>
+            <a:p>
+              <a:endParaRPr lang="en-US"/>
+            </a:p>
+          </p:txBody>
+        </p:sp>
+        <p:sp>
+          <p:nvSpPr>
+            <p:cNvPr id="236" name="Rectangle 25">
+              <a:extLst>
+                <a:ext uri="{FF2B5EF4-FFF2-40B4-BE49-F238E27FC236}">
+                  <a16:creationId xmlns:a16="http://schemas.microsoft.com/office/drawing/2014/main" id="{52DFAACF-64D0-4621-8FF4-E2F03C3E8D15}"/>
+                </a:ext>
+                <a:ext uri="{C183D7F6-B498-43B3-948B-1728B52AA6E4}">
+                  <adec:decorative xmlns:adec="http://schemas.microsoft.com/office/drawing/2017/decorative" val="1"/>
+                </a:ext>
+              </a:extLst>
+            </p:cNvPr>
+            <p:cNvSpPr/>
+            <p:nvPr>
+              <p:extLst>
+                <p:ext uri="{386F3935-93C4-4BCD-93E2-E3B085C9AB24}">
+                  <p16:designElem xmlns:p16="http://schemas.microsoft.com/office/powerpoint/2015/main" val="1"/>
+                </p:ext>
+              </p:extLst>
+            </p:nvPr>
+          </p:nvSpPr>
+          <p:spPr>
+            <a:xfrm>
+              <a:off x="9603442" y="-8467"/>
+              <a:ext cx="2588558" cy="6866467"/>
+            </a:xfrm>
+            <a:custGeom>
+              <a:avLst/>
+              <a:gdLst/>
+              <a:ahLst/>
+              <a:cxnLst/>
+              <a:rect l="l" t="t" r="r" b="b"/>
+              <a:pathLst>
+                <a:path w="2573311" h="6866467">
+                  <a:moveTo>
+                    <a:pt x="0" y="0"/>
+                  </a:moveTo>
+                  <a:lnTo>
+                    <a:pt x="2573311" y="0"/>
+                  </a:lnTo>
+                  <a:lnTo>
+                    <a:pt x="2573311" y="6866467"/>
+                  </a:lnTo>
+                  <a:lnTo>
+                    <a:pt x="1202336" y="6866467"/>
+                  </a:lnTo>
+                  <a:lnTo>
+                    <a:pt x="0" y="0"/>
+                  </a:lnTo>
+                  <a:close/>
+                </a:path>
+              </a:pathLst>
+            </a:custGeom>
+            <a:solidFill>
+              <a:schemeClr val="accent1">
+                <a:alpha val="20000"/>
+              </a:schemeClr>
+            </a:solidFill>
+            <a:ln>
+              <a:noFill/>
+            </a:ln>
+            <a:effectLst/>
+          </p:spPr>
+          <p:style>
+            <a:lnRef idx="1">
+              <a:schemeClr val="accent1"/>
+            </a:lnRef>
+            <a:fillRef idx="3">
+              <a:schemeClr val="accent1"/>
+            </a:fillRef>
+            <a:effectRef idx="2">
+              <a:schemeClr val="accent1"/>
+            </a:effectRef>
+            <a:fontRef idx="minor">
+              <a:schemeClr val="lt1"/>
+            </a:fontRef>
+          </p:style>
+          <p:txBody>
+            <a:bodyPr/>
+            <a:lstStyle/>
+            <a:p>
+              <a:endParaRPr lang="en-US"/>
+            </a:p>
+          </p:txBody>
+        </p:sp>
+        <p:sp>
+          <p:nvSpPr>
+            <p:cNvPr id="237" name="Isosceles Triangle 236">
+              <a:extLst>
+                <a:ext uri="{FF2B5EF4-FFF2-40B4-BE49-F238E27FC236}">
+                  <a16:creationId xmlns:a16="http://schemas.microsoft.com/office/drawing/2014/main" id="{36611FF0-65B3-49DB-97C6-1B72AAD0FB02}"/>
+                </a:ext>
+                <a:ext uri="{C183D7F6-B498-43B3-948B-1728B52AA6E4}">
+                  <adec:decorative xmlns:adec="http://schemas.microsoft.com/office/drawing/2017/decorative" val="1"/>
+                </a:ext>
+              </a:extLst>
+            </p:cNvPr>
+            <p:cNvSpPr/>
+            <p:nvPr>
+              <p:extLst>
+                <p:ext uri="{386F3935-93C4-4BCD-93E2-E3B085C9AB24}">
+                  <p16:designElem xmlns:p16="http://schemas.microsoft.com/office/powerpoint/2015/main" val="1"/>
+                </p:ext>
+              </p:extLst>
+            </p:nvPr>
+          </p:nvSpPr>
+          <p:spPr>
+            <a:xfrm>
+              <a:off x="8932333" y="3048000"/>
+              <a:ext cx="3259667" cy="3810000"/>
+            </a:xfrm>
+            <a:prstGeom prst="triangle">
+              <a:avLst>
+                <a:gd name="adj" fmla="val 100000"/>
+              </a:avLst>
+            </a:prstGeom>
+            <a:solidFill>
+              <a:schemeClr val="accent2">
+                <a:alpha val="72000"/>
+              </a:schemeClr>
+            </a:solidFill>
+            <a:ln>
+              <a:noFill/>
+            </a:ln>
+            <a:effectLst/>
+          </p:spPr>
+          <p:style>
+            <a:lnRef idx="1">
+              <a:schemeClr val="accent1"/>
+            </a:lnRef>
+            <a:fillRef idx="3">
+              <a:schemeClr val="accent1"/>
+            </a:fillRef>
+            <a:effectRef idx="2">
+              <a:schemeClr val="accent1"/>
+            </a:effectRef>
+            <a:fontRef idx="minor">
+              <a:schemeClr val="lt1"/>
+            </a:fontRef>
+          </p:style>
+          <p:txBody>
+            <a:bodyPr/>
+            <a:lstStyle/>
+            <a:p>
+              <a:endParaRPr lang="en-US"/>
+            </a:p>
+          </p:txBody>
+        </p:sp>
+        <p:sp>
+          <p:nvSpPr>
+            <p:cNvPr id="238" name="Rectangle 27">
+              <a:extLst>
+                <a:ext uri="{FF2B5EF4-FFF2-40B4-BE49-F238E27FC236}">
+                  <a16:creationId xmlns:a16="http://schemas.microsoft.com/office/drawing/2014/main" id="{0F7407FE-86B1-4890-9D80-9406FBF29E46}"/>
+                </a:ext>
+                <a:ext uri="{C183D7F6-B498-43B3-948B-1728B52AA6E4}">
+                  <adec:decorative xmlns:adec="http://schemas.microsoft.com/office/drawing/2017/decorative" val="1"/>
+                </a:ext>
+              </a:extLst>
+            </p:cNvPr>
+            <p:cNvSpPr/>
+            <p:nvPr>
+              <p:extLst>
+                <p:ext uri="{386F3935-93C4-4BCD-93E2-E3B085C9AB24}">
+                  <p16:designElem xmlns:p16="http://schemas.microsoft.com/office/powerpoint/2015/main" val="1"/>
+                </p:ext>
+              </p:extLst>
+            </p:nvPr>
+          </p:nvSpPr>
+          <p:spPr>
+            <a:xfrm>
+              <a:off x="9334500" y="-8467"/>
+              <a:ext cx="2854326" cy="6866467"/>
+            </a:xfrm>
+            <a:custGeom>
+              <a:avLst/>
+              <a:gdLst/>
+              <a:ahLst/>
+              <a:cxnLst/>
+              <a:rect l="l" t="t" r="r" b="b"/>
+              <a:pathLst>
+                <a:path w="2858013" h="6866467">
+                  <a:moveTo>
+                    <a:pt x="0" y="0"/>
+                  </a:moveTo>
+                  <a:lnTo>
+                    <a:pt x="2858013" y="0"/>
+                  </a:lnTo>
+                  <a:lnTo>
+                    <a:pt x="2858013" y="6866467"/>
+                  </a:lnTo>
+                  <a:lnTo>
+                    <a:pt x="2473942" y="6866467"/>
+                  </a:lnTo>
+                  <a:lnTo>
+                    <a:pt x="0" y="0"/>
+                  </a:lnTo>
+                  <a:close/>
+                </a:path>
+              </a:pathLst>
+            </a:custGeom>
+            <a:solidFill>
+              <a:schemeClr val="accent2">
+                <a:lumMod val="75000"/>
+                <a:alpha val="70000"/>
+              </a:schemeClr>
+            </a:solidFill>
+            <a:ln>
+              <a:noFill/>
+            </a:ln>
+            <a:effectLst/>
+          </p:spPr>
+          <p:style>
+            <a:lnRef idx="1">
+              <a:schemeClr val="accent1"/>
+            </a:lnRef>
+            <a:fillRef idx="3">
+              <a:schemeClr val="accent1"/>
+            </a:fillRef>
+            <a:effectRef idx="2">
+              <a:schemeClr val="accent1"/>
+            </a:effectRef>
+            <a:fontRef idx="minor">
+              <a:schemeClr val="lt1"/>
+            </a:fontRef>
+          </p:style>
+          <p:txBody>
+            <a:bodyPr/>
+            <a:lstStyle/>
+            <a:p>
+              <a:endParaRPr lang="en-US"/>
+            </a:p>
+          </p:txBody>
+        </p:sp>
+        <p:sp>
+          <p:nvSpPr>
+            <p:cNvPr id="239" name="Rectangle 29">
+              <a:extLst>
+                <a:ext uri="{FF2B5EF4-FFF2-40B4-BE49-F238E27FC236}">
+                  <a16:creationId xmlns:a16="http://schemas.microsoft.com/office/drawing/2014/main" id="{EBD42D5B-8F87-45B3-98B3-C66944F92E65}"/>
+                </a:ext>
+                <a:ext uri="{C183D7F6-B498-43B3-948B-1728B52AA6E4}">
+                  <adec:decorative xmlns:adec="http://schemas.microsoft.com/office/drawing/2017/decorative" val="1"/>
+                </a:ext>
+              </a:extLst>
+            </p:cNvPr>
+            <p:cNvSpPr/>
+            <p:nvPr>
+              <p:extLst>
+                <p:ext uri="{386F3935-93C4-4BCD-93E2-E3B085C9AB24}">
+                  <p16:designElem xmlns:p16="http://schemas.microsoft.com/office/powerpoint/2015/main" val="1"/>
+                </p:ext>
+              </p:extLst>
+            </p:nvPr>
+          </p:nvSpPr>
+          <p:spPr>
+            <a:xfrm>
+              <a:off x="10938999" y="-8467"/>
+              <a:ext cx="1249825" cy="6866467"/>
+            </a:xfrm>
+            <a:custGeom>
+              <a:avLst/>
+              <a:gdLst/>
+              <a:ahLst/>
+              <a:cxnLst/>
+              <a:rect l="l" t="t" r="r" b="b"/>
+              <a:pathLst>
+                <a:path w="1249825" h="6858000">
+                  <a:moveTo>
+                    <a:pt x="0" y="0"/>
+                  </a:moveTo>
+                  <a:lnTo>
+                    <a:pt x="1249825" y="0"/>
+                  </a:lnTo>
+                  <a:lnTo>
+                    <a:pt x="1249825" y="6858000"/>
+                  </a:lnTo>
+                  <a:lnTo>
+                    <a:pt x="1109382" y="6858000"/>
+                  </a:lnTo>
+                  <a:lnTo>
+                    <a:pt x="0" y="0"/>
+                  </a:lnTo>
+                  <a:close/>
+                </a:path>
+              </a:pathLst>
+            </a:custGeom>
+            <a:solidFill>
+              <a:schemeClr val="accent1">
+                <a:alpha val="65000"/>
+              </a:schemeClr>
+            </a:solidFill>
+            <a:ln>
+              <a:noFill/>
+            </a:ln>
+            <a:effectLst/>
+          </p:spPr>
+          <p:style>
+            <a:lnRef idx="1">
+              <a:schemeClr val="accent1"/>
+            </a:lnRef>
+            <a:fillRef idx="3">
+              <a:schemeClr val="accent1"/>
+            </a:fillRef>
+            <a:effectRef idx="2">
+              <a:schemeClr val="accent1"/>
+            </a:effectRef>
+            <a:fontRef idx="minor">
+              <a:schemeClr val="lt1"/>
+            </a:fontRef>
+          </p:style>
+          <p:txBody>
+            <a:bodyPr/>
+            <a:lstStyle/>
+            <a:p>
+              <a:endParaRPr lang="en-US"/>
+            </a:p>
+          </p:txBody>
+        </p:sp>
+        <p:sp>
+          <p:nvSpPr>
+            <p:cNvPr id="240" name="Isosceles Triangle 239">
+              <a:extLst>
+                <a:ext uri="{FF2B5EF4-FFF2-40B4-BE49-F238E27FC236}">
+                  <a16:creationId xmlns:a16="http://schemas.microsoft.com/office/drawing/2014/main" id="{F5E04699-59E1-4468-9E7C-83070EEB4204}"/>
+                </a:ext>
+                <a:ext uri="{C183D7F6-B498-43B3-948B-1728B52AA6E4}">
+                  <adec:decorative xmlns:adec="http://schemas.microsoft.com/office/drawing/2017/decorative" val="1"/>
+                </a:ext>
+              </a:extLst>
+            </p:cNvPr>
+            <p:cNvSpPr/>
+            <p:nvPr>
+              <p:extLst>
+                <p:ext uri="{386F3935-93C4-4BCD-93E2-E3B085C9AB24}">
+                  <p16:designElem xmlns:p16="http://schemas.microsoft.com/office/powerpoint/2015/main" val="1"/>
+                </p:ext>
+              </p:extLst>
+            </p:nvPr>
+          </p:nvSpPr>
+          <p:spPr>
+            <a:xfrm>
+              <a:off x="10371666" y="3589867"/>
+              <a:ext cx="1817159" cy="3268133"/>
+            </a:xfrm>
+            <a:prstGeom prst="triangle">
+              <a:avLst>
+                <a:gd name="adj" fmla="val 100000"/>
+              </a:avLst>
+            </a:prstGeom>
+            <a:solidFill>
+              <a:schemeClr val="accent1">
+                <a:alpha val="80000"/>
+              </a:schemeClr>
+            </a:solidFill>
+            <a:ln>
+              <a:noFill/>
+            </a:ln>
+            <a:effectLst/>
+          </p:spPr>
+          <p:style>
+            <a:lnRef idx="1">
+              <a:schemeClr val="accent1"/>
+            </a:lnRef>
+            <a:fillRef idx="3">
+              <a:schemeClr val="accent1"/>
+            </a:fillRef>
+            <a:effectRef idx="2">
+              <a:schemeClr val="accent1"/>
+            </a:effectRef>
+            <a:fontRef idx="minor">
+              <a:schemeClr val="lt1"/>
+            </a:fontRef>
+          </p:style>
+          <p:txBody>
+            <a:bodyPr/>
+            <a:lstStyle/>
+            <a:p>
+              <a:endParaRPr lang="en-US"/>
+            </a:p>
+          </p:txBody>
+        </p:sp>
+        <p:sp>
+          <p:nvSpPr>
+            <p:cNvPr id="241" name="Isosceles Triangle 240">
+              <a:extLst>
+                <a:ext uri="{FF2B5EF4-FFF2-40B4-BE49-F238E27FC236}">
+                  <a16:creationId xmlns:a16="http://schemas.microsoft.com/office/drawing/2014/main" id="{F2AE8F13-9A52-4D7F-9637-321EA7CF3212}"/>
+                </a:ext>
+                <a:ext uri="{C183D7F6-B498-43B3-948B-1728B52AA6E4}">
+                  <adec:decorative xmlns:adec="http://schemas.microsoft.com/office/drawing/2017/decorative" val="1"/>
+                </a:ext>
+              </a:extLst>
+            </p:cNvPr>
+            <p:cNvSpPr/>
+            <p:nvPr>
+              <p:extLst>
+                <p:ext uri="{386F3935-93C4-4BCD-93E2-E3B085C9AB24}">
+                  <p16:designElem xmlns:p16="http://schemas.microsoft.com/office/powerpoint/2015/main" val="1"/>
+                </p:ext>
+              </p:extLst>
+            </p:nvPr>
+          </p:nvSpPr>
+          <p:spPr>
+            <a:xfrm rot="10800000">
+              <a:off x="0" y="0"/>
+              <a:ext cx="842596" cy="5666154"/>
+            </a:xfrm>
+            <a:prstGeom prst="triangle">
+              <a:avLst>
+                <a:gd name="adj" fmla="val 100000"/>
+              </a:avLst>
+            </a:prstGeom>
+            <a:solidFill>
+              <a:schemeClr val="accent1">
+                <a:alpha val="85000"/>
+              </a:schemeClr>
+            </a:solidFill>
+            <a:ln>
+              <a:noFill/>
+            </a:ln>
+            <a:effectLst/>
+          </p:spPr>
+          <p:style>
+            <a:lnRef idx="1">
+              <a:schemeClr val="accent1"/>
+            </a:lnRef>
+            <a:fillRef idx="3">
+              <a:schemeClr val="accent1"/>
+            </a:fillRef>
+            <a:effectRef idx="2">
+              <a:schemeClr val="accent1"/>
+            </a:effectRef>
+            <a:fontRef idx="minor">
+              <a:schemeClr val="lt1"/>
+            </a:fontRef>
+          </p:style>
+          <p:txBody>
+            <a:bodyPr/>
+            <a:lstStyle/>
+            <a:p>
+              <a:endParaRPr lang="en-US"/>
+            </a:p>
+          </p:txBody>
+        </p:sp>
+      </p:grpSp>
+      <p:sp>
+        <p:nvSpPr>
+          <p:cNvPr id="177" name="Google Shape;177;p20"/>
+          <p:cNvSpPr txBox="1">
+            <a:spLocks noGrp="1"/>
+          </p:cNvSpPr>
+          <p:nvPr>
+            <p:ph type="title"/>
+          </p:nvPr>
+        </p:nvSpPr>
+        <p:spPr>
+          <a:xfrm>
+            <a:off x="1130300" y="1803400"/>
+            <a:ext cx="5825202" cy="1234727"/>
+          </a:xfrm>
+          <a:prstGeom prst="rect">
+            <a:avLst/>
+          </a:prstGeom>
+        </p:spPr>
+        <p:txBody>
+          <a:bodyPr spcFirstLastPara="1" vert="horz" lIns="91440" tIns="45720" rIns="91440" bIns="45720" rtlCol="0" anchor="b" anchorCtr="0">
+            <a:normAutofit/>
+          </a:bodyPr>
+          <a:lstStyle/>
+          <a:p>
+            <a:pPr marL="0" lvl="0" indent="0" algn="r" defTabSz="457200">
+              <a:lnSpc>
+                <a:spcPct val="90000"/>
+              </a:lnSpc>
+              <a:spcBef>
+                <a:spcPct val="0"/>
+              </a:spcBef>
+              <a:spcAft>
+                <a:spcPts val="0"/>
+              </a:spcAft>
+            </a:pPr>
+            <a:r>
+              <a:rPr lang="en-US" sz="3800" b="1"/>
+              <a:t>QUESTIONS/COMMENTS?</a:t>
+            </a:r>
+          </a:p>
+        </p:txBody>
+      </p:sp>
+    </p:spTree>
+  </p:cSld>
+  <p:clrMapOvr>
+    <a:overrideClrMapping bg1="dk1" tx1="lt1" bg2="dk2" tx2="lt2" accent1="accent1" accent2="accent2" accent3="accent3" accent4="accent4" accent5="accent5" accent6="accent6" hlink="hlink" folHlink="folHlink"/>
+  </p:clrMapOvr>
+  <p:timing>
+    <p:tnLst>
+      <p:par>
+        <p:cTn id="1" dur="indefinite" restart="never" nodeType="tmRoot">
+          <p:childTnLst>
+            <p:seq concurrent="1" nextAc="seek">
+              <p:cTn id="2" dur="indefinite" nodeType="mainSeq">
+                <p:childTnLst>
+                  <p:par>
+                    <p:cTn id="3" fill="hold">
+                      <p:stCondLst>
+                        <p:cond delay="indefinite"/>
+                        <p:cond evt="onBegin" delay="0">
+                          <p:tn val="2"/>
+                        </p:cond>
+                      </p:stCondLst>
+                      <p:childTnLst>
+                        <p:par>
+                          <p:cTn id="4" fill="hold">
+                            <p:stCondLst>
+                              <p:cond delay="0"/>
+                            </p:stCondLst>
+                            <p:childTnLst>
+                              <p:par>
+                                <p:cTn id="5" presetID="10" presetClass="entr" presetSubtype="0" fill="hold" grpId="0" nodeType="withEffect">
+                                  <p:stCondLst>
+                                    <p:cond delay="500"/>
+                                  </p:stCondLst>
+                                  <p:iterate type="lt">
+                                    <p:tmPct val="10000"/>
+                                  </p:iterate>
+                                  <p:childTnLst>
+                                    <p:set>
+                                      <p:cBhvr>
+                                        <p:cTn id="6" dur="1" fill="hold">
+                                          <p:stCondLst>
+                                            <p:cond delay="0"/>
+                                          </p:stCondLst>
+                                        </p:cTn>
+                                        <p:tgtEl>
+                                          <p:spTgt spid="177"/>
+                                        </p:tgtEl>
+                                        <p:attrNameLst>
+                                          <p:attrName>style.visibility</p:attrName>
+                                        </p:attrNameLst>
+                                      </p:cBhvr>
+                                      <p:to>
+                                        <p:strVal val="visible"/>
+                                      </p:to>
+                                    </p:set>
+                                    <p:animEffect transition="in" filter="fade">
+                                      <p:cBhvr>
+                                        <p:cTn id="7" dur="400"/>
+                                        <p:tgtEl>
+                                          <p:spTgt spid="177"/>
+                                        </p:tgtEl>
+                                      </p:cBhvr>
+                                    </p:animEffect>
+                                  </p:childTnLst>
+                                </p:cTn>
+                              </p:par>
+                            </p:childTnLst>
+                          </p:cTn>
+                        </p:par>
+                      </p:childTnLst>
+                    </p:cTn>
+                  </p:par>
+                </p:childTnLst>
+              </p:cTn>
+              <p:prevCondLst>
+                <p:cond evt="onPrev" delay="0">
+                  <p:tgtEl>
+                    <p:sldTgt/>
+                  </p:tgtEl>
+                </p:cond>
+              </p:prevCondLst>
+              <p:nextCondLst>
+                <p:cond evt="onNext" delay="0">
+                  <p:tgtEl>
+                    <p:sldTgt/>
+                  </p:tgtEl>
+                </p:cond>
+              </p:nextCondLst>
+            </p:seq>
+          </p:childTnLst>
+        </p:cTn>
+      </p:par>
+    </p:tnLst>
+    <p:bldLst>
+      <p:bldP spid="177" grpId="0"/>
+    </p:bldLst>
+  </p:timing>
+</p:sld>
+</file>
+
 <file path=ppt/slides/slide2.xml><?xml version="1.0" encoding="utf-8"?>
 <p:sld xmlns:a="http://schemas.openxmlformats.org/drawingml/2006/main" xmlns:r="http://schemas.openxmlformats.org/officeDocument/2006/relationships" xmlns:p="http://schemas.openxmlformats.org/presentationml/2006/main">
   <p:cSld>
@@ -13200,6 +14847,7 @@
               <a:rPr lang="en-US" sz="2300" b="1"/>
               <a:t>GENERAL INFORMATION MAP</a:t>
             </a:r>
+            <a:endParaRPr lang="en-US" sz="2300" b="1" dirty="0"/>
           </a:p>
         </p:txBody>
       </p:sp>
@@ -13958,6 +15606,14 @@
 <file path=ppt/slides/slide6.xml><?xml version="1.0" encoding="utf-8"?>
 <p:sld xmlns:a="http://schemas.openxmlformats.org/drawingml/2006/main" xmlns:r="http://schemas.openxmlformats.org/officeDocument/2006/relationships" xmlns:p="http://schemas.openxmlformats.org/presentationml/2006/main">
   <p:cSld>
+    <p:bg>
+      <p:bgPr>
+        <a:solidFill>
+          <a:schemeClr val="bg1"/>
+        </a:solidFill>
+        <a:effectLst/>
+      </p:bgPr>
+    </p:bg>
     <p:spTree>
       <p:nvGrpSpPr>
         <p:cNvPr id="1" name="Shape 162"/>
@@ -13972,100 +15628,50 @@
           <a:chExt cx="0" cy="0"/>
         </a:xfrm>
       </p:grpSpPr>
-      <p:sp>
-        <p:nvSpPr>
-          <p:cNvPr id="163" name="Google Shape;163;p18"/>
-          <p:cNvSpPr txBox="1">
-            <a:spLocks noGrp="1"/>
-          </p:cNvSpPr>
-          <p:nvPr>
-            <p:ph type="title"/>
-          </p:nvPr>
-        </p:nvSpPr>
-        <p:spPr>
-          <a:prstGeom prst="rect">
-            <a:avLst/>
-          </a:prstGeom>
-        </p:spPr>
-        <p:txBody>
-          <a:bodyPr spcFirstLastPara="1" wrap="square" lIns="91425" tIns="91425" rIns="91425" bIns="91425" anchor="t" anchorCtr="0">
-            <a:normAutofit/>
-          </a:bodyPr>
-          <a:lstStyle/>
-          <a:p>
-            <a:pPr marL="0" lvl="0" indent="0" algn="l" rtl="0">
-              <a:spcBef>
-                <a:spcPts val="0"/>
-              </a:spcBef>
-              <a:spcAft>
-                <a:spcPts val="0"/>
-              </a:spcAft>
-              <a:buNone/>
-            </a:pPr>
-            <a:endParaRPr/>
-          </a:p>
-        </p:txBody>
-      </p:sp>
-      <p:sp>
-        <p:nvSpPr>
-          <p:cNvPr id="164" name="Google Shape;164;p18"/>
-          <p:cNvSpPr txBox="1">
-            <a:spLocks noGrp="1"/>
-          </p:cNvSpPr>
-          <p:nvPr>
-            <p:ph type="body" idx="1"/>
-          </p:nvPr>
-        </p:nvSpPr>
-        <p:spPr>
-          <a:prstGeom prst="rect">
-            <a:avLst/>
-          </a:prstGeom>
-        </p:spPr>
-        <p:txBody>
-          <a:bodyPr spcFirstLastPara="1" wrap="square" lIns="91425" tIns="91425" rIns="91425" bIns="91425" anchor="t" anchorCtr="0">
-            <a:normAutofit/>
-          </a:bodyPr>
-          <a:lstStyle/>
-          <a:p>
-            <a:pPr marL="0" lvl="0" indent="0" algn="l" rtl="0">
-              <a:spcBef>
-                <a:spcPts val="0"/>
-              </a:spcBef>
-              <a:spcAft>
-                <a:spcPts val="1200"/>
-              </a:spcAft>
-              <a:buNone/>
-            </a:pPr>
-            <a:endParaRPr/>
-          </a:p>
-        </p:txBody>
-      </p:sp>
       <p:pic>
         <p:nvPicPr>
-          <p:cNvPr id="165" name="Google Shape;165;p18"/>
-          <p:cNvPicPr preferRelativeResize="0"/>
+          <p:cNvPr id="3" name="Picture 2">
+            <a:extLst>
+              <a:ext uri="{FF2B5EF4-FFF2-40B4-BE49-F238E27FC236}">
+                <a16:creationId xmlns:a16="http://schemas.microsoft.com/office/drawing/2014/main" id="{F27574F1-BF36-C555-7505-94A32D1BCF95}"/>
+              </a:ext>
+            </a:extLst>
+          </p:cNvPr>
+          <p:cNvPicPr>
+            <a:picLocks noChangeAspect="1"/>
+          </p:cNvPicPr>
           <p:nvPr/>
         </p:nvPicPr>
-        <p:blipFill>
-          <a:blip r:embed="rId3">
-            <a:alphaModFix/>
-          </a:blip>
-          <a:stretch>
-            <a:fillRect/>
-          </a:stretch>
+        <p:blipFill rotWithShape="1">
+          <a:blip r:embed="rId3"/>
+          <a:srcRect t="24934" b="17225"/>
+          <a:stretch/>
         </p:blipFill>
         <p:spPr>
           <a:xfrm>
-            <a:off x="910150" y="704775"/>
-            <a:ext cx="7414700" cy="3951992"/>
+            <a:off x="20" y="10"/>
+            <a:ext cx="9143980" cy="5143490"/>
           </a:xfrm>
           <a:prstGeom prst="rect">
             <a:avLst/>
           </a:prstGeom>
-          <a:noFill/>
-          <a:ln>
-            <a:noFill/>
-          </a:ln>
+          <a:solidFill>
+            <a:srgbClr val="FFFFFF">
+              <a:shade val="85000"/>
+            </a:srgbClr>
+          </a:solidFill>
+          <a:scene3d>
+            <a:camera prst="orthographicFront"/>
+            <a:lightRig rig="twoPt" dir="t">
+              <a:rot lat="0" lon="0" rev="7200000"/>
+            </a:lightRig>
+          </a:scene3d>
+          <a:sp3d>
+            <a:bevelT w="25400" h="19050"/>
+            <a:contourClr>
+              <a:srgbClr val="FFFFFF"/>
+            </a:contourClr>
+          </a:sp3d>
         </p:spPr>
       </p:pic>
     </p:spTree>
@@ -14934,7 +16540,7 @@
               <a:buChar char=""/>
             </a:pPr>
             <a:r>
-              <a:rPr lang="en-US" sz="1500"/>
+              <a:rPr lang="en-US" sz="1500" dirty="0"/>
               <a:t>Map of the world displaying circle markers which have radio based on population and colors based on area.</a:t>
             </a:r>
           </a:p>
@@ -14951,7 +16557,7 @@
               <a:buChar char=""/>
             </a:pPr>
             <a:r>
-              <a:rPr lang="en-US" sz="1500"/>
+              <a:rPr lang="en-US" sz="1500" dirty="0"/>
               <a:t>Locations based on coordinates contained in API.</a:t>
             </a:r>
           </a:p>
@@ -14968,7 +16574,7 @@
               <a:buChar char=""/>
             </a:pPr>
             <a:r>
-              <a:rPr lang="en-US" sz="1500"/>
+              <a:rPr lang="en-US" sz="1500" dirty="0"/>
               <a:t>Population density – Highest: China.      </a:t>
             </a:r>
           </a:p>
@@ -14985,7 +16591,7 @@
               <a:buChar char=""/>
             </a:pPr>
             <a:r>
-              <a:rPr lang="en-US" sz="1500"/>
+              <a:rPr lang="en-US" sz="1500" dirty="0"/>
               <a:t>Population and area information available upon clicking the markers</a:t>
             </a:r>
           </a:p>
@@ -15002,7 +16608,7 @@
               <a:buChar char=""/>
             </a:pPr>
             <a:r>
-              <a:rPr lang="en-US" sz="1500"/>
+              <a:rPr lang="en-US" sz="1500" dirty="0"/>
               <a:t>Largest/Smallest: Russia/Vatican City</a:t>
             </a:r>
           </a:p>
@@ -15019,7 +16625,7 @@
               <a:buChar char=""/>
             </a:pPr>
             <a:r>
-              <a:rPr lang="en-US" sz="1500"/>
+              <a:rPr lang="en-US" sz="1500" dirty="0"/>
               <a:t>Most/Least People: China/Vatican City</a:t>
             </a:r>
           </a:p>
@@ -15155,17 +16761,9 @@
 <file path=ppt/slides/slide8.xml><?xml version="1.0" encoding="utf-8"?>
 <p:sld xmlns:a="http://schemas.openxmlformats.org/drawingml/2006/main" xmlns:r="http://schemas.openxmlformats.org/officeDocument/2006/relationships" xmlns:p="http://schemas.openxmlformats.org/presentationml/2006/main">
   <p:cSld>
-    <p:bg>
-      <p:bgPr>
-        <a:solidFill>
-          <a:schemeClr val="bg2"/>
-        </a:solidFill>
-        <a:effectLst/>
-      </p:bgPr>
-    </p:bg>
     <p:spTree>
       <p:nvGrpSpPr>
-        <p:cNvPr id="1" name="Shape 176"/>
+        <p:cNvPr id="1" name=""/>
         <p:cNvGrpSpPr/>
         <p:nvPr/>
       </p:nvGrpSpPr>
@@ -15177,1623 +16775,441 @@
           <a:chExt cx="0" cy="0"/>
         </a:xfrm>
       </p:grpSpPr>
-      <p:grpSp>
-        <p:nvGrpSpPr>
-          <p:cNvPr id="218" name="Group 217">
+      <p:sp>
+        <p:nvSpPr>
+          <p:cNvPr id="5" name="TextBox 4">
             <a:extLst>
               <a:ext uri="{FF2B5EF4-FFF2-40B4-BE49-F238E27FC236}">
-                <a16:creationId xmlns:a16="http://schemas.microsoft.com/office/drawing/2014/main" id="{28460BD8-AE3F-4AC9-9D0B-717052AA5D3A}"/>
-              </a:ext>
-              <a:ext uri="{C183D7F6-B498-43B3-948B-1728B52AA6E4}">
-                <adec:decorative xmlns:adec="http://schemas.microsoft.com/office/drawing/2017/decorative" val="1"/>
+                <a16:creationId xmlns:a16="http://schemas.microsoft.com/office/drawing/2014/main" id="{40D83849-C8C8-8ECC-62B1-05AED6E410B7}"/>
               </a:ext>
             </a:extLst>
           </p:cNvPr>
-          <p:cNvGrpSpPr>
-            <a:grpSpLocks noGrp="1" noUngrp="1" noRot="1" noChangeAspect="1" noMove="1" noResize="1"/>
-          </p:cNvGrpSpPr>
-          <p:nvPr>
-            <p:extLst>
-              <p:ext uri="{386F3935-93C4-4BCD-93E2-E3B085C9AB24}">
-                <p16:designElem xmlns:p16="http://schemas.microsoft.com/office/powerpoint/2015/main" val="1"/>
-              </p:ext>
-            </p:extLst>
-          </p:nvPr>
-        </p:nvGrpSpPr>
-        <p:grpSpPr>
-          <a:xfrm>
-            <a:off x="0" y="-6350"/>
-            <a:ext cx="9144001" cy="5149850"/>
-            <a:chOff x="0" y="-8467"/>
-            <a:chExt cx="12192000" cy="6866467"/>
-          </a:xfrm>
-        </p:grpSpPr>
-        <p:cxnSp>
-          <p:nvCxnSpPr>
-            <p:cNvPr id="219" name="Straight Connector 218">
-              <a:extLst>
-                <a:ext uri="{FF2B5EF4-FFF2-40B4-BE49-F238E27FC236}">
-                  <a16:creationId xmlns:a16="http://schemas.microsoft.com/office/drawing/2014/main" id="{54420CFE-F482-466E-9E1E-C78513C0B85D}"/>
-                </a:ext>
-                <a:ext uri="{C183D7F6-B498-43B3-948B-1728B52AA6E4}">
-                  <adec:decorative xmlns:adec="http://schemas.microsoft.com/office/drawing/2017/decorative" val="1"/>
-                </a:ext>
-              </a:extLst>
-            </p:cNvPr>
-            <p:cNvCxnSpPr/>
-            <p:nvPr>
-              <p:extLst>
-                <p:ext uri="{386F3935-93C4-4BCD-93E2-E3B085C9AB24}">
-                  <p16:designElem xmlns:p16="http://schemas.microsoft.com/office/powerpoint/2015/main" val="1"/>
-                </p:ext>
-              </p:extLst>
-            </p:nvPr>
-          </p:nvCxnSpPr>
-          <p:spPr>
-            <a:xfrm>
-              <a:off x="9371012" y="0"/>
-              <a:ext cx="1219200" cy="6858000"/>
-            </a:xfrm>
-            <a:prstGeom prst="line">
-              <a:avLst/>
-            </a:prstGeom>
-            <a:ln w="9525">
-              <a:solidFill>
-                <a:schemeClr val="bg1">
-                  <a:lumMod val="75000"/>
-                </a:schemeClr>
-              </a:solidFill>
-            </a:ln>
-          </p:spPr>
-          <p:style>
-            <a:lnRef idx="2">
-              <a:schemeClr val="accent1"/>
-            </a:lnRef>
-            <a:fillRef idx="0">
-              <a:schemeClr val="accent1"/>
-            </a:fillRef>
-            <a:effectRef idx="1">
-              <a:schemeClr val="accent1"/>
-            </a:effectRef>
-            <a:fontRef idx="minor">
-              <a:schemeClr val="tx1"/>
-            </a:fontRef>
-          </p:style>
-        </p:cxnSp>
-        <p:cxnSp>
-          <p:nvCxnSpPr>
-            <p:cNvPr id="220" name="Straight Connector 219">
-              <a:extLst>
-                <a:ext uri="{FF2B5EF4-FFF2-40B4-BE49-F238E27FC236}">
-                  <a16:creationId xmlns:a16="http://schemas.microsoft.com/office/drawing/2014/main" id="{5331032B-BD21-4BDA-920C-12E358052567}"/>
-                </a:ext>
-                <a:ext uri="{C183D7F6-B498-43B3-948B-1728B52AA6E4}">
-                  <adec:decorative xmlns:adec="http://schemas.microsoft.com/office/drawing/2017/decorative" val="1"/>
-                </a:ext>
-              </a:extLst>
-            </p:cNvPr>
-            <p:cNvCxnSpPr/>
-            <p:nvPr>
-              <p:extLst>
-                <p:ext uri="{386F3935-93C4-4BCD-93E2-E3B085C9AB24}">
-                  <p16:designElem xmlns:p16="http://schemas.microsoft.com/office/powerpoint/2015/main" val="1"/>
-                </p:ext>
-              </p:extLst>
-            </p:nvPr>
-          </p:nvCxnSpPr>
-          <p:spPr>
-            <a:xfrm flipH="1">
-              <a:off x="7425267" y="3681413"/>
-              <a:ext cx="4763558" cy="3176587"/>
-            </a:xfrm>
-            <a:prstGeom prst="line">
-              <a:avLst/>
-            </a:prstGeom>
-            <a:ln w="9525">
-              <a:solidFill>
-                <a:schemeClr val="bg1">
-                  <a:lumMod val="85000"/>
-                </a:schemeClr>
-              </a:solidFill>
-            </a:ln>
-          </p:spPr>
-          <p:style>
-            <a:lnRef idx="2">
-              <a:schemeClr val="accent1"/>
-            </a:lnRef>
-            <a:fillRef idx="0">
-              <a:schemeClr val="accent1"/>
-            </a:fillRef>
-            <a:effectRef idx="1">
-              <a:schemeClr val="accent1"/>
-            </a:effectRef>
-            <a:fontRef idx="minor">
-              <a:schemeClr val="tx1"/>
-            </a:fontRef>
-          </p:style>
-        </p:cxnSp>
-        <p:sp>
-          <p:nvSpPr>
-            <p:cNvPr id="221" name="Rectangle 23">
-              <a:extLst>
-                <a:ext uri="{FF2B5EF4-FFF2-40B4-BE49-F238E27FC236}">
-                  <a16:creationId xmlns:a16="http://schemas.microsoft.com/office/drawing/2014/main" id="{E7514DA3-59E7-409E-8A3B-AD097F6E5644}"/>
-                </a:ext>
-                <a:ext uri="{C183D7F6-B498-43B3-948B-1728B52AA6E4}">
-                  <adec:decorative xmlns:adec="http://schemas.microsoft.com/office/drawing/2017/decorative" val="1"/>
-                </a:ext>
-              </a:extLst>
-            </p:cNvPr>
-            <p:cNvSpPr/>
-            <p:nvPr>
-              <p:extLst>
-                <p:ext uri="{386F3935-93C4-4BCD-93E2-E3B085C9AB24}">
-                  <p16:designElem xmlns:p16="http://schemas.microsoft.com/office/powerpoint/2015/main" val="1"/>
-                </p:ext>
-              </p:extLst>
-            </p:nvPr>
-          </p:nvSpPr>
-          <p:spPr>
-            <a:xfrm>
-              <a:off x="9181476" y="-8467"/>
-              <a:ext cx="3007349" cy="6866467"/>
-            </a:xfrm>
-            <a:custGeom>
-              <a:avLst/>
-              <a:gdLst/>
-              <a:ahLst/>
-              <a:cxnLst/>
-              <a:rect l="l" t="t" r="r" b="b"/>
-              <a:pathLst>
-                <a:path w="3007349" h="6866467">
-                  <a:moveTo>
-                    <a:pt x="2045532" y="0"/>
-                  </a:moveTo>
-                  <a:lnTo>
-                    <a:pt x="3007349" y="0"/>
-                  </a:lnTo>
-                  <a:lnTo>
-                    <a:pt x="3007349" y="6866467"/>
-                  </a:lnTo>
-                  <a:lnTo>
-                    <a:pt x="0" y="6866467"/>
-                  </a:lnTo>
-                  <a:lnTo>
-                    <a:pt x="2045532" y="0"/>
-                  </a:lnTo>
-                  <a:close/>
-                </a:path>
-              </a:pathLst>
-            </a:custGeom>
-            <a:solidFill>
-              <a:schemeClr val="accent1">
-                <a:alpha val="30000"/>
-              </a:schemeClr>
-            </a:solidFill>
-            <a:ln>
-              <a:noFill/>
-            </a:ln>
-            <a:effectLst/>
-          </p:spPr>
-          <p:style>
-            <a:lnRef idx="1">
-              <a:schemeClr val="accent1"/>
-            </a:lnRef>
-            <a:fillRef idx="3">
-              <a:schemeClr val="accent1"/>
-            </a:fillRef>
-            <a:effectRef idx="2">
-              <a:schemeClr val="accent1"/>
-            </a:effectRef>
-            <a:fontRef idx="minor">
-              <a:schemeClr val="lt1"/>
-            </a:fontRef>
-          </p:style>
-          <p:txBody>
-            <a:bodyPr/>
-            <a:lstStyle/>
-            <a:p>
-              <a:endParaRPr lang="en-US"/>
-            </a:p>
-          </p:txBody>
-        </p:sp>
-        <p:sp>
-          <p:nvSpPr>
-            <p:cNvPr id="222" name="Rectangle 25">
-              <a:extLst>
-                <a:ext uri="{FF2B5EF4-FFF2-40B4-BE49-F238E27FC236}">
-                  <a16:creationId xmlns:a16="http://schemas.microsoft.com/office/drawing/2014/main" id="{57B9A2A6-3BE4-4599-9364-F71C5BFD61F8}"/>
-                </a:ext>
-                <a:ext uri="{C183D7F6-B498-43B3-948B-1728B52AA6E4}">
-                  <adec:decorative xmlns:adec="http://schemas.microsoft.com/office/drawing/2017/decorative" val="1"/>
-                </a:ext>
-              </a:extLst>
-            </p:cNvPr>
-            <p:cNvSpPr/>
-            <p:nvPr>
-              <p:extLst>
-                <p:ext uri="{386F3935-93C4-4BCD-93E2-E3B085C9AB24}">
-                  <p16:designElem xmlns:p16="http://schemas.microsoft.com/office/powerpoint/2015/main" val="1"/>
-                </p:ext>
-              </p:extLst>
-            </p:nvPr>
-          </p:nvSpPr>
-          <p:spPr>
-            <a:xfrm>
-              <a:off x="9603442" y="-8467"/>
-              <a:ext cx="2588558" cy="6866467"/>
-            </a:xfrm>
-            <a:custGeom>
-              <a:avLst/>
-              <a:gdLst/>
-              <a:ahLst/>
-              <a:cxnLst/>
-              <a:rect l="l" t="t" r="r" b="b"/>
-              <a:pathLst>
-                <a:path w="2573311" h="6866467">
-                  <a:moveTo>
-                    <a:pt x="0" y="0"/>
-                  </a:moveTo>
-                  <a:lnTo>
-                    <a:pt x="2573311" y="0"/>
-                  </a:lnTo>
-                  <a:lnTo>
-                    <a:pt x="2573311" y="6866467"/>
-                  </a:lnTo>
-                  <a:lnTo>
-                    <a:pt x="1202336" y="6866467"/>
-                  </a:lnTo>
-                  <a:lnTo>
-                    <a:pt x="0" y="0"/>
-                  </a:lnTo>
-                  <a:close/>
-                </a:path>
-              </a:pathLst>
-            </a:custGeom>
-            <a:solidFill>
-              <a:schemeClr val="accent1">
-                <a:alpha val="20000"/>
-              </a:schemeClr>
-            </a:solidFill>
-            <a:ln>
-              <a:noFill/>
-            </a:ln>
-            <a:effectLst/>
-          </p:spPr>
-          <p:style>
-            <a:lnRef idx="1">
-              <a:schemeClr val="accent1"/>
-            </a:lnRef>
-            <a:fillRef idx="3">
-              <a:schemeClr val="accent1"/>
-            </a:fillRef>
-            <a:effectRef idx="2">
-              <a:schemeClr val="accent1"/>
-            </a:effectRef>
-            <a:fontRef idx="minor">
-              <a:schemeClr val="lt1"/>
-            </a:fontRef>
-          </p:style>
-          <p:txBody>
-            <a:bodyPr/>
-            <a:lstStyle/>
-            <a:p>
-              <a:endParaRPr lang="en-US"/>
-            </a:p>
-          </p:txBody>
-        </p:sp>
-        <p:sp>
-          <p:nvSpPr>
-            <p:cNvPr id="223" name="Isosceles Triangle 222">
-              <a:extLst>
-                <a:ext uri="{FF2B5EF4-FFF2-40B4-BE49-F238E27FC236}">
-                  <a16:creationId xmlns:a16="http://schemas.microsoft.com/office/drawing/2014/main" id="{4FD744C6-4ED8-4BC9-BF68-6BDF701C5DB4}"/>
-                </a:ext>
-                <a:ext uri="{C183D7F6-B498-43B3-948B-1728B52AA6E4}">
-                  <adec:decorative xmlns:adec="http://schemas.microsoft.com/office/drawing/2017/decorative" val="1"/>
-                </a:ext>
-              </a:extLst>
-            </p:cNvPr>
-            <p:cNvSpPr/>
-            <p:nvPr>
-              <p:extLst>
-                <p:ext uri="{386F3935-93C4-4BCD-93E2-E3B085C9AB24}">
-                  <p16:designElem xmlns:p16="http://schemas.microsoft.com/office/powerpoint/2015/main" val="1"/>
-                </p:ext>
-              </p:extLst>
-            </p:nvPr>
-          </p:nvSpPr>
-          <p:spPr>
-            <a:xfrm>
-              <a:off x="8932333" y="3048000"/>
-              <a:ext cx="3259667" cy="3810000"/>
-            </a:xfrm>
-            <a:prstGeom prst="triangle">
-              <a:avLst>
-                <a:gd name="adj" fmla="val 100000"/>
-              </a:avLst>
-            </a:prstGeom>
-            <a:solidFill>
-              <a:schemeClr val="accent2">
-                <a:alpha val="72000"/>
-              </a:schemeClr>
-            </a:solidFill>
-            <a:ln>
-              <a:noFill/>
-            </a:ln>
-            <a:effectLst/>
-          </p:spPr>
-          <p:style>
-            <a:lnRef idx="1">
-              <a:schemeClr val="accent1"/>
-            </a:lnRef>
-            <a:fillRef idx="3">
-              <a:schemeClr val="accent1"/>
-            </a:fillRef>
-            <a:effectRef idx="2">
-              <a:schemeClr val="accent1"/>
-            </a:effectRef>
-            <a:fontRef idx="minor">
-              <a:schemeClr val="lt1"/>
-            </a:fontRef>
-          </p:style>
-          <p:txBody>
-            <a:bodyPr/>
-            <a:lstStyle/>
-            <a:p>
-              <a:endParaRPr lang="en-US"/>
-            </a:p>
-          </p:txBody>
-        </p:sp>
-        <p:sp>
-          <p:nvSpPr>
-            <p:cNvPr id="224" name="Rectangle 27">
-              <a:extLst>
-                <a:ext uri="{FF2B5EF4-FFF2-40B4-BE49-F238E27FC236}">
-                  <a16:creationId xmlns:a16="http://schemas.microsoft.com/office/drawing/2014/main" id="{092C5BAD-C911-4F8F-A1C5-470268BE668B}"/>
-                </a:ext>
-                <a:ext uri="{C183D7F6-B498-43B3-948B-1728B52AA6E4}">
-                  <adec:decorative xmlns:adec="http://schemas.microsoft.com/office/drawing/2017/decorative" val="1"/>
-                </a:ext>
-              </a:extLst>
-            </p:cNvPr>
-            <p:cNvSpPr/>
-            <p:nvPr>
-              <p:extLst>
-                <p:ext uri="{386F3935-93C4-4BCD-93E2-E3B085C9AB24}">
-                  <p16:designElem xmlns:p16="http://schemas.microsoft.com/office/powerpoint/2015/main" val="1"/>
-                </p:ext>
-              </p:extLst>
-            </p:nvPr>
-          </p:nvSpPr>
-          <p:spPr>
-            <a:xfrm>
-              <a:off x="9334500" y="-8467"/>
-              <a:ext cx="2854326" cy="6866467"/>
-            </a:xfrm>
-            <a:custGeom>
-              <a:avLst/>
-              <a:gdLst/>
-              <a:ahLst/>
-              <a:cxnLst/>
-              <a:rect l="l" t="t" r="r" b="b"/>
-              <a:pathLst>
-                <a:path w="2858013" h="6866467">
-                  <a:moveTo>
-                    <a:pt x="0" y="0"/>
-                  </a:moveTo>
-                  <a:lnTo>
-                    <a:pt x="2858013" y="0"/>
-                  </a:lnTo>
-                  <a:lnTo>
-                    <a:pt x="2858013" y="6866467"/>
-                  </a:lnTo>
-                  <a:lnTo>
-                    <a:pt x="2473942" y="6866467"/>
-                  </a:lnTo>
-                  <a:lnTo>
-                    <a:pt x="0" y="0"/>
-                  </a:lnTo>
-                  <a:close/>
-                </a:path>
-              </a:pathLst>
-            </a:custGeom>
-            <a:solidFill>
-              <a:schemeClr val="accent2">
-                <a:lumMod val="75000"/>
-                <a:alpha val="70000"/>
-              </a:schemeClr>
-            </a:solidFill>
-            <a:ln>
-              <a:noFill/>
-            </a:ln>
-            <a:effectLst/>
-          </p:spPr>
-          <p:style>
-            <a:lnRef idx="1">
-              <a:schemeClr val="accent1"/>
-            </a:lnRef>
-            <a:fillRef idx="3">
-              <a:schemeClr val="accent1"/>
-            </a:fillRef>
-            <a:effectRef idx="2">
-              <a:schemeClr val="accent1"/>
-            </a:effectRef>
-            <a:fontRef idx="minor">
-              <a:schemeClr val="lt1"/>
-            </a:fontRef>
-          </p:style>
-          <p:txBody>
-            <a:bodyPr/>
-            <a:lstStyle/>
-            <a:p>
-              <a:endParaRPr lang="en-US"/>
-            </a:p>
-          </p:txBody>
-        </p:sp>
-        <p:sp>
-          <p:nvSpPr>
-            <p:cNvPr id="225" name="Rectangle 28">
-              <a:extLst>
-                <a:ext uri="{FF2B5EF4-FFF2-40B4-BE49-F238E27FC236}">
-                  <a16:creationId xmlns:a16="http://schemas.microsoft.com/office/drawing/2014/main" id="{B133D0C8-4EC4-424F-8E70-0482D5B1B653}"/>
-                </a:ext>
-                <a:ext uri="{C183D7F6-B498-43B3-948B-1728B52AA6E4}">
-                  <adec:decorative xmlns:adec="http://schemas.microsoft.com/office/drawing/2017/decorative" val="1"/>
-                </a:ext>
-              </a:extLst>
-            </p:cNvPr>
-            <p:cNvSpPr/>
-            <p:nvPr>
-              <p:extLst>
-                <p:ext uri="{386F3935-93C4-4BCD-93E2-E3B085C9AB24}">
-                  <p16:designElem xmlns:p16="http://schemas.microsoft.com/office/powerpoint/2015/main" val="1"/>
-                </p:ext>
-              </p:extLst>
-            </p:nvPr>
-          </p:nvSpPr>
-          <p:spPr>
-            <a:xfrm>
-              <a:off x="10898730" y="-8467"/>
-              <a:ext cx="1290094" cy="6866467"/>
-            </a:xfrm>
-            <a:custGeom>
-              <a:avLst/>
-              <a:gdLst/>
-              <a:ahLst/>
-              <a:cxnLst/>
-              <a:rect l="l" t="t" r="r" b="b"/>
-              <a:pathLst>
-                <a:path w="1290094" h="6858000">
-                  <a:moveTo>
-                    <a:pt x="1019735" y="0"/>
-                  </a:moveTo>
-                  <a:lnTo>
-                    <a:pt x="1290094" y="0"/>
-                  </a:lnTo>
-                  <a:lnTo>
-                    <a:pt x="1290094" y="6858000"/>
-                  </a:lnTo>
-                  <a:lnTo>
-                    <a:pt x="0" y="6858000"/>
-                  </a:lnTo>
-                  <a:lnTo>
-                    <a:pt x="1019735" y="0"/>
-                  </a:lnTo>
-                  <a:close/>
-                </a:path>
-              </a:pathLst>
-            </a:custGeom>
-            <a:solidFill>
-              <a:schemeClr val="accent1">
-                <a:lumMod val="60000"/>
-                <a:lumOff val="40000"/>
-                <a:alpha val="70000"/>
-              </a:schemeClr>
-            </a:solidFill>
-            <a:ln>
-              <a:noFill/>
-            </a:ln>
-            <a:effectLst/>
-          </p:spPr>
-          <p:style>
-            <a:lnRef idx="1">
-              <a:schemeClr val="accent1"/>
-            </a:lnRef>
-            <a:fillRef idx="3">
-              <a:schemeClr val="accent1"/>
-            </a:fillRef>
-            <a:effectRef idx="2">
-              <a:schemeClr val="accent1"/>
-            </a:effectRef>
-            <a:fontRef idx="minor">
-              <a:schemeClr val="lt1"/>
-            </a:fontRef>
-          </p:style>
-          <p:txBody>
-            <a:bodyPr/>
-            <a:lstStyle/>
-            <a:p>
-              <a:endParaRPr lang="en-US"/>
-            </a:p>
-          </p:txBody>
-        </p:sp>
-        <p:sp>
-          <p:nvSpPr>
-            <p:cNvPr id="226" name="Rectangle 29">
-              <a:extLst>
-                <a:ext uri="{FF2B5EF4-FFF2-40B4-BE49-F238E27FC236}">
-                  <a16:creationId xmlns:a16="http://schemas.microsoft.com/office/drawing/2014/main" id="{7B1532A0-F4B3-4DE8-B18F-740CAAD25AC4}"/>
-                </a:ext>
-                <a:ext uri="{C183D7F6-B498-43B3-948B-1728B52AA6E4}">
-                  <adec:decorative xmlns:adec="http://schemas.microsoft.com/office/drawing/2017/decorative" val="1"/>
-                </a:ext>
-              </a:extLst>
-            </p:cNvPr>
-            <p:cNvSpPr/>
-            <p:nvPr>
-              <p:extLst>
-                <p:ext uri="{386F3935-93C4-4BCD-93E2-E3B085C9AB24}">
-                  <p16:designElem xmlns:p16="http://schemas.microsoft.com/office/powerpoint/2015/main" val="1"/>
-                </p:ext>
-              </p:extLst>
-            </p:nvPr>
-          </p:nvSpPr>
-          <p:spPr>
-            <a:xfrm>
-              <a:off x="10938999" y="-8467"/>
-              <a:ext cx="1249825" cy="6866467"/>
-            </a:xfrm>
-            <a:custGeom>
-              <a:avLst/>
-              <a:gdLst/>
-              <a:ahLst/>
-              <a:cxnLst/>
-              <a:rect l="l" t="t" r="r" b="b"/>
-              <a:pathLst>
-                <a:path w="1249825" h="6858000">
-                  <a:moveTo>
-                    <a:pt x="0" y="0"/>
-                  </a:moveTo>
-                  <a:lnTo>
-                    <a:pt x="1249825" y="0"/>
-                  </a:lnTo>
-                  <a:lnTo>
-                    <a:pt x="1249825" y="6858000"/>
-                  </a:lnTo>
-                  <a:lnTo>
-                    <a:pt x="1109382" y="6858000"/>
-                  </a:lnTo>
-                  <a:lnTo>
-                    <a:pt x="0" y="0"/>
-                  </a:lnTo>
-                  <a:close/>
-                </a:path>
-              </a:pathLst>
-            </a:custGeom>
-            <a:solidFill>
-              <a:schemeClr val="accent1">
-                <a:alpha val="65000"/>
-              </a:schemeClr>
-            </a:solidFill>
-            <a:ln>
-              <a:noFill/>
-            </a:ln>
-            <a:effectLst/>
-          </p:spPr>
-          <p:style>
-            <a:lnRef idx="1">
-              <a:schemeClr val="accent1"/>
-            </a:lnRef>
-            <a:fillRef idx="3">
-              <a:schemeClr val="accent1"/>
-            </a:fillRef>
-            <a:effectRef idx="2">
-              <a:schemeClr val="accent1"/>
-            </a:effectRef>
-            <a:fontRef idx="minor">
-              <a:schemeClr val="lt1"/>
-            </a:fontRef>
-          </p:style>
-          <p:txBody>
-            <a:bodyPr/>
-            <a:lstStyle/>
-            <a:p>
-              <a:endParaRPr lang="en-US"/>
-            </a:p>
-          </p:txBody>
-        </p:sp>
-        <p:sp>
-          <p:nvSpPr>
-            <p:cNvPr id="227" name="Isosceles Triangle 226">
-              <a:extLst>
-                <a:ext uri="{FF2B5EF4-FFF2-40B4-BE49-F238E27FC236}">
-                  <a16:creationId xmlns:a16="http://schemas.microsoft.com/office/drawing/2014/main" id="{8EFDD162-BBBA-4062-8BBF-53DBA1091374}"/>
-                </a:ext>
-                <a:ext uri="{C183D7F6-B498-43B3-948B-1728B52AA6E4}">
-                  <adec:decorative xmlns:adec="http://schemas.microsoft.com/office/drawing/2017/decorative" val="1"/>
-                </a:ext>
-              </a:extLst>
-            </p:cNvPr>
-            <p:cNvSpPr/>
-            <p:nvPr>
-              <p:extLst>
-                <p:ext uri="{386F3935-93C4-4BCD-93E2-E3B085C9AB24}">
-                  <p16:designElem xmlns:p16="http://schemas.microsoft.com/office/powerpoint/2015/main" val="1"/>
-                </p:ext>
-              </p:extLst>
-            </p:nvPr>
-          </p:nvSpPr>
-          <p:spPr>
-            <a:xfrm>
-              <a:off x="10371666" y="3589867"/>
-              <a:ext cx="1817159" cy="3268133"/>
-            </a:xfrm>
-            <a:prstGeom prst="triangle">
-              <a:avLst>
-                <a:gd name="adj" fmla="val 100000"/>
-              </a:avLst>
-            </a:prstGeom>
-            <a:solidFill>
-              <a:schemeClr val="accent1">
-                <a:alpha val="80000"/>
-              </a:schemeClr>
-            </a:solidFill>
-            <a:ln>
-              <a:noFill/>
-            </a:ln>
-            <a:effectLst/>
-          </p:spPr>
-          <p:style>
-            <a:lnRef idx="1">
-              <a:schemeClr val="accent1"/>
-            </a:lnRef>
-            <a:fillRef idx="3">
-              <a:schemeClr val="accent1"/>
-            </a:fillRef>
-            <a:effectRef idx="2">
-              <a:schemeClr val="accent1"/>
-            </a:effectRef>
-            <a:fontRef idx="minor">
-              <a:schemeClr val="lt1"/>
-            </a:fontRef>
-          </p:style>
-          <p:txBody>
-            <a:bodyPr/>
-            <a:lstStyle/>
-            <a:p>
-              <a:endParaRPr lang="en-US"/>
-            </a:p>
-          </p:txBody>
-        </p:sp>
-        <p:sp>
-          <p:nvSpPr>
-            <p:cNvPr id="228" name="Isosceles Triangle 227">
-              <a:extLst>
-                <a:ext uri="{FF2B5EF4-FFF2-40B4-BE49-F238E27FC236}">
-                  <a16:creationId xmlns:a16="http://schemas.microsoft.com/office/drawing/2014/main" id="{DCFC9E65-3E19-4483-B952-25D29683CA56}"/>
-                </a:ext>
-                <a:ext uri="{C183D7F6-B498-43B3-948B-1728B52AA6E4}">
-                  <adec:decorative xmlns:adec="http://schemas.microsoft.com/office/drawing/2017/decorative" val="1"/>
-                </a:ext>
-              </a:extLst>
-            </p:cNvPr>
-            <p:cNvSpPr/>
-            <p:nvPr>
-              <p:extLst>
-                <p:ext uri="{386F3935-93C4-4BCD-93E2-E3B085C9AB24}">
-                  <p16:designElem xmlns:p16="http://schemas.microsoft.com/office/powerpoint/2015/main" val="1"/>
-                </p:ext>
-              </p:extLst>
-            </p:nvPr>
-          </p:nvSpPr>
-          <p:spPr>
-            <a:xfrm rot="10800000">
-              <a:off x="0" y="0"/>
-              <a:ext cx="842596" cy="5666154"/>
-            </a:xfrm>
-            <a:prstGeom prst="triangle">
-              <a:avLst>
-                <a:gd name="adj" fmla="val 100000"/>
-              </a:avLst>
-            </a:prstGeom>
-            <a:solidFill>
-              <a:schemeClr val="accent1">
-                <a:alpha val="85000"/>
-              </a:schemeClr>
-            </a:solidFill>
-            <a:ln>
-              <a:noFill/>
-            </a:ln>
-            <a:effectLst/>
-          </p:spPr>
-          <p:style>
-            <a:lnRef idx="1">
-              <a:schemeClr val="accent1"/>
-            </a:lnRef>
-            <a:fillRef idx="3">
-              <a:schemeClr val="accent1"/>
-            </a:fillRef>
-            <a:effectRef idx="2">
-              <a:schemeClr val="accent1"/>
-            </a:effectRef>
-            <a:fontRef idx="minor">
-              <a:schemeClr val="lt1"/>
-            </a:fontRef>
-          </p:style>
-          <p:txBody>
-            <a:bodyPr/>
-            <a:lstStyle/>
-            <a:p>
-              <a:endParaRPr lang="en-US"/>
-            </a:p>
-          </p:txBody>
-        </p:sp>
-      </p:grpSp>
-      <p:sp useBgFill="1">
-        <p:nvSpPr>
-          <p:cNvPr id="230" name="Rectangle 229">
-            <a:extLst>
-              <a:ext uri="{FF2B5EF4-FFF2-40B4-BE49-F238E27FC236}">
-                <a16:creationId xmlns:a16="http://schemas.microsoft.com/office/drawing/2014/main" id="{27577DEC-D9A5-404D-9789-702F4319BEC8}"/>
-              </a:ext>
-              <a:ext uri="{C183D7F6-B498-43B3-948B-1728B52AA6E4}">
-                <adec:decorative xmlns:adec="http://schemas.microsoft.com/office/drawing/2017/decorative" val="1"/>
-              </a:ext>
-            </a:extLst>
-          </p:cNvPr>
-          <p:cNvSpPr>
-            <a:spLocks noGrp="1" noRot="1" noChangeAspect="1" noMove="1" noResize="1" noEditPoints="1" noAdjustHandles="1" noChangeArrowheads="1" noChangeShapeType="1" noTextEdit="1"/>
-          </p:cNvSpPr>
-          <p:nvPr>
-            <p:extLst>
-              <p:ext uri="{386F3935-93C4-4BCD-93E2-E3B085C9AB24}">
-                <p16:designElem xmlns:p16="http://schemas.microsoft.com/office/powerpoint/2015/main" val="1"/>
-              </p:ext>
-            </p:extLst>
-          </p:nvPr>
+          <p:cNvSpPr txBox="1"/>
+          <p:nvPr/>
         </p:nvSpPr>
         <p:spPr>
           <a:xfrm>
-            <a:off x="0" y="0"/>
-            <a:ext cx="9144000" cy="5143500"/>
+            <a:off x="225778" y="338667"/>
+            <a:ext cx="8128000" cy="3846117"/>
           </a:xfrm>
           <a:prstGeom prst="rect">
             <a:avLst/>
           </a:prstGeom>
-          <a:ln>
-            <a:noFill/>
-          </a:ln>
-        </p:spPr>
-        <p:style>
-          <a:lnRef idx="2">
-            <a:schemeClr val="accent1">
-              <a:shade val="50000"/>
-            </a:schemeClr>
-          </a:lnRef>
-          <a:fillRef idx="1">
-            <a:schemeClr val="accent1"/>
-          </a:fillRef>
-          <a:effectRef idx="0">
-            <a:schemeClr val="accent1"/>
-          </a:effectRef>
-          <a:fontRef idx="minor">
-            <a:schemeClr val="lt1"/>
-          </a:fontRef>
-        </p:style>
-        <p:txBody>
-          <a:bodyPr rtlCol="0" anchor="ctr"/>
-          <a:lstStyle/>
-          <a:p>
-            <a:pPr algn="ctr"/>
-            <a:endParaRPr lang="en-US"/>
-          </a:p>
-        </p:txBody>
-      </p:sp>
-      <p:grpSp>
-        <p:nvGrpSpPr>
-          <p:cNvPr id="232" name="Group 231">
-            <a:extLst>
-              <a:ext uri="{FF2B5EF4-FFF2-40B4-BE49-F238E27FC236}">
-                <a16:creationId xmlns:a16="http://schemas.microsoft.com/office/drawing/2014/main" id="{CEEA9366-CEA8-4F23-B065-4337F0D836FE}"/>
-              </a:ext>
-              <a:ext uri="{C183D7F6-B498-43B3-948B-1728B52AA6E4}">
-                <adec:decorative xmlns:adec="http://schemas.microsoft.com/office/drawing/2017/decorative" val="1"/>
-              </a:ext>
-            </a:extLst>
-          </p:cNvPr>
-          <p:cNvGrpSpPr>
-            <a:grpSpLocks noGrp="1" noUngrp="1" noRot="1" noChangeAspect="1" noMove="1" noResize="1"/>
-          </p:cNvGrpSpPr>
-          <p:nvPr>
-            <p:extLst>
-              <p:ext uri="{386F3935-93C4-4BCD-93E2-E3B085C9AB24}">
-                <p16:designElem xmlns:p16="http://schemas.microsoft.com/office/powerpoint/2015/main" val="1"/>
-              </p:ext>
-            </p:extLst>
-          </p:nvPr>
-        </p:nvGrpSpPr>
-        <p:grpSpPr>
-          <a:xfrm>
-            <a:off x="0" y="-6350"/>
-            <a:ext cx="9144001" cy="5149850"/>
-            <a:chOff x="0" y="-8467"/>
-            <a:chExt cx="12192000" cy="6866467"/>
-          </a:xfrm>
-        </p:grpSpPr>
-        <p:cxnSp>
-          <p:nvCxnSpPr>
-            <p:cNvPr id="233" name="Straight Connector 232">
-              <a:extLst>
-                <a:ext uri="{FF2B5EF4-FFF2-40B4-BE49-F238E27FC236}">
-                  <a16:creationId xmlns:a16="http://schemas.microsoft.com/office/drawing/2014/main" id="{904A03D6-39B4-4278-9BE1-A07E024499BE}"/>
-                </a:ext>
-                <a:ext uri="{C183D7F6-B498-43B3-948B-1728B52AA6E4}">
-                  <adec:decorative xmlns:adec="http://schemas.microsoft.com/office/drawing/2017/decorative" val="1"/>
-                </a:ext>
-              </a:extLst>
-            </p:cNvPr>
-            <p:cNvCxnSpPr/>
-            <p:nvPr>
-              <p:extLst>
-                <p:ext uri="{386F3935-93C4-4BCD-93E2-E3B085C9AB24}">
-                  <p16:designElem xmlns:p16="http://schemas.microsoft.com/office/powerpoint/2015/main" val="1"/>
-                </p:ext>
-              </p:extLst>
-            </p:nvPr>
-          </p:nvCxnSpPr>
-          <p:spPr>
-            <a:xfrm>
-              <a:off x="9371012" y="0"/>
-              <a:ext cx="1219200" cy="6858000"/>
-            </a:xfrm>
-            <a:prstGeom prst="line">
-              <a:avLst/>
-            </a:prstGeom>
-            <a:ln w="9525">
-              <a:solidFill>
-                <a:srgbClr val="FFFFFF"/>
-              </a:solidFill>
-            </a:ln>
-          </p:spPr>
-          <p:style>
-            <a:lnRef idx="2">
-              <a:schemeClr val="accent1"/>
-            </a:lnRef>
-            <a:fillRef idx="0">
-              <a:schemeClr val="accent1"/>
-            </a:fillRef>
-            <a:effectRef idx="1">
-              <a:schemeClr val="accent1"/>
-            </a:effectRef>
-            <a:fontRef idx="minor">
-              <a:schemeClr val="tx1"/>
-            </a:fontRef>
-          </p:style>
-        </p:cxnSp>
-        <p:cxnSp>
-          <p:nvCxnSpPr>
-            <p:cNvPr id="234" name="Straight Connector 233">
-              <a:extLst>
-                <a:ext uri="{FF2B5EF4-FFF2-40B4-BE49-F238E27FC236}">
-                  <a16:creationId xmlns:a16="http://schemas.microsoft.com/office/drawing/2014/main" id="{FBE459AF-3736-4886-82E0-9B5DA427B5E0}"/>
-                </a:ext>
-                <a:ext uri="{C183D7F6-B498-43B3-948B-1728B52AA6E4}">
-                  <adec:decorative xmlns:adec="http://schemas.microsoft.com/office/drawing/2017/decorative" val="1"/>
-                </a:ext>
-              </a:extLst>
-            </p:cNvPr>
-            <p:cNvCxnSpPr/>
-            <p:nvPr>
-              <p:extLst>
-                <p:ext uri="{386F3935-93C4-4BCD-93E2-E3B085C9AB24}">
-                  <p16:designElem xmlns:p16="http://schemas.microsoft.com/office/powerpoint/2015/main" val="1"/>
-                </p:ext>
-              </p:extLst>
-            </p:nvPr>
-          </p:nvCxnSpPr>
-          <p:spPr>
-            <a:xfrm flipH="1">
-              <a:off x="7425267" y="3681413"/>
-              <a:ext cx="4763558" cy="3176587"/>
-            </a:xfrm>
-            <a:prstGeom prst="line">
-              <a:avLst/>
-            </a:prstGeom>
-            <a:ln w="9525">
-              <a:solidFill>
-                <a:schemeClr val="bg1">
-                  <a:alpha val="80000"/>
-                </a:schemeClr>
-              </a:solidFill>
-            </a:ln>
-          </p:spPr>
-          <p:style>
-            <a:lnRef idx="2">
-              <a:schemeClr val="accent1"/>
-            </a:lnRef>
-            <a:fillRef idx="0">
-              <a:schemeClr val="accent1"/>
-            </a:fillRef>
-            <a:effectRef idx="1">
-              <a:schemeClr val="accent1"/>
-            </a:effectRef>
-            <a:fontRef idx="minor">
-              <a:schemeClr val="tx1"/>
-            </a:fontRef>
-          </p:style>
-        </p:cxnSp>
-        <p:sp>
-          <p:nvSpPr>
-            <p:cNvPr id="235" name="Rectangle 23">
-              <a:extLst>
-                <a:ext uri="{FF2B5EF4-FFF2-40B4-BE49-F238E27FC236}">
-                  <a16:creationId xmlns:a16="http://schemas.microsoft.com/office/drawing/2014/main" id="{4B6B88EF-180C-4E39-8A3F-A52E87110C66}"/>
-                </a:ext>
-                <a:ext uri="{C183D7F6-B498-43B3-948B-1728B52AA6E4}">
-                  <adec:decorative xmlns:adec="http://schemas.microsoft.com/office/drawing/2017/decorative" val="1"/>
-                </a:ext>
-              </a:extLst>
-            </p:cNvPr>
-            <p:cNvSpPr/>
-            <p:nvPr>
-              <p:extLst>
-                <p:ext uri="{386F3935-93C4-4BCD-93E2-E3B085C9AB24}">
-                  <p16:designElem xmlns:p16="http://schemas.microsoft.com/office/powerpoint/2015/main" val="1"/>
-                </p:ext>
-              </p:extLst>
-            </p:nvPr>
-          </p:nvSpPr>
-          <p:spPr>
-            <a:xfrm>
-              <a:off x="9181476" y="-8467"/>
-              <a:ext cx="3007349" cy="6866467"/>
-            </a:xfrm>
-            <a:custGeom>
-              <a:avLst/>
-              <a:gdLst/>
-              <a:ahLst/>
-              <a:cxnLst/>
-              <a:rect l="l" t="t" r="r" b="b"/>
-              <a:pathLst>
-                <a:path w="3007349" h="6866467">
-                  <a:moveTo>
-                    <a:pt x="2045532" y="0"/>
-                  </a:moveTo>
-                  <a:lnTo>
-                    <a:pt x="3007349" y="0"/>
-                  </a:lnTo>
-                  <a:lnTo>
-                    <a:pt x="3007349" y="6866467"/>
-                  </a:lnTo>
-                  <a:lnTo>
-                    <a:pt x="0" y="6866467"/>
-                  </a:lnTo>
-                  <a:lnTo>
-                    <a:pt x="2045532" y="0"/>
-                  </a:lnTo>
-                  <a:close/>
-                </a:path>
-              </a:pathLst>
-            </a:custGeom>
-            <a:solidFill>
-              <a:schemeClr val="accent1">
-                <a:alpha val="30000"/>
-              </a:schemeClr>
-            </a:solidFill>
-            <a:ln>
-              <a:noFill/>
-            </a:ln>
-            <a:effectLst/>
-          </p:spPr>
-          <p:style>
-            <a:lnRef idx="1">
-              <a:schemeClr val="accent1"/>
-            </a:lnRef>
-            <a:fillRef idx="3">
-              <a:schemeClr val="accent1"/>
-            </a:fillRef>
-            <a:effectRef idx="2">
-              <a:schemeClr val="accent1"/>
-            </a:effectRef>
-            <a:fontRef idx="minor">
-              <a:schemeClr val="lt1"/>
-            </a:fontRef>
-          </p:style>
-          <p:txBody>
-            <a:bodyPr/>
-            <a:lstStyle/>
-            <a:p>
-              <a:endParaRPr lang="en-US"/>
-            </a:p>
-          </p:txBody>
-        </p:sp>
-        <p:sp>
-          <p:nvSpPr>
-            <p:cNvPr id="236" name="Rectangle 25">
-              <a:extLst>
-                <a:ext uri="{FF2B5EF4-FFF2-40B4-BE49-F238E27FC236}">
-                  <a16:creationId xmlns:a16="http://schemas.microsoft.com/office/drawing/2014/main" id="{52DFAACF-64D0-4621-8FF4-E2F03C3E8D15}"/>
-                </a:ext>
-                <a:ext uri="{C183D7F6-B498-43B3-948B-1728B52AA6E4}">
-                  <adec:decorative xmlns:adec="http://schemas.microsoft.com/office/drawing/2017/decorative" val="1"/>
-                </a:ext>
-              </a:extLst>
-            </p:cNvPr>
-            <p:cNvSpPr/>
-            <p:nvPr>
-              <p:extLst>
-                <p:ext uri="{386F3935-93C4-4BCD-93E2-E3B085C9AB24}">
-                  <p16:designElem xmlns:p16="http://schemas.microsoft.com/office/powerpoint/2015/main" val="1"/>
-                </p:ext>
-              </p:extLst>
-            </p:nvPr>
-          </p:nvSpPr>
-          <p:spPr>
-            <a:xfrm>
-              <a:off x="9603442" y="-8467"/>
-              <a:ext cx="2588558" cy="6866467"/>
-            </a:xfrm>
-            <a:custGeom>
-              <a:avLst/>
-              <a:gdLst/>
-              <a:ahLst/>
-              <a:cxnLst/>
-              <a:rect l="l" t="t" r="r" b="b"/>
-              <a:pathLst>
-                <a:path w="2573311" h="6866467">
-                  <a:moveTo>
-                    <a:pt x="0" y="0"/>
-                  </a:moveTo>
-                  <a:lnTo>
-                    <a:pt x="2573311" y="0"/>
-                  </a:lnTo>
-                  <a:lnTo>
-                    <a:pt x="2573311" y="6866467"/>
-                  </a:lnTo>
-                  <a:lnTo>
-                    <a:pt x="1202336" y="6866467"/>
-                  </a:lnTo>
-                  <a:lnTo>
-                    <a:pt x="0" y="0"/>
-                  </a:lnTo>
-                  <a:close/>
-                </a:path>
-              </a:pathLst>
-            </a:custGeom>
-            <a:solidFill>
-              <a:schemeClr val="accent1">
-                <a:alpha val="20000"/>
-              </a:schemeClr>
-            </a:solidFill>
-            <a:ln>
-              <a:noFill/>
-            </a:ln>
-            <a:effectLst/>
-          </p:spPr>
-          <p:style>
-            <a:lnRef idx="1">
-              <a:schemeClr val="accent1"/>
-            </a:lnRef>
-            <a:fillRef idx="3">
-              <a:schemeClr val="accent1"/>
-            </a:fillRef>
-            <a:effectRef idx="2">
-              <a:schemeClr val="accent1"/>
-            </a:effectRef>
-            <a:fontRef idx="minor">
-              <a:schemeClr val="lt1"/>
-            </a:fontRef>
-          </p:style>
-          <p:txBody>
-            <a:bodyPr/>
-            <a:lstStyle/>
-            <a:p>
-              <a:endParaRPr lang="en-US"/>
-            </a:p>
-          </p:txBody>
-        </p:sp>
-        <p:sp>
-          <p:nvSpPr>
-            <p:cNvPr id="237" name="Isosceles Triangle 236">
-              <a:extLst>
-                <a:ext uri="{FF2B5EF4-FFF2-40B4-BE49-F238E27FC236}">
-                  <a16:creationId xmlns:a16="http://schemas.microsoft.com/office/drawing/2014/main" id="{36611FF0-65B3-49DB-97C6-1B72AAD0FB02}"/>
-                </a:ext>
-                <a:ext uri="{C183D7F6-B498-43B3-948B-1728B52AA6E4}">
-                  <adec:decorative xmlns:adec="http://schemas.microsoft.com/office/drawing/2017/decorative" val="1"/>
-                </a:ext>
-              </a:extLst>
-            </p:cNvPr>
-            <p:cNvSpPr/>
-            <p:nvPr>
-              <p:extLst>
-                <p:ext uri="{386F3935-93C4-4BCD-93E2-E3B085C9AB24}">
-                  <p16:designElem xmlns:p16="http://schemas.microsoft.com/office/powerpoint/2015/main" val="1"/>
-                </p:ext>
-              </p:extLst>
-            </p:nvPr>
-          </p:nvSpPr>
-          <p:spPr>
-            <a:xfrm>
-              <a:off x="8932333" y="3048000"/>
-              <a:ext cx="3259667" cy="3810000"/>
-            </a:xfrm>
-            <a:prstGeom prst="triangle">
-              <a:avLst>
-                <a:gd name="adj" fmla="val 100000"/>
-              </a:avLst>
-            </a:prstGeom>
-            <a:solidFill>
-              <a:schemeClr val="accent2">
-                <a:alpha val="72000"/>
-              </a:schemeClr>
-            </a:solidFill>
-            <a:ln>
-              <a:noFill/>
-            </a:ln>
-            <a:effectLst/>
-          </p:spPr>
-          <p:style>
-            <a:lnRef idx="1">
-              <a:schemeClr val="accent1"/>
-            </a:lnRef>
-            <a:fillRef idx="3">
-              <a:schemeClr val="accent1"/>
-            </a:fillRef>
-            <a:effectRef idx="2">
-              <a:schemeClr val="accent1"/>
-            </a:effectRef>
-            <a:fontRef idx="minor">
-              <a:schemeClr val="lt1"/>
-            </a:fontRef>
-          </p:style>
-          <p:txBody>
-            <a:bodyPr/>
-            <a:lstStyle/>
-            <a:p>
-              <a:endParaRPr lang="en-US"/>
-            </a:p>
-          </p:txBody>
-        </p:sp>
-        <p:sp>
-          <p:nvSpPr>
-            <p:cNvPr id="238" name="Rectangle 27">
-              <a:extLst>
-                <a:ext uri="{FF2B5EF4-FFF2-40B4-BE49-F238E27FC236}">
-                  <a16:creationId xmlns:a16="http://schemas.microsoft.com/office/drawing/2014/main" id="{0F7407FE-86B1-4890-9D80-9406FBF29E46}"/>
-                </a:ext>
-                <a:ext uri="{C183D7F6-B498-43B3-948B-1728B52AA6E4}">
-                  <adec:decorative xmlns:adec="http://schemas.microsoft.com/office/drawing/2017/decorative" val="1"/>
-                </a:ext>
-              </a:extLst>
-            </p:cNvPr>
-            <p:cNvSpPr/>
-            <p:nvPr>
-              <p:extLst>
-                <p:ext uri="{386F3935-93C4-4BCD-93E2-E3B085C9AB24}">
-                  <p16:designElem xmlns:p16="http://schemas.microsoft.com/office/powerpoint/2015/main" val="1"/>
-                </p:ext>
-              </p:extLst>
-            </p:nvPr>
-          </p:nvSpPr>
-          <p:spPr>
-            <a:xfrm>
-              <a:off x="9334500" y="-8467"/>
-              <a:ext cx="2854326" cy="6866467"/>
-            </a:xfrm>
-            <a:custGeom>
-              <a:avLst/>
-              <a:gdLst/>
-              <a:ahLst/>
-              <a:cxnLst/>
-              <a:rect l="l" t="t" r="r" b="b"/>
-              <a:pathLst>
-                <a:path w="2858013" h="6866467">
-                  <a:moveTo>
-                    <a:pt x="0" y="0"/>
-                  </a:moveTo>
-                  <a:lnTo>
-                    <a:pt x="2858013" y="0"/>
-                  </a:lnTo>
-                  <a:lnTo>
-                    <a:pt x="2858013" y="6866467"/>
-                  </a:lnTo>
-                  <a:lnTo>
-                    <a:pt x="2473942" y="6866467"/>
-                  </a:lnTo>
-                  <a:lnTo>
-                    <a:pt x="0" y="0"/>
-                  </a:lnTo>
-                  <a:close/>
-                </a:path>
-              </a:pathLst>
-            </a:custGeom>
-            <a:solidFill>
-              <a:schemeClr val="accent2">
-                <a:lumMod val="75000"/>
-                <a:alpha val="70000"/>
-              </a:schemeClr>
-            </a:solidFill>
-            <a:ln>
-              <a:noFill/>
-            </a:ln>
-            <a:effectLst/>
-          </p:spPr>
-          <p:style>
-            <a:lnRef idx="1">
-              <a:schemeClr val="accent1"/>
-            </a:lnRef>
-            <a:fillRef idx="3">
-              <a:schemeClr val="accent1"/>
-            </a:fillRef>
-            <a:effectRef idx="2">
-              <a:schemeClr val="accent1"/>
-            </a:effectRef>
-            <a:fontRef idx="minor">
-              <a:schemeClr val="lt1"/>
-            </a:fontRef>
-          </p:style>
-          <p:txBody>
-            <a:bodyPr/>
-            <a:lstStyle/>
-            <a:p>
-              <a:endParaRPr lang="en-US"/>
-            </a:p>
-          </p:txBody>
-        </p:sp>
-        <p:sp>
-          <p:nvSpPr>
-            <p:cNvPr id="239" name="Rectangle 29">
-              <a:extLst>
-                <a:ext uri="{FF2B5EF4-FFF2-40B4-BE49-F238E27FC236}">
-                  <a16:creationId xmlns:a16="http://schemas.microsoft.com/office/drawing/2014/main" id="{EBD42D5B-8F87-45B3-98B3-C66944F92E65}"/>
-                </a:ext>
-                <a:ext uri="{C183D7F6-B498-43B3-948B-1728B52AA6E4}">
-                  <adec:decorative xmlns:adec="http://schemas.microsoft.com/office/drawing/2017/decorative" val="1"/>
-                </a:ext>
-              </a:extLst>
-            </p:cNvPr>
-            <p:cNvSpPr/>
-            <p:nvPr>
-              <p:extLst>
-                <p:ext uri="{386F3935-93C4-4BCD-93E2-E3B085C9AB24}">
-                  <p16:designElem xmlns:p16="http://schemas.microsoft.com/office/powerpoint/2015/main" val="1"/>
-                </p:ext>
-              </p:extLst>
-            </p:nvPr>
-          </p:nvSpPr>
-          <p:spPr>
-            <a:xfrm>
-              <a:off x="10938999" y="-8467"/>
-              <a:ext cx="1249825" cy="6866467"/>
-            </a:xfrm>
-            <a:custGeom>
-              <a:avLst/>
-              <a:gdLst/>
-              <a:ahLst/>
-              <a:cxnLst/>
-              <a:rect l="l" t="t" r="r" b="b"/>
-              <a:pathLst>
-                <a:path w="1249825" h="6858000">
-                  <a:moveTo>
-                    <a:pt x="0" y="0"/>
-                  </a:moveTo>
-                  <a:lnTo>
-                    <a:pt x="1249825" y="0"/>
-                  </a:lnTo>
-                  <a:lnTo>
-                    <a:pt x="1249825" y="6858000"/>
-                  </a:lnTo>
-                  <a:lnTo>
-                    <a:pt x="1109382" y="6858000"/>
-                  </a:lnTo>
-                  <a:lnTo>
-                    <a:pt x="0" y="0"/>
-                  </a:lnTo>
-                  <a:close/>
-                </a:path>
-              </a:pathLst>
-            </a:custGeom>
-            <a:solidFill>
-              <a:schemeClr val="accent1">
-                <a:alpha val="65000"/>
-              </a:schemeClr>
-            </a:solidFill>
-            <a:ln>
-              <a:noFill/>
-            </a:ln>
-            <a:effectLst/>
-          </p:spPr>
-          <p:style>
-            <a:lnRef idx="1">
-              <a:schemeClr val="accent1"/>
-            </a:lnRef>
-            <a:fillRef idx="3">
-              <a:schemeClr val="accent1"/>
-            </a:fillRef>
-            <a:effectRef idx="2">
-              <a:schemeClr val="accent1"/>
-            </a:effectRef>
-            <a:fontRef idx="minor">
-              <a:schemeClr val="lt1"/>
-            </a:fontRef>
-          </p:style>
-          <p:txBody>
-            <a:bodyPr/>
-            <a:lstStyle/>
-            <a:p>
-              <a:endParaRPr lang="en-US"/>
-            </a:p>
-          </p:txBody>
-        </p:sp>
-        <p:sp>
-          <p:nvSpPr>
-            <p:cNvPr id="240" name="Isosceles Triangle 239">
-              <a:extLst>
-                <a:ext uri="{FF2B5EF4-FFF2-40B4-BE49-F238E27FC236}">
-                  <a16:creationId xmlns:a16="http://schemas.microsoft.com/office/drawing/2014/main" id="{F5E04699-59E1-4468-9E7C-83070EEB4204}"/>
-                </a:ext>
-                <a:ext uri="{C183D7F6-B498-43B3-948B-1728B52AA6E4}">
-                  <adec:decorative xmlns:adec="http://schemas.microsoft.com/office/drawing/2017/decorative" val="1"/>
-                </a:ext>
-              </a:extLst>
-            </p:cNvPr>
-            <p:cNvSpPr/>
-            <p:nvPr>
-              <p:extLst>
-                <p:ext uri="{386F3935-93C4-4BCD-93E2-E3B085C9AB24}">
-                  <p16:designElem xmlns:p16="http://schemas.microsoft.com/office/powerpoint/2015/main" val="1"/>
-                </p:ext>
-              </p:extLst>
-            </p:nvPr>
-          </p:nvSpPr>
-          <p:spPr>
-            <a:xfrm>
-              <a:off x="10371666" y="3589867"/>
-              <a:ext cx="1817159" cy="3268133"/>
-            </a:xfrm>
-            <a:prstGeom prst="triangle">
-              <a:avLst>
-                <a:gd name="adj" fmla="val 100000"/>
-              </a:avLst>
-            </a:prstGeom>
-            <a:solidFill>
-              <a:schemeClr val="accent1">
-                <a:alpha val="80000"/>
-              </a:schemeClr>
-            </a:solidFill>
-            <a:ln>
-              <a:noFill/>
-            </a:ln>
-            <a:effectLst/>
-          </p:spPr>
-          <p:style>
-            <a:lnRef idx="1">
-              <a:schemeClr val="accent1"/>
-            </a:lnRef>
-            <a:fillRef idx="3">
-              <a:schemeClr val="accent1"/>
-            </a:fillRef>
-            <a:effectRef idx="2">
-              <a:schemeClr val="accent1"/>
-            </a:effectRef>
-            <a:fontRef idx="minor">
-              <a:schemeClr val="lt1"/>
-            </a:fontRef>
-          </p:style>
-          <p:txBody>
-            <a:bodyPr/>
-            <a:lstStyle/>
-            <a:p>
-              <a:endParaRPr lang="en-US"/>
-            </a:p>
-          </p:txBody>
-        </p:sp>
-        <p:sp>
-          <p:nvSpPr>
-            <p:cNvPr id="241" name="Isosceles Triangle 240">
-              <a:extLst>
-                <a:ext uri="{FF2B5EF4-FFF2-40B4-BE49-F238E27FC236}">
-                  <a16:creationId xmlns:a16="http://schemas.microsoft.com/office/drawing/2014/main" id="{F2AE8F13-9A52-4D7F-9637-321EA7CF3212}"/>
-                </a:ext>
-                <a:ext uri="{C183D7F6-B498-43B3-948B-1728B52AA6E4}">
-                  <adec:decorative xmlns:adec="http://schemas.microsoft.com/office/drawing/2017/decorative" val="1"/>
-                </a:ext>
-              </a:extLst>
-            </p:cNvPr>
-            <p:cNvSpPr/>
-            <p:nvPr>
-              <p:extLst>
-                <p:ext uri="{386F3935-93C4-4BCD-93E2-E3B085C9AB24}">
-                  <p16:designElem xmlns:p16="http://schemas.microsoft.com/office/powerpoint/2015/main" val="1"/>
-                </p:ext>
-              </p:extLst>
-            </p:nvPr>
-          </p:nvSpPr>
-          <p:spPr>
-            <a:xfrm rot="10800000">
-              <a:off x="0" y="0"/>
-              <a:ext cx="842596" cy="5666154"/>
-            </a:xfrm>
-            <a:prstGeom prst="triangle">
-              <a:avLst>
-                <a:gd name="adj" fmla="val 100000"/>
-              </a:avLst>
-            </a:prstGeom>
-            <a:solidFill>
-              <a:schemeClr val="accent1">
-                <a:alpha val="85000"/>
-              </a:schemeClr>
-            </a:solidFill>
-            <a:ln>
-              <a:noFill/>
-            </a:ln>
-            <a:effectLst/>
-          </p:spPr>
-          <p:style>
-            <a:lnRef idx="1">
-              <a:schemeClr val="accent1"/>
-            </a:lnRef>
-            <a:fillRef idx="3">
-              <a:schemeClr val="accent1"/>
-            </a:fillRef>
-            <a:effectRef idx="2">
-              <a:schemeClr val="accent1"/>
-            </a:effectRef>
-            <a:fontRef idx="minor">
-              <a:schemeClr val="lt1"/>
-            </a:fontRef>
-          </p:style>
-          <p:txBody>
-            <a:bodyPr/>
-            <a:lstStyle/>
-            <a:p>
-              <a:endParaRPr lang="en-US"/>
-            </a:p>
-          </p:txBody>
-        </p:sp>
-      </p:grpSp>
-      <p:sp>
-        <p:nvSpPr>
-          <p:cNvPr id="177" name="Google Shape;177;p20"/>
-          <p:cNvSpPr txBox="1">
-            <a:spLocks noGrp="1"/>
-          </p:cNvSpPr>
-          <p:nvPr>
-            <p:ph type="title"/>
-          </p:nvPr>
-        </p:nvSpPr>
-        <p:spPr>
-          <a:xfrm>
-            <a:off x="1130300" y="1803400"/>
-            <a:ext cx="5825202" cy="1234727"/>
-          </a:xfrm>
-          <a:prstGeom prst="rect">
-            <a:avLst/>
-          </a:prstGeom>
+          <a:noFill/>
         </p:spPr>
         <p:txBody>
-          <a:bodyPr spcFirstLastPara="1" vert="horz" lIns="91440" tIns="45720" rIns="91440" bIns="45720" rtlCol="0" anchor="b" anchorCtr="0">
-            <a:normAutofit/>
+          <a:bodyPr wrap="square">
+            <a:spAutoFit/>
           </a:bodyPr>
           <a:lstStyle/>
           <a:p>
-            <a:pPr marL="0" lvl="0" indent="0" algn="r" defTabSz="457200">
+            <a:pPr>
               <a:lnSpc>
                 <a:spcPct val="90000"/>
               </a:lnSpc>
               <a:spcBef>
                 <a:spcPct val="0"/>
               </a:spcBef>
-              <a:spcAft>
-                <a:spcPts val="0"/>
-              </a:spcAft>
+              <a:buSzPts val="3000"/>
             </a:pPr>
             <a:r>
-              <a:rPr lang="en-US" sz="3800" b="1"/>
-              <a:t>QUESTIONS/COMMENTS?</a:t>
+              <a:rPr lang="en-US" sz="3200" b="1" dirty="0">
+                <a:solidFill>
+                  <a:schemeClr val="accent2">
+                    <a:lumMod val="75000"/>
+                  </a:schemeClr>
+                </a:solidFill>
+                <a:latin typeface="+mj-lt"/>
+                <a:ea typeface="+mj-ea"/>
+                <a:cs typeface="+mj-cs"/>
+              </a:rPr>
+              <a:t>Top 5 Most Common Languages by Region</a:t>
+            </a:r>
+          </a:p>
+          <a:p>
+            <a:pPr marL="457200" indent="-311150">
+              <a:lnSpc>
+                <a:spcPct val="70000"/>
+              </a:lnSpc>
+              <a:spcBef>
+                <a:spcPts val="1000"/>
+              </a:spcBef>
+              <a:buClr>
+                <a:schemeClr val="accent1"/>
+              </a:buClr>
+              <a:buSzPct val="80000"/>
+              <a:buFont typeface="Wingdings 3" charset="2"/>
+              <a:buChar char=""/>
+            </a:pPr>
+            <a:r>
+              <a:rPr lang="en-US" sz="1600" dirty="0">
+                <a:solidFill>
+                  <a:schemeClr val="tx1">
+                    <a:lumMod val="75000"/>
+                    <a:lumOff val="25000"/>
+                  </a:schemeClr>
+                </a:solidFill>
+              </a:rPr>
+              <a:t>Most Common Language in Oceania: English</a:t>
+            </a:r>
+          </a:p>
+          <a:p>
+            <a:pPr marL="457200" indent="-311150">
+              <a:lnSpc>
+                <a:spcPct val="70000"/>
+              </a:lnSpc>
+              <a:spcBef>
+                <a:spcPts val="1000"/>
+              </a:spcBef>
+              <a:buClr>
+                <a:schemeClr val="accent1"/>
+              </a:buClr>
+              <a:buSzPct val="80000"/>
+              <a:buFont typeface="Wingdings 3" charset="2"/>
+              <a:buChar char=""/>
+            </a:pPr>
+            <a:endParaRPr lang="en-US" sz="1600" dirty="0">
+              <a:solidFill>
+                <a:schemeClr val="tx1">
+                  <a:lumMod val="75000"/>
+                  <a:lumOff val="25000"/>
+                </a:schemeClr>
+              </a:solidFill>
+            </a:endParaRPr>
+          </a:p>
+          <a:p>
+            <a:pPr marL="457200" indent="-311150">
+              <a:lnSpc>
+                <a:spcPct val="70000"/>
+              </a:lnSpc>
+              <a:spcBef>
+                <a:spcPts val="1000"/>
+              </a:spcBef>
+              <a:buClr>
+                <a:schemeClr val="accent1"/>
+              </a:buClr>
+              <a:buSzPct val="80000"/>
+              <a:buFont typeface="Wingdings 3" charset="2"/>
+              <a:buChar char=""/>
+            </a:pPr>
+            <a:r>
+              <a:rPr lang="en-US" sz="1600" dirty="0">
+                <a:solidFill>
+                  <a:schemeClr val="tx1">
+                    <a:lumMod val="75000"/>
+                    <a:lumOff val="25000"/>
+                  </a:schemeClr>
+                </a:solidFill>
+              </a:rPr>
+              <a:t>Most Common Language in Americas: English</a:t>
+            </a:r>
+          </a:p>
+          <a:p>
+            <a:pPr marL="457200" indent="-311150">
+              <a:lnSpc>
+                <a:spcPct val="70000"/>
+              </a:lnSpc>
+              <a:spcBef>
+                <a:spcPts val="1000"/>
+              </a:spcBef>
+              <a:buClr>
+                <a:schemeClr val="accent1"/>
+              </a:buClr>
+              <a:buSzPct val="80000"/>
+              <a:buFont typeface="Wingdings 3" charset="2"/>
+              <a:buChar char=""/>
+            </a:pPr>
+            <a:endParaRPr lang="en-US" sz="1600" dirty="0">
+              <a:solidFill>
+                <a:schemeClr val="tx1">
+                  <a:lumMod val="75000"/>
+                  <a:lumOff val="25000"/>
+                </a:schemeClr>
+              </a:solidFill>
+            </a:endParaRPr>
+          </a:p>
+          <a:p>
+            <a:pPr marL="457200" indent="-311150">
+              <a:lnSpc>
+                <a:spcPct val="70000"/>
+              </a:lnSpc>
+              <a:spcBef>
+                <a:spcPts val="1000"/>
+              </a:spcBef>
+              <a:buClr>
+                <a:schemeClr val="accent1"/>
+              </a:buClr>
+              <a:buSzPct val="80000"/>
+              <a:buFont typeface="Wingdings 3" charset="2"/>
+              <a:buChar char=""/>
+            </a:pPr>
+            <a:r>
+              <a:rPr lang="en-US" sz="1600" dirty="0">
+                <a:solidFill>
+                  <a:schemeClr val="tx1">
+                    <a:lumMod val="75000"/>
+                    <a:lumOff val="25000"/>
+                  </a:schemeClr>
+                </a:solidFill>
+              </a:rPr>
+              <a:t>Most Common Language in Africa: English</a:t>
+            </a:r>
+          </a:p>
+          <a:p>
+            <a:pPr marL="457200" indent="-311150">
+              <a:lnSpc>
+                <a:spcPct val="70000"/>
+              </a:lnSpc>
+              <a:spcBef>
+                <a:spcPts val="1000"/>
+              </a:spcBef>
+              <a:buClr>
+                <a:schemeClr val="accent1"/>
+              </a:buClr>
+              <a:buSzPct val="80000"/>
+              <a:buFont typeface="Wingdings 3" charset="2"/>
+              <a:buChar char=""/>
+            </a:pPr>
+            <a:endParaRPr lang="en-US" sz="1600" dirty="0">
+              <a:solidFill>
+                <a:schemeClr val="tx1">
+                  <a:lumMod val="75000"/>
+                  <a:lumOff val="25000"/>
+                </a:schemeClr>
+              </a:solidFill>
+            </a:endParaRPr>
+          </a:p>
+          <a:p>
+            <a:pPr marL="457200" indent="-311150">
+              <a:lnSpc>
+                <a:spcPct val="70000"/>
+              </a:lnSpc>
+              <a:spcBef>
+                <a:spcPts val="1000"/>
+              </a:spcBef>
+              <a:buClr>
+                <a:schemeClr val="accent1"/>
+              </a:buClr>
+              <a:buSzPct val="80000"/>
+              <a:buFont typeface="Wingdings 3" charset="2"/>
+              <a:buChar char=""/>
+            </a:pPr>
+            <a:r>
+              <a:rPr lang="en-US" sz="1600" dirty="0">
+                <a:solidFill>
+                  <a:schemeClr val="tx1">
+                    <a:lumMod val="75000"/>
+                    <a:lumOff val="25000"/>
+                  </a:schemeClr>
+                </a:solidFill>
+              </a:rPr>
+              <a:t>Most Common Language in Europe: French</a:t>
+            </a:r>
+          </a:p>
+          <a:p>
+            <a:pPr marL="457200" indent="-311150">
+              <a:lnSpc>
+                <a:spcPct val="70000"/>
+              </a:lnSpc>
+              <a:spcBef>
+                <a:spcPts val="1000"/>
+              </a:spcBef>
+              <a:buClr>
+                <a:schemeClr val="accent1"/>
+              </a:buClr>
+              <a:buSzPct val="80000"/>
+              <a:buFont typeface="Wingdings 3" charset="2"/>
+              <a:buChar char=""/>
+            </a:pPr>
+            <a:endParaRPr lang="en-US" sz="1600" dirty="0">
+              <a:solidFill>
+                <a:schemeClr val="tx1">
+                  <a:lumMod val="75000"/>
+                  <a:lumOff val="25000"/>
+                </a:schemeClr>
+              </a:solidFill>
+            </a:endParaRPr>
+          </a:p>
+          <a:p>
+            <a:pPr marL="457200" indent="-311150">
+              <a:lnSpc>
+                <a:spcPct val="70000"/>
+              </a:lnSpc>
+              <a:spcBef>
+                <a:spcPts val="1000"/>
+              </a:spcBef>
+              <a:buClr>
+                <a:schemeClr val="accent1"/>
+              </a:buClr>
+              <a:buSzPct val="80000"/>
+              <a:buFont typeface="Wingdings 3" charset="2"/>
+              <a:buChar char=""/>
+            </a:pPr>
+            <a:r>
+              <a:rPr lang="en-US" sz="1600" dirty="0">
+                <a:solidFill>
+                  <a:schemeClr val="tx1">
+                    <a:lumMod val="75000"/>
+                    <a:lumOff val="25000"/>
+                  </a:schemeClr>
+                </a:solidFill>
+              </a:rPr>
+              <a:t>Most Common Language in Asia: Arabic</a:t>
+            </a:r>
+          </a:p>
+          <a:p>
+            <a:pPr marL="457200" indent="-311150">
+              <a:lnSpc>
+                <a:spcPct val="70000"/>
+              </a:lnSpc>
+              <a:spcBef>
+                <a:spcPts val="1000"/>
+              </a:spcBef>
+              <a:buClr>
+                <a:schemeClr val="accent1"/>
+              </a:buClr>
+              <a:buSzPct val="80000"/>
+              <a:buFont typeface="Wingdings 3" charset="2"/>
+              <a:buChar char=""/>
+            </a:pPr>
+            <a:endParaRPr lang="en-US" sz="1600" dirty="0">
+              <a:solidFill>
+                <a:schemeClr val="tx1">
+                  <a:lumMod val="75000"/>
+                  <a:lumOff val="25000"/>
+                </a:schemeClr>
+              </a:solidFill>
+            </a:endParaRPr>
+          </a:p>
+          <a:p>
+            <a:pPr marL="457200" indent="-311150">
+              <a:lnSpc>
+                <a:spcPct val="70000"/>
+              </a:lnSpc>
+              <a:spcBef>
+                <a:spcPts val="1000"/>
+              </a:spcBef>
+              <a:buClr>
+                <a:schemeClr val="accent1"/>
+              </a:buClr>
+              <a:buSzPct val="80000"/>
+              <a:buFont typeface="Wingdings 3" charset="2"/>
+              <a:buChar char=""/>
+            </a:pPr>
+            <a:r>
+              <a:rPr lang="en-US" sz="1600" dirty="0">
+                <a:solidFill>
+                  <a:schemeClr val="tx1">
+                    <a:lumMod val="75000"/>
+                    <a:lumOff val="25000"/>
+                  </a:schemeClr>
+                </a:solidFill>
+              </a:rPr>
+              <a:t>Most Common Language in Antarctic: English</a:t>
             </a:r>
           </a:p>
         </p:txBody>
       </p:sp>
     </p:spTree>
+    <p:extLst>
+      <p:ext uri="{BB962C8B-B14F-4D97-AF65-F5344CB8AC3E}">
+        <p14:creationId xmlns:p14="http://schemas.microsoft.com/office/powerpoint/2010/main" val="2568645975"/>
+      </p:ext>
+    </p:extLst>
   </p:cSld>
   <p:clrMapOvr>
-    <a:overrideClrMapping bg1="dk1" tx1="lt1" bg2="dk2" tx2="lt2" accent1="accent1" accent2="accent2" accent3="accent3" accent4="accent4" accent5="accent5" accent6="accent6" hlink="hlink" folHlink="folHlink"/>
+    <a:masterClrMapping/>
   </p:clrMapOvr>
-  <p:timing>
-    <p:tnLst>
-      <p:par>
-        <p:cTn id="1" dur="indefinite" restart="never" nodeType="tmRoot">
-          <p:childTnLst>
-            <p:seq concurrent="1" nextAc="seek">
-              <p:cTn id="2" dur="indefinite" nodeType="mainSeq">
-                <p:childTnLst>
-                  <p:par>
-                    <p:cTn id="3" fill="hold">
-                      <p:stCondLst>
-                        <p:cond delay="indefinite"/>
-                        <p:cond evt="onBegin" delay="0">
-                          <p:tn val="2"/>
-                        </p:cond>
-                      </p:stCondLst>
-                      <p:childTnLst>
-                        <p:par>
-                          <p:cTn id="4" fill="hold">
-                            <p:stCondLst>
-                              <p:cond delay="0"/>
-                            </p:stCondLst>
-                            <p:childTnLst>
-                              <p:par>
-                                <p:cTn id="5" presetID="10" presetClass="entr" presetSubtype="0" fill="hold" grpId="0" nodeType="withEffect">
-                                  <p:stCondLst>
-                                    <p:cond delay="500"/>
-                                  </p:stCondLst>
-                                  <p:iterate type="lt">
-                                    <p:tmPct val="10000"/>
-                                  </p:iterate>
-                                  <p:childTnLst>
-                                    <p:set>
-                                      <p:cBhvr>
-                                        <p:cTn id="6" dur="1" fill="hold">
-                                          <p:stCondLst>
-                                            <p:cond delay="0"/>
-                                          </p:stCondLst>
-                                        </p:cTn>
-                                        <p:tgtEl>
-                                          <p:spTgt spid="177"/>
-                                        </p:tgtEl>
-                                        <p:attrNameLst>
-                                          <p:attrName>style.visibility</p:attrName>
-                                        </p:attrNameLst>
-                                      </p:cBhvr>
-                                      <p:to>
-                                        <p:strVal val="visible"/>
-                                      </p:to>
-                                    </p:set>
-                                    <p:animEffect transition="in" filter="fade">
-                                      <p:cBhvr>
-                                        <p:cTn id="7" dur="400"/>
-                                        <p:tgtEl>
-                                          <p:spTgt spid="177"/>
-                                        </p:tgtEl>
-                                      </p:cBhvr>
-                                    </p:animEffect>
-                                  </p:childTnLst>
-                                </p:cTn>
-                              </p:par>
-                            </p:childTnLst>
-                          </p:cTn>
-                        </p:par>
-                      </p:childTnLst>
-                    </p:cTn>
-                  </p:par>
-                </p:childTnLst>
-              </p:cTn>
-              <p:prevCondLst>
-                <p:cond evt="onPrev" delay="0">
-                  <p:tgtEl>
-                    <p:sldTgt/>
-                  </p:tgtEl>
-                </p:cond>
-              </p:prevCondLst>
-              <p:nextCondLst>
-                <p:cond evt="onNext" delay="0">
-                  <p:tgtEl>
-                    <p:sldTgt/>
-                  </p:tgtEl>
-                </p:cond>
-              </p:nextCondLst>
-            </p:seq>
-          </p:childTnLst>
-        </p:cTn>
-      </p:par>
-    </p:tnLst>
-    <p:bldLst>
-      <p:bldP spid="177" grpId="0"/>
-    </p:bldLst>
-  </p:timing>
+</p:sld>
+</file>
+
+<file path=ppt/slides/slide9.xml><?xml version="1.0" encoding="utf-8"?>
+<p:sld xmlns:a="http://schemas.openxmlformats.org/drawingml/2006/main" xmlns:r="http://schemas.openxmlformats.org/officeDocument/2006/relationships" xmlns:p="http://schemas.openxmlformats.org/presentationml/2006/main">
+  <p:cSld>
+    <p:spTree>
+      <p:nvGrpSpPr>
+        <p:cNvPr id="1" name=""/>
+        <p:cNvGrpSpPr/>
+        <p:nvPr/>
+      </p:nvGrpSpPr>
+      <p:grpSpPr>
+        <a:xfrm>
+          <a:off x="0" y="0"/>
+          <a:ext cx="0" cy="0"/>
+          <a:chOff x="0" y="0"/>
+          <a:chExt cx="0" cy="0"/>
+        </a:xfrm>
+      </p:grpSpPr>
+      <p:pic>
+        <p:nvPicPr>
+          <p:cNvPr id="2" name="Picture 1">
+            <a:extLst>
+              <a:ext uri="{FF2B5EF4-FFF2-40B4-BE49-F238E27FC236}">
+                <a16:creationId xmlns:a16="http://schemas.microsoft.com/office/drawing/2014/main" id="{03DB0D98-6363-41E1-B09D-411B7BFE4A29}"/>
+              </a:ext>
+            </a:extLst>
+          </p:cNvPr>
+          <p:cNvPicPr>
+            <a:picLocks noChangeAspect="1"/>
+          </p:cNvPicPr>
+          <p:nvPr/>
+        </p:nvPicPr>
+        <p:blipFill>
+          <a:blip r:embed="rId2"/>
+          <a:stretch>
+            <a:fillRect/>
+          </a:stretch>
+        </p:blipFill>
+        <p:spPr>
+          <a:xfrm>
+            <a:off x="272450" y="0"/>
+            <a:ext cx="6657409" cy="2536156"/>
+          </a:xfrm>
+          <a:prstGeom prst="rect">
+            <a:avLst/>
+          </a:prstGeom>
+        </p:spPr>
+      </p:pic>
+      <p:pic>
+        <p:nvPicPr>
+          <p:cNvPr id="3" name="Picture 2">
+            <a:extLst>
+              <a:ext uri="{FF2B5EF4-FFF2-40B4-BE49-F238E27FC236}">
+                <a16:creationId xmlns:a16="http://schemas.microsoft.com/office/drawing/2014/main" id="{76D52324-9C35-195F-C77C-B58996F69245}"/>
+              </a:ext>
+            </a:extLst>
+          </p:cNvPr>
+          <p:cNvPicPr>
+            <a:picLocks noChangeAspect="1"/>
+          </p:cNvPicPr>
+          <p:nvPr/>
+        </p:nvPicPr>
+        <p:blipFill>
+          <a:blip r:embed="rId3"/>
+          <a:stretch>
+            <a:fillRect/>
+          </a:stretch>
+        </p:blipFill>
+        <p:spPr>
+          <a:xfrm>
+            <a:off x="0" y="2536156"/>
+            <a:ext cx="7818455" cy="2695182"/>
+          </a:xfrm>
+          <a:prstGeom prst="rect">
+            <a:avLst/>
+          </a:prstGeom>
+        </p:spPr>
+      </p:pic>
+    </p:spTree>
+    <p:extLst>
+      <p:ext uri="{BB962C8B-B14F-4D97-AF65-F5344CB8AC3E}">
+        <p14:creationId xmlns:p14="http://schemas.microsoft.com/office/powerpoint/2010/main" val="1525494949"/>
+      </p:ext>
+    </p:extLst>
+  </p:cSld>
+  <p:clrMapOvr>
+    <a:masterClrMapping/>
+  </p:clrMapOvr>
 </p:sld>
 </file>
 

--- a/Project 3- World Data Population.pptx
+++ b/Project 3- World Data Population.pptx
@@ -872,7 +872,7 @@
   <pc:docChgLst>
     <pc:chgData name="Nelson Linarez" userId="73a424aa0dbfbcb4" providerId="LiveId" clId="{181C7474-A5D7-4624-82D8-40158F6A7E7E}"/>
     <pc:docChg chg="custSel modSld">
-      <pc:chgData name="Nelson Linarez" userId="73a424aa0dbfbcb4" providerId="LiveId" clId="{181C7474-A5D7-4624-82D8-40158F6A7E7E}" dt="2023-07-21T00:36:06.176" v="209" actId="20577"/>
+      <pc:chgData name="Nelson Linarez" userId="73a424aa0dbfbcb4" providerId="LiveId" clId="{181C7474-A5D7-4624-82D8-40158F6A7E7E}" dt="2023-07-26T01:31:13.930" v="226" actId="20577"/>
       <pc:docMkLst>
         <pc:docMk/>
       </pc:docMkLst>
@@ -891,8 +891,23 @@
           </ac:spMkLst>
         </pc:spChg>
       </pc:sldChg>
+      <pc:sldChg chg="modSp mod">
+        <pc:chgData name="Nelson Linarez" userId="73a424aa0dbfbcb4" providerId="LiveId" clId="{181C7474-A5D7-4624-82D8-40158F6A7E7E}" dt="2023-07-26T01:29:15.012" v="213" actId="20577"/>
+        <pc:sldMkLst>
+          <pc:docMk/>
+          <pc:sldMk cId="0" sldId="258"/>
+        </pc:sldMkLst>
+        <pc:spChg chg="mod">
+          <ac:chgData name="Nelson Linarez" userId="73a424aa0dbfbcb4" providerId="LiveId" clId="{181C7474-A5D7-4624-82D8-40158F6A7E7E}" dt="2023-07-26T01:29:15.012" v="213" actId="20577"/>
+          <ac:spMkLst>
+            <pc:docMk/>
+            <pc:sldMk cId="0" sldId="258"/>
+            <ac:spMk id="142" creationId="{00000000-0000-0000-0000-000000000000}"/>
+          </ac:spMkLst>
+        </pc:spChg>
+      </pc:sldChg>
       <pc:sldChg chg="addSp delSp modSp mod">
-        <pc:chgData name="Nelson Linarez" userId="73a424aa0dbfbcb4" providerId="LiveId" clId="{181C7474-A5D7-4624-82D8-40158F6A7E7E}" dt="2023-07-21T00:36:06.176" v="209" actId="20577"/>
+        <pc:chgData name="Nelson Linarez" userId="73a424aa0dbfbcb4" providerId="LiveId" clId="{181C7474-A5D7-4624-82D8-40158F6A7E7E}" dt="2023-07-26T01:30:35.899" v="217" actId="1076"/>
         <pc:sldMkLst>
           <pc:docMk/>
           <pc:sldMk cId="0" sldId="262"/>
@@ -906,7 +921,7 @@
           </ac:spMkLst>
         </pc:spChg>
         <pc:picChg chg="add mod">
-          <ac:chgData name="Nelson Linarez" userId="73a424aa0dbfbcb4" providerId="LiveId" clId="{181C7474-A5D7-4624-82D8-40158F6A7E7E}" dt="2023-07-21T00:24:38.957" v="65" actId="1076"/>
+          <ac:chgData name="Nelson Linarez" userId="73a424aa0dbfbcb4" providerId="LiveId" clId="{181C7474-A5D7-4624-82D8-40158F6A7E7E}" dt="2023-07-26T01:30:35.899" v="217" actId="1076"/>
           <ac:picMkLst>
             <pc:docMk/>
             <pc:sldMk cId="0" sldId="262"/>
@@ -919,6 +934,36 @@
             <pc:docMk/>
             <pc:sldMk cId="0" sldId="262"/>
             <ac:picMk id="172" creationId="{00000000-0000-0000-0000-000000000000}"/>
+          </ac:picMkLst>
+        </pc:picChg>
+      </pc:sldChg>
+      <pc:sldChg chg="modSp mod">
+        <pc:chgData name="Nelson Linarez" userId="73a424aa0dbfbcb4" providerId="LiveId" clId="{181C7474-A5D7-4624-82D8-40158F6A7E7E}" dt="2023-07-26T01:31:13.930" v="226" actId="20577"/>
+        <pc:sldMkLst>
+          <pc:docMk/>
+          <pc:sldMk cId="2568645975" sldId="264"/>
+        </pc:sldMkLst>
+        <pc:spChg chg="mod">
+          <ac:chgData name="Nelson Linarez" userId="73a424aa0dbfbcb4" providerId="LiveId" clId="{181C7474-A5D7-4624-82D8-40158F6A7E7E}" dt="2023-07-26T01:31:13.930" v="226" actId="20577"/>
+          <ac:spMkLst>
+            <pc:docMk/>
+            <pc:sldMk cId="2568645975" sldId="264"/>
+            <ac:spMk id="5" creationId="{40D83849-C8C8-8ECC-62B1-05AED6E410B7}"/>
+          </ac:spMkLst>
+        </pc:spChg>
+      </pc:sldChg>
+      <pc:sldChg chg="modSp mod">
+        <pc:chgData name="Nelson Linarez" userId="73a424aa0dbfbcb4" providerId="LiveId" clId="{181C7474-A5D7-4624-82D8-40158F6A7E7E}" dt="2023-07-26T01:30:24.077" v="215" actId="167"/>
+        <pc:sldMkLst>
+          <pc:docMk/>
+          <pc:sldMk cId="1525494949" sldId="265"/>
+        </pc:sldMkLst>
+        <pc:picChg chg="mod ord">
+          <ac:chgData name="Nelson Linarez" userId="73a424aa0dbfbcb4" providerId="LiveId" clId="{181C7474-A5D7-4624-82D8-40158F6A7E7E}" dt="2023-07-26T01:30:24.077" v="215" actId="167"/>
+          <ac:picMkLst>
+            <pc:docMk/>
+            <pc:sldMk cId="1525494949" sldId="265"/>
+            <ac:picMk id="3" creationId="{76D52324-9C35-195F-C77C-B58996F69245}"/>
           </ac:picMkLst>
         </pc:picChg>
       </pc:sldChg>
@@ -12637,7 +12682,7 @@
             </a:pPr>
             <a:r>
               <a:rPr lang="en-US" sz="1100" dirty="0"/>
-              <a:t>Three unique views with user-driven interaction</a:t>
+              <a:t>Four unique views with user-driven interaction</a:t>
             </a:r>
           </a:p>
           <a:p>
@@ -16497,7 +16542,7 @@
               </a:spcAft>
             </a:pPr>
             <a:r>
-              <a:rPr lang="en-US" sz="3100" b="1"/>
+              <a:rPr lang="en-US" sz="3100" b="1" dirty="0"/>
               <a:t>POPULATION BUBBLE MAP</a:t>
             </a:r>
           </a:p>
@@ -16652,7 +16697,7 @@
         </p:blipFill>
         <p:spPr>
           <a:xfrm>
-            <a:off x="20" y="10"/>
+            <a:off x="-9344" y="-6350"/>
             <a:ext cx="4046200" cy="5143490"/>
           </a:xfrm>
           <a:custGeom>
@@ -16790,7 +16835,7 @@
         <p:spPr>
           <a:xfrm>
             <a:off x="225778" y="338667"/>
-            <a:ext cx="8128000" cy="3846117"/>
+            <a:ext cx="7156329" cy="4289316"/>
           </a:xfrm>
           <a:prstGeom prst="rect">
             <a:avLst/>
@@ -16901,7 +16946,7 @@
                   </a:schemeClr>
                 </a:solidFill>
               </a:rPr>
-              <a:t>Most Common Language in Americas: English</a:t>
+              <a:t>Most Common Language in the Americas: English</a:t>
             </a:r>
           </a:p>
           <a:p>
@@ -17105,7 +17150,7 @@
                   </a:schemeClr>
                 </a:solidFill>
               </a:rPr>
-              <a:t>Most Common Language in Antarctic: English</a:t>
+              <a:t>Most Common Language in the Antarctic: English</a:t>
             </a:r>
           </a:p>
         </p:txBody>
@@ -17142,10 +17187,10 @@
       </p:grpSpPr>
       <p:pic>
         <p:nvPicPr>
-          <p:cNvPr id="2" name="Picture 1">
+          <p:cNvPr id="3" name="Picture 2">
             <a:extLst>
               <a:ext uri="{FF2B5EF4-FFF2-40B4-BE49-F238E27FC236}">
-                <a16:creationId xmlns:a16="http://schemas.microsoft.com/office/drawing/2014/main" id="{03DB0D98-6363-41E1-B09D-411B7BFE4A29}"/>
+                <a16:creationId xmlns:a16="http://schemas.microsoft.com/office/drawing/2014/main" id="{76D52324-9C35-195F-C77C-B58996F69245}"/>
               </a:ext>
             </a:extLst>
           </p:cNvPr>
@@ -17162,8 +17207,8 @@
         </p:blipFill>
         <p:spPr>
           <a:xfrm>
-            <a:off x="272450" y="0"/>
-            <a:ext cx="6657409" cy="2536156"/>
+            <a:off x="0" y="2536156"/>
+            <a:ext cx="7818455" cy="2695182"/>
           </a:xfrm>
           <a:prstGeom prst="rect">
             <a:avLst/>
@@ -17172,10 +17217,10 @@
       </p:pic>
       <p:pic>
         <p:nvPicPr>
-          <p:cNvPr id="3" name="Picture 2">
+          <p:cNvPr id="2" name="Picture 1">
             <a:extLst>
               <a:ext uri="{FF2B5EF4-FFF2-40B4-BE49-F238E27FC236}">
-                <a16:creationId xmlns:a16="http://schemas.microsoft.com/office/drawing/2014/main" id="{76D52324-9C35-195F-C77C-B58996F69245}"/>
+                <a16:creationId xmlns:a16="http://schemas.microsoft.com/office/drawing/2014/main" id="{03DB0D98-6363-41E1-B09D-411B7BFE4A29}"/>
               </a:ext>
             </a:extLst>
           </p:cNvPr>
@@ -17192,8 +17237,8 @@
         </p:blipFill>
         <p:spPr>
           <a:xfrm>
-            <a:off x="0" y="2536156"/>
-            <a:ext cx="7818455" cy="2695182"/>
+            <a:off x="272450" y="0"/>
+            <a:ext cx="6657409" cy="2536156"/>
           </a:xfrm>
           <a:prstGeom prst="rect">
             <a:avLst/>

--- a/Project 3- World Data Population.pptx
+++ b/Project 3- World Data Population.pptx
@@ -5,33 +5,34 @@
     <p:sldMasterId id="2147483679" r:id="rId1"/>
   </p:sldMasterIdLst>
   <p:notesMasterIdLst>
-    <p:notesMasterId r:id="rId12"/>
+    <p:notesMasterId r:id="rId13"/>
   </p:notesMasterIdLst>
   <p:sldIdLst>
     <p:sldId id="256" r:id="rId2"/>
     <p:sldId id="257" r:id="rId3"/>
     <p:sldId id="258" r:id="rId4"/>
     <p:sldId id="259" r:id="rId5"/>
-    <p:sldId id="260" r:id="rId6"/>
-    <p:sldId id="261" r:id="rId7"/>
-    <p:sldId id="262" r:id="rId8"/>
-    <p:sldId id="264" r:id="rId9"/>
-    <p:sldId id="265" r:id="rId10"/>
-    <p:sldId id="263" r:id="rId11"/>
+    <p:sldId id="266" r:id="rId6"/>
+    <p:sldId id="267" r:id="rId7"/>
+    <p:sldId id="260" r:id="rId8"/>
+    <p:sldId id="261" r:id="rId9"/>
+    <p:sldId id="262" r:id="rId10"/>
+    <p:sldId id="265" r:id="rId11"/>
+    <p:sldId id="263" r:id="rId12"/>
   </p:sldIdLst>
   <p:sldSz cx="9144000" cy="5143500" type="screen16x9"/>
   <p:notesSz cx="6858000" cy="9144000"/>
   <p:embeddedFontLst>
     <p:embeddedFont>
       <p:font typeface="Trebuchet MS" panose="020B0603020202020204" pitchFamily="34" charset="0"/>
-      <p:regular r:id="rId13"/>
-      <p:bold r:id="rId14"/>
-      <p:italic r:id="rId15"/>
-      <p:boldItalic r:id="rId16"/>
+      <p:regular r:id="rId14"/>
+      <p:bold r:id="rId15"/>
+      <p:italic r:id="rId16"/>
+      <p:boldItalic r:id="rId17"/>
     </p:embeddedFont>
     <p:embeddedFont>
       <p:font typeface="Wingdings 3" panose="05040102010807070707" pitchFamily="18" charset="2"/>
-      <p:regular r:id="rId17"/>
+      <p:regular r:id="rId18"/>
     </p:embeddedFont>
   </p:embeddedFontLst>
   <p:defaultTextStyle>
@@ -152,6 +153,7 @@
 <p1510:revInfo xmlns:a="http://schemas.openxmlformats.org/drawingml/2006/main" xmlns:r="http://schemas.openxmlformats.org/officeDocument/2006/relationships" xmlns:p1510="http://schemas.microsoft.com/office/powerpoint/2015/10/main">
   <p1510:revLst>
     <p1510:client id="{48CC90B4-21C4-4BBA-AC14-E65983F9C99F}" v="15" dt="2023-07-26T01:06:02.403"/>
+    <p1510:client id="{C292B745-5746-48C1-8C05-C08BA9079D9B}" v="5" dt="2023-07-26T01:38:02.108"/>
   </p1510:revLst>
 </p1510:revInfo>
 </file>
@@ -870,9 +872,661 @@
     </pc:docChg>
   </pc:docChgLst>
   <pc:docChgLst>
+    <pc:chgData name="Adolfo Linarez" userId="1ef18a8fe3bb5161" providerId="LiveId" clId="{C292B745-5746-48C1-8C05-C08BA9079D9B}"/>
+    <pc:docChg chg="undo custSel addSld delSld modSld">
+      <pc:chgData name="Adolfo Linarez" userId="1ef18a8fe3bb5161" providerId="LiveId" clId="{C292B745-5746-48C1-8C05-C08BA9079D9B}" dt="2023-07-26T01:46:42.420" v="184" actId="1076"/>
+      <pc:docMkLst>
+        <pc:docMk/>
+      </pc:docMkLst>
+      <pc:sldChg chg="modSp mod">
+        <pc:chgData name="Adolfo Linarez" userId="1ef18a8fe3bb5161" providerId="LiveId" clId="{C292B745-5746-48C1-8C05-C08BA9079D9B}" dt="2023-07-26T01:18:35.139" v="15" actId="255"/>
+        <pc:sldMkLst>
+          <pc:docMk/>
+          <pc:sldMk cId="0" sldId="256"/>
+        </pc:sldMkLst>
+        <pc:spChg chg="mod">
+          <ac:chgData name="Adolfo Linarez" userId="1ef18a8fe3bb5161" providerId="LiveId" clId="{C292B745-5746-48C1-8C05-C08BA9079D9B}" dt="2023-07-26T01:18:35.139" v="15" actId="255"/>
+          <ac:spMkLst>
+            <pc:docMk/>
+            <pc:sldMk cId="0" sldId="256"/>
+            <ac:spMk id="128" creationId="{00000000-0000-0000-0000-000000000000}"/>
+          </ac:spMkLst>
+        </pc:spChg>
+      </pc:sldChg>
+      <pc:sldChg chg="modSp mod">
+        <pc:chgData name="Adolfo Linarez" userId="1ef18a8fe3bb5161" providerId="LiveId" clId="{C292B745-5746-48C1-8C05-C08BA9079D9B}" dt="2023-07-26T01:17:03.707" v="4" actId="1076"/>
+        <pc:sldMkLst>
+          <pc:docMk/>
+          <pc:sldMk cId="0" sldId="257"/>
+        </pc:sldMkLst>
+        <pc:spChg chg="mod">
+          <ac:chgData name="Adolfo Linarez" userId="1ef18a8fe3bb5161" providerId="LiveId" clId="{C292B745-5746-48C1-8C05-C08BA9079D9B}" dt="2023-07-26T01:17:03.707" v="4" actId="1076"/>
+          <ac:spMkLst>
+            <pc:docMk/>
+            <pc:sldMk cId="0" sldId="257"/>
+            <ac:spMk id="134" creationId="{00000000-0000-0000-0000-000000000000}"/>
+          </ac:spMkLst>
+        </pc:spChg>
+      </pc:sldChg>
+      <pc:sldChg chg="modSp mod">
+        <pc:chgData name="Adolfo Linarez" userId="1ef18a8fe3bb5161" providerId="LiveId" clId="{C292B745-5746-48C1-8C05-C08BA9079D9B}" dt="2023-07-26T01:37:34.565" v="139" actId="20577"/>
+        <pc:sldMkLst>
+          <pc:docMk/>
+          <pc:sldMk cId="0" sldId="258"/>
+        </pc:sldMkLst>
+        <pc:spChg chg="mod">
+          <ac:chgData name="Adolfo Linarez" userId="1ef18a8fe3bb5161" providerId="LiveId" clId="{C292B745-5746-48C1-8C05-C08BA9079D9B}" dt="2023-07-26T01:16:44.481" v="2" actId="1076"/>
+          <ac:spMkLst>
+            <pc:docMk/>
+            <pc:sldMk cId="0" sldId="258"/>
+            <ac:spMk id="141" creationId="{00000000-0000-0000-0000-000000000000}"/>
+          </ac:spMkLst>
+        </pc:spChg>
+        <pc:spChg chg="mod">
+          <ac:chgData name="Adolfo Linarez" userId="1ef18a8fe3bb5161" providerId="LiveId" clId="{C292B745-5746-48C1-8C05-C08BA9079D9B}" dt="2023-07-26T01:37:34.565" v="139" actId="20577"/>
+          <ac:spMkLst>
+            <pc:docMk/>
+            <pc:sldMk cId="0" sldId="258"/>
+            <ac:spMk id="142" creationId="{00000000-0000-0000-0000-000000000000}"/>
+          </ac:spMkLst>
+        </pc:spChg>
+      </pc:sldChg>
+      <pc:sldChg chg="addSp delSp modSp mod">
+        <pc:chgData name="Adolfo Linarez" userId="1ef18a8fe3bb5161" providerId="LiveId" clId="{C292B745-5746-48C1-8C05-C08BA9079D9B}" dt="2023-07-26T01:42:57.922" v="172" actId="1076"/>
+        <pc:sldMkLst>
+          <pc:docMk/>
+          <pc:sldMk cId="0" sldId="259"/>
+        </pc:sldMkLst>
+        <pc:spChg chg="mod">
+          <ac:chgData name="Adolfo Linarez" userId="1ef18a8fe3bb5161" providerId="LiveId" clId="{C292B745-5746-48C1-8C05-C08BA9079D9B}" dt="2023-07-26T01:16:55.891" v="3" actId="122"/>
+          <ac:spMkLst>
+            <pc:docMk/>
+            <pc:sldMk cId="0" sldId="259"/>
+            <ac:spMk id="149" creationId="{00000000-0000-0000-0000-000000000000}"/>
+          </ac:spMkLst>
+        </pc:spChg>
+        <pc:picChg chg="add del mod">
+          <ac:chgData name="Adolfo Linarez" userId="1ef18a8fe3bb5161" providerId="LiveId" clId="{C292B745-5746-48C1-8C05-C08BA9079D9B}" dt="2023-07-26T01:22:01.012" v="26" actId="478"/>
+          <ac:picMkLst>
+            <pc:docMk/>
+            <pc:sldMk cId="0" sldId="259"/>
+            <ac:picMk id="3" creationId="{F7A9D69C-556F-3233-5754-B2BE1A7ADC2A}"/>
+          </ac:picMkLst>
+        </pc:picChg>
+        <pc:picChg chg="add del mod">
+          <ac:chgData name="Adolfo Linarez" userId="1ef18a8fe3bb5161" providerId="LiveId" clId="{C292B745-5746-48C1-8C05-C08BA9079D9B}" dt="2023-07-26T01:23:48.188" v="41" actId="478"/>
+          <ac:picMkLst>
+            <pc:docMk/>
+            <pc:sldMk cId="0" sldId="259"/>
+            <ac:picMk id="5" creationId="{92E3DDCC-C892-4AE3-DC7E-A95DE05AE6A2}"/>
+          </ac:picMkLst>
+        </pc:picChg>
+        <pc:picChg chg="add mod">
+          <ac:chgData name="Adolfo Linarez" userId="1ef18a8fe3bb5161" providerId="LiveId" clId="{C292B745-5746-48C1-8C05-C08BA9079D9B}" dt="2023-07-26T01:42:57.922" v="172" actId="1076"/>
+          <ac:picMkLst>
+            <pc:docMk/>
+            <pc:sldMk cId="0" sldId="259"/>
+            <ac:picMk id="7" creationId="{4A34E02E-56FB-9C73-1EEF-BA49A80AD2F8}"/>
+          </ac:picMkLst>
+        </pc:picChg>
+        <pc:picChg chg="add mod">
+          <ac:chgData name="Adolfo Linarez" userId="1ef18a8fe3bb5161" providerId="LiveId" clId="{C292B745-5746-48C1-8C05-C08BA9079D9B}" dt="2023-07-26T01:24:24.444" v="81" actId="1035"/>
+          <ac:picMkLst>
+            <pc:docMk/>
+            <pc:sldMk cId="0" sldId="259"/>
+            <ac:picMk id="9" creationId="{F4CAB764-55CE-F777-155A-3052E494BAA1}"/>
+          </ac:picMkLst>
+        </pc:picChg>
+        <pc:picChg chg="del">
+          <ac:chgData name="Adolfo Linarez" userId="1ef18a8fe3bb5161" providerId="LiveId" clId="{C292B745-5746-48C1-8C05-C08BA9079D9B}" dt="2023-07-26T01:21:09.180" v="21" actId="478"/>
+          <ac:picMkLst>
+            <pc:docMk/>
+            <pc:sldMk cId="0" sldId="259"/>
+            <ac:picMk id="151" creationId="{00000000-0000-0000-0000-000000000000}"/>
+          </ac:picMkLst>
+        </pc:picChg>
+      </pc:sldChg>
+      <pc:sldChg chg="modSp mod">
+        <pc:chgData name="Adolfo Linarez" userId="1ef18a8fe3bb5161" providerId="LiveId" clId="{C292B745-5746-48C1-8C05-C08BA9079D9B}" dt="2023-07-26T01:40:54.366" v="145" actId="1076"/>
+        <pc:sldMkLst>
+          <pc:docMk/>
+          <pc:sldMk cId="0" sldId="260"/>
+        </pc:sldMkLst>
+        <pc:spChg chg="mod">
+          <ac:chgData name="Adolfo Linarez" userId="1ef18a8fe3bb5161" providerId="LiveId" clId="{C292B745-5746-48C1-8C05-C08BA9079D9B}" dt="2023-07-26T01:19:09.489" v="18" actId="1076"/>
+          <ac:spMkLst>
+            <pc:docMk/>
+            <pc:sldMk cId="0" sldId="260"/>
+            <ac:spMk id="156" creationId="{00000000-0000-0000-0000-000000000000}"/>
+          </ac:spMkLst>
+        </pc:spChg>
+        <pc:picChg chg="mod">
+          <ac:chgData name="Adolfo Linarez" userId="1ef18a8fe3bb5161" providerId="LiveId" clId="{C292B745-5746-48C1-8C05-C08BA9079D9B}" dt="2023-07-26T01:40:54.366" v="145" actId="1076"/>
+          <ac:picMkLst>
+            <pc:docMk/>
+            <pc:sldMk cId="0" sldId="260"/>
+            <ac:picMk id="158" creationId="{00000000-0000-0000-0000-000000000000}"/>
+          </ac:picMkLst>
+        </pc:picChg>
+      </pc:sldChg>
+      <pc:sldChg chg="addSp delSp modSp mod setBg">
+        <pc:chgData name="Adolfo Linarez" userId="1ef18a8fe3bb5161" providerId="LiveId" clId="{C292B745-5746-48C1-8C05-C08BA9079D9B}" dt="2023-07-26T01:29:14.961" v="124" actId="26606"/>
+        <pc:sldMkLst>
+          <pc:docMk/>
+          <pc:sldMk cId="0" sldId="261"/>
+        </pc:sldMkLst>
+        <pc:spChg chg="add del">
+          <ac:chgData name="Adolfo Linarez" userId="1ef18a8fe3bb5161" providerId="LiveId" clId="{C292B745-5746-48C1-8C05-C08BA9079D9B}" dt="2023-07-26T01:28:59.845" v="114" actId="26606"/>
+          <ac:spMkLst>
+            <pc:docMk/>
+            <pc:sldMk cId="0" sldId="261"/>
+            <ac:spMk id="20" creationId="{21029ED5-F105-4DD2-99C8-1E4422817978}"/>
+          </ac:spMkLst>
+        </pc:spChg>
+        <pc:spChg chg="add del">
+          <ac:chgData name="Adolfo Linarez" userId="1ef18a8fe3bb5161" providerId="LiveId" clId="{C292B745-5746-48C1-8C05-C08BA9079D9B}" dt="2023-07-26T01:29:14.961" v="124" actId="26606"/>
+          <ac:spMkLst>
+            <pc:docMk/>
+            <pc:sldMk cId="0" sldId="261"/>
+            <ac:spMk id="26" creationId="{7FBCF2A6-1F18-4B68-B5D2-5B763ED4159A}"/>
+          </ac:spMkLst>
+        </pc:spChg>
+        <pc:spChg chg="add del">
+          <ac:chgData name="Adolfo Linarez" userId="1ef18a8fe3bb5161" providerId="LiveId" clId="{C292B745-5746-48C1-8C05-C08BA9079D9B}" dt="2023-07-26T01:29:14.961" v="124" actId="26606"/>
+          <ac:spMkLst>
+            <pc:docMk/>
+            <pc:sldMk cId="0" sldId="261"/>
+            <ac:spMk id="28" creationId="{FF3A27FB-A693-4A75-951E-0C77CD98F032}"/>
+          </ac:spMkLst>
+        </pc:spChg>
+        <pc:spChg chg="add del">
+          <ac:chgData name="Adolfo Linarez" userId="1ef18a8fe3bb5161" providerId="LiveId" clId="{C292B745-5746-48C1-8C05-C08BA9079D9B}" dt="2023-07-26T01:28:59.845" v="114" actId="26606"/>
+          <ac:spMkLst>
+            <pc:docMk/>
+            <pc:sldMk cId="0" sldId="261"/>
+            <ac:spMk id="33" creationId="{5C9652B3-A450-4ED6-8FBF-F536BA60B4D8}"/>
+          </ac:spMkLst>
+        </pc:spChg>
+        <pc:spChg chg="add del">
+          <ac:chgData name="Adolfo Linarez" userId="1ef18a8fe3bb5161" providerId="LiveId" clId="{C292B745-5746-48C1-8C05-C08BA9079D9B}" dt="2023-07-26T01:29:00.680" v="116" actId="26606"/>
+          <ac:spMkLst>
+            <pc:docMk/>
+            <pc:sldMk cId="0" sldId="261"/>
+            <ac:spMk id="44" creationId="{03E8462A-FEBA-4848-81CC-3F8DA3E477BE}"/>
+          </ac:spMkLst>
+        </pc:spChg>
+        <pc:spChg chg="add del">
+          <ac:chgData name="Adolfo Linarez" userId="1ef18a8fe3bb5161" providerId="LiveId" clId="{C292B745-5746-48C1-8C05-C08BA9079D9B}" dt="2023-07-26T01:29:00.680" v="116" actId="26606"/>
+          <ac:spMkLst>
+            <pc:docMk/>
+            <pc:sldMk cId="0" sldId="261"/>
+            <ac:spMk id="54" creationId="{7941F9B1-B01B-4A84-89D9-B169AEB4E456}"/>
+          </ac:spMkLst>
+        </pc:spChg>
+        <pc:spChg chg="add del">
+          <ac:chgData name="Adolfo Linarez" userId="1ef18a8fe3bb5161" providerId="LiveId" clId="{C292B745-5746-48C1-8C05-C08BA9079D9B}" dt="2023-07-26T01:29:14.961" v="124" actId="26606"/>
+          <ac:spMkLst>
+            <pc:docMk/>
+            <pc:sldMk cId="0" sldId="261"/>
+            <ac:spMk id="57" creationId="{85C2136B-77EC-41E9-BDB6-58A4AE1429B7}"/>
+          </ac:spMkLst>
+        </pc:spChg>
+        <pc:spChg chg="add del">
+          <ac:chgData name="Adolfo Linarez" userId="1ef18a8fe3bb5161" providerId="LiveId" clId="{C292B745-5746-48C1-8C05-C08BA9079D9B}" dt="2023-07-26T01:29:14.955" v="123" actId="26606"/>
+          <ac:spMkLst>
+            <pc:docMk/>
+            <pc:sldMk cId="0" sldId="261"/>
+            <ac:spMk id="75" creationId="{85C2136B-77EC-41E9-BDB6-58A4AE1429B7}"/>
+          </ac:spMkLst>
+        </pc:spChg>
+        <pc:spChg chg="add del">
+          <ac:chgData name="Adolfo Linarez" userId="1ef18a8fe3bb5161" providerId="LiveId" clId="{C292B745-5746-48C1-8C05-C08BA9079D9B}" dt="2023-07-26T01:29:14.955" v="123" actId="26606"/>
+          <ac:spMkLst>
+            <pc:docMk/>
+            <pc:sldMk cId="0" sldId="261"/>
+            <ac:spMk id="81" creationId="{7FBCF2A6-1F18-4B68-B5D2-5B763ED4159A}"/>
+          </ac:spMkLst>
+        </pc:spChg>
+        <pc:spChg chg="add del">
+          <ac:chgData name="Adolfo Linarez" userId="1ef18a8fe3bb5161" providerId="LiveId" clId="{C292B745-5746-48C1-8C05-C08BA9079D9B}" dt="2023-07-26T01:29:14.955" v="123" actId="26606"/>
+          <ac:spMkLst>
+            <pc:docMk/>
+            <pc:sldMk cId="0" sldId="261"/>
+            <ac:spMk id="83" creationId="{FF3A27FB-A693-4A75-951E-0C77CD98F032}"/>
+          </ac:spMkLst>
+        </pc:spChg>
+        <pc:spChg chg="add">
+          <ac:chgData name="Adolfo Linarez" userId="1ef18a8fe3bb5161" providerId="LiveId" clId="{C292B745-5746-48C1-8C05-C08BA9079D9B}" dt="2023-07-26T01:29:14.961" v="124" actId="26606"/>
+          <ac:spMkLst>
+            <pc:docMk/>
+            <pc:sldMk cId="0" sldId="261"/>
+            <ac:spMk id="88" creationId="{5C9652B3-A450-4ED6-8FBF-F536BA60B4D8}"/>
+          </ac:spMkLst>
+        </pc:spChg>
+        <pc:spChg chg="add">
+          <ac:chgData name="Adolfo Linarez" userId="1ef18a8fe3bb5161" providerId="LiveId" clId="{C292B745-5746-48C1-8C05-C08BA9079D9B}" dt="2023-07-26T01:29:14.961" v="124" actId="26606"/>
+          <ac:spMkLst>
+            <pc:docMk/>
+            <pc:sldMk cId="0" sldId="261"/>
+            <ac:spMk id="89" creationId="{21029ED5-F105-4DD2-99C8-1E4422817978}"/>
+          </ac:spMkLst>
+        </pc:spChg>
+        <pc:spChg chg="del">
+          <ac:chgData name="Adolfo Linarez" userId="1ef18a8fe3bb5161" providerId="LiveId" clId="{C292B745-5746-48C1-8C05-C08BA9079D9B}" dt="2023-07-26T01:28:48.748" v="108" actId="478"/>
+          <ac:spMkLst>
+            <pc:docMk/>
+            <pc:sldMk cId="0" sldId="261"/>
+            <ac:spMk id="163" creationId="{00000000-0000-0000-0000-000000000000}"/>
+          </ac:spMkLst>
+        </pc:spChg>
+        <pc:spChg chg="del">
+          <ac:chgData name="Adolfo Linarez" userId="1ef18a8fe3bb5161" providerId="LiveId" clId="{C292B745-5746-48C1-8C05-C08BA9079D9B}" dt="2023-07-26T01:28:49.820" v="109" actId="478"/>
+          <ac:spMkLst>
+            <pc:docMk/>
+            <pc:sldMk cId="0" sldId="261"/>
+            <ac:spMk id="164" creationId="{00000000-0000-0000-0000-000000000000}"/>
+          </ac:spMkLst>
+        </pc:spChg>
+        <pc:grpChg chg="add del">
+          <ac:chgData name="Adolfo Linarez" userId="1ef18a8fe3bb5161" providerId="LiveId" clId="{C292B745-5746-48C1-8C05-C08BA9079D9B}" dt="2023-07-26T01:28:59.845" v="114" actId="26606"/>
+          <ac:grpSpMkLst>
+            <pc:docMk/>
+            <pc:sldMk cId="0" sldId="261"/>
+            <ac:grpSpMk id="8" creationId="{DDE8DE2B-61C1-46D5-BEB8-521321C182C4}"/>
+          </ac:grpSpMkLst>
+        </pc:grpChg>
+        <pc:grpChg chg="add del">
+          <ac:chgData name="Adolfo Linarez" userId="1ef18a8fe3bb5161" providerId="LiveId" clId="{C292B745-5746-48C1-8C05-C08BA9079D9B}" dt="2023-07-26T01:28:59.845" v="114" actId="26606"/>
+          <ac:grpSpMkLst>
+            <pc:docMk/>
+            <pc:sldMk cId="0" sldId="261"/>
+            <ac:grpSpMk id="22" creationId="{2D621E68-BF28-4A1C-B1A2-4E55E139E79A}"/>
+          </ac:grpSpMkLst>
+        </pc:grpChg>
+        <pc:grpChg chg="add del">
+          <ac:chgData name="Adolfo Linarez" userId="1ef18a8fe3bb5161" providerId="LiveId" clId="{C292B745-5746-48C1-8C05-C08BA9079D9B}" dt="2023-07-26T01:29:00.680" v="116" actId="26606"/>
+          <ac:grpSpMkLst>
+            <pc:docMk/>
+            <pc:sldMk cId="0" sldId="261"/>
+            <ac:grpSpMk id="35" creationId="{609316A9-990D-4EC3-A671-70EE5C1493A4}"/>
+          </ac:grpSpMkLst>
+        </pc:grpChg>
+        <pc:grpChg chg="add del">
+          <ac:chgData name="Adolfo Linarez" userId="1ef18a8fe3bb5161" providerId="LiveId" clId="{C292B745-5746-48C1-8C05-C08BA9079D9B}" dt="2023-07-26T01:29:00.680" v="116" actId="26606"/>
+          <ac:grpSpMkLst>
+            <pc:docMk/>
+            <pc:sldMk cId="0" sldId="261"/>
+            <ac:grpSpMk id="45" creationId="{2109F83F-40FE-4DB3-84CC-09FB3340D06D}"/>
+          </ac:grpSpMkLst>
+        </pc:grpChg>
+        <pc:grpChg chg="add del">
+          <ac:chgData name="Adolfo Linarez" userId="1ef18a8fe3bb5161" providerId="LiveId" clId="{C292B745-5746-48C1-8C05-C08BA9079D9B}" dt="2023-07-26T01:29:14.961" v="124" actId="26606"/>
+          <ac:grpSpMkLst>
+            <pc:docMk/>
+            <pc:sldMk cId="0" sldId="261"/>
+            <ac:grpSpMk id="56" creationId="{DDE8DE2B-61C1-46D5-BEB8-521321C182C4}"/>
+          </ac:grpSpMkLst>
+        </pc:grpChg>
+        <pc:grpChg chg="add del">
+          <ac:chgData name="Adolfo Linarez" userId="1ef18a8fe3bb5161" providerId="LiveId" clId="{C292B745-5746-48C1-8C05-C08BA9079D9B}" dt="2023-07-26T01:29:14.955" v="123" actId="26606"/>
+          <ac:grpSpMkLst>
+            <pc:docMk/>
+            <pc:sldMk cId="0" sldId="261"/>
+            <ac:grpSpMk id="63" creationId="{0565C35A-C6FA-4269-822E-6DB5B9C48882}"/>
+          </ac:grpSpMkLst>
+        </pc:grpChg>
+        <pc:grpChg chg="add">
+          <ac:chgData name="Adolfo Linarez" userId="1ef18a8fe3bb5161" providerId="LiveId" clId="{C292B745-5746-48C1-8C05-C08BA9079D9B}" dt="2023-07-26T01:29:14.961" v="124" actId="26606"/>
+          <ac:grpSpMkLst>
+            <pc:docMk/>
+            <pc:sldMk cId="0" sldId="261"/>
+            <ac:grpSpMk id="87" creationId="{0565C35A-C6FA-4269-822E-6DB5B9C48882}"/>
+          </ac:grpSpMkLst>
+        </pc:grpChg>
+        <pc:grpChg chg="add">
+          <ac:chgData name="Adolfo Linarez" userId="1ef18a8fe3bb5161" providerId="LiveId" clId="{C292B745-5746-48C1-8C05-C08BA9079D9B}" dt="2023-07-26T01:29:14.961" v="124" actId="26606"/>
+          <ac:grpSpMkLst>
+            <pc:docMk/>
+            <pc:sldMk cId="0" sldId="261"/>
+            <ac:grpSpMk id="90" creationId="{2D621E68-BF28-4A1C-B1A2-4E55E139E79A}"/>
+          </ac:grpSpMkLst>
+        </pc:grpChg>
+        <pc:picChg chg="add mod">
+          <ac:chgData name="Adolfo Linarez" userId="1ef18a8fe3bb5161" providerId="LiveId" clId="{C292B745-5746-48C1-8C05-C08BA9079D9B}" dt="2023-07-26T01:29:14.961" v="124" actId="26606"/>
+          <ac:picMkLst>
+            <pc:docMk/>
+            <pc:sldMk cId="0" sldId="261"/>
+            <ac:picMk id="3" creationId="{B07740AD-E9F0-8F0C-0968-2ADD3C1BFEC5}"/>
+          </ac:picMkLst>
+        </pc:picChg>
+        <pc:picChg chg="del mod">
+          <ac:chgData name="Adolfo Linarez" userId="1ef18a8fe3bb5161" providerId="LiveId" clId="{C292B745-5746-48C1-8C05-C08BA9079D9B}" dt="2023-07-26T01:27:21.171" v="107" actId="478"/>
+          <ac:picMkLst>
+            <pc:docMk/>
+            <pc:sldMk cId="0" sldId="261"/>
+            <ac:picMk id="165" creationId="{00000000-0000-0000-0000-000000000000}"/>
+          </ac:picMkLst>
+        </pc:picChg>
+        <pc:cxnChg chg="add del">
+          <ac:chgData name="Adolfo Linarez" userId="1ef18a8fe3bb5161" providerId="LiveId" clId="{C292B745-5746-48C1-8C05-C08BA9079D9B}" dt="2023-07-26T01:29:14.961" v="124" actId="26606"/>
+          <ac:cxnSpMkLst>
+            <pc:docMk/>
+            <pc:sldMk cId="0" sldId="261"/>
+            <ac:cxnSpMk id="24" creationId="{FB1FCEB1-A7E1-417C-A7EF-AA30D5A0859F}"/>
+          </ac:cxnSpMkLst>
+        </pc:cxnChg>
+        <pc:cxnChg chg="add del">
+          <ac:chgData name="Adolfo Linarez" userId="1ef18a8fe3bb5161" providerId="LiveId" clId="{C292B745-5746-48C1-8C05-C08BA9079D9B}" dt="2023-07-26T01:29:14.961" v="124" actId="26606"/>
+          <ac:cxnSpMkLst>
+            <pc:docMk/>
+            <pc:sldMk cId="0" sldId="261"/>
+            <ac:cxnSpMk id="58" creationId="{E55891F3-A5E2-4418-8950-25FA2B731209}"/>
+          </ac:cxnSpMkLst>
+        </pc:cxnChg>
+        <pc:cxnChg chg="add del">
+          <ac:chgData name="Adolfo Linarez" userId="1ef18a8fe3bb5161" providerId="LiveId" clId="{C292B745-5746-48C1-8C05-C08BA9079D9B}" dt="2023-07-26T01:29:14.955" v="123" actId="26606"/>
+          <ac:cxnSpMkLst>
+            <pc:docMk/>
+            <pc:sldMk cId="0" sldId="261"/>
+            <ac:cxnSpMk id="77" creationId="{E55891F3-A5E2-4418-8950-25FA2B731209}"/>
+          </ac:cxnSpMkLst>
+        </pc:cxnChg>
+        <pc:cxnChg chg="add del">
+          <ac:chgData name="Adolfo Linarez" userId="1ef18a8fe3bb5161" providerId="LiveId" clId="{C292B745-5746-48C1-8C05-C08BA9079D9B}" dt="2023-07-26T01:29:14.955" v="123" actId="26606"/>
+          <ac:cxnSpMkLst>
+            <pc:docMk/>
+            <pc:sldMk cId="0" sldId="261"/>
+            <ac:cxnSpMk id="79" creationId="{FB1FCEB1-A7E1-417C-A7EF-AA30D5A0859F}"/>
+          </ac:cxnSpMkLst>
+        </pc:cxnChg>
+      </pc:sldChg>
+      <pc:sldChg chg="modSp mod">
+        <pc:chgData name="Adolfo Linarez" userId="1ef18a8fe3bb5161" providerId="LiveId" clId="{C292B745-5746-48C1-8C05-C08BA9079D9B}" dt="2023-07-26T01:19:55.360" v="20" actId="1076"/>
+        <pc:sldMkLst>
+          <pc:docMk/>
+          <pc:sldMk cId="0" sldId="262"/>
+        </pc:sldMkLst>
+        <pc:spChg chg="mod">
+          <ac:chgData name="Adolfo Linarez" userId="1ef18a8fe3bb5161" providerId="LiveId" clId="{C292B745-5746-48C1-8C05-C08BA9079D9B}" dt="2023-07-26T01:17:27.084" v="5" actId="122"/>
+          <ac:spMkLst>
+            <pc:docMk/>
+            <pc:sldMk cId="0" sldId="262"/>
+            <ac:spMk id="170" creationId="{00000000-0000-0000-0000-000000000000}"/>
+          </ac:spMkLst>
+        </pc:spChg>
+        <pc:picChg chg="mod">
+          <ac:chgData name="Adolfo Linarez" userId="1ef18a8fe3bb5161" providerId="LiveId" clId="{C292B745-5746-48C1-8C05-C08BA9079D9B}" dt="2023-07-26T01:19:55.360" v="20" actId="1076"/>
+          <ac:picMkLst>
+            <pc:docMk/>
+            <pc:sldMk cId="0" sldId="262"/>
+            <ac:picMk id="3" creationId="{1882081E-F585-E6A1-9A4C-15B2863D5F1F}"/>
+          </ac:picMkLst>
+        </pc:picChg>
+      </pc:sldChg>
+      <pc:sldChg chg="modSp mod">
+        <pc:chgData name="Adolfo Linarez" userId="1ef18a8fe3bb5161" providerId="LiveId" clId="{C292B745-5746-48C1-8C05-C08BA9079D9B}" dt="2023-07-26T01:17:56.196" v="13" actId="20577"/>
+        <pc:sldMkLst>
+          <pc:docMk/>
+          <pc:sldMk cId="0" sldId="263"/>
+        </pc:sldMkLst>
+        <pc:spChg chg="mod">
+          <ac:chgData name="Adolfo Linarez" userId="1ef18a8fe3bb5161" providerId="LiveId" clId="{C292B745-5746-48C1-8C05-C08BA9079D9B}" dt="2023-07-26T01:17:56.196" v="13" actId="20577"/>
+          <ac:spMkLst>
+            <pc:docMk/>
+            <pc:sldMk cId="0" sldId="263"/>
+            <ac:spMk id="177" creationId="{00000000-0000-0000-0000-000000000000}"/>
+          </ac:spMkLst>
+        </pc:spChg>
+      </pc:sldChg>
+      <pc:sldChg chg="addSp delSp modSp new del mod setBg">
+        <pc:chgData name="Adolfo Linarez" userId="1ef18a8fe3bb5161" providerId="LiveId" clId="{C292B745-5746-48C1-8C05-C08BA9079D9B}" dt="2023-07-26T01:39:39.160" v="141" actId="47"/>
+        <pc:sldMkLst>
+          <pc:docMk/>
+          <pc:sldMk cId="3377737740" sldId="264"/>
+        </pc:sldMkLst>
+        <pc:spChg chg="del">
+          <ac:chgData name="Adolfo Linarez" userId="1ef18a8fe3bb5161" providerId="LiveId" clId="{C292B745-5746-48C1-8C05-C08BA9079D9B}" dt="2023-07-26T01:24:49.437" v="83" actId="478"/>
+          <ac:spMkLst>
+            <pc:docMk/>
+            <pc:sldMk cId="3377737740" sldId="264"/>
+            <ac:spMk id="2" creationId="{BBE66B95-608A-AC26-3EC4-17B9BC2F8595}"/>
+          </ac:spMkLst>
+        </pc:spChg>
+        <pc:spChg chg="del">
+          <ac:chgData name="Adolfo Linarez" userId="1ef18a8fe3bb5161" providerId="LiveId" clId="{C292B745-5746-48C1-8C05-C08BA9079D9B}" dt="2023-07-26T01:24:50.628" v="84" actId="478"/>
+          <ac:spMkLst>
+            <pc:docMk/>
+            <pc:sldMk cId="3377737740" sldId="264"/>
+            <ac:spMk id="3" creationId="{2D42C66F-E07F-F34E-13FC-D2BB4074377B}"/>
+          </ac:spMkLst>
+        </pc:spChg>
+        <pc:spChg chg="add">
+          <ac:chgData name="Adolfo Linarez" userId="1ef18a8fe3bb5161" providerId="LiveId" clId="{C292B745-5746-48C1-8C05-C08BA9079D9B}" dt="2023-07-26T01:26:24.730" v="95" actId="26606"/>
+          <ac:spMkLst>
+            <pc:docMk/>
+            <pc:sldMk cId="3377737740" sldId="264"/>
+            <ac:spMk id="24" creationId="{3950DEE9-4790-4F3D-BB9C-277CE26D1EC9}"/>
+          </ac:spMkLst>
+        </pc:spChg>
+        <pc:grpChg chg="add">
+          <ac:chgData name="Adolfo Linarez" userId="1ef18a8fe3bb5161" providerId="LiveId" clId="{C292B745-5746-48C1-8C05-C08BA9079D9B}" dt="2023-07-26T01:26:24.730" v="95" actId="26606"/>
+          <ac:grpSpMkLst>
+            <pc:docMk/>
+            <pc:sldMk cId="3377737740" sldId="264"/>
+            <ac:grpSpMk id="12" creationId="{7664F850-BA8B-47AE-B11A-225CAB8969F1}"/>
+          </ac:grpSpMkLst>
+        </pc:grpChg>
+        <pc:grpChg chg="add">
+          <ac:chgData name="Adolfo Linarez" userId="1ef18a8fe3bb5161" providerId="LiveId" clId="{C292B745-5746-48C1-8C05-C08BA9079D9B}" dt="2023-07-26T01:26:24.730" v="95" actId="26606"/>
+          <ac:grpSpMkLst>
+            <pc:docMk/>
+            <pc:sldMk cId="3377737740" sldId="264"/>
+            <ac:grpSpMk id="26" creationId="{58B2947D-C69F-4DE5-B778-CA81D2B48896}"/>
+          </ac:grpSpMkLst>
+        </pc:grpChg>
+        <pc:picChg chg="add mod ord">
+          <ac:chgData name="Adolfo Linarez" userId="1ef18a8fe3bb5161" providerId="LiveId" clId="{C292B745-5746-48C1-8C05-C08BA9079D9B}" dt="2023-07-26T01:26:59.684" v="106" actId="1035"/>
+          <ac:picMkLst>
+            <pc:docMk/>
+            <pc:sldMk cId="3377737740" sldId="264"/>
+            <ac:picMk id="5" creationId="{C46FC468-3C56-C73F-F34A-63963B44D8B4}"/>
+          </ac:picMkLst>
+        </pc:picChg>
+        <pc:picChg chg="add mod">
+          <ac:chgData name="Adolfo Linarez" userId="1ef18a8fe3bb5161" providerId="LiveId" clId="{C292B745-5746-48C1-8C05-C08BA9079D9B}" dt="2023-07-26T01:26:59.684" v="106" actId="1035"/>
+          <ac:picMkLst>
+            <pc:docMk/>
+            <pc:sldMk cId="3377737740" sldId="264"/>
+            <ac:picMk id="7" creationId="{F1BBCC97-33AA-7C48-3930-F3CB80E4F396}"/>
+          </ac:picMkLst>
+        </pc:picChg>
+      </pc:sldChg>
+      <pc:sldChg chg="addSp delSp modSp new mod setBg">
+        <pc:chgData name="Adolfo Linarez" userId="1ef18a8fe3bb5161" providerId="LiveId" clId="{C292B745-5746-48C1-8C05-C08BA9079D9B}" dt="2023-07-26T01:31:17.503" v="135" actId="27614"/>
+        <pc:sldMkLst>
+          <pc:docMk/>
+          <pc:sldMk cId="2511740047" sldId="265"/>
+        </pc:sldMkLst>
+        <pc:spChg chg="del">
+          <ac:chgData name="Adolfo Linarez" userId="1ef18a8fe3bb5161" providerId="LiveId" clId="{C292B745-5746-48C1-8C05-C08BA9079D9B}" dt="2023-07-26T01:29:30.500" v="127" actId="478"/>
+          <ac:spMkLst>
+            <pc:docMk/>
+            <pc:sldMk cId="2511740047" sldId="265"/>
+            <ac:spMk id="2" creationId="{6C1FFCC6-5879-ACAC-BF85-C7D63CBC62A6}"/>
+          </ac:spMkLst>
+        </pc:spChg>
+        <pc:spChg chg="del">
+          <ac:chgData name="Adolfo Linarez" userId="1ef18a8fe3bb5161" providerId="LiveId" clId="{C292B745-5746-48C1-8C05-C08BA9079D9B}" dt="2023-07-26T01:29:29.229" v="126" actId="478"/>
+          <ac:spMkLst>
+            <pc:docMk/>
+            <pc:sldMk cId="2511740047" sldId="265"/>
+            <ac:spMk id="3" creationId="{1D73642E-12F6-FFF6-CE0C-2B710F85D100}"/>
+          </ac:spMkLst>
+        </pc:spChg>
+        <pc:spChg chg="add del">
+          <ac:chgData name="Adolfo Linarez" userId="1ef18a8fe3bb5161" providerId="LiveId" clId="{C292B745-5746-48C1-8C05-C08BA9079D9B}" dt="2023-07-26T01:31:10.811" v="134" actId="26606"/>
+          <ac:spMkLst>
+            <pc:docMk/>
+            <pc:sldMk cId="2511740047" sldId="265"/>
+            <ac:spMk id="22" creationId="{21029ED5-F105-4DD2-99C8-1E4422817978}"/>
+          </ac:spMkLst>
+        </pc:spChg>
+        <pc:spChg chg="add del">
+          <ac:chgData name="Adolfo Linarez" userId="1ef18a8fe3bb5161" providerId="LiveId" clId="{C292B745-5746-48C1-8C05-C08BA9079D9B}" dt="2023-07-26T01:31:10.811" v="134" actId="26606"/>
+          <ac:spMkLst>
+            <pc:docMk/>
+            <pc:sldMk cId="2511740047" sldId="265"/>
+            <ac:spMk id="35" creationId="{5C9652B3-A450-4ED6-8FBF-F536BA60B4D8}"/>
+          </ac:spMkLst>
+        </pc:spChg>
+        <pc:spChg chg="add del">
+          <ac:chgData name="Adolfo Linarez" userId="1ef18a8fe3bb5161" providerId="LiveId" clId="{C292B745-5746-48C1-8C05-C08BA9079D9B}" dt="2023-07-26T01:31:10.805" v="133" actId="26606"/>
+          <ac:spMkLst>
+            <pc:docMk/>
+            <pc:sldMk cId="2511740047" sldId="265"/>
+            <ac:spMk id="52" creationId="{21029ED5-F105-4DD2-99C8-1E4422817978}"/>
+          </ac:spMkLst>
+        </pc:spChg>
+        <pc:spChg chg="add del">
+          <ac:chgData name="Adolfo Linarez" userId="1ef18a8fe3bb5161" providerId="LiveId" clId="{C292B745-5746-48C1-8C05-C08BA9079D9B}" dt="2023-07-26T01:31:10.805" v="133" actId="26606"/>
+          <ac:spMkLst>
+            <pc:docMk/>
+            <pc:sldMk cId="2511740047" sldId="265"/>
+            <ac:spMk id="65" creationId="{5C9652B3-A450-4ED6-8FBF-F536BA60B4D8}"/>
+          </ac:spMkLst>
+        </pc:spChg>
+        <pc:spChg chg="add">
+          <ac:chgData name="Adolfo Linarez" userId="1ef18a8fe3bb5161" providerId="LiveId" clId="{C292B745-5746-48C1-8C05-C08BA9079D9B}" dt="2023-07-26T01:31:10.811" v="134" actId="26606"/>
+          <ac:spMkLst>
+            <pc:docMk/>
+            <pc:sldMk cId="2511740047" sldId="265"/>
+            <ac:spMk id="76" creationId="{21029ED5-F105-4DD2-99C8-1E4422817978}"/>
+          </ac:spMkLst>
+        </pc:spChg>
+        <pc:spChg chg="add">
+          <ac:chgData name="Adolfo Linarez" userId="1ef18a8fe3bb5161" providerId="LiveId" clId="{C292B745-5746-48C1-8C05-C08BA9079D9B}" dt="2023-07-26T01:31:10.811" v="134" actId="26606"/>
+          <ac:spMkLst>
+            <pc:docMk/>
+            <pc:sldMk cId="2511740047" sldId="265"/>
+            <ac:spMk id="86" creationId="{5C9652B3-A450-4ED6-8FBF-F536BA60B4D8}"/>
+          </ac:spMkLst>
+        </pc:spChg>
+        <pc:grpChg chg="add del">
+          <ac:chgData name="Adolfo Linarez" userId="1ef18a8fe3bb5161" providerId="LiveId" clId="{C292B745-5746-48C1-8C05-C08BA9079D9B}" dt="2023-07-26T01:31:10.811" v="134" actId="26606"/>
+          <ac:grpSpMkLst>
+            <pc:docMk/>
+            <pc:sldMk cId="2511740047" sldId="265"/>
+            <ac:grpSpMk id="10" creationId="{0565C35A-C6FA-4269-822E-6DB5B9C48882}"/>
+          </ac:grpSpMkLst>
+        </pc:grpChg>
+        <pc:grpChg chg="add del">
+          <ac:chgData name="Adolfo Linarez" userId="1ef18a8fe3bb5161" providerId="LiveId" clId="{C292B745-5746-48C1-8C05-C08BA9079D9B}" dt="2023-07-26T01:31:10.811" v="134" actId="26606"/>
+          <ac:grpSpMkLst>
+            <pc:docMk/>
+            <pc:sldMk cId="2511740047" sldId="265"/>
+            <ac:grpSpMk id="24" creationId="{2D621E68-BF28-4A1C-B1A2-4E55E139E79A}"/>
+          </ac:grpSpMkLst>
+        </pc:grpChg>
+        <pc:grpChg chg="add del">
+          <ac:chgData name="Adolfo Linarez" userId="1ef18a8fe3bb5161" providerId="LiveId" clId="{C292B745-5746-48C1-8C05-C08BA9079D9B}" dt="2023-07-26T01:31:10.805" v="133" actId="26606"/>
+          <ac:grpSpMkLst>
+            <pc:docMk/>
+            <pc:sldMk cId="2511740047" sldId="265"/>
+            <ac:grpSpMk id="40" creationId="{DDE8DE2B-61C1-46D5-BEB8-521321C182C4}"/>
+          </ac:grpSpMkLst>
+        </pc:grpChg>
+        <pc:grpChg chg="add del">
+          <ac:chgData name="Adolfo Linarez" userId="1ef18a8fe3bb5161" providerId="LiveId" clId="{C292B745-5746-48C1-8C05-C08BA9079D9B}" dt="2023-07-26T01:31:10.805" v="133" actId="26606"/>
+          <ac:grpSpMkLst>
+            <pc:docMk/>
+            <pc:sldMk cId="2511740047" sldId="265"/>
+            <ac:grpSpMk id="54" creationId="{2D621E68-BF28-4A1C-B1A2-4E55E139E79A}"/>
+          </ac:grpSpMkLst>
+        </pc:grpChg>
+        <pc:grpChg chg="add">
+          <ac:chgData name="Adolfo Linarez" userId="1ef18a8fe3bb5161" providerId="LiveId" clId="{C292B745-5746-48C1-8C05-C08BA9079D9B}" dt="2023-07-26T01:31:10.811" v="134" actId="26606"/>
+          <ac:grpSpMkLst>
+            <pc:docMk/>
+            <pc:sldMk cId="2511740047" sldId="265"/>
+            <ac:grpSpMk id="67" creationId="{0565C35A-C6FA-4269-822E-6DB5B9C48882}"/>
+          </ac:grpSpMkLst>
+        </pc:grpChg>
+        <pc:grpChg chg="add">
+          <ac:chgData name="Adolfo Linarez" userId="1ef18a8fe3bb5161" providerId="LiveId" clId="{C292B745-5746-48C1-8C05-C08BA9079D9B}" dt="2023-07-26T01:31:10.811" v="134" actId="26606"/>
+          <ac:grpSpMkLst>
+            <pc:docMk/>
+            <pc:sldMk cId="2511740047" sldId="265"/>
+            <ac:grpSpMk id="77" creationId="{2D621E68-BF28-4A1C-B1A2-4E55E139E79A}"/>
+          </ac:grpSpMkLst>
+        </pc:grpChg>
+        <pc:picChg chg="add del mod">
+          <ac:chgData name="Adolfo Linarez" userId="1ef18a8fe3bb5161" providerId="LiveId" clId="{C292B745-5746-48C1-8C05-C08BA9079D9B}" dt="2023-07-26T01:30:32.524" v="130" actId="478"/>
+          <ac:picMkLst>
+            <pc:docMk/>
+            <pc:sldMk cId="2511740047" sldId="265"/>
+            <ac:picMk id="5" creationId="{3633F0B2-AD14-FFE1-BBEE-FA789A31A1A6}"/>
+          </ac:picMkLst>
+        </pc:picChg>
+        <pc:picChg chg="add mod">
+          <ac:chgData name="Adolfo Linarez" userId="1ef18a8fe3bb5161" providerId="LiveId" clId="{C292B745-5746-48C1-8C05-C08BA9079D9B}" dt="2023-07-26T01:31:17.503" v="135" actId="27614"/>
+          <ac:picMkLst>
+            <pc:docMk/>
+            <pc:sldMk cId="2511740047" sldId="265"/>
+            <ac:picMk id="7" creationId="{78ABFA0C-3201-DCA7-83D9-19A628B5153F}"/>
+          </ac:picMkLst>
+        </pc:picChg>
+      </pc:sldChg>
+      <pc:sldChg chg="modSp add mod">
+        <pc:chgData name="Adolfo Linarez" userId="1ef18a8fe3bb5161" providerId="LiveId" clId="{C292B745-5746-48C1-8C05-C08BA9079D9B}" dt="2023-07-26T01:43:23.726" v="177" actId="1076"/>
+        <pc:sldMkLst>
+          <pc:docMk/>
+          <pc:sldMk cId="2568645975" sldId="266"/>
+        </pc:sldMkLst>
+        <pc:spChg chg="mod">
+          <ac:chgData name="Adolfo Linarez" userId="1ef18a8fe3bb5161" providerId="LiveId" clId="{C292B745-5746-48C1-8C05-C08BA9079D9B}" dt="2023-07-26T01:43:23.726" v="177" actId="1076"/>
+          <ac:spMkLst>
+            <pc:docMk/>
+            <pc:sldMk cId="2568645975" sldId="266"/>
+            <ac:spMk id="5" creationId="{40D83849-C8C8-8ECC-62B1-05AED6E410B7}"/>
+          </ac:spMkLst>
+        </pc:spChg>
+      </pc:sldChg>
+      <pc:sldChg chg="modSp add mod">
+        <pc:chgData name="Adolfo Linarez" userId="1ef18a8fe3bb5161" providerId="LiveId" clId="{C292B745-5746-48C1-8C05-C08BA9079D9B}" dt="2023-07-26T01:46:42.420" v="184" actId="1076"/>
+        <pc:sldMkLst>
+          <pc:docMk/>
+          <pc:sldMk cId="1525494949" sldId="267"/>
+        </pc:sldMkLst>
+        <pc:picChg chg="mod">
+          <ac:chgData name="Adolfo Linarez" userId="1ef18a8fe3bb5161" providerId="LiveId" clId="{C292B745-5746-48C1-8C05-C08BA9079D9B}" dt="2023-07-26T01:46:38.502" v="183" actId="1076"/>
+          <ac:picMkLst>
+            <pc:docMk/>
+            <pc:sldMk cId="1525494949" sldId="267"/>
+            <ac:picMk id="2" creationId="{03DB0D98-6363-41E1-B09D-411B7BFE4A29}"/>
+          </ac:picMkLst>
+        </pc:picChg>
+        <pc:picChg chg="mod">
+          <ac:chgData name="Adolfo Linarez" userId="1ef18a8fe3bb5161" providerId="LiveId" clId="{C292B745-5746-48C1-8C05-C08BA9079D9B}" dt="2023-07-26T01:46:42.420" v="184" actId="1076"/>
+          <ac:picMkLst>
+            <pc:docMk/>
+            <pc:sldMk cId="1525494949" sldId="267"/>
+            <ac:picMk id="3" creationId="{76D52324-9C35-195F-C77C-B58996F69245}"/>
+          </ac:picMkLst>
+        </pc:picChg>
+      </pc:sldChg>
+      <pc:sldChg chg="new del">
+        <pc:chgData name="Adolfo Linarez" userId="1ef18a8fe3bb5161" providerId="LiveId" clId="{C292B745-5746-48C1-8C05-C08BA9079D9B}" dt="2023-07-26T01:40:42.302" v="143" actId="47"/>
+        <pc:sldMkLst>
+          <pc:docMk/>
+          <pc:sldMk cId="2285466712" sldId="268"/>
+        </pc:sldMkLst>
+      </pc:sldChg>
+    </pc:docChg>
+  </pc:docChgLst>
+  <pc:docChgLst>
     <pc:chgData name="Nelson Linarez" userId="73a424aa0dbfbcb4" providerId="LiveId" clId="{181C7474-A5D7-4624-82D8-40158F6A7E7E}"/>
     <pc:docChg chg="custSel modSld">
-      <pc:chgData name="Nelson Linarez" userId="73a424aa0dbfbcb4" providerId="LiveId" clId="{181C7474-A5D7-4624-82D8-40158F6A7E7E}" dt="2023-07-26T01:31:13.930" v="226" actId="20577"/>
+      <pc:chgData name="Nelson Linarez" userId="73a424aa0dbfbcb4" providerId="LiveId" clId="{181C7474-A5D7-4624-82D8-40158F6A7E7E}" dt="2023-07-21T00:36:06.176" v="209" actId="20577"/>
       <pc:docMkLst>
         <pc:docMk/>
       </pc:docMkLst>
@@ -891,23 +1545,8 @@
           </ac:spMkLst>
         </pc:spChg>
       </pc:sldChg>
-      <pc:sldChg chg="modSp mod">
-        <pc:chgData name="Nelson Linarez" userId="73a424aa0dbfbcb4" providerId="LiveId" clId="{181C7474-A5D7-4624-82D8-40158F6A7E7E}" dt="2023-07-26T01:29:15.012" v="213" actId="20577"/>
-        <pc:sldMkLst>
-          <pc:docMk/>
-          <pc:sldMk cId="0" sldId="258"/>
-        </pc:sldMkLst>
-        <pc:spChg chg="mod">
-          <ac:chgData name="Nelson Linarez" userId="73a424aa0dbfbcb4" providerId="LiveId" clId="{181C7474-A5D7-4624-82D8-40158F6A7E7E}" dt="2023-07-26T01:29:15.012" v="213" actId="20577"/>
-          <ac:spMkLst>
-            <pc:docMk/>
-            <pc:sldMk cId="0" sldId="258"/>
-            <ac:spMk id="142" creationId="{00000000-0000-0000-0000-000000000000}"/>
-          </ac:spMkLst>
-        </pc:spChg>
-      </pc:sldChg>
       <pc:sldChg chg="addSp delSp modSp mod">
-        <pc:chgData name="Nelson Linarez" userId="73a424aa0dbfbcb4" providerId="LiveId" clId="{181C7474-A5D7-4624-82D8-40158F6A7E7E}" dt="2023-07-26T01:30:35.899" v="217" actId="1076"/>
+        <pc:chgData name="Nelson Linarez" userId="73a424aa0dbfbcb4" providerId="LiveId" clId="{181C7474-A5D7-4624-82D8-40158F6A7E7E}" dt="2023-07-21T00:36:06.176" v="209" actId="20577"/>
         <pc:sldMkLst>
           <pc:docMk/>
           <pc:sldMk cId="0" sldId="262"/>
@@ -921,7 +1560,7 @@
           </ac:spMkLst>
         </pc:spChg>
         <pc:picChg chg="add mod">
-          <ac:chgData name="Nelson Linarez" userId="73a424aa0dbfbcb4" providerId="LiveId" clId="{181C7474-A5D7-4624-82D8-40158F6A7E7E}" dt="2023-07-26T01:30:35.899" v="217" actId="1076"/>
+          <ac:chgData name="Nelson Linarez" userId="73a424aa0dbfbcb4" providerId="LiveId" clId="{181C7474-A5D7-4624-82D8-40158F6A7E7E}" dt="2023-07-21T00:24:38.957" v="65" actId="1076"/>
           <ac:picMkLst>
             <pc:docMk/>
             <pc:sldMk cId="0" sldId="262"/>
@@ -934,36 +1573,6 @@
             <pc:docMk/>
             <pc:sldMk cId="0" sldId="262"/>
             <ac:picMk id="172" creationId="{00000000-0000-0000-0000-000000000000}"/>
-          </ac:picMkLst>
-        </pc:picChg>
-      </pc:sldChg>
-      <pc:sldChg chg="modSp mod">
-        <pc:chgData name="Nelson Linarez" userId="73a424aa0dbfbcb4" providerId="LiveId" clId="{181C7474-A5D7-4624-82D8-40158F6A7E7E}" dt="2023-07-26T01:31:13.930" v="226" actId="20577"/>
-        <pc:sldMkLst>
-          <pc:docMk/>
-          <pc:sldMk cId="2568645975" sldId="264"/>
-        </pc:sldMkLst>
-        <pc:spChg chg="mod">
-          <ac:chgData name="Nelson Linarez" userId="73a424aa0dbfbcb4" providerId="LiveId" clId="{181C7474-A5D7-4624-82D8-40158F6A7E7E}" dt="2023-07-26T01:31:13.930" v="226" actId="20577"/>
-          <ac:spMkLst>
-            <pc:docMk/>
-            <pc:sldMk cId="2568645975" sldId="264"/>
-            <ac:spMk id="5" creationId="{40D83849-C8C8-8ECC-62B1-05AED6E410B7}"/>
-          </ac:spMkLst>
-        </pc:spChg>
-      </pc:sldChg>
-      <pc:sldChg chg="modSp mod">
-        <pc:chgData name="Nelson Linarez" userId="73a424aa0dbfbcb4" providerId="LiveId" clId="{181C7474-A5D7-4624-82D8-40158F6A7E7E}" dt="2023-07-26T01:30:24.077" v="215" actId="167"/>
-        <pc:sldMkLst>
-          <pc:docMk/>
-          <pc:sldMk cId="1525494949" sldId="265"/>
-        </pc:sldMkLst>
-        <pc:picChg chg="mod ord">
-          <ac:chgData name="Nelson Linarez" userId="73a424aa0dbfbcb4" providerId="LiveId" clId="{181C7474-A5D7-4624-82D8-40158F6A7E7E}" dt="2023-07-26T01:30:24.077" v="215" actId="167"/>
-          <ac:picMkLst>
-            <pc:docMk/>
-            <pc:sldMk cId="1525494949" sldId="265"/>
-            <ac:picMk id="3" creationId="{76D52324-9C35-195F-C77C-B58996F69245}"/>
           </ac:picMkLst>
         </pc:picChg>
       </pc:sldChg>
@@ -8790,8 +9399,8 @@
         </p:nvSpPr>
         <p:spPr>
           <a:xfrm>
-            <a:off x="1588650" y="804861"/>
-            <a:ext cx="5966700" cy="1448100"/>
+            <a:off x="1239170" y="804861"/>
+            <a:ext cx="6316180" cy="1448100"/>
           </a:xfrm>
           <a:prstGeom prst="rect">
             <a:avLst/>
@@ -8799,7 +9408,7 @@
         </p:spPr>
         <p:txBody>
           <a:bodyPr spcFirstLastPara="1" wrap="square" lIns="91425" tIns="91425" rIns="91425" bIns="91425" anchor="ctr" anchorCtr="0">
-            <a:normAutofit/>
+            <a:noAutofit/>
           </a:bodyPr>
           <a:lstStyle/>
           <a:p>
@@ -8813,7 +9422,7 @@
               <a:buNone/>
             </a:pPr>
             <a:r>
-              <a:rPr lang="en-US" sz="4000" b="1" dirty="0"/>
+              <a:rPr lang="en-US" sz="5400" b="1" dirty="0"/>
               <a:t>WORLD DATA VISUALIZATION</a:t>
             </a:r>
           </a:p>
@@ -8937,6 +9546,1654 @@
 </file>
 
 <file path=ppt/slides/slide10.xml><?xml version="1.0" encoding="utf-8"?>
+<p:sld xmlns:a="http://schemas.openxmlformats.org/drawingml/2006/main" xmlns:r="http://schemas.openxmlformats.org/officeDocument/2006/relationships" xmlns:p="http://schemas.openxmlformats.org/presentationml/2006/main">
+  <p:cSld>
+    <p:bg>
+      <p:bgPr>
+        <a:solidFill>
+          <a:schemeClr val="bg2"/>
+        </a:solidFill>
+        <a:effectLst/>
+      </p:bgPr>
+    </p:bg>
+    <p:spTree>
+      <p:nvGrpSpPr>
+        <p:cNvPr id="1" name=""/>
+        <p:cNvGrpSpPr/>
+        <p:nvPr/>
+      </p:nvGrpSpPr>
+      <p:grpSpPr>
+        <a:xfrm>
+          <a:off x="0" y="0"/>
+          <a:ext cx="0" cy="0"/>
+          <a:chOff x="0" y="0"/>
+          <a:chExt cx="0" cy="0"/>
+        </a:xfrm>
+      </p:grpSpPr>
+      <p:grpSp>
+        <p:nvGrpSpPr>
+          <p:cNvPr id="67" name="Group 39">
+            <a:extLst>
+              <a:ext uri="{FF2B5EF4-FFF2-40B4-BE49-F238E27FC236}">
+                <a16:creationId xmlns:a16="http://schemas.microsoft.com/office/drawing/2014/main" id="{0565C35A-C6FA-4269-822E-6DB5B9C48882}"/>
+              </a:ext>
+              <a:ext uri="{C183D7F6-B498-43B3-948B-1728B52AA6E4}">
+                <adec:decorative xmlns:adec="http://schemas.microsoft.com/office/drawing/2017/decorative" val="1"/>
+              </a:ext>
+            </a:extLst>
+          </p:cNvPr>
+          <p:cNvGrpSpPr>
+            <a:grpSpLocks noGrp="1" noUngrp="1" noRot="1" noChangeAspect="1" noMove="1" noResize="1"/>
+          </p:cNvGrpSpPr>
+          <p:nvPr>
+            <p:extLst>
+              <p:ext uri="{386F3935-93C4-4BCD-93E2-E3B085C9AB24}">
+                <p16:designElem xmlns:p16="http://schemas.microsoft.com/office/powerpoint/2015/main" val="1"/>
+              </p:ext>
+            </p:extLst>
+          </p:nvPr>
+        </p:nvGrpSpPr>
+        <p:grpSpPr>
+          <a:xfrm>
+            <a:off x="0" y="-6350"/>
+            <a:ext cx="9144001" cy="5149850"/>
+            <a:chOff x="0" y="-8467"/>
+            <a:chExt cx="12192000" cy="6866467"/>
+          </a:xfrm>
+        </p:grpSpPr>
+        <p:cxnSp>
+          <p:nvCxnSpPr>
+            <p:cNvPr id="41" name="Straight Connector 40">
+              <a:extLst>
+                <a:ext uri="{FF2B5EF4-FFF2-40B4-BE49-F238E27FC236}">
+                  <a16:creationId xmlns:a16="http://schemas.microsoft.com/office/drawing/2014/main" id="{F8BBEF76-F066-4551-8A87-AAFD9969E529}"/>
+                </a:ext>
+                <a:ext uri="{C183D7F6-B498-43B3-948B-1728B52AA6E4}">
+                  <adec:decorative xmlns:adec="http://schemas.microsoft.com/office/drawing/2017/decorative" val="1"/>
+                </a:ext>
+              </a:extLst>
+            </p:cNvPr>
+            <p:cNvCxnSpPr/>
+            <p:nvPr>
+              <p:extLst>
+                <p:ext uri="{386F3935-93C4-4BCD-93E2-E3B085C9AB24}">
+                  <p16:designElem xmlns:p16="http://schemas.microsoft.com/office/powerpoint/2015/main" val="1"/>
+                </p:ext>
+              </p:extLst>
+            </p:nvPr>
+          </p:nvCxnSpPr>
+          <p:spPr>
+            <a:xfrm>
+              <a:off x="9371012" y="0"/>
+              <a:ext cx="1219200" cy="6858000"/>
+            </a:xfrm>
+            <a:prstGeom prst="line">
+              <a:avLst/>
+            </a:prstGeom>
+            <a:ln w="9525">
+              <a:solidFill>
+                <a:schemeClr val="bg1">
+                  <a:lumMod val="85000"/>
+                  <a:lumOff val="15000"/>
+                </a:schemeClr>
+              </a:solidFill>
+            </a:ln>
+          </p:spPr>
+          <p:style>
+            <a:lnRef idx="2">
+              <a:schemeClr val="accent1"/>
+            </a:lnRef>
+            <a:fillRef idx="0">
+              <a:schemeClr val="accent1"/>
+            </a:fillRef>
+            <a:effectRef idx="1">
+              <a:schemeClr val="accent1"/>
+            </a:effectRef>
+            <a:fontRef idx="minor">
+              <a:schemeClr val="tx1"/>
+            </a:fontRef>
+          </p:style>
+        </p:cxnSp>
+        <p:cxnSp>
+          <p:nvCxnSpPr>
+            <p:cNvPr id="42" name="Straight Connector 41">
+              <a:extLst>
+                <a:ext uri="{FF2B5EF4-FFF2-40B4-BE49-F238E27FC236}">
+                  <a16:creationId xmlns:a16="http://schemas.microsoft.com/office/drawing/2014/main" id="{97E701E2-9884-4313-A922-224D075A7C67}"/>
+                </a:ext>
+                <a:ext uri="{C183D7F6-B498-43B3-948B-1728B52AA6E4}">
+                  <adec:decorative xmlns:adec="http://schemas.microsoft.com/office/drawing/2017/decorative" val="1"/>
+                </a:ext>
+              </a:extLst>
+            </p:cNvPr>
+            <p:cNvCxnSpPr/>
+            <p:nvPr>
+              <p:extLst>
+                <p:ext uri="{386F3935-93C4-4BCD-93E2-E3B085C9AB24}">
+                  <p16:designElem xmlns:p16="http://schemas.microsoft.com/office/powerpoint/2015/main" val="1"/>
+                </p:ext>
+              </p:extLst>
+            </p:nvPr>
+          </p:nvCxnSpPr>
+          <p:spPr>
+            <a:xfrm flipH="1">
+              <a:off x="7425267" y="3681413"/>
+              <a:ext cx="4763558" cy="3176587"/>
+            </a:xfrm>
+            <a:prstGeom prst="line">
+              <a:avLst/>
+            </a:prstGeom>
+            <a:ln w="9525">
+              <a:solidFill>
+                <a:schemeClr val="bg1">
+                  <a:lumMod val="85000"/>
+                  <a:lumOff val="15000"/>
+                </a:schemeClr>
+              </a:solidFill>
+            </a:ln>
+          </p:spPr>
+          <p:style>
+            <a:lnRef idx="2">
+              <a:schemeClr val="accent1"/>
+            </a:lnRef>
+            <a:fillRef idx="0">
+              <a:schemeClr val="accent1"/>
+            </a:fillRef>
+            <a:effectRef idx="1">
+              <a:schemeClr val="accent1"/>
+            </a:effectRef>
+            <a:fontRef idx="minor">
+              <a:schemeClr val="tx1"/>
+            </a:fontRef>
+          </p:style>
+        </p:cxnSp>
+        <p:sp>
+          <p:nvSpPr>
+            <p:cNvPr id="68" name="Rectangle 23">
+              <a:extLst>
+                <a:ext uri="{FF2B5EF4-FFF2-40B4-BE49-F238E27FC236}">
+                  <a16:creationId xmlns:a16="http://schemas.microsoft.com/office/drawing/2014/main" id="{32C9DF5B-371A-4170-9F46-B6EE7EF028C4}"/>
+                </a:ext>
+                <a:ext uri="{C183D7F6-B498-43B3-948B-1728B52AA6E4}">
+                  <adec:decorative xmlns:adec="http://schemas.microsoft.com/office/drawing/2017/decorative" val="1"/>
+                </a:ext>
+              </a:extLst>
+            </p:cNvPr>
+            <p:cNvSpPr/>
+            <p:nvPr>
+              <p:extLst>
+                <p:ext uri="{386F3935-93C4-4BCD-93E2-E3B085C9AB24}">
+                  <p16:designElem xmlns:p16="http://schemas.microsoft.com/office/powerpoint/2015/main" val="1"/>
+                </p:ext>
+              </p:extLst>
+            </p:nvPr>
+          </p:nvSpPr>
+          <p:spPr>
+            <a:xfrm>
+              <a:off x="9181476" y="-8467"/>
+              <a:ext cx="3007349" cy="6866467"/>
+            </a:xfrm>
+            <a:custGeom>
+              <a:avLst/>
+              <a:gdLst/>
+              <a:ahLst/>
+              <a:cxnLst/>
+              <a:rect l="l" t="t" r="r" b="b"/>
+              <a:pathLst>
+                <a:path w="3007349" h="6866467">
+                  <a:moveTo>
+                    <a:pt x="2045532" y="0"/>
+                  </a:moveTo>
+                  <a:lnTo>
+                    <a:pt x="3007349" y="0"/>
+                  </a:lnTo>
+                  <a:lnTo>
+                    <a:pt x="3007349" y="6866467"/>
+                  </a:lnTo>
+                  <a:lnTo>
+                    <a:pt x="0" y="6866467"/>
+                  </a:lnTo>
+                  <a:lnTo>
+                    <a:pt x="2045532" y="0"/>
+                  </a:lnTo>
+                  <a:close/>
+                </a:path>
+              </a:pathLst>
+            </a:custGeom>
+            <a:solidFill>
+              <a:schemeClr val="accent1">
+                <a:alpha val="30000"/>
+              </a:schemeClr>
+            </a:solidFill>
+            <a:ln>
+              <a:noFill/>
+            </a:ln>
+            <a:effectLst/>
+          </p:spPr>
+          <p:style>
+            <a:lnRef idx="1">
+              <a:schemeClr val="accent1"/>
+            </a:lnRef>
+            <a:fillRef idx="3">
+              <a:schemeClr val="accent1"/>
+            </a:fillRef>
+            <a:effectRef idx="2">
+              <a:schemeClr val="accent1"/>
+            </a:effectRef>
+            <a:fontRef idx="minor">
+              <a:schemeClr val="lt1"/>
+            </a:fontRef>
+          </p:style>
+          <p:txBody>
+            <a:bodyPr/>
+            <a:lstStyle/>
+            <a:p>
+              <a:endParaRPr lang="en-US"/>
+            </a:p>
+          </p:txBody>
+        </p:sp>
+        <p:sp>
+          <p:nvSpPr>
+            <p:cNvPr id="69" name="Rectangle 25">
+              <a:extLst>
+                <a:ext uri="{FF2B5EF4-FFF2-40B4-BE49-F238E27FC236}">
+                  <a16:creationId xmlns:a16="http://schemas.microsoft.com/office/drawing/2014/main" id="{00EAEF78-4C36-4EC9-855A-C27427C36B8F}"/>
+                </a:ext>
+                <a:ext uri="{C183D7F6-B498-43B3-948B-1728B52AA6E4}">
+                  <adec:decorative xmlns:adec="http://schemas.microsoft.com/office/drawing/2017/decorative" val="1"/>
+                </a:ext>
+              </a:extLst>
+            </p:cNvPr>
+            <p:cNvSpPr/>
+            <p:nvPr>
+              <p:extLst>
+                <p:ext uri="{386F3935-93C4-4BCD-93E2-E3B085C9AB24}">
+                  <p16:designElem xmlns:p16="http://schemas.microsoft.com/office/powerpoint/2015/main" val="1"/>
+                </p:ext>
+              </p:extLst>
+            </p:nvPr>
+          </p:nvSpPr>
+          <p:spPr>
+            <a:xfrm>
+              <a:off x="9603442" y="-8467"/>
+              <a:ext cx="2588558" cy="6866467"/>
+            </a:xfrm>
+            <a:custGeom>
+              <a:avLst/>
+              <a:gdLst/>
+              <a:ahLst/>
+              <a:cxnLst/>
+              <a:rect l="l" t="t" r="r" b="b"/>
+              <a:pathLst>
+                <a:path w="2573311" h="6866467">
+                  <a:moveTo>
+                    <a:pt x="0" y="0"/>
+                  </a:moveTo>
+                  <a:lnTo>
+                    <a:pt x="2573311" y="0"/>
+                  </a:lnTo>
+                  <a:lnTo>
+                    <a:pt x="2573311" y="6866467"/>
+                  </a:lnTo>
+                  <a:lnTo>
+                    <a:pt x="1202336" y="6866467"/>
+                  </a:lnTo>
+                  <a:lnTo>
+                    <a:pt x="0" y="0"/>
+                  </a:lnTo>
+                  <a:close/>
+                </a:path>
+              </a:pathLst>
+            </a:custGeom>
+            <a:solidFill>
+              <a:schemeClr val="accent1">
+                <a:alpha val="20000"/>
+              </a:schemeClr>
+            </a:solidFill>
+            <a:ln>
+              <a:noFill/>
+            </a:ln>
+            <a:effectLst/>
+          </p:spPr>
+          <p:style>
+            <a:lnRef idx="1">
+              <a:schemeClr val="accent1"/>
+            </a:lnRef>
+            <a:fillRef idx="3">
+              <a:schemeClr val="accent1"/>
+            </a:fillRef>
+            <a:effectRef idx="2">
+              <a:schemeClr val="accent1"/>
+            </a:effectRef>
+            <a:fontRef idx="minor">
+              <a:schemeClr val="lt1"/>
+            </a:fontRef>
+          </p:style>
+          <p:txBody>
+            <a:bodyPr/>
+            <a:lstStyle/>
+            <a:p>
+              <a:endParaRPr lang="en-US"/>
+            </a:p>
+          </p:txBody>
+        </p:sp>
+        <p:sp>
+          <p:nvSpPr>
+            <p:cNvPr id="70" name="Isosceles Triangle 44">
+              <a:extLst>
+                <a:ext uri="{FF2B5EF4-FFF2-40B4-BE49-F238E27FC236}">
+                  <a16:creationId xmlns:a16="http://schemas.microsoft.com/office/drawing/2014/main" id="{5E397A22-38A0-4816-926B-740F8E1899B2}"/>
+                </a:ext>
+                <a:ext uri="{C183D7F6-B498-43B3-948B-1728B52AA6E4}">
+                  <adec:decorative xmlns:adec="http://schemas.microsoft.com/office/drawing/2017/decorative" val="1"/>
+                </a:ext>
+              </a:extLst>
+            </p:cNvPr>
+            <p:cNvSpPr/>
+            <p:nvPr>
+              <p:extLst>
+                <p:ext uri="{386F3935-93C4-4BCD-93E2-E3B085C9AB24}">
+                  <p16:designElem xmlns:p16="http://schemas.microsoft.com/office/powerpoint/2015/main" val="1"/>
+                </p:ext>
+              </p:extLst>
+            </p:nvPr>
+          </p:nvSpPr>
+          <p:spPr>
+            <a:xfrm>
+              <a:off x="8932333" y="3048000"/>
+              <a:ext cx="3259667" cy="3810000"/>
+            </a:xfrm>
+            <a:prstGeom prst="triangle">
+              <a:avLst>
+                <a:gd name="adj" fmla="val 100000"/>
+              </a:avLst>
+            </a:prstGeom>
+            <a:solidFill>
+              <a:schemeClr val="accent2">
+                <a:alpha val="72000"/>
+              </a:schemeClr>
+            </a:solidFill>
+            <a:ln>
+              <a:noFill/>
+            </a:ln>
+            <a:effectLst/>
+          </p:spPr>
+          <p:style>
+            <a:lnRef idx="1">
+              <a:schemeClr val="accent1"/>
+            </a:lnRef>
+            <a:fillRef idx="3">
+              <a:schemeClr val="accent1"/>
+            </a:fillRef>
+            <a:effectRef idx="2">
+              <a:schemeClr val="accent1"/>
+            </a:effectRef>
+            <a:fontRef idx="minor">
+              <a:schemeClr val="lt1"/>
+            </a:fontRef>
+          </p:style>
+          <p:txBody>
+            <a:bodyPr/>
+            <a:lstStyle/>
+            <a:p>
+              <a:endParaRPr lang="en-US"/>
+            </a:p>
+          </p:txBody>
+        </p:sp>
+        <p:sp>
+          <p:nvSpPr>
+            <p:cNvPr id="71" name="Rectangle 27">
+              <a:extLst>
+                <a:ext uri="{FF2B5EF4-FFF2-40B4-BE49-F238E27FC236}">
+                  <a16:creationId xmlns:a16="http://schemas.microsoft.com/office/drawing/2014/main" id="{A4756C8A-87DB-494D-999F-E6C0EB0BDA13}"/>
+                </a:ext>
+                <a:ext uri="{C183D7F6-B498-43B3-948B-1728B52AA6E4}">
+                  <adec:decorative xmlns:adec="http://schemas.microsoft.com/office/drawing/2017/decorative" val="1"/>
+                </a:ext>
+              </a:extLst>
+            </p:cNvPr>
+            <p:cNvSpPr/>
+            <p:nvPr>
+              <p:extLst>
+                <p:ext uri="{386F3935-93C4-4BCD-93E2-E3B085C9AB24}">
+                  <p16:designElem xmlns:p16="http://schemas.microsoft.com/office/powerpoint/2015/main" val="1"/>
+                </p:ext>
+              </p:extLst>
+            </p:nvPr>
+          </p:nvSpPr>
+          <p:spPr>
+            <a:xfrm>
+              <a:off x="9334500" y="-8467"/>
+              <a:ext cx="2854326" cy="6866467"/>
+            </a:xfrm>
+            <a:custGeom>
+              <a:avLst/>
+              <a:gdLst/>
+              <a:ahLst/>
+              <a:cxnLst/>
+              <a:rect l="l" t="t" r="r" b="b"/>
+              <a:pathLst>
+                <a:path w="2858013" h="6866467">
+                  <a:moveTo>
+                    <a:pt x="0" y="0"/>
+                  </a:moveTo>
+                  <a:lnTo>
+                    <a:pt x="2858013" y="0"/>
+                  </a:lnTo>
+                  <a:lnTo>
+                    <a:pt x="2858013" y="6866467"/>
+                  </a:lnTo>
+                  <a:lnTo>
+                    <a:pt x="2473942" y="6866467"/>
+                  </a:lnTo>
+                  <a:lnTo>
+                    <a:pt x="0" y="0"/>
+                  </a:lnTo>
+                  <a:close/>
+                </a:path>
+              </a:pathLst>
+            </a:custGeom>
+            <a:solidFill>
+              <a:schemeClr val="accent2">
+                <a:lumMod val="75000"/>
+                <a:alpha val="70000"/>
+              </a:schemeClr>
+            </a:solidFill>
+            <a:ln>
+              <a:noFill/>
+            </a:ln>
+            <a:effectLst/>
+          </p:spPr>
+          <p:style>
+            <a:lnRef idx="1">
+              <a:schemeClr val="accent1"/>
+            </a:lnRef>
+            <a:fillRef idx="3">
+              <a:schemeClr val="accent1"/>
+            </a:fillRef>
+            <a:effectRef idx="2">
+              <a:schemeClr val="accent1"/>
+            </a:effectRef>
+            <a:fontRef idx="minor">
+              <a:schemeClr val="lt1"/>
+            </a:fontRef>
+          </p:style>
+          <p:txBody>
+            <a:bodyPr/>
+            <a:lstStyle/>
+            <a:p>
+              <a:endParaRPr lang="en-US"/>
+            </a:p>
+          </p:txBody>
+        </p:sp>
+        <p:sp>
+          <p:nvSpPr>
+            <p:cNvPr id="72" name="Rectangle 28">
+              <a:extLst>
+                <a:ext uri="{FF2B5EF4-FFF2-40B4-BE49-F238E27FC236}">
+                  <a16:creationId xmlns:a16="http://schemas.microsoft.com/office/drawing/2014/main" id="{FB60A164-1613-43A9-A23E-870E89DD9028}"/>
+                </a:ext>
+                <a:ext uri="{C183D7F6-B498-43B3-948B-1728B52AA6E4}">
+                  <adec:decorative xmlns:adec="http://schemas.microsoft.com/office/drawing/2017/decorative" val="1"/>
+                </a:ext>
+              </a:extLst>
+            </p:cNvPr>
+            <p:cNvSpPr/>
+            <p:nvPr>
+              <p:extLst>
+                <p:ext uri="{386F3935-93C4-4BCD-93E2-E3B085C9AB24}">
+                  <p16:designElem xmlns:p16="http://schemas.microsoft.com/office/powerpoint/2015/main" val="1"/>
+                </p:ext>
+              </p:extLst>
+            </p:nvPr>
+          </p:nvSpPr>
+          <p:spPr>
+            <a:xfrm>
+              <a:off x="10898730" y="-8467"/>
+              <a:ext cx="1290094" cy="6866467"/>
+            </a:xfrm>
+            <a:custGeom>
+              <a:avLst/>
+              <a:gdLst/>
+              <a:ahLst/>
+              <a:cxnLst/>
+              <a:rect l="l" t="t" r="r" b="b"/>
+              <a:pathLst>
+                <a:path w="1290094" h="6858000">
+                  <a:moveTo>
+                    <a:pt x="1019735" y="0"/>
+                  </a:moveTo>
+                  <a:lnTo>
+                    <a:pt x="1290094" y="0"/>
+                  </a:lnTo>
+                  <a:lnTo>
+                    <a:pt x="1290094" y="6858000"/>
+                  </a:lnTo>
+                  <a:lnTo>
+                    <a:pt x="0" y="6858000"/>
+                  </a:lnTo>
+                  <a:lnTo>
+                    <a:pt x="1019735" y="0"/>
+                  </a:lnTo>
+                  <a:close/>
+                </a:path>
+              </a:pathLst>
+            </a:custGeom>
+            <a:solidFill>
+              <a:schemeClr val="accent1">
+                <a:lumMod val="60000"/>
+                <a:lumOff val="40000"/>
+                <a:alpha val="70000"/>
+              </a:schemeClr>
+            </a:solidFill>
+            <a:ln>
+              <a:noFill/>
+            </a:ln>
+            <a:effectLst/>
+          </p:spPr>
+          <p:style>
+            <a:lnRef idx="1">
+              <a:schemeClr val="accent1"/>
+            </a:lnRef>
+            <a:fillRef idx="3">
+              <a:schemeClr val="accent1"/>
+            </a:fillRef>
+            <a:effectRef idx="2">
+              <a:schemeClr val="accent1"/>
+            </a:effectRef>
+            <a:fontRef idx="minor">
+              <a:schemeClr val="lt1"/>
+            </a:fontRef>
+          </p:style>
+          <p:txBody>
+            <a:bodyPr/>
+            <a:lstStyle/>
+            <a:p>
+              <a:endParaRPr lang="en-US"/>
+            </a:p>
+          </p:txBody>
+        </p:sp>
+        <p:sp>
+          <p:nvSpPr>
+            <p:cNvPr id="73" name="Rectangle 29">
+              <a:extLst>
+                <a:ext uri="{FF2B5EF4-FFF2-40B4-BE49-F238E27FC236}">
+                  <a16:creationId xmlns:a16="http://schemas.microsoft.com/office/drawing/2014/main" id="{CA0CF5DE-8A99-4138-A0F0-C84DA0C7322F}"/>
+                </a:ext>
+                <a:ext uri="{C183D7F6-B498-43B3-948B-1728B52AA6E4}">
+                  <adec:decorative xmlns:adec="http://schemas.microsoft.com/office/drawing/2017/decorative" val="1"/>
+                </a:ext>
+              </a:extLst>
+            </p:cNvPr>
+            <p:cNvSpPr/>
+            <p:nvPr>
+              <p:extLst>
+                <p:ext uri="{386F3935-93C4-4BCD-93E2-E3B085C9AB24}">
+                  <p16:designElem xmlns:p16="http://schemas.microsoft.com/office/powerpoint/2015/main" val="1"/>
+                </p:ext>
+              </p:extLst>
+            </p:nvPr>
+          </p:nvSpPr>
+          <p:spPr>
+            <a:xfrm>
+              <a:off x="10938999" y="-8467"/>
+              <a:ext cx="1249825" cy="6866467"/>
+            </a:xfrm>
+            <a:custGeom>
+              <a:avLst/>
+              <a:gdLst/>
+              <a:ahLst/>
+              <a:cxnLst/>
+              <a:rect l="l" t="t" r="r" b="b"/>
+              <a:pathLst>
+                <a:path w="1249825" h="6858000">
+                  <a:moveTo>
+                    <a:pt x="0" y="0"/>
+                  </a:moveTo>
+                  <a:lnTo>
+                    <a:pt x="1249825" y="0"/>
+                  </a:lnTo>
+                  <a:lnTo>
+                    <a:pt x="1249825" y="6858000"/>
+                  </a:lnTo>
+                  <a:lnTo>
+                    <a:pt x="1109382" y="6858000"/>
+                  </a:lnTo>
+                  <a:lnTo>
+                    <a:pt x="0" y="0"/>
+                  </a:lnTo>
+                  <a:close/>
+                </a:path>
+              </a:pathLst>
+            </a:custGeom>
+            <a:solidFill>
+              <a:schemeClr val="accent1">
+                <a:alpha val="65000"/>
+              </a:schemeClr>
+            </a:solidFill>
+            <a:ln>
+              <a:noFill/>
+            </a:ln>
+            <a:effectLst/>
+          </p:spPr>
+          <p:style>
+            <a:lnRef idx="1">
+              <a:schemeClr val="accent1"/>
+            </a:lnRef>
+            <a:fillRef idx="3">
+              <a:schemeClr val="accent1"/>
+            </a:fillRef>
+            <a:effectRef idx="2">
+              <a:schemeClr val="accent1"/>
+            </a:effectRef>
+            <a:fontRef idx="minor">
+              <a:schemeClr val="lt1"/>
+            </a:fontRef>
+          </p:style>
+          <p:txBody>
+            <a:bodyPr/>
+            <a:lstStyle/>
+            <a:p>
+              <a:endParaRPr lang="en-US"/>
+            </a:p>
+          </p:txBody>
+        </p:sp>
+        <p:sp>
+          <p:nvSpPr>
+            <p:cNvPr id="74" name="Isosceles Triangle 48">
+              <a:extLst>
+                <a:ext uri="{FF2B5EF4-FFF2-40B4-BE49-F238E27FC236}">
+                  <a16:creationId xmlns:a16="http://schemas.microsoft.com/office/drawing/2014/main" id="{B41D911B-1F2A-43C3-BDE4-77A1F3D85455}"/>
+                </a:ext>
+                <a:ext uri="{C183D7F6-B498-43B3-948B-1728B52AA6E4}">
+                  <adec:decorative xmlns:adec="http://schemas.microsoft.com/office/drawing/2017/decorative" val="1"/>
+                </a:ext>
+              </a:extLst>
+            </p:cNvPr>
+            <p:cNvSpPr/>
+            <p:nvPr>
+              <p:extLst>
+                <p:ext uri="{386F3935-93C4-4BCD-93E2-E3B085C9AB24}">
+                  <p16:designElem xmlns:p16="http://schemas.microsoft.com/office/powerpoint/2015/main" val="1"/>
+                </p:ext>
+              </p:extLst>
+            </p:nvPr>
+          </p:nvSpPr>
+          <p:spPr>
+            <a:xfrm>
+              <a:off x="10371666" y="3589867"/>
+              <a:ext cx="1817159" cy="3268133"/>
+            </a:xfrm>
+            <a:prstGeom prst="triangle">
+              <a:avLst>
+                <a:gd name="adj" fmla="val 100000"/>
+              </a:avLst>
+            </a:prstGeom>
+            <a:solidFill>
+              <a:schemeClr val="accent1">
+                <a:alpha val="80000"/>
+              </a:schemeClr>
+            </a:solidFill>
+            <a:ln>
+              <a:noFill/>
+            </a:ln>
+            <a:effectLst/>
+          </p:spPr>
+          <p:style>
+            <a:lnRef idx="1">
+              <a:schemeClr val="accent1"/>
+            </a:lnRef>
+            <a:fillRef idx="3">
+              <a:schemeClr val="accent1"/>
+            </a:fillRef>
+            <a:effectRef idx="2">
+              <a:schemeClr val="accent1"/>
+            </a:effectRef>
+            <a:fontRef idx="minor">
+              <a:schemeClr val="lt1"/>
+            </a:fontRef>
+          </p:style>
+          <p:txBody>
+            <a:bodyPr/>
+            <a:lstStyle/>
+            <a:p>
+              <a:endParaRPr lang="en-US"/>
+            </a:p>
+          </p:txBody>
+        </p:sp>
+        <p:sp>
+          <p:nvSpPr>
+            <p:cNvPr id="75" name="Isosceles Triangle 49">
+              <a:extLst>
+                <a:ext uri="{FF2B5EF4-FFF2-40B4-BE49-F238E27FC236}">
+                  <a16:creationId xmlns:a16="http://schemas.microsoft.com/office/drawing/2014/main" id="{A429A86E-CFC2-4521-9A58-DF4BF96D9505}"/>
+                </a:ext>
+                <a:ext uri="{C183D7F6-B498-43B3-948B-1728B52AA6E4}">
+                  <adec:decorative xmlns:adec="http://schemas.microsoft.com/office/drawing/2017/decorative" val="1"/>
+                </a:ext>
+              </a:extLst>
+            </p:cNvPr>
+            <p:cNvSpPr/>
+            <p:nvPr>
+              <p:extLst>
+                <p:ext uri="{386F3935-93C4-4BCD-93E2-E3B085C9AB24}">
+                  <p16:designElem xmlns:p16="http://schemas.microsoft.com/office/powerpoint/2015/main" val="1"/>
+                </p:ext>
+              </p:extLst>
+            </p:nvPr>
+          </p:nvSpPr>
+          <p:spPr>
+            <a:xfrm>
+              <a:off x="0" y="4013200"/>
+              <a:ext cx="448733" cy="2844800"/>
+            </a:xfrm>
+            <a:prstGeom prst="triangle">
+              <a:avLst>
+                <a:gd name="adj" fmla="val 0"/>
+              </a:avLst>
+            </a:prstGeom>
+            <a:solidFill>
+              <a:schemeClr val="accent1">
+                <a:alpha val="85000"/>
+              </a:schemeClr>
+            </a:solidFill>
+            <a:ln>
+              <a:noFill/>
+            </a:ln>
+            <a:effectLst/>
+          </p:spPr>
+          <p:style>
+            <a:lnRef idx="1">
+              <a:schemeClr val="accent1"/>
+            </a:lnRef>
+            <a:fillRef idx="3">
+              <a:schemeClr val="accent1"/>
+            </a:fillRef>
+            <a:effectRef idx="2">
+              <a:schemeClr val="accent1"/>
+            </a:effectRef>
+            <a:fontRef idx="minor">
+              <a:schemeClr val="lt1"/>
+            </a:fontRef>
+          </p:style>
+          <p:txBody>
+            <a:bodyPr/>
+            <a:lstStyle/>
+            <a:p>
+              <a:endParaRPr lang="en-US"/>
+            </a:p>
+          </p:txBody>
+        </p:sp>
+      </p:grpSp>
+      <p:sp useBgFill="1">
+        <p:nvSpPr>
+          <p:cNvPr id="76" name="Rectangle 51">
+            <a:extLst>
+              <a:ext uri="{FF2B5EF4-FFF2-40B4-BE49-F238E27FC236}">
+                <a16:creationId xmlns:a16="http://schemas.microsoft.com/office/drawing/2014/main" id="{21029ED5-F105-4DD2-99C8-1E4422817978}"/>
+              </a:ext>
+              <a:ext uri="{C183D7F6-B498-43B3-948B-1728B52AA6E4}">
+                <adec:decorative xmlns:adec="http://schemas.microsoft.com/office/drawing/2017/decorative" val="1"/>
+              </a:ext>
+            </a:extLst>
+          </p:cNvPr>
+          <p:cNvSpPr>
+            <a:spLocks noGrp="1" noRot="1" noChangeAspect="1" noMove="1" noResize="1" noEditPoints="1" noAdjustHandles="1" noChangeArrowheads="1" noChangeShapeType="1" noTextEdit="1"/>
+          </p:cNvSpPr>
+          <p:nvPr>
+            <p:extLst>
+              <p:ext uri="{386F3935-93C4-4BCD-93E2-E3B085C9AB24}">
+                <p16:designElem xmlns:p16="http://schemas.microsoft.com/office/powerpoint/2015/main" val="1"/>
+              </p:ext>
+            </p:extLst>
+          </p:nvPr>
+        </p:nvSpPr>
+        <p:spPr>
+          <a:xfrm>
+            <a:off x="0" y="0"/>
+            <a:ext cx="9144000" cy="5143500"/>
+          </a:xfrm>
+          <a:prstGeom prst="rect">
+            <a:avLst/>
+          </a:prstGeom>
+          <a:ln>
+            <a:noFill/>
+          </a:ln>
+        </p:spPr>
+        <p:style>
+          <a:lnRef idx="2">
+            <a:schemeClr val="accent1">
+              <a:shade val="50000"/>
+            </a:schemeClr>
+          </a:lnRef>
+          <a:fillRef idx="1">
+            <a:schemeClr val="accent1"/>
+          </a:fillRef>
+          <a:effectRef idx="0">
+            <a:schemeClr val="accent1"/>
+          </a:effectRef>
+          <a:fontRef idx="minor">
+            <a:schemeClr val="lt1"/>
+          </a:fontRef>
+        </p:style>
+        <p:txBody>
+          <a:bodyPr rtlCol="0" anchor="ctr"/>
+          <a:lstStyle/>
+          <a:p>
+            <a:pPr algn="ctr"/>
+            <a:endParaRPr lang="en-US"/>
+          </a:p>
+        </p:txBody>
+      </p:sp>
+      <p:grpSp>
+        <p:nvGrpSpPr>
+          <p:cNvPr id="77" name="Group 53">
+            <a:extLst>
+              <a:ext uri="{FF2B5EF4-FFF2-40B4-BE49-F238E27FC236}">
+                <a16:creationId xmlns:a16="http://schemas.microsoft.com/office/drawing/2014/main" id="{2D621E68-BF28-4A1C-B1A2-4E55E139E79A}"/>
+              </a:ext>
+              <a:ext uri="{C183D7F6-B498-43B3-948B-1728B52AA6E4}">
+                <adec:decorative xmlns:adec="http://schemas.microsoft.com/office/drawing/2017/decorative" val="1"/>
+              </a:ext>
+            </a:extLst>
+          </p:cNvPr>
+          <p:cNvGrpSpPr>
+            <a:grpSpLocks noGrp="1" noUngrp="1" noRot="1" noChangeAspect="1" noMove="1" noResize="1"/>
+          </p:cNvGrpSpPr>
+          <p:nvPr>
+            <p:extLst>
+              <p:ext uri="{386F3935-93C4-4BCD-93E2-E3B085C9AB24}">
+                <p16:designElem xmlns:p16="http://schemas.microsoft.com/office/powerpoint/2015/main" val="1"/>
+              </p:ext>
+            </p:extLst>
+          </p:nvPr>
+        </p:nvGrpSpPr>
+        <p:grpSpPr>
+          <a:xfrm>
+            <a:off x="0" y="-6350"/>
+            <a:ext cx="9144001" cy="5149850"/>
+            <a:chOff x="0" y="-8467"/>
+            <a:chExt cx="12192000" cy="6866467"/>
+          </a:xfrm>
+        </p:grpSpPr>
+        <p:cxnSp>
+          <p:nvCxnSpPr>
+            <p:cNvPr id="55" name="Straight Connector 54">
+              <a:extLst>
+                <a:ext uri="{FF2B5EF4-FFF2-40B4-BE49-F238E27FC236}">
+                  <a16:creationId xmlns:a16="http://schemas.microsoft.com/office/drawing/2014/main" id="{BE8BBE4D-F0DF-49B9-B75A-99DAC53ACA77}"/>
+                </a:ext>
+                <a:ext uri="{C183D7F6-B498-43B3-948B-1728B52AA6E4}">
+                  <adec:decorative xmlns:adec="http://schemas.microsoft.com/office/drawing/2017/decorative" val="1"/>
+                </a:ext>
+              </a:extLst>
+            </p:cNvPr>
+            <p:cNvCxnSpPr/>
+            <p:nvPr>
+              <p:extLst>
+                <p:ext uri="{386F3935-93C4-4BCD-93E2-E3B085C9AB24}">
+                  <p16:designElem xmlns:p16="http://schemas.microsoft.com/office/powerpoint/2015/main" val="1"/>
+                </p:ext>
+              </p:extLst>
+            </p:nvPr>
+          </p:nvCxnSpPr>
+          <p:spPr>
+            <a:xfrm flipH="1">
+              <a:off x="7425267" y="3681413"/>
+              <a:ext cx="4763558" cy="3176587"/>
+            </a:xfrm>
+            <a:prstGeom prst="line">
+              <a:avLst/>
+            </a:prstGeom>
+            <a:ln w="9525">
+              <a:solidFill>
+                <a:schemeClr val="bg1">
+                  <a:lumMod val="85000"/>
+                </a:schemeClr>
+              </a:solidFill>
+            </a:ln>
+          </p:spPr>
+          <p:style>
+            <a:lnRef idx="2">
+              <a:schemeClr val="accent1"/>
+            </a:lnRef>
+            <a:fillRef idx="0">
+              <a:schemeClr val="accent1"/>
+            </a:fillRef>
+            <a:effectRef idx="1">
+              <a:schemeClr val="accent1"/>
+            </a:effectRef>
+            <a:fontRef idx="minor">
+              <a:schemeClr val="tx1"/>
+            </a:fontRef>
+          </p:style>
+        </p:cxnSp>
+        <p:sp>
+          <p:nvSpPr>
+            <p:cNvPr id="78" name="Rectangle 23">
+              <a:extLst>
+                <a:ext uri="{FF2B5EF4-FFF2-40B4-BE49-F238E27FC236}">
+                  <a16:creationId xmlns:a16="http://schemas.microsoft.com/office/drawing/2014/main" id="{E0F07DDC-34A6-46A1-9DE9-2BBE2931A55B}"/>
+                </a:ext>
+                <a:ext uri="{C183D7F6-B498-43B3-948B-1728B52AA6E4}">
+                  <adec:decorative xmlns:adec="http://schemas.microsoft.com/office/drawing/2017/decorative" val="1"/>
+                </a:ext>
+              </a:extLst>
+            </p:cNvPr>
+            <p:cNvSpPr/>
+            <p:nvPr>
+              <p:extLst>
+                <p:ext uri="{386F3935-93C4-4BCD-93E2-E3B085C9AB24}">
+                  <p16:designElem xmlns:p16="http://schemas.microsoft.com/office/powerpoint/2015/main" val="1"/>
+                </p:ext>
+              </p:extLst>
+            </p:nvPr>
+          </p:nvSpPr>
+          <p:spPr>
+            <a:xfrm>
+              <a:off x="9181476" y="-8467"/>
+              <a:ext cx="3007349" cy="6866467"/>
+            </a:xfrm>
+            <a:custGeom>
+              <a:avLst/>
+              <a:gdLst/>
+              <a:ahLst/>
+              <a:cxnLst/>
+              <a:rect l="l" t="t" r="r" b="b"/>
+              <a:pathLst>
+                <a:path w="3007349" h="6866467">
+                  <a:moveTo>
+                    <a:pt x="2045532" y="0"/>
+                  </a:moveTo>
+                  <a:lnTo>
+                    <a:pt x="3007349" y="0"/>
+                  </a:lnTo>
+                  <a:lnTo>
+                    <a:pt x="3007349" y="6866467"/>
+                  </a:lnTo>
+                  <a:lnTo>
+                    <a:pt x="0" y="6866467"/>
+                  </a:lnTo>
+                  <a:lnTo>
+                    <a:pt x="2045532" y="0"/>
+                  </a:lnTo>
+                  <a:close/>
+                </a:path>
+              </a:pathLst>
+            </a:custGeom>
+            <a:solidFill>
+              <a:schemeClr val="accent1">
+                <a:alpha val="30000"/>
+              </a:schemeClr>
+            </a:solidFill>
+            <a:ln>
+              <a:noFill/>
+            </a:ln>
+            <a:effectLst/>
+          </p:spPr>
+          <p:style>
+            <a:lnRef idx="1">
+              <a:schemeClr val="accent1"/>
+            </a:lnRef>
+            <a:fillRef idx="3">
+              <a:schemeClr val="accent1"/>
+            </a:fillRef>
+            <a:effectRef idx="2">
+              <a:schemeClr val="accent1"/>
+            </a:effectRef>
+            <a:fontRef idx="minor">
+              <a:schemeClr val="lt1"/>
+            </a:fontRef>
+          </p:style>
+          <p:txBody>
+            <a:bodyPr/>
+            <a:lstStyle/>
+            <a:p>
+              <a:endParaRPr lang="en-US"/>
+            </a:p>
+          </p:txBody>
+        </p:sp>
+        <p:sp>
+          <p:nvSpPr>
+            <p:cNvPr id="79" name="Rectangle 25">
+              <a:extLst>
+                <a:ext uri="{FF2B5EF4-FFF2-40B4-BE49-F238E27FC236}">
+                  <a16:creationId xmlns:a16="http://schemas.microsoft.com/office/drawing/2014/main" id="{2CEB2BF9-B8DB-45B9-86EA-D197B5B1AEFF}"/>
+                </a:ext>
+                <a:ext uri="{C183D7F6-B498-43B3-948B-1728B52AA6E4}">
+                  <adec:decorative xmlns:adec="http://schemas.microsoft.com/office/drawing/2017/decorative" val="1"/>
+                </a:ext>
+              </a:extLst>
+            </p:cNvPr>
+            <p:cNvSpPr/>
+            <p:nvPr>
+              <p:extLst>
+                <p:ext uri="{386F3935-93C4-4BCD-93E2-E3B085C9AB24}">
+                  <p16:designElem xmlns:p16="http://schemas.microsoft.com/office/powerpoint/2015/main" val="1"/>
+                </p:ext>
+              </p:extLst>
+            </p:nvPr>
+          </p:nvSpPr>
+          <p:spPr>
+            <a:xfrm>
+              <a:off x="9603442" y="-8467"/>
+              <a:ext cx="2588558" cy="6866467"/>
+            </a:xfrm>
+            <a:custGeom>
+              <a:avLst/>
+              <a:gdLst/>
+              <a:ahLst/>
+              <a:cxnLst/>
+              <a:rect l="l" t="t" r="r" b="b"/>
+              <a:pathLst>
+                <a:path w="2573311" h="6866467">
+                  <a:moveTo>
+                    <a:pt x="0" y="0"/>
+                  </a:moveTo>
+                  <a:lnTo>
+                    <a:pt x="2573311" y="0"/>
+                  </a:lnTo>
+                  <a:lnTo>
+                    <a:pt x="2573311" y="6866467"/>
+                  </a:lnTo>
+                  <a:lnTo>
+                    <a:pt x="1202336" y="6866467"/>
+                  </a:lnTo>
+                  <a:lnTo>
+                    <a:pt x="0" y="0"/>
+                  </a:lnTo>
+                  <a:close/>
+                </a:path>
+              </a:pathLst>
+            </a:custGeom>
+            <a:solidFill>
+              <a:schemeClr val="accent1">
+                <a:alpha val="20000"/>
+              </a:schemeClr>
+            </a:solidFill>
+            <a:ln>
+              <a:noFill/>
+            </a:ln>
+            <a:effectLst/>
+          </p:spPr>
+          <p:style>
+            <a:lnRef idx="1">
+              <a:schemeClr val="accent1"/>
+            </a:lnRef>
+            <a:fillRef idx="3">
+              <a:schemeClr val="accent1"/>
+            </a:fillRef>
+            <a:effectRef idx="2">
+              <a:schemeClr val="accent1"/>
+            </a:effectRef>
+            <a:fontRef idx="minor">
+              <a:schemeClr val="lt1"/>
+            </a:fontRef>
+          </p:style>
+          <p:txBody>
+            <a:bodyPr/>
+            <a:lstStyle/>
+            <a:p>
+              <a:endParaRPr lang="en-US"/>
+            </a:p>
+          </p:txBody>
+        </p:sp>
+        <p:sp>
+          <p:nvSpPr>
+            <p:cNvPr id="80" name="Isosceles Triangle 57">
+              <a:extLst>
+                <a:ext uri="{FF2B5EF4-FFF2-40B4-BE49-F238E27FC236}">
+                  <a16:creationId xmlns:a16="http://schemas.microsoft.com/office/drawing/2014/main" id="{08B5BB34-3801-4E70-A981-FE007635E11D}"/>
+                </a:ext>
+                <a:ext uri="{C183D7F6-B498-43B3-948B-1728B52AA6E4}">
+                  <adec:decorative xmlns:adec="http://schemas.microsoft.com/office/drawing/2017/decorative" val="1"/>
+                </a:ext>
+              </a:extLst>
+            </p:cNvPr>
+            <p:cNvSpPr/>
+            <p:nvPr>
+              <p:extLst>
+                <p:ext uri="{386F3935-93C4-4BCD-93E2-E3B085C9AB24}">
+                  <p16:designElem xmlns:p16="http://schemas.microsoft.com/office/powerpoint/2015/main" val="1"/>
+                </p:ext>
+              </p:extLst>
+            </p:nvPr>
+          </p:nvSpPr>
+          <p:spPr>
+            <a:xfrm>
+              <a:off x="8932333" y="3048000"/>
+              <a:ext cx="3259667" cy="3810000"/>
+            </a:xfrm>
+            <a:prstGeom prst="triangle">
+              <a:avLst>
+                <a:gd name="adj" fmla="val 100000"/>
+              </a:avLst>
+            </a:prstGeom>
+            <a:solidFill>
+              <a:schemeClr val="accent2">
+                <a:alpha val="72000"/>
+              </a:schemeClr>
+            </a:solidFill>
+            <a:ln>
+              <a:noFill/>
+            </a:ln>
+            <a:effectLst/>
+          </p:spPr>
+          <p:style>
+            <a:lnRef idx="1">
+              <a:schemeClr val="accent1"/>
+            </a:lnRef>
+            <a:fillRef idx="3">
+              <a:schemeClr val="accent1"/>
+            </a:fillRef>
+            <a:effectRef idx="2">
+              <a:schemeClr val="accent1"/>
+            </a:effectRef>
+            <a:fontRef idx="minor">
+              <a:schemeClr val="lt1"/>
+            </a:fontRef>
+          </p:style>
+          <p:txBody>
+            <a:bodyPr/>
+            <a:lstStyle/>
+            <a:p>
+              <a:endParaRPr lang="en-US"/>
+            </a:p>
+          </p:txBody>
+        </p:sp>
+        <p:sp>
+          <p:nvSpPr>
+            <p:cNvPr id="81" name="Rectangle 27">
+              <a:extLst>
+                <a:ext uri="{FF2B5EF4-FFF2-40B4-BE49-F238E27FC236}">
+                  <a16:creationId xmlns:a16="http://schemas.microsoft.com/office/drawing/2014/main" id="{38432A75-2CEB-463C-A8F2-ABB50A79F444}"/>
+                </a:ext>
+                <a:ext uri="{C183D7F6-B498-43B3-948B-1728B52AA6E4}">
+                  <adec:decorative xmlns:adec="http://schemas.microsoft.com/office/drawing/2017/decorative" val="1"/>
+                </a:ext>
+              </a:extLst>
+            </p:cNvPr>
+            <p:cNvSpPr/>
+            <p:nvPr>
+              <p:extLst>
+                <p:ext uri="{386F3935-93C4-4BCD-93E2-E3B085C9AB24}">
+                  <p16:designElem xmlns:p16="http://schemas.microsoft.com/office/powerpoint/2015/main" val="1"/>
+                </p:ext>
+              </p:extLst>
+            </p:nvPr>
+          </p:nvSpPr>
+          <p:spPr>
+            <a:xfrm>
+              <a:off x="9334500" y="-8467"/>
+              <a:ext cx="2854326" cy="6866467"/>
+            </a:xfrm>
+            <a:custGeom>
+              <a:avLst/>
+              <a:gdLst/>
+              <a:ahLst/>
+              <a:cxnLst/>
+              <a:rect l="l" t="t" r="r" b="b"/>
+              <a:pathLst>
+                <a:path w="2858013" h="6866467">
+                  <a:moveTo>
+                    <a:pt x="0" y="0"/>
+                  </a:moveTo>
+                  <a:lnTo>
+                    <a:pt x="2858013" y="0"/>
+                  </a:lnTo>
+                  <a:lnTo>
+                    <a:pt x="2858013" y="6866467"/>
+                  </a:lnTo>
+                  <a:lnTo>
+                    <a:pt x="2473942" y="6866467"/>
+                  </a:lnTo>
+                  <a:lnTo>
+                    <a:pt x="0" y="0"/>
+                  </a:lnTo>
+                  <a:close/>
+                </a:path>
+              </a:pathLst>
+            </a:custGeom>
+            <a:solidFill>
+              <a:schemeClr val="accent2">
+                <a:lumMod val="75000"/>
+                <a:alpha val="70000"/>
+              </a:schemeClr>
+            </a:solidFill>
+            <a:ln>
+              <a:noFill/>
+            </a:ln>
+            <a:effectLst/>
+          </p:spPr>
+          <p:style>
+            <a:lnRef idx="1">
+              <a:schemeClr val="accent1"/>
+            </a:lnRef>
+            <a:fillRef idx="3">
+              <a:schemeClr val="accent1"/>
+            </a:fillRef>
+            <a:effectRef idx="2">
+              <a:schemeClr val="accent1"/>
+            </a:effectRef>
+            <a:fontRef idx="minor">
+              <a:schemeClr val="lt1"/>
+            </a:fontRef>
+          </p:style>
+          <p:txBody>
+            <a:bodyPr/>
+            <a:lstStyle/>
+            <a:p>
+              <a:endParaRPr lang="en-US"/>
+            </a:p>
+          </p:txBody>
+        </p:sp>
+        <p:sp>
+          <p:nvSpPr>
+            <p:cNvPr id="82" name="Rectangle 28">
+              <a:extLst>
+                <a:ext uri="{FF2B5EF4-FFF2-40B4-BE49-F238E27FC236}">
+                  <a16:creationId xmlns:a16="http://schemas.microsoft.com/office/drawing/2014/main" id="{E7E850B8-C050-4597-8BEB-113FEC9A27C9}"/>
+                </a:ext>
+                <a:ext uri="{C183D7F6-B498-43B3-948B-1728B52AA6E4}">
+                  <adec:decorative xmlns:adec="http://schemas.microsoft.com/office/drawing/2017/decorative" val="1"/>
+                </a:ext>
+              </a:extLst>
+            </p:cNvPr>
+            <p:cNvSpPr/>
+            <p:nvPr>
+              <p:extLst>
+                <p:ext uri="{386F3935-93C4-4BCD-93E2-E3B085C9AB24}">
+                  <p16:designElem xmlns:p16="http://schemas.microsoft.com/office/powerpoint/2015/main" val="1"/>
+                </p:ext>
+              </p:extLst>
+            </p:nvPr>
+          </p:nvSpPr>
+          <p:spPr>
+            <a:xfrm>
+              <a:off x="10898730" y="-8467"/>
+              <a:ext cx="1290094" cy="6866467"/>
+            </a:xfrm>
+            <a:custGeom>
+              <a:avLst/>
+              <a:gdLst/>
+              <a:ahLst/>
+              <a:cxnLst/>
+              <a:rect l="l" t="t" r="r" b="b"/>
+              <a:pathLst>
+                <a:path w="1290094" h="6858000">
+                  <a:moveTo>
+                    <a:pt x="1019735" y="0"/>
+                  </a:moveTo>
+                  <a:lnTo>
+                    <a:pt x="1290094" y="0"/>
+                  </a:lnTo>
+                  <a:lnTo>
+                    <a:pt x="1290094" y="6858000"/>
+                  </a:lnTo>
+                  <a:lnTo>
+                    <a:pt x="0" y="6858000"/>
+                  </a:lnTo>
+                  <a:lnTo>
+                    <a:pt x="1019735" y="0"/>
+                  </a:lnTo>
+                  <a:close/>
+                </a:path>
+              </a:pathLst>
+            </a:custGeom>
+            <a:solidFill>
+              <a:schemeClr val="accent1">
+                <a:lumMod val="60000"/>
+                <a:lumOff val="40000"/>
+                <a:alpha val="70000"/>
+              </a:schemeClr>
+            </a:solidFill>
+            <a:ln>
+              <a:noFill/>
+            </a:ln>
+            <a:effectLst/>
+          </p:spPr>
+          <p:style>
+            <a:lnRef idx="1">
+              <a:schemeClr val="accent1"/>
+            </a:lnRef>
+            <a:fillRef idx="3">
+              <a:schemeClr val="accent1"/>
+            </a:fillRef>
+            <a:effectRef idx="2">
+              <a:schemeClr val="accent1"/>
+            </a:effectRef>
+            <a:fontRef idx="minor">
+              <a:schemeClr val="lt1"/>
+            </a:fontRef>
+          </p:style>
+          <p:txBody>
+            <a:bodyPr/>
+            <a:lstStyle/>
+            <a:p>
+              <a:endParaRPr lang="en-US"/>
+            </a:p>
+          </p:txBody>
+        </p:sp>
+        <p:sp>
+          <p:nvSpPr>
+            <p:cNvPr id="83" name="Rectangle 29">
+              <a:extLst>
+                <a:ext uri="{FF2B5EF4-FFF2-40B4-BE49-F238E27FC236}">
+                  <a16:creationId xmlns:a16="http://schemas.microsoft.com/office/drawing/2014/main" id="{24ACC798-9CEC-4B6F-A8DD-F8E6FCCCF164}"/>
+                </a:ext>
+                <a:ext uri="{C183D7F6-B498-43B3-948B-1728B52AA6E4}">
+                  <adec:decorative xmlns:adec="http://schemas.microsoft.com/office/drawing/2017/decorative" val="1"/>
+                </a:ext>
+              </a:extLst>
+            </p:cNvPr>
+            <p:cNvSpPr/>
+            <p:nvPr>
+              <p:extLst>
+                <p:ext uri="{386F3935-93C4-4BCD-93E2-E3B085C9AB24}">
+                  <p16:designElem xmlns:p16="http://schemas.microsoft.com/office/powerpoint/2015/main" val="1"/>
+                </p:ext>
+              </p:extLst>
+            </p:nvPr>
+          </p:nvSpPr>
+          <p:spPr>
+            <a:xfrm>
+              <a:off x="10938999" y="-8467"/>
+              <a:ext cx="1249825" cy="6866467"/>
+            </a:xfrm>
+            <a:custGeom>
+              <a:avLst/>
+              <a:gdLst/>
+              <a:ahLst/>
+              <a:cxnLst/>
+              <a:rect l="l" t="t" r="r" b="b"/>
+              <a:pathLst>
+                <a:path w="1249825" h="6858000">
+                  <a:moveTo>
+                    <a:pt x="0" y="0"/>
+                  </a:moveTo>
+                  <a:lnTo>
+                    <a:pt x="1249825" y="0"/>
+                  </a:lnTo>
+                  <a:lnTo>
+                    <a:pt x="1249825" y="6858000"/>
+                  </a:lnTo>
+                  <a:lnTo>
+                    <a:pt x="1109382" y="6858000"/>
+                  </a:lnTo>
+                  <a:lnTo>
+                    <a:pt x="0" y="0"/>
+                  </a:lnTo>
+                  <a:close/>
+                </a:path>
+              </a:pathLst>
+            </a:custGeom>
+            <a:solidFill>
+              <a:schemeClr val="accent1">
+                <a:alpha val="65000"/>
+              </a:schemeClr>
+            </a:solidFill>
+            <a:ln>
+              <a:noFill/>
+            </a:ln>
+            <a:effectLst/>
+          </p:spPr>
+          <p:style>
+            <a:lnRef idx="1">
+              <a:schemeClr val="accent1"/>
+            </a:lnRef>
+            <a:fillRef idx="3">
+              <a:schemeClr val="accent1"/>
+            </a:fillRef>
+            <a:effectRef idx="2">
+              <a:schemeClr val="accent1"/>
+            </a:effectRef>
+            <a:fontRef idx="minor">
+              <a:schemeClr val="lt1"/>
+            </a:fontRef>
+          </p:style>
+          <p:txBody>
+            <a:bodyPr/>
+            <a:lstStyle/>
+            <a:p>
+              <a:endParaRPr lang="en-US"/>
+            </a:p>
+          </p:txBody>
+        </p:sp>
+        <p:sp>
+          <p:nvSpPr>
+            <p:cNvPr id="84" name="Isosceles Triangle 61">
+              <a:extLst>
+                <a:ext uri="{FF2B5EF4-FFF2-40B4-BE49-F238E27FC236}">
+                  <a16:creationId xmlns:a16="http://schemas.microsoft.com/office/drawing/2014/main" id="{1D58A8C6-1294-4CD9-89BC-F1E981A524AA}"/>
+                </a:ext>
+                <a:ext uri="{C183D7F6-B498-43B3-948B-1728B52AA6E4}">
+                  <adec:decorative xmlns:adec="http://schemas.microsoft.com/office/drawing/2017/decorative" val="1"/>
+                </a:ext>
+              </a:extLst>
+            </p:cNvPr>
+            <p:cNvSpPr/>
+            <p:nvPr>
+              <p:extLst>
+                <p:ext uri="{386F3935-93C4-4BCD-93E2-E3B085C9AB24}">
+                  <p16:designElem xmlns:p16="http://schemas.microsoft.com/office/powerpoint/2015/main" val="1"/>
+                </p:ext>
+              </p:extLst>
+            </p:nvPr>
+          </p:nvSpPr>
+          <p:spPr>
+            <a:xfrm>
+              <a:off x="10371666" y="3589867"/>
+              <a:ext cx="1817159" cy="3268133"/>
+            </a:xfrm>
+            <a:prstGeom prst="triangle">
+              <a:avLst>
+                <a:gd name="adj" fmla="val 100000"/>
+              </a:avLst>
+            </a:prstGeom>
+            <a:solidFill>
+              <a:schemeClr val="accent1">
+                <a:alpha val="80000"/>
+              </a:schemeClr>
+            </a:solidFill>
+            <a:ln>
+              <a:noFill/>
+            </a:ln>
+            <a:effectLst/>
+          </p:spPr>
+          <p:style>
+            <a:lnRef idx="1">
+              <a:schemeClr val="accent1"/>
+            </a:lnRef>
+            <a:fillRef idx="3">
+              <a:schemeClr val="accent1"/>
+            </a:fillRef>
+            <a:effectRef idx="2">
+              <a:schemeClr val="accent1"/>
+            </a:effectRef>
+            <a:fontRef idx="minor">
+              <a:schemeClr val="lt1"/>
+            </a:fontRef>
+          </p:style>
+          <p:txBody>
+            <a:bodyPr/>
+            <a:lstStyle/>
+            <a:p>
+              <a:endParaRPr lang="en-US"/>
+            </a:p>
+          </p:txBody>
+        </p:sp>
+        <p:sp>
+          <p:nvSpPr>
+            <p:cNvPr id="85" name="Isosceles Triangle 62">
+              <a:extLst>
+                <a:ext uri="{FF2B5EF4-FFF2-40B4-BE49-F238E27FC236}">
+                  <a16:creationId xmlns:a16="http://schemas.microsoft.com/office/drawing/2014/main" id="{F32F2ED6-6143-46C4-A641-72D42732B6FA}"/>
+                </a:ext>
+                <a:ext uri="{C183D7F6-B498-43B3-948B-1728B52AA6E4}">
+                  <adec:decorative xmlns:adec="http://schemas.microsoft.com/office/drawing/2017/decorative" val="1"/>
+                </a:ext>
+              </a:extLst>
+            </p:cNvPr>
+            <p:cNvSpPr/>
+            <p:nvPr>
+              <p:extLst>
+                <p:ext uri="{386F3935-93C4-4BCD-93E2-E3B085C9AB24}">
+                  <p16:designElem xmlns:p16="http://schemas.microsoft.com/office/powerpoint/2015/main" val="1"/>
+                </p:ext>
+              </p:extLst>
+            </p:nvPr>
+          </p:nvSpPr>
+          <p:spPr>
+            <a:xfrm>
+              <a:off x="0" y="4013200"/>
+              <a:ext cx="448733" cy="2844800"/>
+            </a:xfrm>
+            <a:prstGeom prst="triangle">
+              <a:avLst>
+                <a:gd name="adj" fmla="val 0"/>
+              </a:avLst>
+            </a:prstGeom>
+            <a:solidFill>
+              <a:schemeClr val="accent1">
+                <a:alpha val="85000"/>
+              </a:schemeClr>
+            </a:solidFill>
+            <a:ln>
+              <a:noFill/>
+            </a:ln>
+            <a:effectLst/>
+          </p:spPr>
+          <p:style>
+            <a:lnRef idx="1">
+              <a:schemeClr val="accent1"/>
+            </a:lnRef>
+            <a:fillRef idx="3">
+              <a:schemeClr val="accent1"/>
+            </a:fillRef>
+            <a:effectRef idx="2">
+              <a:schemeClr val="accent1"/>
+            </a:effectRef>
+            <a:fontRef idx="minor">
+              <a:schemeClr val="lt1"/>
+            </a:fontRef>
+          </p:style>
+          <p:txBody>
+            <a:bodyPr/>
+            <a:lstStyle/>
+            <a:p>
+              <a:endParaRPr lang="en-US"/>
+            </a:p>
+          </p:txBody>
+        </p:sp>
+      </p:grpSp>
+      <p:sp>
+        <p:nvSpPr>
+          <p:cNvPr id="86" name="Rectangle 64">
+            <a:extLst>
+              <a:ext uri="{FF2B5EF4-FFF2-40B4-BE49-F238E27FC236}">
+                <a16:creationId xmlns:a16="http://schemas.microsoft.com/office/drawing/2014/main" id="{5C9652B3-A450-4ED6-8FBF-F536BA60B4D8}"/>
+              </a:ext>
+              <a:ext uri="{C183D7F6-B498-43B3-948B-1728B52AA6E4}">
+                <adec:decorative xmlns:adec="http://schemas.microsoft.com/office/drawing/2017/decorative" val="1"/>
+              </a:ext>
+            </a:extLst>
+          </p:cNvPr>
+          <p:cNvSpPr>
+            <a:spLocks noGrp="1" noRot="1" noChangeAspect="1" noMove="1" noResize="1" noEditPoints="1" noAdjustHandles="1" noChangeArrowheads="1" noChangeShapeType="1" noTextEdit="1"/>
+          </p:cNvSpPr>
+          <p:nvPr>
+            <p:extLst>
+              <p:ext uri="{386F3935-93C4-4BCD-93E2-E3B085C9AB24}">
+                <p16:designElem xmlns:p16="http://schemas.microsoft.com/office/powerpoint/2015/main" val="1"/>
+              </p:ext>
+            </p:extLst>
+          </p:nvPr>
+        </p:nvSpPr>
+        <p:spPr>
+          <a:xfrm>
+            <a:off x="357759" y="360045"/>
+            <a:ext cx="8428482" cy="4423410"/>
+          </a:xfrm>
+          <a:prstGeom prst="rect">
+            <a:avLst/>
+          </a:prstGeom>
+          <a:solidFill>
+            <a:srgbClr val="FFFFFF"/>
+          </a:solidFill>
+          <a:ln w="22225">
+            <a:solidFill>
+              <a:srgbClr val="FFFFFF"/>
+            </a:solidFill>
+          </a:ln>
+        </p:spPr>
+        <p:style>
+          <a:lnRef idx="2">
+            <a:schemeClr val="accent1">
+              <a:shade val="50000"/>
+            </a:schemeClr>
+          </a:lnRef>
+          <a:fillRef idx="1">
+            <a:schemeClr val="accent1"/>
+          </a:fillRef>
+          <a:effectRef idx="0">
+            <a:schemeClr val="accent1"/>
+          </a:effectRef>
+          <a:fontRef idx="minor">
+            <a:schemeClr val="lt1"/>
+          </a:fontRef>
+        </p:style>
+        <p:txBody>
+          <a:bodyPr rtlCol="0" anchor="ctr"/>
+          <a:lstStyle/>
+          <a:p>
+            <a:pPr algn="ctr"/>
+            <a:endParaRPr lang="en-US"/>
+          </a:p>
+        </p:txBody>
+      </p:sp>
+      <p:pic>
+        <p:nvPicPr>
+          <p:cNvPr id="7" name="Picture 6" descr="A map of the continent with orange dots&#10;&#10;Description automatically generated">
+            <a:extLst>
+              <a:ext uri="{FF2B5EF4-FFF2-40B4-BE49-F238E27FC236}">
+                <a16:creationId xmlns:a16="http://schemas.microsoft.com/office/drawing/2014/main" id="{78ABFA0C-3201-DCA7-83D9-19A628B5153F}"/>
+              </a:ext>
+            </a:extLst>
+          </p:cNvPr>
+          <p:cNvPicPr>
+            <a:picLocks noChangeAspect="1"/>
+          </p:cNvPicPr>
+          <p:nvPr/>
+        </p:nvPicPr>
+        <p:blipFill rotWithShape="1">
+          <a:blip r:embed="rId2"/>
+          <a:srcRect t="6212" r="-1" b="220"/>
+          <a:stretch/>
+        </p:blipFill>
+        <p:spPr>
+          <a:xfrm>
+            <a:off x="426339" y="428625"/>
+            <a:ext cx="8291322" cy="4286250"/>
+          </a:xfrm>
+          <a:prstGeom prst="rect">
+            <a:avLst/>
+          </a:prstGeom>
+        </p:spPr>
+      </p:pic>
+    </p:spTree>
+    <p:extLst>
+      <p:ext uri="{BB962C8B-B14F-4D97-AF65-F5344CB8AC3E}">
+        <p14:creationId xmlns:p14="http://schemas.microsoft.com/office/powerpoint/2010/main" val="2511740047"/>
+      </p:ext>
+    </p:extLst>
+  </p:cSld>
+  <p:clrMapOvr>
+    <a:masterClrMapping/>
+  </p:clrMapOvr>
+</p:sld>
+</file>
+
+<file path=ppt/slides/slide11.xml><?xml version="1.0" encoding="utf-8"?>
 <p:sld xmlns:a="http://schemas.openxmlformats.org/drawingml/2006/main" xmlns:r="http://schemas.openxmlformats.org/officeDocument/2006/relationships" xmlns:p="http://schemas.openxmlformats.org/presentationml/2006/main">
   <p:cSld>
     <p:bg>
@@ -10450,8 +12707,8 @@
         </p:nvSpPr>
         <p:spPr>
           <a:xfrm>
-            <a:off x="1130300" y="1803400"/>
-            <a:ext cx="5825202" cy="1234727"/>
+            <a:off x="1261686" y="2068437"/>
+            <a:ext cx="5825202" cy="730055"/>
           </a:xfrm>
           <a:prstGeom prst="rect">
             <a:avLst/>
@@ -10475,7 +12732,7 @@
               </a:spcAft>
             </a:pPr>
             <a:r>
-              <a:rPr lang="en-US" sz="3800" b="1"/>
+              <a:rPr lang="en-US" sz="3800" b="1" dirty="0"/>
               <a:t>QUESTIONS/COMMENTS?</a:t>
             </a:r>
           </a:p>
@@ -11555,7 +13812,7 @@
         </p:nvSpPr>
         <p:spPr>
           <a:xfrm>
-            <a:off x="505315" y="482600"/>
+            <a:off x="574198" y="488906"/>
             <a:ext cx="3152284" cy="1031706"/>
           </a:xfrm>
           <a:prstGeom prst="rect">
@@ -12562,8 +14819,8 @@
         </p:nvSpPr>
         <p:spPr>
           <a:xfrm>
-            <a:off x="506298" y="457200"/>
-            <a:ext cx="3635396" cy="990600"/>
+            <a:off x="1335339" y="485179"/>
+            <a:ext cx="5434149" cy="990600"/>
           </a:xfrm>
           <a:prstGeom prst="rect">
             <a:avLst/>
@@ -12587,7 +14844,7 @@
               </a:spcAft>
             </a:pPr>
             <a:r>
-              <a:rPr lang="en-US" sz="2300" b="1" dirty="0"/>
+              <a:rPr lang="en-US" sz="3200" b="1" dirty="0"/>
               <a:t>PROJECT INFORMATION</a:t>
             </a:r>
           </a:p>
@@ -13745,7 +16002,7 @@
           </a:bodyPr>
           <a:lstStyle/>
           <a:p>
-            <a:pPr marL="0" lvl="0" indent="0" defTabSz="457200">
+            <a:pPr marL="0" lvl="0" indent="0" algn="ctr" defTabSz="457200">
               <a:lnSpc>
                 <a:spcPct val="90000"/>
               </a:lnSpc>
@@ -13757,7 +16014,7 @@
               </a:spcAft>
             </a:pPr>
             <a:r>
-              <a:rPr lang="en-US" sz="3300" b="1">
+              <a:rPr lang="en-US" sz="3300" b="1" dirty="0">
                 <a:solidFill>
                   <a:schemeClr val="bg1"/>
                 </a:solidFill>
@@ -13898,29 +16155,6 @@
           </a:p>
         </p:txBody>
       </p:sp>
-      <p:pic>
-        <p:nvPicPr>
-          <p:cNvPr id="151" name="Google Shape;151;p16"/>
-          <p:cNvPicPr preferRelativeResize="0"/>
-          <p:nvPr/>
-        </p:nvPicPr>
-        <p:blipFill>
-          <a:blip r:embed="rId3"/>
-          <a:stretch>
-            <a:fillRect/>
-          </a:stretch>
-        </p:blipFill>
-        <p:spPr>
-          <a:xfrm>
-            <a:off x="4572000" y="1867862"/>
-            <a:ext cx="3857625" cy="1398389"/>
-          </a:xfrm>
-          <a:prstGeom prst="rect">
-            <a:avLst/>
-          </a:prstGeom>
-          <a:noFill/>
-        </p:spPr>
-      </p:pic>
       <p:sp>
         <p:nvSpPr>
           <p:cNvPr id="174" name="Isosceles Triangle 173">
@@ -13986,6 +16220,66 @@
           </a:p>
         </p:txBody>
       </p:sp>
+      <p:pic>
+        <p:nvPicPr>
+          <p:cNvPr id="7" name="Picture 6">
+            <a:extLst>
+              <a:ext uri="{FF2B5EF4-FFF2-40B4-BE49-F238E27FC236}">
+                <a16:creationId xmlns:a16="http://schemas.microsoft.com/office/drawing/2014/main" id="{4A34E02E-56FB-9C73-1EEF-BA49A80AD2F8}"/>
+              </a:ext>
+            </a:extLst>
+          </p:cNvPr>
+          <p:cNvPicPr>
+            <a:picLocks noChangeAspect="1"/>
+          </p:cNvPicPr>
+          <p:nvPr/>
+        </p:nvPicPr>
+        <p:blipFill>
+          <a:blip r:embed="rId3"/>
+          <a:stretch>
+            <a:fillRect/>
+          </a:stretch>
+        </p:blipFill>
+        <p:spPr>
+          <a:xfrm>
+            <a:off x="5412793" y="2692400"/>
+            <a:ext cx="3176166" cy="2336965"/>
+          </a:xfrm>
+          <a:prstGeom prst="rect">
+            <a:avLst/>
+          </a:prstGeom>
+        </p:spPr>
+      </p:pic>
+      <p:pic>
+        <p:nvPicPr>
+          <p:cNvPr id="9" name="Picture 8">
+            <a:extLst>
+              <a:ext uri="{FF2B5EF4-FFF2-40B4-BE49-F238E27FC236}">
+                <a16:creationId xmlns:a16="http://schemas.microsoft.com/office/drawing/2014/main" id="{F4CAB764-55CE-F777-155A-3052E494BAA1}"/>
+              </a:ext>
+            </a:extLst>
+          </p:cNvPr>
+          <p:cNvPicPr>
+            <a:picLocks noChangeAspect="1"/>
+          </p:cNvPicPr>
+          <p:nvPr/>
+        </p:nvPicPr>
+        <p:blipFill>
+          <a:blip r:embed="rId4"/>
+          <a:stretch>
+            <a:fillRect/>
+          </a:stretch>
+        </p:blipFill>
+        <p:spPr>
+          <a:xfrm>
+            <a:off x="4562351" y="192828"/>
+            <a:ext cx="3746751" cy="2460925"/>
+          </a:xfrm>
+          <a:prstGeom prst="rect">
+            <a:avLst/>
+          </a:prstGeom>
+        </p:spPr>
+      </p:pic>
     </p:spTree>
   </p:cSld>
   <p:clrMapOvr>
@@ -13995,6 +16289,483 @@
 </file>
 
 <file path=ppt/slides/slide5.xml><?xml version="1.0" encoding="utf-8"?>
+<p:sld xmlns:a="http://schemas.openxmlformats.org/drawingml/2006/main" xmlns:r="http://schemas.openxmlformats.org/officeDocument/2006/relationships" xmlns:p="http://schemas.openxmlformats.org/presentationml/2006/main">
+  <p:cSld>
+    <p:spTree>
+      <p:nvGrpSpPr>
+        <p:cNvPr id="1" name=""/>
+        <p:cNvGrpSpPr/>
+        <p:nvPr/>
+      </p:nvGrpSpPr>
+      <p:grpSpPr>
+        <a:xfrm>
+          <a:off x="0" y="0"/>
+          <a:ext cx="0" cy="0"/>
+          <a:chOff x="0" y="0"/>
+          <a:chExt cx="0" cy="0"/>
+        </a:xfrm>
+      </p:grpSpPr>
+      <p:sp>
+        <p:nvSpPr>
+          <p:cNvPr id="5" name="TextBox 4">
+            <a:extLst>
+              <a:ext uri="{FF2B5EF4-FFF2-40B4-BE49-F238E27FC236}">
+                <a16:creationId xmlns:a16="http://schemas.microsoft.com/office/drawing/2014/main" id="{40D83849-C8C8-8ECC-62B1-05AED6E410B7}"/>
+              </a:ext>
+            </a:extLst>
+          </p:cNvPr>
+          <p:cNvSpPr txBox="1"/>
+          <p:nvPr/>
+        </p:nvSpPr>
+        <p:spPr>
+          <a:xfrm>
+            <a:off x="632832" y="165995"/>
+            <a:ext cx="6717763" cy="4811510"/>
+          </a:xfrm>
+          <a:prstGeom prst="rect">
+            <a:avLst/>
+          </a:prstGeom>
+          <a:noFill/>
+        </p:spPr>
+        <p:txBody>
+          <a:bodyPr wrap="square">
+            <a:spAutoFit/>
+          </a:bodyPr>
+          <a:lstStyle/>
+          <a:p>
+            <a:pPr>
+              <a:lnSpc>
+                <a:spcPct val="90000"/>
+              </a:lnSpc>
+              <a:spcBef>
+                <a:spcPct val="0"/>
+              </a:spcBef>
+              <a:buSzPts val="3000"/>
+            </a:pPr>
+            <a:r>
+              <a:rPr lang="en-US" sz="4000" b="1" dirty="0">
+                <a:solidFill>
+                  <a:schemeClr val="accent1"/>
+                </a:solidFill>
+                <a:latin typeface="+mj-lt"/>
+                <a:ea typeface="+mj-ea"/>
+                <a:cs typeface="+mj-cs"/>
+              </a:rPr>
+              <a:t>Top 5 Most Common Languages by Region</a:t>
+            </a:r>
+          </a:p>
+          <a:p>
+            <a:pPr marL="457200" indent="-311150">
+              <a:lnSpc>
+                <a:spcPct val="70000"/>
+              </a:lnSpc>
+              <a:spcBef>
+                <a:spcPts val="1000"/>
+              </a:spcBef>
+              <a:buClr>
+                <a:schemeClr val="accent1"/>
+              </a:buClr>
+              <a:buSzPct val="80000"/>
+              <a:buFont typeface="Wingdings 3" charset="2"/>
+              <a:buChar char=""/>
+            </a:pPr>
+            <a:endParaRPr lang="en-US" sz="1600" dirty="0">
+              <a:solidFill>
+                <a:schemeClr val="tx1">
+                  <a:lumMod val="75000"/>
+                  <a:lumOff val="25000"/>
+                </a:schemeClr>
+              </a:solidFill>
+            </a:endParaRPr>
+          </a:p>
+          <a:p>
+            <a:pPr marL="457200" indent="-311150">
+              <a:lnSpc>
+                <a:spcPct val="70000"/>
+              </a:lnSpc>
+              <a:spcBef>
+                <a:spcPts val="1000"/>
+              </a:spcBef>
+              <a:buClr>
+                <a:schemeClr val="accent1"/>
+              </a:buClr>
+              <a:buSzPct val="80000"/>
+              <a:buFont typeface="Wingdings 3" charset="2"/>
+              <a:buChar char=""/>
+            </a:pPr>
+            <a:r>
+              <a:rPr lang="en-US" sz="1600" dirty="0">
+                <a:solidFill>
+                  <a:schemeClr val="tx1">
+                    <a:lumMod val="75000"/>
+                    <a:lumOff val="25000"/>
+                  </a:schemeClr>
+                </a:solidFill>
+              </a:rPr>
+              <a:t>Most Common Language in Oceania: English</a:t>
+            </a:r>
+          </a:p>
+          <a:p>
+            <a:pPr marL="457200" indent="-311150">
+              <a:lnSpc>
+                <a:spcPct val="70000"/>
+              </a:lnSpc>
+              <a:spcBef>
+                <a:spcPts val="1000"/>
+              </a:spcBef>
+              <a:buClr>
+                <a:schemeClr val="accent1"/>
+              </a:buClr>
+              <a:buSzPct val="80000"/>
+              <a:buFont typeface="Wingdings 3" charset="2"/>
+              <a:buChar char=""/>
+            </a:pPr>
+            <a:endParaRPr lang="en-US" sz="1600" dirty="0">
+              <a:solidFill>
+                <a:schemeClr val="tx1">
+                  <a:lumMod val="75000"/>
+                  <a:lumOff val="25000"/>
+                </a:schemeClr>
+              </a:solidFill>
+            </a:endParaRPr>
+          </a:p>
+          <a:p>
+            <a:pPr marL="457200" indent="-311150">
+              <a:lnSpc>
+                <a:spcPct val="70000"/>
+              </a:lnSpc>
+              <a:spcBef>
+                <a:spcPts val="1000"/>
+              </a:spcBef>
+              <a:buClr>
+                <a:schemeClr val="accent1"/>
+              </a:buClr>
+              <a:buSzPct val="80000"/>
+              <a:buFont typeface="Wingdings 3" charset="2"/>
+              <a:buChar char=""/>
+            </a:pPr>
+            <a:r>
+              <a:rPr lang="en-US" sz="1600" dirty="0">
+                <a:solidFill>
+                  <a:schemeClr val="tx1">
+                    <a:lumMod val="75000"/>
+                    <a:lumOff val="25000"/>
+                  </a:schemeClr>
+                </a:solidFill>
+              </a:rPr>
+              <a:t>Most Common Language in Americas: English</a:t>
+            </a:r>
+          </a:p>
+          <a:p>
+            <a:pPr marL="457200" indent="-311150">
+              <a:lnSpc>
+                <a:spcPct val="70000"/>
+              </a:lnSpc>
+              <a:spcBef>
+                <a:spcPts val="1000"/>
+              </a:spcBef>
+              <a:buClr>
+                <a:schemeClr val="accent1"/>
+              </a:buClr>
+              <a:buSzPct val="80000"/>
+              <a:buFont typeface="Wingdings 3" charset="2"/>
+              <a:buChar char=""/>
+            </a:pPr>
+            <a:endParaRPr lang="en-US" sz="1600" dirty="0">
+              <a:solidFill>
+                <a:schemeClr val="tx1">
+                  <a:lumMod val="75000"/>
+                  <a:lumOff val="25000"/>
+                </a:schemeClr>
+              </a:solidFill>
+            </a:endParaRPr>
+          </a:p>
+          <a:p>
+            <a:pPr marL="457200" indent="-311150">
+              <a:lnSpc>
+                <a:spcPct val="70000"/>
+              </a:lnSpc>
+              <a:spcBef>
+                <a:spcPts val="1000"/>
+              </a:spcBef>
+              <a:buClr>
+                <a:schemeClr val="accent1"/>
+              </a:buClr>
+              <a:buSzPct val="80000"/>
+              <a:buFont typeface="Wingdings 3" charset="2"/>
+              <a:buChar char=""/>
+            </a:pPr>
+            <a:r>
+              <a:rPr lang="en-US" sz="1600" dirty="0">
+                <a:solidFill>
+                  <a:schemeClr val="tx1">
+                    <a:lumMod val="75000"/>
+                    <a:lumOff val="25000"/>
+                  </a:schemeClr>
+                </a:solidFill>
+              </a:rPr>
+              <a:t>Most Common Language in Africa: English</a:t>
+            </a:r>
+          </a:p>
+          <a:p>
+            <a:pPr marL="457200" indent="-311150">
+              <a:lnSpc>
+                <a:spcPct val="70000"/>
+              </a:lnSpc>
+              <a:spcBef>
+                <a:spcPts val="1000"/>
+              </a:spcBef>
+              <a:buClr>
+                <a:schemeClr val="accent1"/>
+              </a:buClr>
+              <a:buSzPct val="80000"/>
+              <a:buFont typeface="Wingdings 3" charset="2"/>
+              <a:buChar char=""/>
+            </a:pPr>
+            <a:endParaRPr lang="en-US" sz="1600" dirty="0">
+              <a:solidFill>
+                <a:schemeClr val="tx1">
+                  <a:lumMod val="75000"/>
+                  <a:lumOff val="25000"/>
+                </a:schemeClr>
+              </a:solidFill>
+            </a:endParaRPr>
+          </a:p>
+          <a:p>
+            <a:pPr marL="457200" indent="-311150">
+              <a:lnSpc>
+                <a:spcPct val="70000"/>
+              </a:lnSpc>
+              <a:spcBef>
+                <a:spcPts val="1000"/>
+              </a:spcBef>
+              <a:buClr>
+                <a:schemeClr val="accent1"/>
+              </a:buClr>
+              <a:buSzPct val="80000"/>
+              <a:buFont typeface="Wingdings 3" charset="2"/>
+              <a:buChar char=""/>
+            </a:pPr>
+            <a:r>
+              <a:rPr lang="en-US" sz="1600" dirty="0">
+                <a:solidFill>
+                  <a:schemeClr val="tx1">
+                    <a:lumMod val="75000"/>
+                    <a:lumOff val="25000"/>
+                  </a:schemeClr>
+                </a:solidFill>
+              </a:rPr>
+              <a:t>Most Common Language in Europe: French</a:t>
+            </a:r>
+          </a:p>
+          <a:p>
+            <a:pPr marL="457200" indent="-311150">
+              <a:lnSpc>
+                <a:spcPct val="70000"/>
+              </a:lnSpc>
+              <a:spcBef>
+                <a:spcPts val="1000"/>
+              </a:spcBef>
+              <a:buClr>
+                <a:schemeClr val="accent1"/>
+              </a:buClr>
+              <a:buSzPct val="80000"/>
+              <a:buFont typeface="Wingdings 3" charset="2"/>
+              <a:buChar char=""/>
+            </a:pPr>
+            <a:endParaRPr lang="en-US" sz="1600" dirty="0">
+              <a:solidFill>
+                <a:schemeClr val="tx1">
+                  <a:lumMod val="75000"/>
+                  <a:lumOff val="25000"/>
+                </a:schemeClr>
+              </a:solidFill>
+            </a:endParaRPr>
+          </a:p>
+          <a:p>
+            <a:pPr marL="457200" indent="-311150">
+              <a:lnSpc>
+                <a:spcPct val="70000"/>
+              </a:lnSpc>
+              <a:spcBef>
+                <a:spcPts val="1000"/>
+              </a:spcBef>
+              <a:buClr>
+                <a:schemeClr val="accent1"/>
+              </a:buClr>
+              <a:buSzPct val="80000"/>
+              <a:buFont typeface="Wingdings 3" charset="2"/>
+              <a:buChar char=""/>
+            </a:pPr>
+            <a:r>
+              <a:rPr lang="en-US" sz="1600" dirty="0">
+                <a:solidFill>
+                  <a:schemeClr val="tx1">
+                    <a:lumMod val="75000"/>
+                    <a:lumOff val="25000"/>
+                  </a:schemeClr>
+                </a:solidFill>
+              </a:rPr>
+              <a:t>Most Common Language in Asia: Arabic</a:t>
+            </a:r>
+          </a:p>
+          <a:p>
+            <a:pPr marL="457200" indent="-311150">
+              <a:lnSpc>
+                <a:spcPct val="70000"/>
+              </a:lnSpc>
+              <a:spcBef>
+                <a:spcPts val="1000"/>
+              </a:spcBef>
+              <a:buClr>
+                <a:schemeClr val="accent1"/>
+              </a:buClr>
+              <a:buSzPct val="80000"/>
+              <a:buFont typeface="Wingdings 3" charset="2"/>
+              <a:buChar char=""/>
+            </a:pPr>
+            <a:endParaRPr lang="en-US" sz="1600" dirty="0">
+              <a:solidFill>
+                <a:schemeClr val="tx1">
+                  <a:lumMod val="75000"/>
+                  <a:lumOff val="25000"/>
+                </a:schemeClr>
+              </a:solidFill>
+            </a:endParaRPr>
+          </a:p>
+          <a:p>
+            <a:pPr marL="457200" indent="-311150">
+              <a:lnSpc>
+                <a:spcPct val="70000"/>
+              </a:lnSpc>
+              <a:spcBef>
+                <a:spcPts val="1000"/>
+              </a:spcBef>
+              <a:buClr>
+                <a:schemeClr val="accent1"/>
+              </a:buClr>
+              <a:buSzPct val="80000"/>
+              <a:buFont typeface="Wingdings 3" charset="2"/>
+              <a:buChar char=""/>
+            </a:pPr>
+            <a:r>
+              <a:rPr lang="en-US" sz="1600" dirty="0">
+                <a:solidFill>
+                  <a:schemeClr val="tx1">
+                    <a:lumMod val="75000"/>
+                    <a:lumOff val="25000"/>
+                  </a:schemeClr>
+                </a:solidFill>
+              </a:rPr>
+              <a:t>Most Common Language in Antarctic: English</a:t>
+            </a:r>
+          </a:p>
+        </p:txBody>
+      </p:sp>
+    </p:spTree>
+    <p:extLst>
+      <p:ext uri="{BB962C8B-B14F-4D97-AF65-F5344CB8AC3E}">
+        <p14:creationId xmlns:p14="http://schemas.microsoft.com/office/powerpoint/2010/main" val="2568645975"/>
+      </p:ext>
+    </p:extLst>
+  </p:cSld>
+  <p:clrMapOvr>
+    <a:masterClrMapping/>
+  </p:clrMapOvr>
+</p:sld>
+</file>
+
+<file path=ppt/slides/slide6.xml><?xml version="1.0" encoding="utf-8"?>
+<p:sld xmlns:a="http://schemas.openxmlformats.org/drawingml/2006/main" xmlns:r="http://schemas.openxmlformats.org/officeDocument/2006/relationships" xmlns:p="http://schemas.openxmlformats.org/presentationml/2006/main">
+  <p:cSld>
+    <p:spTree>
+      <p:nvGrpSpPr>
+        <p:cNvPr id="1" name=""/>
+        <p:cNvGrpSpPr/>
+        <p:nvPr/>
+      </p:nvGrpSpPr>
+      <p:grpSpPr>
+        <a:xfrm>
+          <a:off x="0" y="0"/>
+          <a:ext cx="0" cy="0"/>
+          <a:chOff x="0" y="0"/>
+          <a:chExt cx="0" cy="0"/>
+        </a:xfrm>
+      </p:grpSpPr>
+      <p:pic>
+        <p:nvPicPr>
+          <p:cNvPr id="2" name="Picture 1">
+            <a:extLst>
+              <a:ext uri="{FF2B5EF4-FFF2-40B4-BE49-F238E27FC236}">
+                <a16:creationId xmlns:a16="http://schemas.microsoft.com/office/drawing/2014/main" id="{03DB0D98-6363-41E1-B09D-411B7BFE4A29}"/>
+              </a:ext>
+            </a:extLst>
+          </p:cNvPr>
+          <p:cNvPicPr>
+            <a:picLocks noChangeAspect="1"/>
+          </p:cNvPicPr>
+          <p:nvPr/>
+        </p:nvPicPr>
+        <p:blipFill>
+          <a:blip r:embed="rId2"/>
+          <a:stretch>
+            <a:fillRect/>
+          </a:stretch>
+        </p:blipFill>
+        <p:spPr>
+          <a:xfrm>
+            <a:off x="42375" y="0"/>
+            <a:ext cx="7001455" cy="2667221"/>
+          </a:xfrm>
+          <a:prstGeom prst="rect">
+            <a:avLst/>
+          </a:prstGeom>
+        </p:spPr>
+      </p:pic>
+      <p:pic>
+        <p:nvPicPr>
+          <p:cNvPr id="3" name="Picture 2">
+            <a:extLst>
+              <a:ext uri="{FF2B5EF4-FFF2-40B4-BE49-F238E27FC236}">
+                <a16:creationId xmlns:a16="http://schemas.microsoft.com/office/drawing/2014/main" id="{76D52324-9C35-195F-C77C-B58996F69245}"/>
+              </a:ext>
+            </a:extLst>
+          </p:cNvPr>
+          <p:cNvPicPr>
+            <a:picLocks noChangeAspect="1"/>
+          </p:cNvPicPr>
+          <p:nvPr/>
+        </p:nvPicPr>
+        <p:blipFill>
+          <a:blip r:embed="rId3"/>
+          <a:stretch>
+            <a:fillRect/>
+          </a:stretch>
+        </p:blipFill>
+        <p:spPr>
+          <a:xfrm>
+            <a:off x="0" y="2571750"/>
+            <a:ext cx="7698658" cy="2653886"/>
+          </a:xfrm>
+          <a:prstGeom prst="rect">
+            <a:avLst/>
+          </a:prstGeom>
+        </p:spPr>
+      </p:pic>
+    </p:spTree>
+    <p:extLst>
+      <p:ext uri="{BB962C8B-B14F-4D97-AF65-F5344CB8AC3E}">
+        <p14:creationId xmlns:p14="http://schemas.microsoft.com/office/powerpoint/2010/main" val="1525494949"/>
+      </p:ext>
+    </p:extLst>
+  </p:cSld>
+  <p:clrMapOvr>
+    <a:masterClrMapping/>
+  </p:clrMapOvr>
+</p:sld>
+</file>
+
+<file path=ppt/slides/slide7.xml><?xml version="1.0" encoding="utf-8"?>
 <p:sld xmlns:a="http://schemas.openxmlformats.org/drawingml/2006/main" xmlns:r="http://schemas.openxmlformats.org/officeDocument/2006/relationships" xmlns:p="http://schemas.openxmlformats.org/presentationml/2006/main">
   <p:cSld>
     <p:bg>
@@ -14785,7 +17556,7 @@
         </p:blipFill>
         <p:spPr>
           <a:xfrm>
-            <a:off x="3202390" y="10"/>
+            <a:off x="2634831" y="6360"/>
             <a:ext cx="5941610" cy="5143490"/>
           </a:xfrm>
           <a:custGeom>
@@ -14864,7 +17635,7 @@
         </p:nvSpPr>
         <p:spPr>
           <a:xfrm>
-            <a:off x="507999" y="457200"/>
+            <a:off x="359803" y="629841"/>
             <a:ext cx="2888343" cy="990600"/>
           </a:xfrm>
           <a:prstGeom prst="rect">
@@ -14877,7 +17648,7 @@
           </a:bodyPr>
           <a:lstStyle/>
           <a:p>
-            <a:pPr marL="0" lvl="0" indent="0" defTabSz="457200">
+            <a:pPr marL="0" lvl="0" indent="0" algn="ctr" defTabSz="457200">
               <a:lnSpc>
                 <a:spcPct val="90000"/>
               </a:lnSpc>
@@ -14889,10 +17660,9 @@
               </a:spcAft>
             </a:pPr>
             <a:r>
-              <a:rPr lang="en-US" sz="2300" b="1"/>
+              <a:rPr lang="en-US" sz="2300" b="1" dirty="0"/>
               <a:t>GENERAL INFORMATION MAP</a:t>
             </a:r>
-            <a:endParaRPr lang="en-US" sz="2300" b="1" dirty="0"/>
           </a:p>
         </p:txBody>
       </p:sp>
@@ -15648,13 +18418,13 @@
 </p:sld>
 </file>
 
-<file path=ppt/slides/slide6.xml><?xml version="1.0" encoding="utf-8"?>
+<file path=ppt/slides/slide8.xml><?xml version="1.0" encoding="utf-8"?>
 <p:sld xmlns:a="http://schemas.openxmlformats.org/drawingml/2006/main" xmlns:r="http://schemas.openxmlformats.org/officeDocument/2006/relationships" xmlns:p="http://schemas.openxmlformats.org/presentationml/2006/main">
   <p:cSld>
     <p:bg>
       <p:bgPr>
         <a:solidFill>
-          <a:schemeClr val="bg1"/>
+          <a:schemeClr val="bg2"/>
         </a:solidFill>
         <a:effectLst/>
       </p:bgPr>
@@ -15673,12 +18443,1593 @@
           <a:chExt cx="0" cy="0"/>
         </a:xfrm>
       </p:grpSpPr>
+      <p:grpSp>
+        <p:nvGrpSpPr>
+          <p:cNvPr id="87" name="Group 62">
+            <a:extLst>
+              <a:ext uri="{FF2B5EF4-FFF2-40B4-BE49-F238E27FC236}">
+                <a16:creationId xmlns:a16="http://schemas.microsoft.com/office/drawing/2014/main" id="{0565C35A-C6FA-4269-822E-6DB5B9C48882}"/>
+              </a:ext>
+              <a:ext uri="{C183D7F6-B498-43B3-948B-1728B52AA6E4}">
+                <adec:decorative xmlns:adec="http://schemas.microsoft.com/office/drawing/2017/decorative" val="1"/>
+              </a:ext>
+            </a:extLst>
+          </p:cNvPr>
+          <p:cNvGrpSpPr>
+            <a:grpSpLocks noGrp="1" noUngrp="1" noRot="1" noChangeAspect="1" noMove="1" noResize="1"/>
+          </p:cNvGrpSpPr>
+          <p:nvPr>
+            <p:extLst>
+              <p:ext uri="{386F3935-93C4-4BCD-93E2-E3B085C9AB24}">
+                <p16:designElem xmlns:p16="http://schemas.microsoft.com/office/powerpoint/2015/main" val="1"/>
+              </p:ext>
+            </p:extLst>
+          </p:nvPr>
+        </p:nvGrpSpPr>
+        <p:grpSpPr>
+          <a:xfrm>
+            <a:off x="0" y="-6350"/>
+            <a:ext cx="9144001" cy="5149850"/>
+            <a:chOff x="0" y="-8467"/>
+            <a:chExt cx="12192000" cy="6866467"/>
+          </a:xfrm>
+        </p:grpSpPr>
+        <p:cxnSp>
+          <p:nvCxnSpPr>
+            <p:cNvPr id="64" name="Straight Connector 63">
+              <a:extLst>
+                <a:ext uri="{FF2B5EF4-FFF2-40B4-BE49-F238E27FC236}">
+                  <a16:creationId xmlns:a16="http://schemas.microsoft.com/office/drawing/2014/main" id="{F8BBEF76-F066-4551-8A87-AAFD9969E529}"/>
+                </a:ext>
+                <a:ext uri="{C183D7F6-B498-43B3-948B-1728B52AA6E4}">
+                  <adec:decorative xmlns:adec="http://schemas.microsoft.com/office/drawing/2017/decorative" val="1"/>
+                </a:ext>
+              </a:extLst>
+            </p:cNvPr>
+            <p:cNvCxnSpPr/>
+            <p:nvPr>
+              <p:extLst>
+                <p:ext uri="{386F3935-93C4-4BCD-93E2-E3B085C9AB24}">
+                  <p16:designElem xmlns:p16="http://schemas.microsoft.com/office/powerpoint/2015/main" val="1"/>
+                </p:ext>
+              </p:extLst>
+            </p:nvPr>
+          </p:nvCxnSpPr>
+          <p:spPr>
+            <a:xfrm>
+              <a:off x="9371012" y="0"/>
+              <a:ext cx="1219200" cy="6858000"/>
+            </a:xfrm>
+            <a:prstGeom prst="line">
+              <a:avLst/>
+            </a:prstGeom>
+            <a:ln w="9525">
+              <a:solidFill>
+                <a:schemeClr val="bg1">
+                  <a:lumMod val="85000"/>
+                  <a:lumOff val="15000"/>
+                </a:schemeClr>
+              </a:solidFill>
+            </a:ln>
+          </p:spPr>
+          <p:style>
+            <a:lnRef idx="2">
+              <a:schemeClr val="accent1"/>
+            </a:lnRef>
+            <a:fillRef idx="0">
+              <a:schemeClr val="accent1"/>
+            </a:fillRef>
+            <a:effectRef idx="1">
+              <a:schemeClr val="accent1"/>
+            </a:effectRef>
+            <a:fontRef idx="minor">
+              <a:schemeClr val="tx1"/>
+            </a:fontRef>
+          </p:style>
+        </p:cxnSp>
+        <p:cxnSp>
+          <p:nvCxnSpPr>
+            <p:cNvPr id="65" name="Straight Connector 64">
+              <a:extLst>
+                <a:ext uri="{FF2B5EF4-FFF2-40B4-BE49-F238E27FC236}">
+                  <a16:creationId xmlns:a16="http://schemas.microsoft.com/office/drawing/2014/main" id="{97E701E2-9884-4313-A922-224D075A7C67}"/>
+                </a:ext>
+                <a:ext uri="{C183D7F6-B498-43B3-948B-1728B52AA6E4}">
+                  <adec:decorative xmlns:adec="http://schemas.microsoft.com/office/drawing/2017/decorative" val="1"/>
+                </a:ext>
+              </a:extLst>
+            </p:cNvPr>
+            <p:cNvCxnSpPr/>
+            <p:nvPr>
+              <p:extLst>
+                <p:ext uri="{386F3935-93C4-4BCD-93E2-E3B085C9AB24}">
+                  <p16:designElem xmlns:p16="http://schemas.microsoft.com/office/powerpoint/2015/main" val="1"/>
+                </p:ext>
+              </p:extLst>
+            </p:nvPr>
+          </p:nvCxnSpPr>
+          <p:spPr>
+            <a:xfrm flipH="1">
+              <a:off x="7425267" y="3681413"/>
+              <a:ext cx="4763558" cy="3176587"/>
+            </a:xfrm>
+            <a:prstGeom prst="line">
+              <a:avLst/>
+            </a:prstGeom>
+            <a:ln w="9525">
+              <a:solidFill>
+                <a:schemeClr val="bg1">
+                  <a:lumMod val="85000"/>
+                  <a:lumOff val="15000"/>
+                </a:schemeClr>
+              </a:solidFill>
+            </a:ln>
+          </p:spPr>
+          <p:style>
+            <a:lnRef idx="2">
+              <a:schemeClr val="accent1"/>
+            </a:lnRef>
+            <a:fillRef idx="0">
+              <a:schemeClr val="accent1"/>
+            </a:fillRef>
+            <a:effectRef idx="1">
+              <a:schemeClr val="accent1"/>
+            </a:effectRef>
+            <a:fontRef idx="minor">
+              <a:schemeClr val="tx1"/>
+            </a:fontRef>
+          </p:style>
+        </p:cxnSp>
+        <p:sp>
+          <p:nvSpPr>
+            <p:cNvPr id="66" name="Rectangle 23">
+              <a:extLst>
+                <a:ext uri="{FF2B5EF4-FFF2-40B4-BE49-F238E27FC236}">
+                  <a16:creationId xmlns:a16="http://schemas.microsoft.com/office/drawing/2014/main" id="{32C9DF5B-371A-4170-9F46-B6EE7EF028C4}"/>
+                </a:ext>
+                <a:ext uri="{C183D7F6-B498-43B3-948B-1728B52AA6E4}">
+                  <adec:decorative xmlns:adec="http://schemas.microsoft.com/office/drawing/2017/decorative" val="1"/>
+                </a:ext>
+              </a:extLst>
+            </p:cNvPr>
+            <p:cNvSpPr/>
+            <p:nvPr>
+              <p:extLst>
+                <p:ext uri="{386F3935-93C4-4BCD-93E2-E3B085C9AB24}">
+                  <p16:designElem xmlns:p16="http://schemas.microsoft.com/office/powerpoint/2015/main" val="1"/>
+                </p:ext>
+              </p:extLst>
+            </p:nvPr>
+          </p:nvSpPr>
+          <p:spPr>
+            <a:xfrm>
+              <a:off x="9181476" y="-8467"/>
+              <a:ext cx="3007349" cy="6866467"/>
+            </a:xfrm>
+            <a:custGeom>
+              <a:avLst/>
+              <a:gdLst/>
+              <a:ahLst/>
+              <a:cxnLst/>
+              <a:rect l="l" t="t" r="r" b="b"/>
+              <a:pathLst>
+                <a:path w="3007349" h="6866467">
+                  <a:moveTo>
+                    <a:pt x="2045532" y="0"/>
+                  </a:moveTo>
+                  <a:lnTo>
+                    <a:pt x="3007349" y="0"/>
+                  </a:lnTo>
+                  <a:lnTo>
+                    <a:pt x="3007349" y="6866467"/>
+                  </a:lnTo>
+                  <a:lnTo>
+                    <a:pt x="0" y="6866467"/>
+                  </a:lnTo>
+                  <a:lnTo>
+                    <a:pt x="2045532" y="0"/>
+                  </a:lnTo>
+                  <a:close/>
+                </a:path>
+              </a:pathLst>
+            </a:custGeom>
+            <a:solidFill>
+              <a:schemeClr val="accent1">
+                <a:alpha val="30000"/>
+              </a:schemeClr>
+            </a:solidFill>
+            <a:ln>
+              <a:noFill/>
+            </a:ln>
+            <a:effectLst/>
+          </p:spPr>
+          <p:style>
+            <a:lnRef idx="1">
+              <a:schemeClr val="accent1"/>
+            </a:lnRef>
+            <a:fillRef idx="3">
+              <a:schemeClr val="accent1"/>
+            </a:fillRef>
+            <a:effectRef idx="2">
+              <a:schemeClr val="accent1"/>
+            </a:effectRef>
+            <a:fontRef idx="minor">
+              <a:schemeClr val="lt1"/>
+            </a:fontRef>
+          </p:style>
+          <p:txBody>
+            <a:bodyPr/>
+            <a:lstStyle/>
+            <a:p>
+              <a:endParaRPr lang="en-US"/>
+            </a:p>
+          </p:txBody>
+        </p:sp>
+        <p:sp>
+          <p:nvSpPr>
+            <p:cNvPr id="67" name="Rectangle 25">
+              <a:extLst>
+                <a:ext uri="{FF2B5EF4-FFF2-40B4-BE49-F238E27FC236}">
+                  <a16:creationId xmlns:a16="http://schemas.microsoft.com/office/drawing/2014/main" id="{00EAEF78-4C36-4EC9-855A-C27427C36B8F}"/>
+                </a:ext>
+                <a:ext uri="{C183D7F6-B498-43B3-948B-1728B52AA6E4}">
+                  <adec:decorative xmlns:adec="http://schemas.microsoft.com/office/drawing/2017/decorative" val="1"/>
+                </a:ext>
+              </a:extLst>
+            </p:cNvPr>
+            <p:cNvSpPr/>
+            <p:nvPr>
+              <p:extLst>
+                <p:ext uri="{386F3935-93C4-4BCD-93E2-E3B085C9AB24}">
+                  <p16:designElem xmlns:p16="http://schemas.microsoft.com/office/powerpoint/2015/main" val="1"/>
+                </p:ext>
+              </p:extLst>
+            </p:nvPr>
+          </p:nvSpPr>
+          <p:spPr>
+            <a:xfrm>
+              <a:off x="9603442" y="-8467"/>
+              <a:ext cx="2588558" cy="6866467"/>
+            </a:xfrm>
+            <a:custGeom>
+              <a:avLst/>
+              <a:gdLst/>
+              <a:ahLst/>
+              <a:cxnLst/>
+              <a:rect l="l" t="t" r="r" b="b"/>
+              <a:pathLst>
+                <a:path w="2573311" h="6866467">
+                  <a:moveTo>
+                    <a:pt x="0" y="0"/>
+                  </a:moveTo>
+                  <a:lnTo>
+                    <a:pt x="2573311" y="0"/>
+                  </a:lnTo>
+                  <a:lnTo>
+                    <a:pt x="2573311" y="6866467"/>
+                  </a:lnTo>
+                  <a:lnTo>
+                    <a:pt x="1202336" y="6866467"/>
+                  </a:lnTo>
+                  <a:lnTo>
+                    <a:pt x="0" y="0"/>
+                  </a:lnTo>
+                  <a:close/>
+                </a:path>
+              </a:pathLst>
+            </a:custGeom>
+            <a:solidFill>
+              <a:schemeClr val="accent1">
+                <a:alpha val="20000"/>
+              </a:schemeClr>
+            </a:solidFill>
+            <a:ln>
+              <a:noFill/>
+            </a:ln>
+            <a:effectLst/>
+          </p:spPr>
+          <p:style>
+            <a:lnRef idx="1">
+              <a:schemeClr val="accent1"/>
+            </a:lnRef>
+            <a:fillRef idx="3">
+              <a:schemeClr val="accent1"/>
+            </a:fillRef>
+            <a:effectRef idx="2">
+              <a:schemeClr val="accent1"/>
+            </a:effectRef>
+            <a:fontRef idx="minor">
+              <a:schemeClr val="lt1"/>
+            </a:fontRef>
+          </p:style>
+          <p:txBody>
+            <a:bodyPr/>
+            <a:lstStyle/>
+            <a:p>
+              <a:endParaRPr lang="en-US"/>
+            </a:p>
+          </p:txBody>
+        </p:sp>
+        <p:sp>
+          <p:nvSpPr>
+            <p:cNvPr id="68" name="Isosceles Triangle 67">
+              <a:extLst>
+                <a:ext uri="{FF2B5EF4-FFF2-40B4-BE49-F238E27FC236}">
+                  <a16:creationId xmlns:a16="http://schemas.microsoft.com/office/drawing/2014/main" id="{5E397A22-38A0-4816-926B-740F8E1899B2}"/>
+                </a:ext>
+                <a:ext uri="{C183D7F6-B498-43B3-948B-1728B52AA6E4}">
+                  <adec:decorative xmlns:adec="http://schemas.microsoft.com/office/drawing/2017/decorative" val="1"/>
+                </a:ext>
+              </a:extLst>
+            </p:cNvPr>
+            <p:cNvSpPr/>
+            <p:nvPr>
+              <p:extLst>
+                <p:ext uri="{386F3935-93C4-4BCD-93E2-E3B085C9AB24}">
+                  <p16:designElem xmlns:p16="http://schemas.microsoft.com/office/powerpoint/2015/main" val="1"/>
+                </p:ext>
+              </p:extLst>
+            </p:nvPr>
+          </p:nvSpPr>
+          <p:spPr>
+            <a:xfrm>
+              <a:off x="8932333" y="3048000"/>
+              <a:ext cx="3259667" cy="3810000"/>
+            </a:xfrm>
+            <a:prstGeom prst="triangle">
+              <a:avLst>
+                <a:gd name="adj" fmla="val 100000"/>
+              </a:avLst>
+            </a:prstGeom>
+            <a:solidFill>
+              <a:schemeClr val="accent2">
+                <a:alpha val="72000"/>
+              </a:schemeClr>
+            </a:solidFill>
+            <a:ln>
+              <a:noFill/>
+            </a:ln>
+            <a:effectLst/>
+          </p:spPr>
+          <p:style>
+            <a:lnRef idx="1">
+              <a:schemeClr val="accent1"/>
+            </a:lnRef>
+            <a:fillRef idx="3">
+              <a:schemeClr val="accent1"/>
+            </a:fillRef>
+            <a:effectRef idx="2">
+              <a:schemeClr val="accent1"/>
+            </a:effectRef>
+            <a:fontRef idx="minor">
+              <a:schemeClr val="lt1"/>
+            </a:fontRef>
+          </p:style>
+          <p:txBody>
+            <a:bodyPr/>
+            <a:lstStyle/>
+            <a:p>
+              <a:endParaRPr lang="en-US"/>
+            </a:p>
+          </p:txBody>
+        </p:sp>
+        <p:sp>
+          <p:nvSpPr>
+            <p:cNvPr id="69" name="Rectangle 27">
+              <a:extLst>
+                <a:ext uri="{FF2B5EF4-FFF2-40B4-BE49-F238E27FC236}">
+                  <a16:creationId xmlns:a16="http://schemas.microsoft.com/office/drawing/2014/main" id="{A4756C8A-87DB-494D-999F-E6C0EB0BDA13}"/>
+                </a:ext>
+                <a:ext uri="{C183D7F6-B498-43B3-948B-1728B52AA6E4}">
+                  <adec:decorative xmlns:adec="http://schemas.microsoft.com/office/drawing/2017/decorative" val="1"/>
+                </a:ext>
+              </a:extLst>
+            </p:cNvPr>
+            <p:cNvSpPr/>
+            <p:nvPr>
+              <p:extLst>
+                <p:ext uri="{386F3935-93C4-4BCD-93E2-E3B085C9AB24}">
+                  <p16:designElem xmlns:p16="http://schemas.microsoft.com/office/powerpoint/2015/main" val="1"/>
+                </p:ext>
+              </p:extLst>
+            </p:nvPr>
+          </p:nvSpPr>
+          <p:spPr>
+            <a:xfrm>
+              <a:off x="9334500" y="-8467"/>
+              <a:ext cx="2854326" cy="6866467"/>
+            </a:xfrm>
+            <a:custGeom>
+              <a:avLst/>
+              <a:gdLst/>
+              <a:ahLst/>
+              <a:cxnLst/>
+              <a:rect l="l" t="t" r="r" b="b"/>
+              <a:pathLst>
+                <a:path w="2858013" h="6866467">
+                  <a:moveTo>
+                    <a:pt x="0" y="0"/>
+                  </a:moveTo>
+                  <a:lnTo>
+                    <a:pt x="2858013" y="0"/>
+                  </a:lnTo>
+                  <a:lnTo>
+                    <a:pt x="2858013" y="6866467"/>
+                  </a:lnTo>
+                  <a:lnTo>
+                    <a:pt x="2473942" y="6866467"/>
+                  </a:lnTo>
+                  <a:lnTo>
+                    <a:pt x="0" y="0"/>
+                  </a:lnTo>
+                  <a:close/>
+                </a:path>
+              </a:pathLst>
+            </a:custGeom>
+            <a:solidFill>
+              <a:schemeClr val="accent2">
+                <a:lumMod val="75000"/>
+                <a:alpha val="70000"/>
+              </a:schemeClr>
+            </a:solidFill>
+            <a:ln>
+              <a:noFill/>
+            </a:ln>
+            <a:effectLst/>
+          </p:spPr>
+          <p:style>
+            <a:lnRef idx="1">
+              <a:schemeClr val="accent1"/>
+            </a:lnRef>
+            <a:fillRef idx="3">
+              <a:schemeClr val="accent1"/>
+            </a:fillRef>
+            <a:effectRef idx="2">
+              <a:schemeClr val="accent1"/>
+            </a:effectRef>
+            <a:fontRef idx="minor">
+              <a:schemeClr val="lt1"/>
+            </a:fontRef>
+          </p:style>
+          <p:txBody>
+            <a:bodyPr/>
+            <a:lstStyle/>
+            <a:p>
+              <a:endParaRPr lang="en-US"/>
+            </a:p>
+          </p:txBody>
+        </p:sp>
+        <p:sp>
+          <p:nvSpPr>
+            <p:cNvPr id="70" name="Rectangle 28">
+              <a:extLst>
+                <a:ext uri="{FF2B5EF4-FFF2-40B4-BE49-F238E27FC236}">
+                  <a16:creationId xmlns:a16="http://schemas.microsoft.com/office/drawing/2014/main" id="{FB60A164-1613-43A9-A23E-870E89DD9028}"/>
+                </a:ext>
+                <a:ext uri="{C183D7F6-B498-43B3-948B-1728B52AA6E4}">
+                  <adec:decorative xmlns:adec="http://schemas.microsoft.com/office/drawing/2017/decorative" val="1"/>
+                </a:ext>
+              </a:extLst>
+            </p:cNvPr>
+            <p:cNvSpPr/>
+            <p:nvPr>
+              <p:extLst>
+                <p:ext uri="{386F3935-93C4-4BCD-93E2-E3B085C9AB24}">
+                  <p16:designElem xmlns:p16="http://schemas.microsoft.com/office/powerpoint/2015/main" val="1"/>
+                </p:ext>
+              </p:extLst>
+            </p:nvPr>
+          </p:nvSpPr>
+          <p:spPr>
+            <a:xfrm>
+              <a:off x="10898730" y="-8467"/>
+              <a:ext cx="1290094" cy="6866467"/>
+            </a:xfrm>
+            <a:custGeom>
+              <a:avLst/>
+              <a:gdLst/>
+              <a:ahLst/>
+              <a:cxnLst/>
+              <a:rect l="l" t="t" r="r" b="b"/>
+              <a:pathLst>
+                <a:path w="1290094" h="6858000">
+                  <a:moveTo>
+                    <a:pt x="1019735" y="0"/>
+                  </a:moveTo>
+                  <a:lnTo>
+                    <a:pt x="1290094" y="0"/>
+                  </a:lnTo>
+                  <a:lnTo>
+                    <a:pt x="1290094" y="6858000"/>
+                  </a:lnTo>
+                  <a:lnTo>
+                    <a:pt x="0" y="6858000"/>
+                  </a:lnTo>
+                  <a:lnTo>
+                    <a:pt x="1019735" y="0"/>
+                  </a:lnTo>
+                  <a:close/>
+                </a:path>
+              </a:pathLst>
+            </a:custGeom>
+            <a:solidFill>
+              <a:schemeClr val="accent1">
+                <a:lumMod val="60000"/>
+                <a:lumOff val="40000"/>
+                <a:alpha val="70000"/>
+              </a:schemeClr>
+            </a:solidFill>
+            <a:ln>
+              <a:noFill/>
+            </a:ln>
+            <a:effectLst/>
+          </p:spPr>
+          <p:style>
+            <a:lnRef idx="1">
+              <a:schemeClr val="accent1"/>
+            </a:lnRef>
+            <a:fillRef idx="3">
+              <a:schemeClr val="accent1"/>
+            </a:fillRef>
+            <a:effectRef idx="2">
+              <a:schemeClr val="accent1"/>
+            </a:effectRef>
+            <a:fontRef idx="minor">
+              <a:schemeClr val="lt1"/>
+            </a:fontRef>
+          </p:style>
+          <p:txBody>
+            <a:bodyPr/>
+            <a:lstStyle/>
+            <a:p>
+              <a:endParaRPr lang="en-US"/>
+            </a:p>
+          </p:txBody>
+        </p:sp>
+        <p:sp>
+          <p:nvSpPr>
+            <p:cNvPr id="71" name="Rectangle 29">
+              <a:extLst>
+                <a:ext uri="{FF2B5EF4-FFF2-40B4-BE49-F238E27FC236}">
+                  <a16:creationId xmlns:a16="http://schemas.microsoft.com/office/drawing/2014/main" id="{CA0CF5DE-8A99-4138-A0F0-C84DA0C7322F}"/>
+                </a:ext>
+                <a:ext uri="{C183D7F6-B498-43B3-948B-1728B52AA6E4}">
+                  <adec:decorative xmlns:adec="http://schemas.microsoft.com/office/drawing/2017/decorative" val="1"/>
+                </a:ext>
+              </a:extLst>
+            </p:cNvPr>
+            <p:cNvSpPr/>
+            <p:nvPr>
+              <p:extLst>
+                <p:ext uri="{386F3935-93C4-4BCD-93E2-E3B085C9AB24}">
+                  <p16:designElem xmlns:p16="http://schemas.microsoft.com/office/powerpoint/2015/main" val="1"/>
+                </p:ext>
+              </p:extLst>
+            </p:nvPr>
+          </p:nvSpPr>
+          <p:spPr>
+            <a:xfrm>
+              <a:off x="10938999" y="-8467"/>
+              <a:ext cx="1249825" cy="6866467"/>
+            </a:xfrm>
+            <a:custGeom>
+              <a:avLst/>
+              <a:gdLst/>
+              <a:ahLst/>
+              <a:cxnLst/>
+              <a:rect l="l" t="t" r="r" b="b"/>
+              <a:pathLst>
+                <a:path w="1249825" h="6858000">
+                  <a:moveTo>
+                    <a:pt x="0" y="0"/>
+                  </a:moveTo>
+                  <a:lnTo>
+                    <a:pt x="1249825" y="0"/>
+                  </a:lnTo>
+                  <a:lnTo>
+                    <a:pt x="1249825" y="6858000"/>
+                  </a:lnTo>
+                  <a:lnTo>
+                    <a:pt x="1109382" y="6858000"/>
+                  </a:lnTo>
+                  <a:lnTo>
+                    <a:pt x="0" y="0"/>
+                  </a:lnTo>
+                  <a:close/>
+                </a:path>
+              </a:pathLst>
+            </a:custGeom>
+            <a:solidFill>
+              <a:schemeClr val="accent1">
+                <a:alpha val="65000"/>
+              </a:schemeClr>
+            </a:solidFill>
+            <a:ln>
+              <a:noFill/>
+            </a:ln>
+            <a:effectLst/>
+          </p:spPr>
+          <p:style>
+            <a:lnRef idx="1">
+              <a:schemeClr val="accent1"/>
+            </a:lnRef>
+            <a:fillRef idx="3">
+              <a:schemeClr val="accent1"/>
+            </a:fillRef>
+            <a:effectRef idx="2">
+              <a:schemeClr val="accent1"/>
+            </a:effectRef>
+            <a:fontRef idx="minor">
+              <a:schemeClr val="lt1"/>
+            </a:fontRef>
+          </p:style>
+          <p:txBody>
+            <a:bodyPr/>
+            <a:lstStyle/>
+            <a:p>
+              <a:endParaRPr lang="en-US"/>
+            </a:p>
+          </p:txBody>
+        </p:sp>
+        <p:sp>
+          <p:nvSpPr>
+            <p:cNvPr id="72" name="Isosceles Triangle 71">
+              <a:extLst>
+                <a:ext uri="{FF2B5EF4-FFF2-40B4-BE49-F238E27FC236}">
+                  <a16:creationId xmlns:a16="http://schemas.microsoft.com/office/drawing/2014/main" id="{B41D911B-1F2A-43C3-BDE4-77A1F3D85455}"/>
+                </a:ext>
+                <a:ext uri="{C183D7F6-B498-43B3-948B-1728B52AA6E4}">
+                  <adec:decorative xmlns:adec="http://schemas.microsoft.com/office/drawing/2017/decorative" val="1"/>
+                </a:ext>
+              </a:extLst>
+            </p:cNvPr>
+            <p:cNvSpPr/>
+            <p:nvPr>
+              <p:extLst>
+                <p:ext uri="{386F3935-93C4-4BCD-93E2-E3B085C9AB24}">
+                  <p16:designElem xmlns:p16="http://schemas.microsoft.com/office/powerpoint/2015/main" val="1"/>
+                </p:ext>
+              </p:extLst>
+            </p:nvPr>
+          </p:nvSpPr>
+          <p:spPr>
+            <a:xfrm>
+              <a:off x="10371666" y="3589867"/>
+              <a:ext cx="1817159" cy="3268133"/>
+            </a:xfrm>
+            <a:prstGeom prst="triangle">
+              <a:avLst>
+                <a:gd name="adj" fmla="val 100000"/>
+              </a:avLst>
+            </a:prstGeom>
+            <a:solidFill>
+              <a:schemeClr val="accent1">
+                <a:alpha val="80000"/>
+              </a:schemeClr>
+            </a:solidFill>
+            <a:ln>
+              <a:noFill/>
+            </a:ln>
+            <a:effectLst/>
+          </p:spPr>
+          <p:style>
+            <a:lnRef idx="1">
+              <a:schemeClr val="accent1"/>
+            </a:lnRef>
+            <a:fillRef idx="3">
+              <a:schemeClr val="accent1"/>
+            </a:fillRef>
+            <a:effectRef idx="2">
+              <a:schemeClr val="accent1"/>
+            </a:effectRef>
+            <a:fontRef idx="minor">
+              <a:schemeClr val="lt1"/>
+            </a:fontRef>
+          </p:style>
+          <p:txBody>
+            <a:bodyPr/>
+            <a:lstStyle/>
+            <a:p>
+              <a:endParaRPr lang="en-US"/>
+            </a:p>
+          </p:txBody>
+        </p:sp>
+        <p:sp>
+          <p:nvSpPr>
+            <p:cNvPr id="73" name="Isosceles Triangle 72">
+              <a:extLst>
+                <a:ext uri="{FF2B5EF4-FFF2-40B4-BE49-F238E27FC236}">
+                  <a16:creationId xmlns:a16="http://schemas.microsoft.com/office/drawing/2014/main" id="{A429A86E-CFC2-4521-9A58-DF4BF96D9505}"/>
+                </a:ext>
+                <a:ext uri="{C183D7F6-B498-43B3-948B-1728B52AA6E4}">
+                  <adec:decorative xmlns:adec="http://schemas.microsoft.com/office/drawing/2017/decorative" val="1"/>
+                </a:ext>
+              </a:extLst>
+            </p:cNvPr>
+            <p:cNvSpPr/>
+            <p:nvPr>
+              <p:extLst>
+                <p:ext uri="{386F3935-93C4-4BCD-93E2-E3B085C9AB24}">
+                  <p16:designElem xmlns:p16="http://schemas.microsoft.com/office/powerpoint/2015/main" val="1"/>
+                </p:ext>
+              </p:extLst>
+            </p:nvPr>
+          </p:nvSpPr>
+          <p:spPr>
+            <a:xfrm>
+              <a:off x="0" y="4013200"/>
+              <a:ext cx="448733" cy="2844800"/>
+            </a:xfrm>
+            <a:prstGeom prst="triangle">
+              <a:avLst>
+                <a:gd name="adj" fmla="val 0"/>
+              </a:avLst>
+            </a:prstGeom>
+            <a:solidFill>
+              <a:schemeClr val="accent1">
+                <a:alpha val="85000"/>
+              </a:schemeClr>
+            </a:solidFill>
+            <a:ln>
+              <a:noFill/>
+            </a:ln>
+            <a:effectLst/>
+          </p:spPr>
+          <p:style>
+            <a:lnRef idx="1">
+              <a:schemeClr val="accent1"/>
+            </a:lnRef>
+            <a:fillRef idx="3">
+              <a:schemeClr val="accent1"/>
+            </a:fillRef>
+            <a:effectRef idx="2">
+              <a:schemeClr val="accent1"/>
+            </a:effectRef>
+            <a:fontRef idx="minor">
+              <a:schemeClr val="lt1"/>
+            </a:fontRef>
+          </p:style>
+          <p:txBody>
+            <a:bodyPr/>
+            <a:lstStyle/>
+            <a:p>
+              <a:endParaRPr lang="en-US"/>
+            </a:p>
+          </p:txBody>
+        </p:sp>
+      </p:grpSp>
+      <p:sp useBgFill="1">
+        <p:nvSpPr>
+          <p:cNvPr id="89" name="Rectangle 74">
+            <a:extLst>
+              <a:ext uri="{FF2B5EF4-FFF2-40B4-BE49-F238E27FC236}">
+                <a16:creationId xmlns:a16="http://schemas.microsoft.com/office/drawing/2014/main" id="{21029ED5-F105-4DD2-99C8-1E4422817978}"/>
+              </a:ext>
+              <a:ext uri="{C183D7F6-B498-43B3-948B-1728B52AA6E4}">
+                <adec:decorative xmlns:adec="http://schemas.microsoft.com/office/drawing/2017/decorative" val="1"/>
+              </a:ext>
+            </a:extLst>
+          </p:cNvPr>
+          <p:cNvSpPr>
+            <a:spLocks noGrp="1" noRot="1" noChangeAspect="1" noMove="1" noResize="1" noEditPoints="1" noAdjustHandles="1" noChangeArrowheads="1" noChangeShapeType="1" noTextEdit="1"/>
+          </p:cNvSpPr>
+          <p:nvPr>
+            <p:extLst>
+              <p:ext uri="{386F3935-93C4-4BCD-93E2-E3B085C9AB24}">
+                <p16:designElem xmlns:p16="http://schemas.microsoft.com/office/powerpoint/2015/main" val="1"/>
+              </p:ext>
+            </p:extLst>
+          </p:nvPr>
+        </p:nvSpPr>
+        <p:spPr>
+          <a:xfrm>
+            <a:off x="0" y="0"/>
+            <a:ext cx="9144000" cy="5143500"/>
+          </a:xfrm>
+          <a:prstGeom prst="rect">
+            <a:avLst/>
+          </a:prstGeom>
+          <a:ln>
+            <a:noFill/>
+          </a:ln>
+        </p:spPr>
+        <p:style>
+          <a:lnRef idx="2">
+            <a:schemeClr val="accent1">
+              <a:shade val="50000"/>
+            </a:schemeClr>
+          </a:lnRef>
+          <a:fillRef idx="1">
+            <a:schemeClr val="accent1"/>
+          </a:fillRef>
+          <a:effectRef idx="0">
+            <a:schemeClr val="accent1"/>
+          </a:effectRef>
+          <a:fontRef idx="minor">
+            <a:schemeClr val="lt1"/>
+          </a:fontRef>
+        </p:style>
+        <p:txBody>
+          <a:bodyPr rtlCol="0" anchor="ctr"/>
+          <a:lstStyle/>
+          <a:p>
+            <a:pPr algn="ctr"/>
+            <a:endParaRPr lang="en-US"/>
+          </a:p>
+        </p:txBody>
+      </p:sp>
+      <p:grpSp>
+        <p:nvGrpSpPr>
+          <p:cNvPr id="90" name="Group 76">
+            <a:extLst>
+              <a:ext uri="{FF2B5EF4-FFF2-40B4-BE49-F238E27FC236}">
+                <a16:creationId xmlns:a16="http://schemas.microsoft.com/office/drawing/2014/main" id="{2D621E68-BF28-4A1C-B1A2-4E55E139E79A}"/>
+              </a:ext>
+              <a:ext uri="{C183D7F6-B498-43B3-948B-1728B52AA6E4}">
+                <adec:decorative xmlns:adec="http://schemas.microsoft.com/office/drawing/2017/decorative" val="1"/>
+              </a:ext>
+            </a:extLst>
+          </p:cNvPr>
+          <p:cNvGrpSpPr>
+            <a:grpSpLocks noGrp="1" noUngrp="1" noRot="1" noChangeAspect="1" noMove="1" noResize="1"/>
+          </p:cNvGrpSpPr>
+          <p:nvPr>
+            <p:extLst>
+              <p:ext uri="{386F3935-93C4-4BCD-93E2-E3B085C9AB24}">
+                <p16:designElem xmlns:p16="http://schemas.microsoft.com/office/powerpoint/2015/main" val="1"/>
+              </p:ext>
+            </p:extLst>
+          </p:nvPr>
+        </p:nvGrpSpPr>
+        <p:grpSpPr>
+          <a:xfrm>
+            <a:off x="0" y="-6350"/>
+            <a:ext cx="9144001" cy="5149850"/>
+            <a:chOff x="0" y="-8467"/>
+            <a:chExt cx="12192000" cy="6866467"/>
+          </a:xfrm>
+        </p:grpSpPr>
+        <p:cxnSp>
+          <p:nvCxnSpPr>
+            <p:cNvPr id="78" name="Straight Connector 77">
+              <a:extLst>
+                <a:ext uri="{FF2B5EF4-FFF2-40B4-BE49-F238E27FC236}">
+                  <a16:creationId xmlns:a16="http://schemas.microsoft.com/office/drawing/2014/main" id="{BE8BBE4D-F0DF-49B9-B75A-99DAC53ACA77}"/>
+                </a:ext>
+                <a:ext uri="{C183D7F6-B498-43B3-948B-1728B52AA6E4}">
+                  <adec:decorative xmlns:adec="http://schemas.microsoft.com/office/drawing/2017/decorative" val="1"/>
+                </a:ext>
+              </a:extLst>
+            </p:cNvPr>
+            <p:cNvCxnSpPr/>
+            <p:nvPr>
+              <p:extLst>
+                <p:ext uri="{386F3935-93C4-4BCD-93E2-E3B085C9AB24}">
+                  <p16:designElem xmlns:p16="http://schemas.microsoft.com/office/powerpoint/2015/main" val="1"/>
+                </p:ext>
+              </p:extLst>
+            </p:nvPr>
+          </p:nvCxnSpPr>
+          <p:spPr>
+            <a:xfrm flipH="1">
+              <a:off x="7425267" y="3681413"/>
+              <a:ext cx="4763558" cy="3176587"/>
+            </a:xfrm>
+            <a:prstGeom prst="line">
+              <a:avLst/>
+            </a:prstGeom>
+            <a:ln w="9525">
+              <a:solidFill>
+                <a:schemeClr val="bg1">
+                  <a:lumMod val="85000"/>
+                </a:schemeClr>
+              </a:solidFill>
+            </a:ln>
+          </p:spPr>
+          <p:style>
+            <a:lnRef idx="2">
+              <a:schemeClr val="accent1"/>
+            </a:lnRef>
+            <a:fillRef idx="0">
+              <a:schemeClr val="accent1"/>
+            </a:fillRef>
+            <a:effectRef idx="1">
+              <a:schemeClr val="accent1"/>
+            </a:effectRef>
+            <a:fontRef idx="minor">
+              <a:schemeClr val="tx1"/>
+            </a:fontRef>
+          </p:style>
+        </p:cxnSp>
+        <p:sp>
+          <p:nvSpPr>
+            <p:cNvPr id="91" name="Rectangle 23">
+              <a:extLst>
+                <a:ext uri="{FF2B5EF4-FFF2-40B4-BE49-F238E27FC236}">
+                  <a16:creationId xmlns:a16="http://schemas.microsoft.com/office/drawing/2014/main" id="{E0F07DDC-34A6-46A1-9DE9-2BBE2931A55B}"/>
+                </a:ext>
+                <a:ext uri="{C183D7F6-B498-43B3-948B-1728B52AA6E4}">
+                  <adec:decorative xmlns:adec="http://schemas.microsoft.com/office/drawing/2017/decorative" val="1"/>
+                </a:ext>
+              </a:extLst>
+            </p:cNvPr>
+            <p:cNvSpPr/>
+            <p:nvPr>
+              <p:extLst>
+                <p:ext uri="{386F3935-93C4-4BCD-93E2-E3B085C9AB24}">
+                  <p16:designElem xmlns:p16="http://schemas.microsoft.com/office/powerpoint/2015/main" val="1"/>
+                </p:ext>
+              </p:extLst>
+            </p:nvPr>
+          </p:nvSpPr>
+          <p:spPr>
+            <a:xfrm>
+              <a:off x="9181476" y="-8467"/>
+              <a:ext cx="3007349" cy="6866467"/>
+            </a:xfrm>
+            <a:custGeom>
+              <a:avLst/>
+              <a:gdLst/>
+              <a:ahLst/>
+              <a:cxnLst/>
+              <a:rect l="l" t="t" r="r" b="b"/>
+              <a:pathLst>
+                <a:path w="3007349" h="6866467">
+                  <a:moveTo>
+                    <a:pt x="2045532" y="0"/>
+                  </a:moveTo>
+                  <a:lnTo>
+                    <a:pt x="3007349" y="0"/>
+                  </a:lnTo>
+                  <a:lnTo>
+                    <a:pt x="3007349" y="6866467"/>
+                  </a:lnTo>
+                  <a:lnTo>
+                    <a:pt x="0" y="6866467"/>
+                  </a:lnTo>
+                  <a:lnTo>
+                    <a:pt x="2045532" y="0"/>
+                  </a:lnTo>
+                  <a:close/>
+                </a:path>
+              </a:pathLst>
+            </a:custGeom>
+            <a:solidFill>
+              <a:schemeClr val="accent1">
+                <a:alpha val="30000"/>
+              </a:schemeClr>
+            </a:solidFill>
+            <a:ln>
+              <a:noFill/>
+            </a:ln>
+            <a:effectLst/>
+          </p:spPr>
+          <p:style>
+            <a:lnRef idx="1">
+              <a:schemeClr val="accent1"/>
+            </a:lnRef>
+            <a:fillRef idx="3">
+              <a:schemeClr val="accent1"/>
+            </a:fillRef>
+            <a:effectRef idx="2">
+              <a:schemeClr val="accent1"/>
+            </a:effectRef>
+            <a:fontRef idx="minor">
+              <a:schemeClr val="lt1"/>
+            </a:fontRef>
+          </p:style>
+          <p:txBody>
+            <a:bodyPr/>
+            <a:lstStyle/>
+            <a:p>
+              <a:endParaRPr lang="en-US"/>
+            </a:p>
+          </p:txBody>
+        </p:sp>
+        <p:sp>
+          <p:nvSpPr>
+            <p:cNvPr id="80" name="Rectangle 25">
+              <a:extLst>
+                <a:ext uri="{FF2B5EF4-FFF2-40B4-BE49-F238E27FC236}">
+                  <a16:creationId xmlns:a16="http://schemas.microsoft.com/office/drawing/2014/main" id="{2CEB2BF9-B8DB-45B9-86EA-D197B5B1AEFF}"/>
+                </a:ext>
+                <a:ext uri="{C183D7F6-B498-43B3-948B-1728B52AA6E4}">
+                  <adec:decorative xmlns:adec="http://schemas.microsoft.com/office/drawing/2017/decorative" val="1"/>
+                </a:ext>
+              </a:extLst>
+            </p:cNvPr>
+            <p:cNvSpPr/>
+            <p:nvPr>
+              <p:extLst>
+                <p:ext uri="{386F3935-93C4-4BCD-93E2-E3B085C9AB24}">
+                  <p16:designElem xmlns:p16="http://schemas.microsoft.com/office/powerpoint/2015/main" val="1"/>
+                </p:ext>
+              </p:extLst>
+            </p:nvPr>
+          </p:nvSpPr>
+          <p:spPr>
+            <a:xfrm>
+              <a:off x="9603442" y="-8467"/>
+              <a:ext cx="2588558" cy="6866467"/>
+            </a:xfrm>
+            <a:custGeom>
+              <a:avLst/>
+              <a:gdLst/>
+              <a:ahLst/>
+              <a:cxnLst/>
+              <a:rect l="l" t="t" r="r" b="b"/>
+              <a:pathLst>
+                <a:path w="2573311" h="6866467">
+                  <a:moveTo>
+                    <a:pt x="0" y="0"/>
+                  </a:moveTo>
+                  <a:lnTo>
+                    <a:pt x="2573311" y="0"/>
+                  </a:lnTo>
+                  <a:lnTo>
+                    <a:pt x="2573311" y="6866467"/>
+                  </a:lnTo>
+                  <a:lnTo>
+                    <a:pt x="1202336" y="6866467"/>
+                  </a:lnTo>
+                  <a:lnTo>
+                    <a:pt x="0" y="0"/>
+                  </a:lnTo>
+                  <a:close/>
+                </a:path>
+              </a:pathLst>
+            </a:custGeom>
+            <a:solidFill>
+              <a:schemeClr val="accent1">
+                <a:alpha val="20000"/>
+              </a:schemeClr>
+            </a:solidFill>
+            <a:ln>
+              <a:noFill/>
+            </a:ln>
+            <a:effectLst/>
+          </p:spPr>
+          <p:style>
+            <a:lnRef idx="1">
+              <a:schemeClr val="accent1"/>
+            </a:lnRef>
+            <a:fillRef idx="3">
+              <a:schemeClr val="accent1"/>
+            </a:fillRef>
+            <a:effectRef idx="2">
+              <a:schemeClr val="accent1"/>
+            </a:effectRef>
+            <a:fontRef idx="minor">
+              <a:schemeClr val="lt1"/>
+            </a:fontRef>
+          </p:style>
+          <p:txBody>
+            <a:bodyPr/>
+            <a:lstStyle/>
+            <a:p>
+              <a:endParaRPr lang="en-US"/>
+            </a:p>
+          </p:txBody>
+        </p:sp>
+        <p:sp>
+          <p:nvSpPr>
+            <p:cNvPr id="92" name="Isosceles Triangle 80">
+              <a:extLst>
+                <a:ext uri="{FF2B5EF4-FFF2-40B4-BE49-F238E27FC236}">
+                  <a16:creationId xmlns:a16="http://schemas.microsoft.com/office/drawing/2014/main" id="{08B5BB34-3801-4E70-A981-FE007635E11D}"/>
+                </a:ext>
+                <a:ext uri="{C183D7F6-B498-43B3-948B-1728B52AA6E4}">
+                  <adec:decorative xmlns:adec="http://schemas.microsoft.com/office/drawing/2017/decorative" val="1"/>
+                </a:ext>
+              </a:extLst>
+            </p:cNvPr>
+            <p:cNvSpPr/>
+            <p:nvPr>
+              <p:extLst>
+                <p:ext uri="{386F3935-93C4-4BCD-93E2-E3B085C9AB24}">
+                  <p16:designElem xmlns:p16="http://schemas.microsoft.com/office/powerpoint/2015/main" val="1"/>
+                </p:ext>
+              </p:extLst>
+            </p:nvPr>
+          </p:nvSpPr>
+          <p:spPr>
+            <a:xfrm>
+              <a:off x="8932333" y="3048000"/>
+              <a:ext cx="3259667" cy="3810000"/>
+            </a:xfrm>
+            <a:prstGeom prst="triangle">
+              <a:avLst>
+                <a:gd name="adj" fmla="val 100000"/>
+              </a:avLst>
+            </a:prstGeom>
+            <a:solidFill>
+              <a:schemeClr val="accent2">
+                <a:alpha val="72000"/>
+              </a:schemeClr>
+            </a:solidFill>
+            <a:ln>
+              <a:noFill/>
+            </a:ln>
+            <a:effectLst/>
+          </p:spPr>
+          <p:style>
+            <a:lnRef idx="1">
+              <a:schemeClr val="accent1"/>
+            </a:lnRef>
+            <a:fillRef idx="3">
+              <a:schemeClr val="accent1"/>
+            </a:fillRef>
+            <a:effectRef idx="2">
+              <a:schemeClr val="accent1"/>
+            </a:effectRef>
+            <a:fontRef idx="minor">
+              <a:schemeClr val="lt1"/>
+            </a:fontRef>
+          </p:style>
+          <p:txBody>
+            <a:bodyPr/>
+            <a:lstStyle/>
+            <a:p>
+              <a:endParaRPr lang="en-US"/>
+            </a:p>
+          </p:txBody>
+        </p:sp>
+        <p:sp>
+          <p:nvSpPr>
+            <p:cNvPr id="82" name="Rectangle 27">
+              <a:extLst>
+                <a:ext uri="{FF2B5EF4-FFF2-40B4-BE49-F238E27FC236}">
+                  <a16:creationId xmlns:a16="http://schemas.microsoft.com/office/drawing/2014/main" id="{38432A75-2CEB-463C-A8F2-ABB50A79F444}"/>
+                </a:ext>
+                <a:ext uri="{C183D7F6-B498-43B3-948B-1728B52AA6E4}">
+                  <adec:decorative xmlns:adec="http://schemas.microsoft.com/office/drawing/2017/decorative" val="1"/>
+                </a:ext>
+              </a:extLst>
+            </p:cNvPr>
+            <p:cNvSpPr/>
+            <p:nvPr>
+              <p:extLst>
+                <p:ext uri="{386F3935-93C4-4BCD-93E2-E3B085C9AB24}">
+                  <p16:designElem xmlns:p16="http://schemas.microsoft.com/office/powerpoint/2015/main" val="1"/>
+                </p:ext>
+              </p:extLst>
+            </p:nvPr>
+          </p:nvSpPr>
+          <p:spPr>
+            <a:xfrm>
+              <a:off x="9334500" y="-8467"/>
+              <a:ext cx="2854326" cy="6866467"/>
+            </a:xfrm>
+            <a:custGeom>
+              <a:avLst/>
+              <a:gdLst/>
+              <a:ahLst/>
+              <a:cxnLst/>
+              <a:rect l="l" t="t" r="r" b="b"/>
+              <a:pathLst>
+                <a:path w="2858013" h="6866467">
+                  <a:moveTo>
+                    <a:pt x="0" y="0"/>
+                  </a:moveTo>
+                  <a:lnTo>
+                    <a:pt x="2858013" y="0"/>
+                  </a:lnTo>
+                  <a:lnTo>
+                    <a:pt x="2858013" y="6866467"/>
+                  </a:lnTo>
+                  <a:lnTo>
+                    <a:pt x="2473942" y="6866467"/>
+                  </a:lnTo>
+                  <a:lnTo>
+                    <a:pt x="0" y="0"/>
+                  </a:lnTo>
+                  <a:close/>
+                </a:path>
+              </a:pathLst>
+            </a:custGeom>
+            <a:solidFill>
+              <a:schemeClr val="accent2">
+                <a:lumMod val="75000"/>
+                <a:alpha val="70000"/>
+              </a:schemeClr>
+            </a:solidFill>
+            <a:ln>
+              <a:noFill/>
+            </a:ln>
+            <a:effectLst/>
+          </p:spPr>
+          <p:style>
+            <a:lnRef idx="1">
+              <a:schemeClr val="accent1"/>
+            </a:lnRef>
+            <a:fillRef idx="3">
+              <a:schemeClr val="accent1"/>
+            </a:fillRef>
+            <a:effectRef idx="2">
+              <a:schemeClr val="accent1"/>
+            </a:effectRef>
+            <a:fontRef idx="minor">
+              <a:schemeClr val="lt1"/>
+            </a:fontRef>
+          </p:style>
+          <p:txBody>
+            <a:bodyPr/>
+            <a:lstStyle/>
+            <a:p>
+              <a:endParaRPr lang="en-US"/>
+            </a:p>
+          </p:txBody>
+        </p:sp>
+        <p:sp>
+          <p:nvSpPr>
+            <p:cNvPr id="93" name="Rectangle 28">
+              <a:extLst>
+                <a:ext uri="{FF2B5EF4-FFF2-40B4-BE49-F238E27FC236}">
+                  <a16:creationId xmlns:a16="http://schemas.microsoft.com/office/drawing/2014/main" id="{E7E850B8-C050-4597-8BEB-113FEC9A27C9}"/>
+                </a:ext>
+                <a:ext uri="{C183D7F6-B498-43B3-948B-1728B52AA6E4}">
+                  <adec:decorative xmlns:adec="http://schemas.microsoft.com/office/drawing/2017/decorative" val="1"/>
+                </a:ext>
+              </a:extLst>
+            </p:cNvPr>
+            <p:cNvSpPr/>
+            <p:nvPr>
+              <p:extLst>
+                <p:ext uri="{386F3935-93C4-4BCD-93E2-E3B085C9AB24}">
+                  <p16:designElem xmlns:p16="http://schemas.microsoft.com/office/powerpoint/2015/main" val="1"/>
+                </p:ext>
+              </p:extLst>
+            </p:nvPr>
+          </p:nvSpPr>
+          <p:spPr>
+            <a:xfrm>
+              <a:off x="10898730" y="-8467"/>
+              <a:ext cx="1290094" cy="6866467"/>
+            </a:xfrm>
+            <a:custGeom>
+              <a:avLst/>
+              <a:gdLst/>
+              <a:ahLst/>
+              <a:cxnLst/>
+              <a:rect l="l" t="t" r="r" b="b"/>
+              <a:pathLst>
+                <a:path w="1290094" h="6858000">
+                  <a:moveTo>
+                    <a:pt x="1019735" y="0"/>
+                  </a:moveTo>
+                  <a:lnTo>
+                    <a:pt x="1290094" y="0"/>
+                  </a:lnTo>
+                  <a:lnTo>
+                    <a:pt x="1290094" y="6858000"/>
+                  </a:lnTo>
+                  <a:lnTo>
+                    <a:pt x="0" y="6858000"/>
+                  </a:lnTo>
+                  <a:lnTo>
+                    <a:pt x="1019735" y="0"/>
+                  </a:lnTo>
+                  <a:close/>
+                </a:path>
+              </a:pathLst>
+            </a:custGeom>
+            <a:solidFill>
+              <a:schemeClr val="accent1">
+                <a:lumMod val="60000"/>
+                <a:lumOff val="40000"/>
+                <a:alpha val="70000"/>
+              </a:schemeClr>
+            </a:solidFill>
+            <a:ln>
+              <a:noFill/>
+            </a:ln>
+            <a:effectLst/>
+          </p:spPr>
+          <p:style>
+            <a:lnRef idx="1">
+              <a:schemeClr val="accent1"/>
+            </a:lnRef>
+            <a:fillRef idx="3">
+              <a:schemeClr val="accent1"/>
+            </a:fillRef>
+            <a:effectRef idx="2">
+              <a:schemeClr val="accent1"/>
+            </a:effectRef>
+            <a:fontRef idx="minor">
+              <a:schemeClr val="lt1"/>
+            </a:fontRef>
+          </p:style>
+          <p:txBody>
+            <a:bodyPr/>
+            <a:lstStyle/>
+            <a:p>
+              <a:endParaRPr lang="en-US"/>
+            </a:p>
+          </p:txBody>
+        </p:sp>
+        <p:sp>
+          <p:nvSpPr>
+            <p:cNvPr id="84" name="Rectangle 29">
+              <a:extLst>
+                <a:ext uri="{FF2B5EF4-FFF2-40B4-BE49-F238E27FC236}">
+                  <a16:creationId xmlns:a16="http://schemas.microsoft.com/office/drawing/2014/main" id="{24ACC798-9CEC-4B6F-A8DD-F8E6FCCCF164}"/>
+                </a:ext>
+                <a:ext uri="{C183D7F6-B498-43B3-948B-1728B52AA6E4}">
+                  <adec:decorative xmlns:adec="http://schemas.microsoft.com/office/drawing/2017/decorative" val="1"/>
+                </a:ext>
+              </a:extLst>
+            </p:cNvPr>
+            <p:cNvSpPr/>
+            <p:nvPr>
+              <p:extLst>
+                <p:ext uri="{386F3935-93C4-4BCD-93E2-E3B085C9AB24}">
+                  <p16:designElem xmlns:p16="http://schemas.microsoft.com/office/powerpoint/2015/main" val="1"/>
+                </p:ext>
+              </p:extLst>
+            </p:nvPr>
+          </p:nvSpPr>
+          <p:spPr>
+            <a:xfrm>
+              <a:off x="10938999" y="-8467"/>
+              <a:ext cx="1249825" cy="6866467"/>
+            </a:xfrm>
+            <a:custGeom>
+              <a:avLst/>
+              <a:gdLst/>
+              <a:ahLst/>
+              <a:cxnLst/>
+              <a:rect l="l" t="t" r="r" b="b"/>
+              <a:pathLst>
+                <a:path w="1249825" h="6858000">
+                  <a:moveTo>
+                    <a:pt x="0" y="0"/>
+                  </a:moveTo>
+                  <a:lnTo>
+                    <a:pt x="1249825" y="0"/>
+                  </a:lnTo>
+                  <a:lnTo>
+                    <a:pt x="1249825" y="6858000"/>
+                  </a:lnTo>
+                  <a:lnTo>
+                    <a:pt x="1109382" y="6858000"/>
+                  </a:lnTo>
+                  <a:lnTo>
+                    <a:pt x="0" y="0"/>
+                  </a:lnTo>
+                  <a:close/>
+                </a:path>
+              </a:pathLst>
+            </a:custGeom>
+            <a:solidFill>
+              <a:schemeClr val="accent1">
+                <a:alpha val="65000"/>
+              </a:schemeClr>
+            </a:solidFill>
+            <a:ln>
+              <a:noFill/>
+            </a:ln>
+            <a:effectLst/>
+          </p:spPr>
+          <p:style>
+            <a:lnRef idx="1">
+              <a:schemeClr val="accent1"/>
+            </a:lnRef>
+            <a:fillRef idx="3">
+              <a:schemeClr val="accent1"/>
+            </a:fillRef>
+            <a:effectRef idx="2">
+              <a:schemeClr val="accent1"/>
+            </a:effectRef>
+            <a:fontRef idx="minor">
+              <a:schemeClr val="lt1"/>
+            </a:fontRef>
+          </p:style>
+          <p:txBody>
+            <a:bodyPr/>
+            <a:lstStyle/>
+            <a:p>
+              <a:endParaRPr lang="en-US"/>
+            </a:p>
+          </p:txBody>
+        </p:sp>
+        <p:sp>
+          <p:nvSpPr>
+            <p:cNvPr id="85" name="Isosceles Triangle 84">
+              <a:extLst>
+                <a:ext uri="{FF2B5EF4-FFF2-40B4-BE49-F238E27FC236}">
+                  <a16:creationId xmlns:a16="http://schemas.microsoft.com/office/drawing/2014/main" id="{1D58A8C6-1294-4CD9-89BC-F1E981A524AA}"/>
+                </a:ext>
+                <a:ext uri="{C183D7F6-B498-43B3-948B-1728B52AA6E4}">
+                  <adec:decorative xmlns:adec="http://schemas.microsoft.com/office/drawing/2017/decorative" val="1"/>
+                </a:ext>
+              </a:extLst>
+            </p:cNvPr>
+            <p:cNvSpPr/>
+            <p:nvPr>
+              <p:extLst>
+                <p:ext uri="{386F3935-93C4-4BCD-93E2-E3B085C9AB24}">
+                  <p16:designElem xmlns:p16="http://schemas.microsoft.com/office/powerpoint/2015/main" val="1"/>
+                </p:ext>
+              </p:extLst>
+            </p:nvPr>
+          </p:nvSpPr>
+          <p:spPr>
+            <a:xfrm>
+              <a:off x="10371666" y="3589867"/>
+              <a:ext cx="1817159" cy="3268133"/>
+            </a:xfrm>
+            <a:prstGeom prst="triangle">
+              <a:avLst>
+                <a:gd name="adj" fmla="val 100000"/>
+              </a:avLst>
+            </a:prstGeom>
+            <a:solidFill>
+              <a:schemeClr val="accent1">
+                <a:alpha val="80000"/>
+              </a:schemeClr>
+            </a:solidFill>
+            <a:ln>
+              <a:noFill/>
+            </a:ln>
+            <a:effectLst/>
+          </p:spPr>
+          <p:style>
+            <a:lnRef idx="1">
+              <a:schemeClr val="accent1"/>
+            </a:lnRef>
+            <a:fillRef idx="3">
+              <a:schemeClr val="accent1"/>
+            </a:fillRef>
+            <a:effectRef idx="2">
+              <a:schemeClr val="accent1"/>
+            </a:effectRef>
+            <a:fontRef idx="minor">
+              <a:schemeClr val="lt1"/>
+            </a:fontRef>
+          </p:style>
+          <p:txBody>
+            <a:bodyPr/>
+            <a:lstStyle/>
+            <a:p>
+              <a:endParaRPr lang="en-US"/>
+            </a:p>
+          </p:txBody>
+        </p:sp>
+        <p:sp>
+          <p:nvSpPr>
+            <p:cNvPr id="86" name="Isosceles Triangle 85">
+              <a:extLst>
+                <a:ext uri="{FF2B5EF4-FFF2-40B4-BE49-F238E27FC236}">
+                  <a16:creationId xmlns:a16="http://schemas.microsoft.com/office/drawing/2014/main" id="{F32F2ED6-6143-46C4-A641-72D42732B6FA}"/>
+                </a:ext>
+                <a:ext uri="{C183D7F6-B498-43B3-948B-1728B52AA6E4}">
+                  <adec:decorative xmlns:adec="http://schemas.microsoft.com/office/drawing/2017/decorative" val="1"/>
+                </a:ext>
+              </a:extLst>
+            </p:cNvPr>
+            <p:cNvSpPr/>
+            <p:nvPr>
+              <p:extLst>
+                <p:ext uri="{386F3935-93C4-4BCD-93E2-E3B085C9AB24}">
+                  <p16:designElem xmlns:p16="http://schemas.microsoft.com/office/powerpoint/2015/main" val="1"/>
+                </p:ext>
+              </p:extLst>
+            </p:nvPr>
+          </p:nvSpPr>
+          <p:spPr>
+            <a:xfrm>
+              <a:off x="0" y="4013200"/>
+              <a:ext cx="448733" cy="2844800"/>
+            </a:xfrm>
+            <a:prstGeom prst="triangle">
+              <a:avLst>
+                <a:gd name="adj" fmla="val 0"/>
+              </a:avLst>
+            </a:prstGeom>
+            <a:solidFill>
+              <a:schemeClr val="accent1">
+                <a:alpha val="85000"/>
+              </a:schemeClr>
+            </a:solidFill>
+            <a:ln>
+              <a:noFill/>
+            </a:ln>
+            <a:effectLst/>
+          </p:spPr>
+          <p:style>
+            <a:lnRef idx="1">
+              <a:schemeClr val="accent1"/>
+            </a:lnRef>
+            <a:fillRef idx="3">
+              <a:schemeClr val="accent1"/>
+            </a:fillRef>
+            <a:effectRef idx="2">
+              <a:schemeClr val="accent1"/>
+            </a:effectRef>
+            <a:fontRef idx="minor">
+              <a:schemeClr val="lt1"/>
+            </a:fontRef>
+          </p:style>
+          <p:txBody>
+            <a:bodyPr/>
+            <a:lstStyle/>
+            <a:p>
+              <a:endParaRPr lang="en-US"/>
+            </a:p>
+          </p:txBody>
+        </p:sp>
+      </p:grpSp>
+      <p:sp>
+        <p:nvSpPr>
+          <p:cNvPr id="88" name="Rectangle 87">
+            <a:extLst>
+              <a:ext uri="{FF2B5EF4-FFF2-40B4-BE49-F238E27FC236}">
+                <a16:creationId xmlns:a16="http://schemas.microsoft.com/office/drawing/2014/main" id="{5C9652B3-A450-4ED6-8FBF-F536BA60B4D8}"/>
+              </a:ext>
+              <a:ext uri="{C183D7F6-B498-43B3-948B-1728B52AA6E4}">
+                <adec:decorative xmlns:adec="http://schemas.microsoft.com/office/drawing/2017/decorative" val="1"/>
+              </a:ext>
+            </a:extLst>
+          </p:cNvPr>
+          <p:cNvSpPr>
+            <a:spLocks noGrp="1" noRot="1" noChangeAspect="1" noMove="1" noResize="1" noEditPoints="1" noAdjustHandles="1" noChangeArrowheads="1" noChangeShapeType="1" noTextEdit="1"/>
+          </p:cNvSpPr>
+          <p:nvPr>
+            <p:extLst>
+              <p:ext uri="{386F3935-93C4-4BCD-93E2-E3B085C9AB24}">
+                <p16:designElem xmlns:p16="http://schemas.microsoft.com/office/powerpoint/2015/main" val="1"/>
+              </p:ext>
+            </p:extLst>
+          </p:nvPr>
+        </p:nvSpPr>
+        <p:spPr>
+          <a:xfrm>
+            <a:off x="357759" y="360045"/>
+            <a:ext cx="8428482" cy="4423410"/>
+          </a:xfrm>
+          <a:prstGeom prst="rect">
+            <a:avLst/>
+          </a:prstGeom>
+          <a:solidFill>
+            <a:srgbClr val="FFFFFF"/>
+          </a:solidFill>
+          <a:ln w="22225">
+            <a:solidFill>
+              <a:srgbClr val="FFFFFF"/>
+            </a:solidFill>
+          </a:ln>
+        </p:spPr>
+        <p:style>
+          <a:lnRef idx="2">
+            <a:schemeClr val="accent1">
+              <a:shade val="50000"/>
+            </a:schemeClr>
+          </a:lnRef>
+          <a:fillRef idx="1">
+            <a:schemeClr val="accent1"/>
+          </a:fillRef>
+          <a:effectRef idx="0">
+            <a:schemeClr val="accent1"/>
+          </a:effectRef>
+          <a:fontRef idx="minor">
+            <a:schemeClr val="lt1"/>
+          </a:fontRef>
+        </p:style>
+        <p:txBody>
+          <a:bodyPr rtlCol="0" anchor="ctr"/>
+          <a:lstStyle/>
+          <a:p>
+            <a:pPr algn="ctr"/>
+            <a:endParaRPr lang="en-US"/>
+          </a:p>
+        </p:txBody>
+      </p:sp>
       <p:pic>
         <p:nvPicPr>
           <p:cNvPr id="3" name="Picture 2">
             <a:extLst>
               <a:ext uri="{FF2B5EF4-FFF2-40B4-BE49-F238E27FC236}">
-                <a16:creationId xmlns:a16="http://schemas.microsoft.com/office/drawing/2014/main" id="{F27574F1-BF36-C555-7505-94A32D1BCF95}"/>
+                <a16:creationId xmlns:a16="http://schemas.microsoft.com/office/drawing/2014/main" id="{B07740AD-E9F0-8F0C-0968-2ADD3C1BFEC5}"/>
               </a:ext>
             </a:extLst>
           </p:cNvPr>
@@ -15689,34 +20040,17 @@
         </p:nvPicPr>
         <p:blipFill rotWithShape="1">
           <a:blip r:embed="rId3"/>
-          <a:srcRect t="24934" b="17225"/>
+          <a:srcRect t="4565" r="-1" b="14024"/>
           <a:stretch/>
         </p:blipFill>
         <p:spPr>
           <a:xfrm>
-            <a:off x="20" y="10"/>
-            <a:ext cx="9143980" cy="5143490"/>
+            <a:off x="426339" y="428625"/>
+            <a:ext cx="8291322" cy="4286250"/>
           </a:xfrm>
           <a:prstGeom prst="rect">
             <a:avLst/>
           </a:prstGeom>
-          <a:solidFill>
-            <a:srgbClr val="FFFFFF">
-              <a:shade val="85000"/>
-            </a:srgbClr>
-          </a:solidFill>
-          <a:scene3d>
-            <a:camera prst="orthographicFront"/>
-            <a:lightRig rig="twoPt" dir="t">
-              <a:rot lat="0" lon="0" rev="7200000"/>
-            </a:lightRig>
-          </a:scene3d>
-          <a:sp3d>
-            <a:bevelT w="25400" h="19050"/>
-            <a:contourClr>
-              <a:srgbClr val="FFFFFF"/>
-            </a:contourClr>
-          </a:sp3d>
         </p:spPr>
       </p:pic>
     </p:spTree>
@@ -15727,7 +20061,7 @@
 </p:sld>
 </file>
 
-<file path=ppt/slides/slide7.xml><?xml version="1.0" encoding="utf-8"?>
+<file path=ppt/slides/slide9.xml><?xml version="1.0" encoding="utf-8"?>
 <p:sld xmlns:a="http://schemas.openxmlformats.org/drawingml/2006/main" xmlns:r="http://schemas.openxmlformats.org/officeDocument/2006/relationships" xmlns:p="http://schemas.openxmlformats.org/presentationml/2006/main">
   <p:cSld>
     <p:bg>
@@ -16530,7 +20864,7 @@
           </a:bodyPr>
           <a:lstStyle/>
           <a:p>
-            <a:pPr marL="0" lvl="0" indent="0" defTabSz="457200">
+            <a:pPr marL="0" lvl="0" indent="0" algn="ctr" defTabSz="457200">
               <a:lnSpc>
                 <a:spcPct val="90000"/>
               </a:lnSpc>
@@ -16585,7 +20919,7 @@
               <a:buChar char=""/>
             </a:pPr>
             <a:r>
-              <a:rPr lang="en-US" sz="1500" dirty="0"/>
+              <a:rPr lang="en-US" sz="1500"/>
               <a:t>Map of the world displaying circle markers which have radio based on population and colors based on area.</a:t>
             </a:r>
           </a:p>
@@ -16602,7 +20936,7 @@
               <a:buChar char=""/>
             </a:pPr>
             <a:r>
-              <a:rPr lang="en-US" sz="1500" dirty="0"/>
+              <a:rPr lang="en-US" sz="1500"/>
               <a:t>Locations based on coordinates contained in API.</a:t>
             </a:r>
           </a:p>
@@ -16619,7 +20953,7 @@
               <a:buChar char=""/>
             </a:pPr>
             <a:r>
-              <a:rPr lang="en-US" sz="1500" dirty="0"/>
+              <a:rPr lang="en-US" sz="1500"/>
               <a:t>Population density – Highest: China.      </a:t>
             </a:r>
           </a:p>
@@ -16636,7 +20970,7 @@
               <a:buChar char=""/>
             </a:pPr>
             <a:r>
-              <a:rPr lang="en-US" sz="1500" dirty="0"/>
+              <a:rPr lang="en-US" sz="1500"/>
               <a:t>Population and area information available upon clicking the markers</a:t>
             </a:r>
           </a:p>
@@ -16653,7 +20987,7 @@
               <a:buChar char=""/>
             </a:pPr>
             <a:r>
-              <a:rPr lang="en-US" sz="1500" dirty="0"/>
+              <a:rPr lang="en-US" sz="1500"/>
               <a:t>Largest/Smallest: Russia/Vatican City</a:t>
             </a:r>
           </a:p>
@@ -16670,7 +21004,7 @@
               <a:buChar char=""/>
             </a:pPr>
             <a:r>
-              <a:rPr lang="en-US" sz="1500" dirty="0"/>
+              <a:rPr lang="en-US" sz="1500"/>
               <a:t>Most/Least People: China/Vatican City</a:t>
             </a:r>
           </a:p>
@@ -16796,461 +21130,6 @@
         </p:txBody>
       </p:sp>
     </p:spTree>
-  </p:cSld>
-  <p:clrMapOvr>
-    <a:masterClrMapping/>
-  </p:clrMapOvr>
-</p:sld>
-</file>
-
-<file path=ppt/slides/slide8.xml><?xml version="1.0" encoding="utf-8"?>
-<p:sld xmlns:a="http://schemas.openxmlformats.org/drawingml/2006/main" xmlns:r="http://schemas.openxmlformats.org/officeDocument/2006/relationships" xmlns:p="http://schemas.openxmlformats.org/presentationml/2006/main">
-  <p:cSld>
-    <p:spTree>
-      <p:nvGrpSpPr>
-        <p:cNvPr id="1" name=""/>
-        <p:cNvGrpSpPr/>
-        <p:nvPr/>
-      </p:nvGrpSpPr>
-      <p:grpSpPr>
-        <a:xfrm>
-          <a:off x="0" y="0"/>
-          <a:ext cx="0" cy="0"/>
-          <a:chOff x="0" y="0"/>
-          <a:chExt cx="0" cy="0"/>
-        </a:xfrm>
-      </p:grpSpPr>
-      <p:sp>
-        <p:nvSpPr>
-          <p:cNvPr id="5" name="TextBox 4">
-            <a:extLst>
-              <a:ext uri="{FF2B5EF4-FFF2-40B4-BE49-F238E27FC236}">
-                <a16:creationId xmlns:a16="http://schemas.microsoft.com/office/drawing/2014/main" id="{40D83849-C8C8-8ECC-62B1-05AED6E410B7}"/>
-              </a:ext>
-            </a:extLst>
-          </p:cNvPr>
-          <p:cNvSpPr txBox="1"/>
-          <p:nvPr/>
-        </p:nvSpPr>
-        <p:spPr>
-          <a:xfrm>
-            <a:off x="225778" y="338667"/>
-            <a:ext cx="7156329" cy="4289316"/>
-          </a:xfrm>
-          <a:prstGeom prst="rect">
-            <a:avLst/>
-          </a:prstGeom>
-          <a:noFill/>
-        </p:spPr>
-        <p:txBody>
-          <a:bodyPr wrap="square">
-            <a:spAutoFit/>
-          </a:bodyPr>
-          <a:lstStyle/>
-          <a:p>
-            <a:pPr>
-              <a:lnSpc>
-                <a:spcPct val="90000"/>
-              </a:lnSpc>
-              <a:spcBef>
-                <a:spcPct val="0"/>
-              </a:spcBef>
-              <a:buSzPts val="3000"/>
-            </a:pPr>
-            <a:r>
-              <a:rPr lang="en-US" sz="3200" b="1" dirty="0">
-                <a:solidFill>
-                  <a:schemeClr val="accent2">
-                    <a:lumMod val="75000"/>
-                  </a:schemeClr>
-                </a:solidFill>
-                <a:latin typeface="+mj-lt"/>
-                <a:ea typeface="+mj-ea"/>
-                <a:cs typeface="+mj-cs"/>
-              </a:rPr>
-              <a:t>Top 5 Most Common Languages by Region</a:t>
-            </a:r>
-          </a:p>
-          <a:p>
-            <a:pPr marL="457200" indent="-311150">
-              <a:lnSpc>
-                <a:spcPct val="70000"/>
-              </a:lnSpc>
-              <a:spcBef>
-                <a:spcPts val="1000"/>
-              </a:spcBef>
-              <a:buClr>
-                <a:schemeClr val="accent1"/>
-              </a:buClr>
-              <a:buSzPct val="80000"/>
-              <a:buFont typeface="Wingdings 3" charset="2"/>
-              <a:buChar char=""/>
-            </a:pPr>
-            <a:r>
-              <a:rPr lang="en-US" sz="1600" dirty="0">
-                <a:solidFill>
-                  <a:schemeClr val="tx1">
-                    <a:lumMod val="75000"/>
-                    <a:lumOff val="25000"/>
-                  </a:schemeClr>
-                </a:solidFill>
-              </a:rPr>
-              <a:t>Most Common Language in Oceania: English</a:t>
-            </a:r>
-          </a:p>
-          <a:p>
-            <a:pPr marL="457200" indent="-311150">
-              <a:lnSpc>
-                <a:spcPct val="70000"/>
-              </a:lnSpc>
-              <a:spcBef>
-                <a:spcPts val="1000"/>
-              </a:spcBef>
-              <a:buClr>
-                <a:schemeClr val="accent1"/>
-              </a:buClr>
-              <a:buSzPct val="80000"/>
-              <a:buFont typeface="Wingdings 3" charset="2"/>
-              <a:buChar char=""/>
-            </a:pPr>
-            <a:endParaRPr lang="en-US" sz="1600" dirty="0">
-              <a:solidFill>
-                <a:schemeClr val="tx1">
-                  <a:lumMod val="75000"/>
-                  <a:lumOff val="25000"/>
-                </a:schemeClr>
-              </a:solidFill>
-            </a:endParaRPr>
-          </a:p>
-          <a:p>
-            <a:pPr marL="457200" indent="-311150">
-              <a:lnSpc>
-                <a:spcPct val="70000"/>
-              </a:lnSpc>
-              <a:spcBef>
-                <a:spcPts val="1000"/>
-              </a:spcBef>
-              <a:buClr>
-                <a:schemeClr val="accent1"/>
-              </a:buClr>
-              <a:buSzPct val="80000"/>
-              <a:buFont typeface="Wingdings 3" charset="2"/>
-              <a:buChar char=""/>
-            </a:pPr>
-            <a:r>
-              <a:rPr lang="en-US" sz="1600" dirty="0">
-                <a:solidFill>
-                  <a:schemeClr val="tx1">
-                    <a:lumMod val="75000"/>
-                    <a:lumOff val="25000"/>
-                  </a:schemeClr>
-                </a:solidFill>
-              </a:rPr>
-              <a:t>Most Common Language in the Americas: English</a:t>
-            </a:r>
-          </a:p>
-          <a:p>
-            <a:pPr marL="457200" indent="-311150">
-              <a:lnSpc>
-                <a:spcPct val="70000"/>
-              </a:lnSpc>
-              <a:spcBef>
-                <a:spcPts val="1000"/>
-              </a:spcBef>
-              <a:buClr>
-                <a:schemeClr val="accent1"/>
-              </a:buClr>
-              <a:buSzPct val="80000"/>
-              <a:buFont typeface="Wingdings 3" charset="2"/>
-              <a:buChar char=""/>
-            </a:pPr>
-            <a:endParaRPr lang="en-US" sz="1600" dirty="0">
-              <a:solidFill>
-                <a:schemeClr val="tx1">
-                  <a:lumMod val="75000"/>
-                  <a:lumOff val="25000"/>
-                </a:schemeClr>
-              </a:solidFill>
-            </a:endParaRPr>
-          </a:p>
-          <a:p>
-            <a:pPr marL="457200" indent="-311150">
-              <a:lnSpc>
-                <a:spcPct val="70000"/>
-              </a:lnSpc>
-              <a:spcBef>
-                <a:spcPts val="1000"/>
-              </a:spcBef>
-              <a:buClr>
-                <a:schemeClr val="accent1"/>
-              </a:buClr>
-              <a:buSzPct val="80000"/>
-              <a:buFont typeface="Wingdings 3" charset="2"/>
-              <a:buChar char=""/>
-            </a:pPr>
-            <a:r>
-              <a:rPr lang="en-US" sz="1600" dirty="0">
-                <a:solidFill>
-                  <a:schemeClr val="tx1">
-                    <a:lumMod val="75000"/>
-                    <a:lumOff val="25000"/>
-                  </a:schemeClr>
-                </a:solidFill>
-              </a:rPr>
-              <a:t>Most Common Language in Africa: English</a:t>
-            </a:r>
-          </a:p>
-          <a:p>
-            <a:pPr marL="457200" indent="-311150">
-              <a:lnSpc>
-                <a:spcPct val="70000"/>
-              </a:lnSpc>
-              <a:spcBef>
-                <a:spcPts val="1000"/>
-              </a:spcBef>
-              <a:buClr>
-                <a:schemeClr val="accent1"/>
-              </a:buClr>
-              <a:buSzPct val="80000"/>
-              <a:buFont typeface="Wingdings 3" charset="2"/>
-              <a:buChar char=""/>
-            </a:pPr>
-            <a:endParaRPr lang="en-US" sz="1600" dirty="0">
-              <a:solidFill>
-                <a:schemeClr val="tx1">
-                  <a:lumMod val="75000"/>
-                  <a:lumOff val="25000"/>
-                </a:schemeClr>
-              </a:solidFill>
-            </a:endParaRPr>
-          </a:p>
-          <a:p>
-            <a:pPr marL="457200" indent="-311150">
-              <a:lnSpc>
-                <a:spcPct val="70000"/>
-              </a:lnSpc>
-              <a:spcBef>
-                <a:spcPts val="1000"/>
-              </a:spcBef>
-              <a:buClr>
-                <a:schemeClr val="accent1"/>
-              </a:buClr>
-              <a:buSzPct val="80000"/>
-              <a:buFont typeface="Wingdings 3" charset="2"/>
-              <a:buChar char=""/>
-            </a:pPr>
-            <a:r>
-              <a:rPr lang="en-US" sz="1600" dirty="0">
-                <a:solidFill>
-                  <a:schemeClr val="tx1">
-                    <a:lumMod val="75000"/>
-                    <a:lumOff val="25000"/>
-                  </a:schemeClr>
-                </a:solidFill>
-              </a:rPr>
-              <a:t>Most Common Language in Europe: French</a:t>
-            </a:r>
-          </a:p>
-          <a:p>
-            <a:pPr marL="457200" indent="-311150">
-              <a:lnSpc>
-                <a:spcPct val="70000"/>
-              </a:lnSpc>
-              <a:spcBef>
-                <a:spcPts val="1000"/>
-              </a:spcBef>
-              <a:buClr>
-                <a:schemeClr val="accent1"/>
-              </a:buClr>
-              <a:buSzPct val="80000"/>
-              <a:buFont typeface="Wingdings 3" charset="2"/>
-              <a:buChar char=""/>
-            </a:pPr>
-            <a:endParaRPr lang="en-US" sz="1600" dirty="0">
-              <a:solidFill>
-                <a:schemeClr val="tx1">
-                  <a:lumMod val="75000"/>
-                  <a:lumOff val="25000"/>
-                </a:schemeClr>
-              </a:solidFill>
-            </a:endParaRPr>
-          </a:p>
-          <a:p>
-            <a:pPr marL="457200" indent="-311150">
-              <a:lnSpc>
-                <a:spcPct val="70000"/>
-              </a:lnSpc>
-              <a:spcBef>
-                <a:spcPts val="1000"/>
-              </a:spcBef>
-              <a:buClr>
-                <a:schemeClr val="accent1"/>
-              </a:buClr>
-              <a:buSzPct val="80000"/>
-              <a:buFont typeface="Wingdings 3" charset="2"/>
-              <a:buChar char=""/>
-            </a:pPr>
-            <a:r>
-              <a:rPr lang="en-US" sz="1600" dirty="0">
-                <a:solidFill>
-                  <a:schemeClr val="tx1">
-                    <a:lumMod val="75000"/>
-                    <a:lumOff val="25000"/>
-                  </a:schemeClr>
-                </a:solidFill>
-              </a:rPr>
-              <a:t>Most Common Language in Asia: Arabic</a:t>
-            </a:r>
-          </a:p>
-          <a:p>
-            <a:pPr marL="457200" indent="-311150">
-              <a:lnSpc>
-                <a:spcPct val="70000"/>
-              </a:lnSpc>
-              <a:spcBef>
-                <a:spcPts val="1000"/>
-              </a:spcBef>
-              <a:buClr>
-                <a:schemeClr val="accent1"/>
-              </a:buClr>
-              <a:buSzPct val="80000"/>
-              <a:buFont typeface="Wingdings 3" charset="2"/>
-              <a:buChar char=""/>
-            </a:pPr>
-            <a:endParaRPr lang="en-US" sz="1600" dirty="0">
-              <a:solidFill>
-                <a:schemeClr val="tx1">
-                  <a:lumMod val="75000"/>
-                  <a:lumOff val="25000"/>
-                </a:schemeClr>
-              </a:solidFill>
-            </a:endParaRPr>
-          </a:p>
-          <a:p>
-            <a:pPr marL="457200" indent="-311150">
-              <a:lnSpc>
-                <a:spcPct val="70000"/>
-              </a:lnSpc>
-              <a:spcBef>
-                <a:spcPts val="1000"/>
-              </a:spcBef>
-              <a:buClr>
-                <a:schemeClr val="accent1"/>
-              </a:buClr>
-              <a:buSzPct val="80000"/>
-              <a:buFont typeface="Wingdings 3" charset="2"/>
-              <a:buChar char=""/>
-            </a:pPr>
-            <a:r>
-              <a:rPr lang="en-US" sz="1600" dirty="0">
-                <a:solidFill>
-                  <a:schemeClr val="tx1">
-                    <a:lumMod val="75000"/>
-                    <a:lumOff val="25000"/>
-                  </a:schemeClr>
-                </a:solidFill>
-              </a:rPr>
-              <a:t>Most Common Language in the Antarctic: English</a:t>
-            </a:r>
-          </a:p>
-        </p:txBody>
-      </p:sp>
-    </p:spTree>
-    <p:extLst>
-      <p:ext uri="{BB962C8B-B14F-4D97-AF65-F5344CB8AC3E}">
-        <p14:creationId xmlns:p14="http://schemas.microsoft.com/office/powerpoint/2010/main" val="2568645975"/>
-      </p:ext>
-    </p:extLst>
-  </p:cSld>
-  <p:clrMapOvr>
-    <a:masterClrMapping/>
-  </p:clrMapOvr>
-</p:sld>
-</file>
-
-<file path=ppt/slides/slide9.xml><?xml version="1.0" encoding="utf-8"?>
-<p:sld xmlns:a="http://schemas.openxmlformats.org/drawingml/2006/main" xmlns:r="http://schemas.openxmlformats.org/officeDocument/2006/relationships" xmlns:p="http://schemas.openxmlformats.org/presentationml/2006/main">
-  <p:cSld>
-    <p:spTree>
-      <p:nvGrpSpPr>
-        <p:cNvPr id="1" name=""/>
-        <p:cNvGrpSpPr/>
-        <p:nvPr/>
-      </p:nvGrpSpPr>
-      <p:grpSpPr>
-        <a:xfrm>
-          <a:off x="0" y="0"/>
-          <a:ext cx="0" cy="0"/>
-          <a:chOff x="0" y="0"/>
-          <a:chExt cx="0" cy="0"/>
-        </a:xfrm>
-      </p:grpSpPr>
-      <p:pic>
-        <p:nvPicPr>
-          <p:cNvPr id="3" name="Picture 2">
-            <a:extLst>
-              <a:ext uri="{FF2B5EF4-FFF2-40B4-BE49-F238E27FC236}">
-                <a16:creationId xmlns:a16="http://schemas.microsoft.com/office/drawing/2014/main" id="{76D52324-9C35-195F-C77C-B58996F69245}"/>
-              </a:ext>
-            </a:extLst>
-          </p:cNvPr>
-          <p:cNvPicPr>
-            <a:picLocks noChangeAspect="1"/>
-          </p:cNvPicPr>
-          <p:nvPr/>
-        </p:nvPicPr>
-        <p:blipFill>
-          <a:blip r:embed="rId2"/>
-          <a:stretch>
-            <a:fillRect/>
-          </a:stretch>
-        </p:blipFill>
-        <p:spPr>
-          <a:xfrm>
-            <a:off x="0" y="2536156"/>
-            <a:ext cx="7818455" cy="2695182"/>
-          </a:xfrm>
-          <a:prstGeom prst="rect">
-            <a:avLst/>
-          </a:prstGeom>
-        </p:spPr>
-      </p:pic>
-      <p:pic>
-        <p:nvPicPr>
-          <p:cNvPr id="2" name="Picture 1">
-            <a:extLst>
-              <a:ext uri="{FF2B5EF4-FFF2-40B4-BE49-F238E27FC236}">
-                <a16:creationId xmlns:a16="http://schemas.microsoft.com/office/drawing/2014/main" id="{03DB0D98-6363-41E1-B09D-411B7BFE4A29}"/>
-              </a:ext>
-            </a:extLst>
-          </p:cNvPr>
-          <p:cNvPicPr>
-            <a:picLocks noChangeAspect="1"/>
-          </p:cNvPicPr>
-          <p:nvPr/>
-        </p:nvPicPr>
-        <p:blipFill>
-          <a:blip r:embed="rId3"/>
-          <a:stretch>
-            <a:fillRect/>
-          </a:stretch>
-        </p:blipFill>
-        <p:spPr>
-          <a:xfrm>
-            <a:off x="272450" y="0"/>
-            <a:ext cx="6657409" cy="2536156"/>
-          </a:xfrm>
-          <a:prstGeom prst="rect">
-            <a:avLst/>
-          </a:prstGeom>
-        </p:spPr>
-      </p:pic>
-    </p:spTree>
-    <p:extLst>
-      <p:ext uri="{BB962C8B-B14F-4D97-AF65-F5344CB8AC3E}">
-        <p14:creationId xmlns:p14="http://schemas.microsoft.com/office/powerpoint/2010/main" val="1525494949"/>
-      </p:ext>
-    </p:extLst>
   </p:cSld>
   <p:clrMapOvr>
     <a:masterClrMapping/>
